--- a/docs/report.pptx
+++ b/docs/report.pptx
@@ -1,22 +1,22 @@
 
 <file path=ppt/presentation.xml><?xml version="1.0" encoding="utf-8"?>
-<p:presentation xmlns:a="http://schemas.openxmlformats.org/drawingml/2006/main" xmlns:r="http://schemas.openxmlformats.org/officeDocument/2006/relationships" xmlns:p="http://schemas.openxmlformats.org/presentationml/2006/main" xmlns:m="http://schemas.openxmlformats.org/officeDocument/2006/math" xmlns:a14="http://schemas.microsoft.com/office/drawing/2010/main">
+<p:presentation xmlns:a="http://schemas.openxmlformats.org/drawingml/2006/main" xmlns:r="http://schemas.openxmlformats.org/officeDocument/2006/relationships" xmlns:p="http://schemas.openxmlformats.org/presentationml/2006/main">
   <p:sldMasterIdLst>
-    <p:sldMasterId id="2147483648" r:id="rId5"/>
+    <p:sldMasterId id="2147483648" r:id="rId1"/>
   </p:sldMasterIdLst>
   <p:notesMasterIdLst>
-    <p:notesMasterId r:id="rId7"/>
+    <p:notesMasterId r:id="rId11"/>
   </p:notesMasterIdLst>
   <p:sldIdLst>
-    <p:sldId id="256" r:id="rId8"/>
-    <p:sldId id="257" r:id="rId9"/>
-    <p:sldId id="258" r:id="rId10"/>
-    <p:sldId id="259" r:id="rId11"/>
-    <p:sldId id="260" r:id="rId12"/>
-    <p:sldId id="261" r:id="rId13"/>
-    <p:sldId id="262" r:id="rId14"/>
-    <p:sldId id="263" r:id="rId15"/>
-    <p:sldId id="264" r:id="rId16"/>
+    <p:sldId id="256" r:id="rId2"/>
+    <p:sldId id="257" r:id="rId3"/>
+    <p:sldId id="258" r:id="rId4"/>
+    <p:sldId id="259" r:id="rId5"/>
+    <p:sldId id="260" r:id="rId6"/>
+    <p:sldId id="261" r:id="rId7"/>
+    <p:sldId id="262" r:id="rId8"/>
+    <p:sldId id="263" r:id="rId9"/>
+    <p:sldId id="264" r:id="rId10"/>
   </p:sldIdLst>
   <p:sldSz cx="12192000" cy="6858000"/>
   <p:notesSz cx="6858000" cy="9144000"/>
@@ -36,7 +36,7 @@
       <a:buFontTx/>
       <a:buNone/>
       <a:tabLst/>
-      <a:defRPr b="0" baseline="0" cap="none" i="0" spc="0" strike="noStrike" sz="1800" u="none" kumimoji="0" normalizeH="0">
+      <a:defRPr kumimoji="0" sz="1800" b="0" i="0" u="none" strike="noStrike" cap="none" spc="0" normalizeH="0" baseline="0">
         <a:ln>
           <a:noFill/>
         </a:ln>
@@ -62,7 +62,7 @@
       <a:buFontTx/>
       <a:buNone/>
       <a:tabLst/>
-      <a:defRPr b="0" baseline="0" cap="none" i="0" spc="0" strike="noStrike" sz="1800" u="none" kumimoji="0" normalizeH="0">
+      <a:defRPr kumimoji="0" sz="1800" b="0" i="0" u="none" strike="noStrike" cap="none" spc="0" normalizeH="0" baseline="0">
         <a:ln>
           <a:noFill/>
         </a:ln>
@@ -92,7 +92,7 @@
       <a:buFontTx/>
       <a:buNone/>
       <a:tabLst/>
-      <a:defRPr b="0" baseline="0" cap="none" i="0" spc="0" strike="noStrike" sz="1800" u="none" kumimoji="0" normalizeH="0">
+      <a:defRPr kumimoji="0" sz="1800" b="0" i="0" u="none" strike="noStrike" cap="none" spc="0" normalizeH="0" baseline="0">
         <a:ln>
           <a:noFill/>
         </a:ln>
@@ -122,7 +122,7 @@
       <a:buFontTx/>
       <a:buNone/>
       <a:tabLst/>
-      <a:defRPr b="0" baseline="0" cap="none" i="0" spc="0" strike="noStrike" sz="1800" u="none" kumimoji="0" normalizeH="0">
+      <a:defRPr kumimoji="0" sz="1800" b="0" i="0" u="none" strike="noStrike" cap="none" spc="0" normalizeH="0" baseline="0">
         <a:ln>
           <a:noFill/>
         </a:ln>
@@ -152,7 +152,7 @@
       <a:buFontTx/>
       <a:buNone/>
       <a:tabLst/>
-      <a:defRPr b="0" baseline="0" cap="none" i="0" spc="0" strike="noStrike" sz="1800" u="none" kumimoji="0" normalizeH="0">
+      <a:defRPr kumimoji="0" sz="1800" b="0" i="0" u="none" strike="noStrike" cap="none" spc="0" normalizeH="0" baseline="0">
         <a:ln>
           <a:noFill/>
         </a:ln>
@@ -182,7 +182,7 @@
       <a:buFontTx/>
       <a:buNone/>
       <a:tabLst/>
-      <a:defRPr b="0" baseline="0" cap="none" i="0" spc="0" strike="noStrike" sz="1800" u="none" kumimoji="0" normalizeH="0">
+      <a:defRPr kumimoji="0" sz="1800" b="0" i="0" u="none" strike="noStrike" cap="none" spc="0" normalizeH="0" baseline="0">
         <a:ln>
           <a:noFill/>
         </a:ln>
@@ -212,7 +212,7 @@
       <a:buFontTx/>
       <a:buNone/>
       <a:tabLst/>
-      <a:defRPr b="0" baseline="0" cap="none" i="0" spc="0" strike="noStrike" sz="1800" u="none" kumimoji="0" normalizeH="0">
+      <a:defRPr kumimoji="0" sz="1800" b="0" i="0" u="none" strike="noStrike" cap="none" spc="0" normalizeH="0" baseline="0">
         <a:ln>
           <a:noFill/>
         </a:ln>
@@ -242,7 +242,7 @@
       <a:buFontTx/>
       <a:buNone/>
       <a:tabLst/>
-      <a:defRPr b="0" baseline="0" cap="none" i="0" spc="0" strike="noStrike" sz="1800" u="none" kumimoji="0" normalizeH="0">
+      <a:defRPr kumimoji="0" sz="1800" b="0" i="0" u="none" strike="noStrike" cap="none" spc="0" normalizeH="0" baseline="0">
         <a:ln>
           <a:noFill/>
         </a:ln>
@@ -272,7 +272,7 @@
       <a:buFontTx/>
       <a:buNone/>
       <a:tabLst/>
-      <a:defRPr b="0" baseline="0" cap="none" i="0" spc="0" strike="noStrike" sz="1800" u="none" kumimoji="0" normalizeH="0">
+      <a:defRPr kumimoji="0" sz="1800" b="0" i="0" u="none" strike="noStrike" cap="none" spc="0" normalizeH="0" baseline="0">
         <a:ln>
           <a:noFill/>
         </a:ln>
@@ -302,7 +302,7 @@
       <a:buFontTx/>
       <a:buNone/>
       <a:tabLst/>
-      <a:defRPr b="0" baseline="0" cap="none" i="0" spc="0" strike="noStrike" sz="1800" u="none" kumimoji="0" normalizeH="0">
+      <a:defRPr kumimoji="0" sz="1800" b="0" i="0" u="none" strike="noStrike" cap="none" spc="0" normalizeH="0" baseline="0">
         <a:ln>
           <a:noFill/>
         </a:ln>
@@ -321,13 +321,14 @@
 </p:presentation>
 </file>
 
-<file path=ppt/commentAuthors.xml><?xml version="1.0" encoding="utf-8"?>
-<p:cmAuthorLst xmlns:a="http://schemas.openxmlformats.org/drawingml/2006/main" xmlns:r="http://schemas.openxmlformats.org/officeDocument/2006/relationships" xmlns:p="http://schemas.openxmlformats.org/presentationml/2006/main" xmlns:m="http://schemas.openxmlformats.org/officeDocument/2006/math" xmlns:a14="http://schemas.microsoft.com/office/drawing/2010/main"/>
-</file>
-
 <file path=ppt/notesMasters/notesMaster1.xml><?xml version="1.0" encoding="utf-8"?>
-<p:notesMaster xmlns:a="http://schemas.openxmlformats.org/drawingml/2006/main" xmlns:r="http://schemas.openxmlformats.org/officeDocument/2006/relationships" xmlns:p="http://schemas.openxmlformats.org/presentationml/2006/main" xmlns:m="http://schemas.openxmlformats.org/officeDocument/2006/math" xmlns:a14="http://schemas.microsoft.com/office/drawing/2010/main">
+<p:notesMaster xmlns:a="http://schemas.openxmlformats.org/drawingml/2006/main" xmlns:r="http://schemas.openxmlformats.org/officeDocument/2006/relationships" xmlns:p="http://schemas.openxmlformats.org/presentationml/2006/main">
   <p:cSld>
+    <p:bg>
+      <p:bgRef idx="1001">
+        <a:schemeClr val="bg1"/>
+      </p:bgRef>
+    </p:bg>
     <p:spTree>
       <p:nvGrpSpPr>
         <p:cNvPr id="1" name=""/>
@@ -345,7 +346,9 @@
       <p:sp>
         <p:nvSpPr>
           <p:cNvPr id="91" name="Shape 91"/>
-          <p:cNvSpPr/>
+          <p:cNvSpPr>
+            <a:spLocks noGrp="1" noRot="1" noChangeAspect="1"/>
+          </p:cNvSpPr>
           <p:nvPr>
             <p:ph type="sldImg"/>
           </p:nvPr>
@@ -363,14 +366,16 @@
           <a:bodyPr/>
           <a:lstStyle/>
           <a:p>
-            <a:pPr/>
+            <a:endParaRPr/>
           </a:p>
         </p:txBody>
       </p:sp>
       <p:sp>
         <p:nvSpPr>
           <p:cNvPr id="92" name="Shape 92"/>
-          <p:cNvSpPr/>
+          <p:cNvSpPr>
+            <a:spLocks noGrp="1"/>
+          </p:cNvSpPr>
           <p:nvPr>
             <p:ph type="body" sz="quarter" idx="1"/>
           </p:nvPr>
@@ -388,7 +393,7 @@
           <a:bodyPr/>
           <a:lstStyle/>
           <a:p>
-            <a:pPr/>
+            <a:endParaRPr/>
           </a:p>
         </p:txBody>
       </p:sp>
@@ -473,7 +478,7 @@
 </file>
 
 <file path=ppt/slideLayouts/slideLayout1.xml><?xml version="1.0" encoding="utf-8"?>
-<p:sldLayout xmlns:a="http://schemas.openxmlformats.org/drawingml/2006/main" xmlns:r="http://schemas.openxmlformats.org/officeDocument/2006/relationships" xmlns:p="http://schemas.openxmlformats.org/presentationml/2006/main" xmlns:m="http://schemas.openxmlformats.org/officeDocument/2006/math" xmlns:a14="http://schemas.microsoft.com/office/drawing/2010/main" type="title" showMasterSp="1" showMasterPhAnim="1">
+<p:sldLayout xmlns:a="http://schemas.openxmlformats.org/drawingml/2006/main" xmlns:r="http://schemas.openxmlformats.org/officeDocument/2006/relationships" xmlns:p="http://schemas.openxmlformats.org/presentationml/2006/main" type="title">
   <p:cSld name="Title Slide">
     <p:spTree>
       <p:nvGrpSpPr>
@@ -492,7 +497,9 @@
       <p:sp>
         <p:nvSpPr>
           <p:cNvPr id="11" name="标题文本"/>
-          <p:cNvSpPr txBox="1"/>
+          <p:cNvSpPr txBox="1">
+            <a:spLocks noGrp="1"/>
+          </p:cNvSpPr>
           <p:nvPr>
             <p:ph type="title"/>
           </p:nvPr>
@@ -514,7 +521,6 @@
             </a:lvl1pPr>
           </a:lstStyle>
           <a:p>
-            <a:pPr/>
             <a:r>
               <a:t>标题文本</a:t>
             </a:r>
@@ -524,7 +530,9 @@
       <p:sp>
         <p:nvSpPr>
           <p:cNvPr id="12" name="正文级别 1…"/>
-          <p:cNvSpPr txBox="1"/>
+          <p:cNvSpPr txBox="1">
+            <a:spLocks noGrp="1"/>
+          </p:cNvSpPr>
           <p:nvPr>
             <p:ph type="body" sz="quarter" idx="1"/>
           </p:nvPr>
@@ -573,7 +581,6 @@
             </a:lvl5pPr>
           </a:lstStyle>
           <a:p>
-            <a:pPr/>
             <a:r>
               <a:t>正文级别 1</a:t>
             </a:r>
@@ -607,7 +614,9 @@
       <p:sp>
         <p:nvSpPr>
           <p:cNvPr id="13" name="幻灯片编号"/>
-          <p:cNvSpPr txBox="1"/>
+          <p:cNvSpPr txBox="1">
+            <a:spLocks noGrp="1"/>
+          </p:cNvSpPr>
           <p:nvPr>
             <p:ph type="sldNum" sz="quarter" idx="2"/>
           </p:nvPr>
@@ -621,8 +630,10 @@
           <a:bodyPr/>
           <a:lstStyle/>
           <a:p>
-            <a:pPr/>
-            <a:fld id="{86CB4B4D-7CA3-9044-876B-883B54F8677D}" type="slidenum"/>
+            <a:fld id="{86CB4B4D-7CA3-9044-876B-883B54F8677D}" type="slidenum">
+              <a:t>‹#›</a:t>
+            </a:fld>
+            <a:endParaRPr/>
           </a:p>
         </p:txBody>
       </p:sp>
@@ -631,12 +642,12 @@
   <p:clrMapOvr>
     <a:masterClrMapping/>
   </p:clrMapOvr>
-  <p:transition xmlns:p14="http://schemas.microsoft.com/office/powerpoint/2010/main" spd="med" advClick="1"/>
+  <p:transition spd="med"/>
 </p:sldLayout>
 </file>
 
 <file path=ppt/slideLayouts/slideLayout2.xml><?xml version="1.0" encoding="utf-8"?>
-<p:sldLayout xmlns:a="http://schemas.openxmlformats.org/drawingml/2006/main" xmlns:r="http://schemas.openxmlformats.org/officeDocument/2006/relationships" xmlns:p="http://schemas.openxmlformats.org/presentationml/2006/main" xmlns:m="http://schemas.openxmlformats.org/officeDocument/2006/math" xmlns:a14="http://schemas.microsoft.com/office/drawing/2010/main" type="tx" showMasterSp="1" showMasterPhAnim="1">
+<p:sldLayout xmlns:a="http://schemas.openxmlformats.org/drawingml/2006/main" xmlns:r="http://schemas.openxmlformats.org/officeDocument/2006/relationships" xmlns:p="http://schemas.openxmlformats.org/presentationml/2006/main" type="tx">
   <p:cSld name="Title and Content">
     <p:spTree>
       <p:nvGrpSpPr>
@@ -655,7 +666,9 @@
       <p:sp>
         <p:nvSpPr>
           <p:cNvPr id="20" name="标题文本"/>
-          <p:cNvSpPr txBox="1"/>
+          <p:cNvSpPr txBox="1">
+            <a:spLocks noGrp="1"/>
+          </p:cNvSpPr>
           <p:nvPr>
             <p:ph type="title"/>
           </p:nvPr>
@@ -669,7 +682,6 @@
           <a:bodyPr/>
           <a:lstStyle/>
           <a:p>
-            <a:pPr/>
             <a:r>
               <a:t>标题文本</a:t>
             </a:r>
@@ -679,7 +691,9 @@
       <p:sp>
         <p:nvSpPr>
           <p:cNvPr id="21" name="正文级别 1…"/>
-          <p:cNvSpPr txBox="1"/>
+          <p:cNvSpPr txBox="1">
+            <a:spLocks noGrp="1"/>
+          </p:cNvSpPr>
           <p:nvPr>
             <p:ph type="body" idx="1"/>
           </p:nvPr>
@@ -693,7 +707,6 @@
           <a:bodyPr/>
           <a:lstStyle/>
           <a:p>
-            <a:pPr/>
             <a:r>
               <a:t>正文级别 1</a:t>
             </a:r>
@@ -727,7 +740,9 @@
       <p:sp>
         <p:nvSpPr>
           <p:cNvPr id="22" name="幻灯片编号"/>
-          <p:cNvSpPr txBox="1"/>
+          <p:cNvSpPr txBox="1">
+            <a:spLocks noGrp="1"/>
+          </p:cNvSpPr>
           <p:nvPr>
             <p:ph type="sldNum" sz="quarter" idx="2"/>
           </p:nvPr>
@@ -741,8 +756,10 @@
           <a:bodyPr/>
           <a:lstStyle/>
           <a:p>
-            <a:pPr/>
-            <a:fld id="{86CB4B4D-7CA3-9044-876B-883B54F8677D}" type="slidenum"/>
+            <a:fld id="{86CB4B4D-7CA3-9044-876B-883B54F8677D}" type="slidenum">
+              <a:t>‹#›</a:t>
+            </a:fld>
+            <a:endParaRPr/>
           </a:p>
         </p:txBody>
       </p:sp>
@@ -751,12 +768,12 @@
   <p:clrMapOvr>
     <a:masterClrMapping/>
   </p:clrMapOvr>
-  <p:transition xmlns:p14="http://schemas.microsoft.com/office/powerpoint/2010/main" spd="med" advClick="1"/>
+  <p:transition spd="med"/>
 </p:sldLayout>
 </file>
 
 <file path=ppt/slideLayouts/slideLayout3.xml><?xml version="1.0" encoding="utf-8"?>
-<p:sldLayout xmlns:a="http://schemas.openxmlformats.org/drawingml/2006/main" xmlns:r="http://schemas.openxmlformats.org/officeDocument/2006/relationships" xmlns:p="http://schemas.openxmlformats.org/presentationml/2006/main" xmlns:m="http://schemas.openxmlformats.org/officeDocument/2006/math" xmlns:a14="http://schemas.microsoft.com/office/drawing/2010/main" type="tx" showMasterSp="1" showMasterPhAnim="1">
+<p:sldLayout xmlns:a="http://schemas.openxmlformats.org/drawingml/2006/main" xmlns:r="http://schemas.openxmlformats.org/officeDocument/2006/relationships" xmlns:p="http://schemas.openxmlformats.org/presentationml/2006/main" type="tx">
   <p:cSld name="Section Header">
     <p:spTree>
       <p:nvGrpSpPr>
@@ -775,7 +792,9 @@
       <p:sp>
         <p:nvSpPr>
           <p:cNvPr id="29" name="标题文本"/>
-          <p:cNvSpPr txBox="1"/>
+          <p:cNvSpPr txBox="1">
+            <a:spLocks noGrp="1"/>
+          </p:cNvSpPr>
           <p:nvPr>
             <p:ph type="title"/>
           </p:nvPr>
@@ -797,7 +816,6 @@
             </a:lvl1pPr>
           </a:lstStyle>
           <a:p>
-            <a:pPr/>
             <a:r>
               <a:t>标题文本</a:t>
             </a:r>
@@ -807,7 +825,9 @@
       <p:sp>
         <p:nvSpPr>
           <p:cNvPr id="30" name="正文级别 1…"/>
-          <p:cNvSpPr txBox="1"/>
+          <p:cNvSpPr txBox="1">
+            <a:spLocks noGrp="1"/>
+          </p:cNvSpPr>
           <p:nvPr>
             <p:ph type="body" sz="quarter" idx="1"/>
           </p:nvPr>
@@ -876,7 +896,6 @@
             </a:lvl5pPr>
           </a:lstStyle>
           <a:p>
-            <a:pPr/>
             <a:r>
               <a:t>正文级别 1</a:t>
             </a:r>
@@ -910,7 +929,9 @@
       <p:sp>
         <p:nvSpPr>
           <p:cNvPr id="31" name="幻灯片编号"/>
-          <p:cNvSpPr txBox="1"/>
+          <p:cNvSpPr txBox="1">
+            <a:spLocks noGrp="1"/>
+          </p:cNvSpPr>
           <p:nvPr>
             <p:ph type="sldNum" sz="quarter" idx="2"/>
           </p:nvPr>
@@ -924,8 +945,10 @@
           <a:bodyPr/>
           <a:lstStyle/>
           <a:p>
-            <a:pPr/>
-            <a:fld id="{86CB4B4D-7CA3-9044-876B-883B54F8677D}" type="slidenum"/>
+            <a:fld id="{86CB4B4D-7CA3-9044-876B-883B54F8677D}" type="slidenum">
+              <a:t>‹#›</a:t>
+            </a:fld>
+            <a:endParaRPr/>
           </a:p>
         </p:txBody>
       </p:sp>
@@ -934,12 +957,12 @@
   <p:clrMapOvr>
     <a:masterClrMapping/>
   </p:clrMapOvr>
-  <p:transition xmlns:p14="http://schemas.microsoft.com/office/powerpoint/2010/main" spd="med" advClick="1"/>
+  <p:transition spd="med"/>
 </p:sldLayout>
 </file>
 
 <file path=ppt/slideLayouts/slideLayout4.xml><?xml version="1.0" encoding="utf-8"?>
-<p:sldLayout xmlns:a="http://schemas.openxmlformats.org/drawingml/2006/main" xmlns:r="http://schemas.openxmlformats.org/officeDocument/2006/relationships" xmlns:p="http://schemas.openxmlformats.org/presentationml/2006/main" xmlns:m="http://schemas.openxmlformats.org/officeDocument/2006/math" xmlns:a14="http://schemas.microsoft.com/office/drawing/2010/main" type="tx" showMasterSp="1" showMasterPhAnim="1">
+<p:sldLayout xmlns:a="http://schemas.openxmlformats.org/drawingml/2006/main" xmlns:r="http://schemas.openxmlformats.org/officeDocument/2006/relationships" xmlns:p="http://schemas.openxmlformats.org/presentationml/2006/main" type="tx">
   <p:cSld name="Two Content">
     <p:spTree>
       <p:nvGrpSpPr>
@@ -958,7 +981,9 @@
       <p:sp>
         <p:nvSpPr>
           <p:cNvPr id="38" name="标题文本"/>
-          <p:cNvSpPr txBox="1"/>
+          <p:cNvSpPr txBox="1">
+            <a:spLocks noGrp="1"/>
+          </p:cNvSpPr>
           <p:nvPr>
             <p:ph type="title"/>
           </p:nvPr>
@@ -972,7 +997,6 @@
           <a:bodyPr/>
           <a:lstStyle/>
           <a:p>
-            <a:pPr/>
             <a:r>
               <a:t>标题文本</a:t>
             </a:r>
@@ -982,7 +1006,9 @@
       <p:sp>
         <p:nvSpPr>
           <p:cNvPr id="39" name="正文级别 1…"/>
-          <p:cNvSpPr txBox="1"/>
+          <p:cNvSpPr txBox="1">
+            <a:spLocks noGrp="1"/>
+          </p:cNvSpPr>
           <p:nvPr>
             <p:ph type="body" sz="half" idx="1"/>
           </p:nvPr>
@@ -1000,7 +1026,6 @@
           <a:bodyPr/>
           <a:lstStyle/>
           <a:p>
-            <a:pPr/>
             <a:r>
               <a:t>正文级别 1</a:t>
             </a:r>
@@ -1034,7 +1059,9 @@
       <p:sp>
         <p:nvSpPr>
           <p:cNvPr id="40" name="幻灯片编号"/>
-          <p:cNvSpPr txBox="1"/>
+          <p:cNvSpPr txBox="1">
+            <a:spLocks noGrp="1"/>
+          </p:cNvSpPr>
           <p:nvPr>
             <p:ph type="sldNum" sz="quarter" idx="2"/>
           </p:nvPr>
@@ -1048,8 +1075,10 @@
           <a:bodyPr/>
           <a:lstStyle/>
           <a:p>
-            <a:pPr/>
-            <a:fld id="{86CB4B4D-7CA3-9044-876B-883B54F8677D}" type="slidenum"/>
+            <a:fld id="{86CB4B4D-7CA3-9044-876B-883B54F8677D}" type="slidenum">
+              <a:t>‹#›</a:t>
+            </a:fld>
+            <a:endParaRPr/>
           </a:p>
         </p:txBody>
       </p:sp>
@@ -1058,12 +1087,12 @@
   <p:clrMapOvr>
     <a:masterClrMapping/>
   </p:clrMapOvr>
-  <p:transition xmlns:p14="http://schemas.microsoft.com/office/powerpoint/2010/main" spd="med" advClick="1"/>
+  <p:transition spd="med"/>
 </p:sldLayout>
 </file>
 
 <file path=ppt/slideLayouts/slideLayout5.xml><?xml version="1.0" encoding="utf-8"?>
-<p:sldLayout xmlns:a="http://schemas.openxmlformats.org/drawingml/2006/main" xmlns:r="http://schemas.openxmlformats.org/officeDocument/2006/relationships" xmlns:p="http://schemas.openxmlformats.org/presentationml/2006/main" xmlns:m="http://schemas.openxmlformats.org/officeDocument/2006/math" xmlns:a14="http://schemas.microsoft.com/office/drawing/2010/main" type="tx" showMasterSp="1" showMasterPhAnim="1">
+<p:sldLayout xmlns:a="http://schemas.openxmlformats.org/drawingml/2006/main" xmlns:r="http://schemas.openxmlformats.org/officeDocument/2006/relationships" xmlns:p="http://schemas.openxmlformats.org/presentationml/2006/main" type="tx">
   <p:cSld name="Comparison">
     <p:spTree>
       <p:nvGrpSpPr>
@@ -1082,7 +1111,9 @@
       <p:sp>
         <p:nvSpPr>
           <p:cNvPr id="47" name="标题文本"/>
-          <p:cNvSpPr txBox="1"/>
+          <p:cNvSpPr txBox="1">
+            <a:spLocks noGrp="1"/>
+          </p:cNvSpPr>
           <p:nvPr>
             <p:ph type="title"/>
           </p:nvPr>
@@ -1100,7 +1131,6 @@
           <a:bodyPr/>
           <a:lstStyle/>
           <a:p>
-            <a:pPr/>
             <a:r>
               <a:t>标题文本</a:t>
             </a:r>
@@ -1110,7 +1140,9 @@
       <p:sp>
         <p:nvSpPr>
           <p:cNvPr id="48" name="正文级别 1…"/>
-          <p:cNvSpPr txBox="1"/>
+          <p:cNvSpPr txBox="1">
+            <a:spLocks noGrp="1"/>
+          </p:cNvSpPr>
           <p:nvPr>
             <p:ph type="body" sz="quarter" idx="1"/>
           </p:nvPr>
@@ -1131,35 +1163,34 @@
               <a:buSzTx/>
               <a:buFontTx/>
               <a:buNone/>
-              <a:defRPr b="1" sz="2400"/>
+              <a:defRPr sz="2400" b="1"/>
             </a:lvl1pPr>
             <a:lvl2pPr marL="0" indent="457200">
               <a:buSzTx/>
               <a:buFontTx/>
               <a:buNone/>
-              <a:defRPr b="1" sz="2400"/>
+              <a:defRPr sz="2400" b="1"/>
             </a:lvl2pPr>
             <a:lvl3pPr marL="0" indent="914400">
               <a:buSzTx/>
               <a:buFontTx/>
               <a:buNone/>
-              <a:defRPr b="1" sz="2400"/>
+              <a:defRPr sz="2400" b="1"/>
             </a:lvl3pPr>
             <a:lvl4pPr marL="0" indent="1371600">
               <a:buSzTx/>
               <a:buFontTx/>
               <a:buNone/>
-              <a:defRPr b="1" sz="2400"/>
+              <a:defRPr sz="2400" b="1"/>
             </a:lvl4pPr>
             <a:lvl5pPr marL="0" indent="1828800">
               <a:buSzTx/>
               <a:buFontTx/>
               <a:buNone/>
-              <a:defRPr b="1" sz="2400"/>
+              <a:defRPr sz="2400" b="1"/>
             </a:lvl5pPr>
           </a:lstStyle>
           <a:p>
-            <a:pPr/>
             <a:r>
               <a:t>正文级别 1</a:t>
             </a:r>
@@ -1193,7 +1224,9 @@
       <p:sp>
         <p:nvSpPr>
           <p:cNvPr id="49" name="Text Placeholder 4"/>
-          <p:cNvSpPr/>
+          <p:cNvSpPr>
+            <a:spLocks noGrp="1"/>
+          </p:cNvSpPr>
           <p:nvPr>
             <p:ph type="body" sz="quarter" idx="21"/>
           </p:nvPr>
@@ -1215,15 +1248,18 @@
               <a:buSzTx/>
               <a:buFontTx/>
               <a:buNone/>
-              <a:defRPr b="1" sz="2400"/>
+              <a:defRPr sz="2400" b="1"/>
             </a:pPr>
+            <a:endParaRPr/>
           </a:p>
         </p:txBody>
       </p:sp>
       <p:sp>
         <p:nvSpPr>
           <p:cNvPr id="50" name="幻灯片编号"/>
-          <p:cNvSpPr txBox="1"/>
+          <p:cNvSpPr txBox="1">
+            <a:spLocks noGrp="1"/>
+          </p:cNvSpPr>
           <p:nvPr>
             <p:ph type="sldNum" sz="quarter" idx="2"/>
           </p:nvPr>
@@ -1237,8 +1273,10 @@
           <a:bodyPr/>
           <a:lstStyle/>
           <a:p>
-            <a:pPr/>
-            <a:fld id="{86CB4B4D-7CA3-9044-876B-883B54F8677D}" type="slidenum"/>
+            <a:fld id="{86CB4B4D-7CA3-9044-876B-883B54F8677D}" type="slidenum">
+              <a:t>‹#›</a:t>
+            </a:fld>
+            <a:endParaRPr/>
           </a:p>
         </p:txBody>
       </p:sp>
@@ -1247,12 +1285,12 @@
   <p:clrMapOvr>
     <a:masterClrMapping/>
   </p:clrMapOvr>
-  <p:transition xmlns:p14="http://schemas.microsoft.com/office/powerpoint/2010/main" spd="med" advClick="1"/>
+  <p:transition spd="med"/>
 </p:sldLayout>
 </file>
 
 <file path=ppt/slideLayouts/slideLayout6.xml><?xml version="1.0" encoding="utf-8"?>
-<p:sldLayout xmlns:a="http://schemas.openxmlformats.org/drawingml/2006/main" xmlns:r="http://schemas.openxmlformats.org/officeDocument/2006/relationships" xmlns:p="http://schemas.openxmlformats.org/presentationml/2006/main" xmlns:m="http://schemas.openxmlformats.org/officeDocument/2006/math" xmlns:a14="http://schemas.microsoft.com/office/drawing/2010/main" type="tx" showMasterSp="1" showMasterPhAnim="1">
+<p:sldLayout xmlns:a="http://schemas.openxmlformats.org/drawingml/2006/main" xmlns:r="http://schemas.openxmlformats.org/officeDocument/2006/relationships" xmlns:p="http://schemas.openxmlformats.org/presentationml/2006/main" type="tx">
   <p:cSld name="Title Only">
     <p:spTree>
       <p:nvGrpSpPr>
@@ -1271,7 +1309,9 @@
       <p:sp>
         <p:nvSpPr>
           <p:cNvPr id="57" name="标题文本"/>
-          <p:cNvSpPr txBox="1"/>
+          <p:cNvSpPr txBox="1">
+            <a:spLocks noGrp="1"/>
+          </p:cNvSpPr>
           <p:nvPr>
             <p:ph type="title"/>
           </p:nvPr>
@@ -1285,7 +1325,6 @@
           <a:bodyPr/>
           <a:lstStyle/>
           <a:p>
-            <a:pPr/>
             <a:r>
               <a:t>标题文本</a:t>
             </a:r>
@@ -1295,7 +1334,9 @@
       <p:sp>
         <p:nvSpPr>
           <p:cNvPr id="58" name="幻灯片编号"/>
-          <p:cNvSpPr txBox="1"/>
+          <p:cNvSpPr txBox="1">
+            <a:spLocks noGrp="1"/>
+          </p:cNvSpPr>
           <p:nvPr>
             <p:ph type="sldNum" sz="quarter" idx="2"/>
           </p:nvPr>
@@ -1309,8 +1350,10 @@
           <a:bodyPr/>
           <a:lstStyle/>
           <a:p>
-            <a:pPr/>
-            <a:fld id="{86CB4B4D-7CA3-9044-876B-883B54F8677D}" type="slidenum"/>
+            <a:fld id="{86CB4B4D-7CA3-9044-876B-883B54F8677D}" type="slidenum">
+              <a:t>‹#›</a:t>
+            </a:fld>
+            <a:endParaRPr/>
           </a:p>
         </p:txBody>
       </p:sp>
@@ -1319,12 +1362,12 @@
   <p:clrMapOvr>
     <a:masterClrMapping/>
   </p:clrMapOvr>
-  <p:transition xmlns:p14="http://schemas.microsoft.com/office/powerpoint/2010/main" spd="med" advClick="1"/>
+  <p:transition spd="med"/>
 </p:sldLayout>
 </file>
 
 <file path=ppt/slideLayouts/slideLayout7.xml><?xml version="1.0" encoding="utf-8"?>
-<p:sldLayout xmlns:a="http://schemas.openxmlformats.org/drawingml/2006/main" xmlns:r="http://schemas.openxmlformats.org/officeDocument/2006/relationships" xmlns:p="http://schemas.openxmlformats.org/presentationml/2006/main" xmlns:m="http://schemas.openxmlformats.org/officeDocument/2006/math" xmlns:a14="http://schemas.microsoft.com/office/drawing/2010/main" type="tx" showMasterSp="1" showMasterPhAnim="1">
+<p:sldLayout xmlns:a="http://schemas.openxmlformats.org/drawingml/2006/main" xmlns:r="http://schemas.openxmlformats.org/officeDocument/2006/relationships" xmlns:p="http://schemas.openxmlformats.org/presentationml/2006/main" type="tx">
   <p:cSld name="Blank">
     <p:spTree>
       <p:nvGrpSpPr>
@@ -1343,7 +1386,9 @@
       <p:sp>
         <p:nvSpPr>
           <p:cNvPr id="65" name="幻灯片编号"/>
-          <p:cNvSpPr txBox="1"/>
+          <p:cNvSpPr txBox="1">
+            <a:spLocks noGrp="1"/>
+          </p:cNvSpPr>
           <p:nvPr>
             <p:ph type="sldNum" sz="quarter" idx="2"/>
           </p:nvPr>
@@ -1357,8 +1402,10 @@
           <a:bodyPr/>
           <a:lstStyle/>
           <a:p>
-            <a:pPr/>
-            <a:fld id="{86CB4B4D-7CA3-9044-876B-883B54F8677D}" type="slidenum"/>
+            <a:fld id="{86CB4B4D-7CA3-9044-876B-883B54F8677D}" type="slidenum">
+              <a:t>‹#›</a:t>
+            </a:fld>
+            <a:endParaRPr/>
           </a:p>
         </p:txBody>
       </p:sp>
@@ -1367,12 +1414,12 @@
   <p:clrMapOvr>
     <a:masterClrMapping/>
   </p:clrMapOvr>
-  <p:transition xmlns:p14="http://schemas.microsoft.com/office/powerpoint/2010/main" spd="med" advClick="1"/>
+  <p:transition spd="med"/>
 </p:sldLayout>
 </file>
 
 <file path=ppt/slideLayouts/slideLayout8.xml><?xml version="1.0" encoding="utf-8"?>
-<p:sldLayout xmlns:a="http://schemas.openxmlformats.org/drawingml/2006/main" xmlns:r="http://schemas.openxmlformats.org/officeDocument/2006/relationships" xmlns:p="http://schemas.openxmlformats.org/presentationml/2006/main" xmlns:m="http://schemas.openxmlformats.org/officeDocument/2006/math" xmlns:a14="http://schemas.microsoft.com/office/drawing/2010/main" type="tx" showMasterSp="1" showMasterPhAnim="1">
+<p:sldLayout xmlns:a="http://schemas.openxmlformats.org/drawingml/2006/main" xmlns:r="http://schemas.openxmlformats.org/officeDocument/2006/relationships" xmlns:p="http://schemas.openxmlformats.org/presentationml/2006/main" type="tx">
   <p:cSld name="Content with Caption">
     <p:spTree>
       <p:nvGrpSpPr>
@@ -1391,7 +1438,9 @@
       <p:sp>
         <p:nvSpPr>
           <p:cNvPr id="72" name="标题文本"/>
-          <p:cNvSpPr txBox="1"/>
+          <p:cNvSpPr txBox="1">
+            <a:spLocks noGrp="1"/>
+          </p:cNvSpPr>
           <p:nvPr>
             <p:ph type="title"/>
           </p:nvPr>
@@ -1413,7 +1462,6 @@
             </a:lvl1pPr>
           </a:lstStyle>
           <a:p>
-            <a:pPr/>
             <a:r>
               <a:t>标题文本</a:t>
             </a:r>
@@ -1423,7 +1471,9 @@
       <p:sp>
         <p:nvSpPr>
           <p:cNvPr id="73" name="正文级别 1…"/>
-          <p:cNvSpPr txBox="1"/>
+          <p:cNvSpPr txBox="1">
+            <a:spLocks noGrp="1"/>
+          </p:cNvSpPr>
           <p:nvPr>
             <p:ph type="body" sz="half" idx="1"/>
           </p:nvPr>
@@ -1457,7 +1507,6 @@
             </a:lvl5pPr>
           </a:lstStyle>
           <a:p>
-            <a:pPr/>
             <a:r>
               <a:t>正文级别 1</a:t>
             </a:r>
@@ -1491,7 +1540,9 @@
       <p:sp>
         <p:nvSpPr>
           <p:cNvPr id="74" name="Text Placeholder 3"/>
-          <p:cNvSpPr/>
+          <p:cNvSpPr>
+            <a:spLocks noGrp="1"/>
+          </p:cNvSpPr>
           <p:nvPr>
             <p:ph type="body" sz="quarter" idx="21"/>
           </p:nvPr>
@@ -1515,13 +1566,16 @@
               <a:buNone/>
               <a:defRPr sz="1600"/>
             </a:pPr>
+            <a:endParaRPr/>
           </a:p>
         </p:txBody>
       </p:sp>
       <p:sp>
         <p:nvSpPr>
           <p:cNvPr id="75" name="幻灯片编号"/>
-          <p:cNvSpPr txBox="1"/>
+          <p:cNvSpPr txBox="1">
+            <a:spLocks noGrp="1"/>
+          </p:cNvSpPr>
           <p:nvPr>
             <p:ph type="sldNum" sz="quarter" idx="2"/>
           </p:nvPr>
@@ -1535,8 +1589,10 @@
           <a:bodyPr/>
           <a:lstStyle/>
           <a:p>
-            <a:pPr/>
-            <a:fld id="{86CB4B4D-7CA3-9044-876B-883B54F8677D}" type="slidenum"/>
+            <a:fld id="{86CB4B4D-7CA3-9044-876B-883B54F8677D}" type="slidenum">
+              <a:t>‹#›</a:t>
+            </a:fld>
+            <a:endParaRPr/>
           </a:p>
         </p:txBody>
       </p:sp>
@@ -1545,12 +1601,12 @@
   <p:clrMapOvr>
     <a:masterClrMapping/>
   </p:clrMapOvr>
-  <p:transition xmlns:p14="http://schemas.microsoft.com/office/powerpoint/2010/main" spd="med" advClick="1"/>
+  <p:transition spd="med"/>
 </p:sldLayout>
 </file>
 
 <file path=ppt/slideLayouts/slideLayout9.xml><?xml version="1.0" encoding="utf-8"?>
-<p:sldLayout xmlns:a="http://schemas.openxmlformats.org/drawingml/2006/main" xmlns:r="http://schemas.openxmlformats.org/officeDocument/2006/relationships" xmlns:p="http://schemas.openxmlformats.org/presentationml/2006/main" xmlns:m="http://schemas.openxmlformats.org/officeDocument/2006/math" xmlns:a14="http://schemas.microsoft.com/office/drawing/2010/main" type="tx" showMasterSp="1" showMasterPhAnim="1">
+<p:sldLayout xmlns:a="http://schemas.openxmlformats.org/drawingml/2006/main" xmlns:r="http://schemas.openxmlformats.org/officeDocument/2006/relationships" xmlns:p="http://schemas.openxmlformats.org/presentationml/2006/main" type="tx">
   <p:cSld name="Picture with Caption">
     <p:spTree>
       <p:nvGrpSpPr>
@@ -1569,7 +1625,9 @@
       <p:sp>
         <p:nvSpPr>
           <p:cNvPr id="82" name="标题文本"/>
-          <p:cNvSpPr txBox="1"/>
+          <p:cNvSpPr txBox="1">
+            <a:spLocks noGrp="1"/>
+          </p:cNvSpPr>
           <p:nvPr>
             <p:ph type="title"/>
           </p:nvPr>
@@ -1591,7 +1649,6 @@
             </a:lvl1pPr>
           </a:lstStyle>
           <a:p>
-            <a:pPr/>
             <a:r>
               <a:t>标题文本</a:t>
             </a:r>
@@ -1601,7 +1658,9 @@
       <p:sp>
         <p:nvSpPr>
           <p:cNvPr id="83" name="Picture Placeholder 2"/>
-          <p:cNvSpPr/>
+          <p:cNvSpPr>
+            <a:spLocks noGrp="1"/>
+          </p:cNvSpPr>
           <p:nvPr>
             <p:ph type="pic" sz="half" idx="21"/>
           </p:nvPr>
@@ -1621,14 +1680,16 @@
           </a:bodyPr>
           <a:lstStyle/>
           <a:p>
-            <a:pPr/>
+            <a:endParaRPr/>
           </a:p>
         </p:txBody>
       </p:sp>
       <p:sp>
         <p:nvSpPr>
           <p:cNvPr id="84" name="正文级别 1…"/>
-          <p:cNvSpPr txBox="1"/>
+          <p:cNvSpPr txBox="1">
+            <a:spLocks noGrp="1"/>
+          </p:cNvSpPr>
           <p:nvPr>
             <p:ph type="body" sz="quarter" idx="1"/>
           </p:nvPr>
@@ -1677,7 +1738,6 @@
             </a:lvl5pPr>
           </a:lstStyle>
           <a:p>
-            <a:pPr/>
             <a:r>
               <a:t>正文级别 1</a:t>
             </a:r>
@@ -1711,7 +1771,9 @@
       <p:sp>
         <p:nvSpPr>
           <p:cNvPr id="85" name="幻灯片编号"/>
-          <p:cNvSpPr txBox="1"/>
+          <p:cNvSpPr txBox="1">
+            <a:spLocks noGrp="1"/>
+          </p:cNvSpPr>
           <p:nvPr>
             <p:ph type="sldNum" sz="quarter" idx="2"/>
           </p:nvPr>
@@ -1725,8 +1787,10 @@
           <a:bodyPr/>
           <a:lstStyle/>
           <a:p>
-            <a:pPr/>
-            <a:fld id="{86CB4B4D-7CA3-9044-876B-883B54F8677D}" type="slidenum"/>
+            <a:fld id="{86CB4B4D-7CA3-9044-876B-883B54F8677D}" type="slidenum">
+              <a:t>‹#›</a:t>
+            </a:fld>
+            <a:endParaRPr/>
           </a:p>
         </p:txBody>
       </p:sp>
@@ -1735,18 +1799,19 @@
   <p:clrMapOvr>
     <a:masterClrMapping/>
   </p:clrMapOvr>
-  <p:transition xmlns:p14="http://schemas.microsoft.com/office/powerpoint/2010/main" spd="med" advClick="1"/>
+  <p:transition spd="med"/>
 </p:sldLayout>
 </file>
 
 <file path=ppt/slideMasters/slideMaster1.xml><?xml version="1.0" encoding="utf-8"?>
-<p:sldMaster xmlns:a="http://schemas.openxmlformats.org/drawingml/2006/main" xmlns:r="http://schemas.openxmlformats.org/officeDocument/2006/relationships" xmlns:p="http://schemas.openxmlformats.org/presentationml/2006/main" xmlns:m="http://schemas.openxmlformats.org/officeDocument/2006/math" xmlns:a14="http://schemas.microsoft.com/office/drawing/2010/main">
+<p:sldMaster xmlns:a="http://schemas.openxmlformats.org/drawingml/2006/main" xmlns:r="http://schemas.openxmlformats.org/officeDocument/2006/relationships" xmlns:p="http://schemas.openxmlformats.org/presentationml/2006/main">
   <p:cSld>
     <p:bg>
       <p:bgPr>
         <a:solidFill>
           <a:srgbClr val="FFFFFF"/>
         </a:solidFill>
+        <a:effectLst/>
       </p:bgPr>
     </p:bg>
     <p:spTree>
@@ -1766,7 +1831,9 @@
       <p:sp>
         <p:nvSpPr>
           <p:cNvPr id="2" name="标题文本"/>
-          <p:cNvSpPr txBox="1"/>
+          <p:cNvSpPr txBox="1">
+            <a:spLocks noGrp="1"/>
+          </p:cNvSpPr>
           <p:nvPr>
             <p:ph type="title"/>
           </p:nvPr>
@@ -1784,17 +1851,16 @@
           </a:ln>
           <a:extLst>
             <a:ext uri="{C572A759-6A51-4108-AA02-DFA0A04FC94B}">
-              <ma14:wrappingTextBoxFlag xmlns:ma14="http://schemas.microsoft.com/office/mac/drawingml/2011/main" val="1"/>
+              <ma14:wrappingTextBoxFlag xmlns:ma14="http://schemas.microsoft.com/office/mac/drawingml/2011/main" xmlns:a14="http://schemas.microsoft.com/office/drawing/2010/main" xmlns:m="http://schemas.openxmlformats.org/officeDocument/2006/math" xmlns="" val="1"/>
             </a:ext>
           </a:extLst>
         </p:spPr>
         <p:txBody>
           <a:bodyPr lIns="45719" rIns="45719" anchor="ctr">
-            <a:normAutofit fontScale="100000" lnSpcReduction="0"/>
+            <a:normAutofit/>
           </a:bodyPr>
           <a:lstStyle/>
           <a:p>
-            <a:pPr/>
             <a:r>
               <a:t>标题文本</a:t>
             </a:r>
@@ -1804,7 +1870,9 @@
       <p:sp>
         <p:nvSpPr>
           <p:cNvPr id="3" name="正文级别 1…"/>
-          <p:cNvSpPr txBox="1"/>
+          <p:cNvSpPr txBox="1">
+            <a:spLocks noGrp="1"/>
+          </p:cNvSpPr>
           <p:nvPr>
             <p:ph type="body" idx="1"/>
           </p:nvPr>
@@ -1822,17 +1890,16 @@
           </a:ln>
           <a:extLst>
             <a:ext uri="{C572A759-6A51-4108-AA02-DFA0A04FC94B}">
-              <ma14:wrappingTextBoxFlag xmlns:ma14="http://schemas.microsoft.com/office/mac/drawingml/2011/main" val="1"/>
+              <ma14:wrappingTextBoxFlag xmlns:ma14="http://schemas.microsoft.com/office/mac/drawingml/2011/main" xmlns:a14="http://schemas.microsoft.com/office/drawing/2010/main" xmlns:m="http://schemas.openxmlformats.org/officeDocument/2006/math" xmlns="" val="1"/>
             </a:ext>
           </a:extLst>
         </p:spPr>
         <p:txBody>
           <a:bodyPr lIns="45719" rIns="45719">
-            <a:normAutofit fontScale="100000" lnSpcReduction="0"/>
+            <a:normAutofit/>
           </a:bodyPr>
           <a:lstStyle/>
           <a:p>
-            <a:pPr/>
             <a:r>
               <a:t>正文级别 1</a:t>
             </a:r>
@@ -1866,7 +1933,9 @@
       <p:sp>
         <p:nvSpPr>
           <p:cNvPr id="4" name="幻灯片编号"/>
-          <p:cNvSpPr txBox="1"/>
+          <p:cNvSpPr txBox="1">
+            <a:spLocks noGrp="1"/>
+          </p:cNvSpPr>
           <p:nvPr>
             <p:ph type="sldNum" sz="quarter" idx="2"/>
           </p:nvPr>
@@ -1901,8 +1970,10 @@
             </a:lvl1pPr>
           </a:lstStyle>
           <a:p>
-            <a:pPr/>
-            <a:fld id="{86CB4B4D-7CA3-9044-876B-883B54F8677D}" type="slidenum"/>
+            <a:fld id="{86CB4B4D-7CA3-9044-876B-883B54F8677D}" type="slidenum">
+              <a:t>‹#›</a:t>
+            </a:fld>
+            <a:endParaRPr/>
           </a:p>
         </p:txBody>
       </p:sp>
@@ -1910,17 +1981,17 @@
   </p:cSld>
   <p:clrMap bg1="lt1" tx1="dk1" bg2="lt2" tx2="dk2" accent1="accent1" accent2="accent2" accent3="accent3" accent4="accent4" accent5="accent5" accent6="accent6" hlink="hlink" folHlink="folHlink"/>
   <p:sldLayoutIdLst>
-    <p:sldLayoutId id="2147483649" r:id="rId2"/>
-    <p:sldLayoutId id="2147483650" r:id="rId3"/>
-    <p:sldLayoutId id="2147483651" r:id="rId4"/>
-    <p:sldLayoutId id="2147483652" r:id="rId5"/>
-    <p:sldLayoutId id="2147483653" r:id="rId6"/>
-    <p:sldLayoutId id="2147483654" r:id="rId7"/>
-    <p:sldLayoutId id="2147483655" r:id="rId8"/>
-    <p:sldLayoutId id="2147483656" r:id="rId9"/>
-    <p:sldLayoutId id="2147483657" r:id="rId10"/>
+    <p:sldLayoutId id="2147483649" r:id="rId1"/>
+    <p:sldLayoutId id="2147483650" r:id="rId2"/>
+    <p:sldLayoutId id="2147483651" r:id="rId3"/>
+    <p:sldLayoutId id="2147483652" r:id="rId4"/>
+    <p:sldLayoutId id="2147483653" r:id="rId5"/>
+    <p:sldLayoutId id="2147483654" r:id="rId6"/>
+    <p:sldLayoutId id="2147483655" r:id="rId7"/>
+    <p:sldLayoutId id="2147483656" r:id="rId8"/>
+    <p:sldLayoutId id="2147483657" r:id="rId9"/>
   </p:sldLayoutIdLst>
-  <p:transition xmlns:p14="http://schemas.microsoft.com/office/powerpoint/2010/main" spd="med" advClick="1"/>
+  <p:transition spd="med"/>
   <p:txStyles>
     <p:titleStyle>
       <a:lvl1pPr marL="0" marR="0" indent="0" algn="l" defTabSz="914400" rtl="0" latinLnBrk="0">
@@ -1938,7 +2009,7 @@
         <a:buFontTx/>
         <a:buNone/>
         <a:tabLst/>
-        <a:defRPr b="0" baseline="0" cap="none" i="0" spc="0" strike="noStrike" sz="4400" u="none">
+        <a:defRPr sz="4400" b="0" i="0" u="none" strike="noStrike" cap="none" spc="0" baseline="0">
           <a:solidFill>
             <a:srgbClr val="000000"/>
           </a:solidFill>
@@ -1964,7 +2035,7 @@
         <a:buFontTx/>
         <a:buNone/>
         <a:tabLst/>
-        <a:defRPr b="0" baseline="0" cap="none" i="0" spc="0" strike="noStrike" sz="4400" u="none">
+        <a:defRPr sz="4400" b="0" i="0" u="none" strike="noStrike" cap="none" spc="0" baseline="0">
           <a:solidFill>
             <a:srgbClr val="000000"/>
           </a:solidFill>
@@ -1990,7 +2061,7 @@
         <a:buFontTx/>
         <a:buNone/>
         <a:tabLst/>
-        <a:defRPr b="0" baseline="0" cap="none" i="0" spc="0" strike="noStrike" sz="4400" u="none">
+        <a:defRPr sz="4400" b="0" i="0" u="none" strike="noStrike" cap="none" spc="0" baseline="0">
           <a:solidFill>
             <a:srgbClr val="000000"/>
           </a:solidFill>
@@ -2016,7 +2087,7 @@
         <a:buFontTx/>
         <a:buNone/>
         <a:tabLst/>
-        <a:defRPr b="0" baseline="0" cap="none" i="0" spc="0" strike="noStrike" sz="4400" u="none">
+        <a:defRPr sz="4400" b="0" i="0" u="none" strike="noStrike" cap="none" spc="0" baseline="0">
           <a:solidFill>
             <a:srgbClr val="000000"/>
           </a:solidFill>
@@ -2042,7 +2113,7 @@
         <a:buFontTx/>
         <a:buNone/>
         <a:tabLst/>
-        <a:defRPr b="0" baseline="0" cap="none" i="0" spc="0" strike="noStrike" sz="4400" u="none">
+        <a:defRPr sz="4400" b="0" i="0" u="none" strike="noStrike" cap="none" spc="0" baseline="0">
           <a:solidFill>
             <a:srgbClr val="000000"/>
           </a:solidFill>
@@ -2068,7 +2139,7 @@
         <a:buFontTx/>
         <a:buNone/>
         <a:tabLst/>
-        <a:defRPr b="0" baseline="0" cap="none" i="0" spc="0" strike="noStrike" sz="4400" u="none">
+        <a:defRPr sz="4400" b="0" i="0" u="none" strike="noStrike" cap="none" spc="0" baseline="0">
           <a:solidFill>
             <a:srgbClr val="000000"/>
           </a:solidFill>
@@ -2094,7 +2165,7 @@
         <a:buFontTx/>
         <a:buNone/>
         <a:tabLst/>
-        <a:defRPr b="0" baseline="0" cap="none" i="0" spc="0" strike="noStrike" sz="4400" u="none">
+        <a:defRPr sz="4400" b="0" i="0" u="none" strike="noStrike" cap="none" spc="0" baseline="0">
           <a:solidFill>
             <a:srgbClr val="000000"/>
           </a:solidFill>
@@ -2120,7 +2191,7 @@
         <a:buFontTx/>
         <a:buNone/>
         <a:tabLst/>
-        <a:defRPr b="0" baseline="0" cap="none" i="0" spc="0" strike="noStrike" sz="4400" u="none">
+        <a:defRPr sz="4400" b="0" i="0" u="none" strike="noStrike" cap="none" spc="0" baseline="0">
           <a:solidFill>
             <a:srgbClr val="000000"/>
           </a:solidFill>
@@ -2146,7 +2217,7 @@
         <a:buFontTx/>
         <a:buNone/>
         <a:tabLst/>
-        <a:defRPr b="0" baseline="0" cap="none" i="0" spc="0" strike="noStrike" sz="4400" u="none">
+        <a:defRPr sz="4400" b="0" i="0" u="none" strike="noStrike" cap="none" spc="0" baseline="0">
           <a:solidFill>
             <a:srgbClr val="000000"/>
           </a:solidFill>
@@ -2174,7 +2245,7 @@
         <a:buFont typeface="Arial"/>
         <a:buChar char="•"/>
         <a:tabLst/>
-        <a:defRPr b="0" baseline="0" cap="none" i="0" spc="0" strike="noStrike" sz="2800" u="none">
+        <a:defRPr sz="2800" b="0" i="0" u="none" strike="noStrike" cap="none" spc="0" baseline="0">
           <a:solidFill>
             <a:srgbClr val="000000"/>
           </a:solidFill>
@@ -2200,7 +2271,7 @@
         <a:buFont typeface="Arial"/>
         <a:buChar char="•"/>
         <a:tabLst/>
-        <a:defRPr b="0" baseline="0" cap="none" i="0" spc="0" strike="noStrike" sz="2800" u="none">
+        <a:defRPr sz="2800" b="0" i="0" u="none" strike="noStrike" cap="none" spc="0" baseline="0">
           <a:solidFill>
             <a:srgbClr val="000000"/>
           </a:solidFill>
@@ -2226,7 +2297,7 @@
         <a:buFont typeface="Arial"/>
         <a:buChar char="•"/>
         <a:tabLst/>
-        <a:defRPr b="0" baseline="0" cap="none" i="0" spc="0" strike="noStrike" sz="2800" u="none">
+        <a:defRPr sz="2800" b="0" i="0" u="none" strike="noStrike" cap="none" spc="0" baseline="0">
           <a:solidFill>
             <a:srgbClr val="000000"/>
           </a:solidFill>
@@ -2252,7 +2323,7 @@
         <a:buFont typeface="Arial"/>
         <a:buChar char="•"/>
         <a:tabLst/>
-        <a:defRPr b="0" baseline="0" cap="none" i="0" spc="0" strike="noStrike" sz="2800" u="none">
+        <a:defRPr sz="2800" b="0" i="0" u="none" strike="noStrike" cap="none" spc="0" baseline="0">
           <a:solidFill>
             <a:srgbClr val="000000"/>
           </a:solidFill>
@@ -2278,7 +2349,7 @@
         <a:buFont typeface="Arial"/>
         <a:buChar char="•"/>
         <a:tabLst/>
-        <a:defRPr b="0" baseline="0" cap="none" i="0" spc="0" strike="noStrike" sz="2800" u="none">
+        <a:defRPr sz="2800" b="0" i="0" u="none" strike="noStrike" cap="none" spc="0" baseline="0">
           <a:solidFill>
             <a:srgbClr val="000000"/>
           </a:solidFill>
@@ -2304,7 +2375,7 @@
         <a:buFont typeface="Arial"/>
         <a:buChar char="•"/>
         <a:tabLst/>
-        <a:defRPr b="0" baseline="0" cap="none" i="0" spc="0" strike="noStrike" sz="2800" u="none">
+        <a:defRPr sz="2800" b="0" i="0" u="none" strike="noStrike" cap="none" spc="0" baseline="0">
           <a:solidFill>
             <a:srgbClr val="000000"/>
           </a:solidFill>
@@ -2330,7 +2401,7 @@
         <a:buFont typeface="Arial"/>
         <a:buChar char="•"/>
         <a:tabLst/>
-        <a:defRPr b="0" baseline="0" cap="none" i="0" spc="0" strike="noStrike" sz="2800" u="none">
+        <a:defRPr sz="2800" b="0" i="0" u="none" strike="noStrike" cap="none" spc="0" baseline="0">
           <a:solidFill>
             <a:srgbClr val="000000"/>
           </a:solidFill>
@@ -2356,7 +2427,7 @@
         <a:buFont typeface="Arial"/>
         <a:buChar char="•"/>
         <a:tabLst/>
-        <a:defRPr b="0" baseline="0" cap="none" i="0" spc="0" strike="noStrike" sz="2800" u="none">
+        <a:defRPr sz="2800" b="0" i="0" u="none" strike="noStrike" cap="none" spc="0" baseline="0">
           <a:solidFill>
             <a:srgbClr val="000000"/>
           </a:solidFill>
@@ -2382,7 +2453,7 @@
         <a:buFont typeface="Arial"/>
         <a:buChar char="•"/>
         <a:tabLst/>
-        <a:defRPr b="0" baseline="0" cap="none" i="0" spc="0" strike="noStrike" sz="2800" u="none">
+        <a:defRPr sz="2800" b="0" i="0" u="none" strike="noStrike" cap="none" spc="0" baseline="0">
           <a:solidFill>
             <a:srgbClr val="000000"/>
           </a:solidFill>
@@ -2410,7 +2481,7 @@
         <a:buFontTx/>
         <a:buNone/>
         <a:tabLst/>
-        <a:defRPr b="0" baseline="0" cap="none" i="0" spc="0" strike="noStrike" sz="1200" u="none">
+        <a:defRPr sz="1200" b="0" i="0" u="none" strike="noStrike" cap="none" spc="0" baseline="0">
           <a:solidFill>
             <a:schemeClr val="tx1"/>
           </a:solidFill>
@@ -2436,7 +2507,7 @@
         <a:buFontTx/>
         <a:buNone/>
         <a:tabLst/>
-        <a:defRPr b="0" baseline="0" cap="none" i="0" spc="0" strike="noStrike" sz="1200" u="none">
+        <a:defRPr sz="1200" b="0" i="0" u="none" strike="noStrike" cap="none" spc="0" baseline="0">
           <a:solidFill>
             <a:schemeClr val="tx1"/>
           </a:solidFill>
@@ -2462,7 +2533,7 @@
         <a:buFontTx/>
         <a:buNone/>
         <a:tabLst/>
-        <a:defRPr b="0" baseline="0" cap="none" i="0" spc="0" strike="noStrike" sz="1200" u="none">
+        <a:defRPr sz="1200" b="0" i="0" u="none" strike="noStrike" cap="none" spc="0" baseline="0">
           <a:solidFill>
             <a:schemeClr val="tx1"/>
           </a:solidFill>
@@ -2488,7 +2559,7 @@
         <a:buFontTx/>
         <a:buNone/>
         <a:tabLst/>
-        <a:defRPr b="0" baseline="0" cap="none" i="0" spc="0" strike="noStrike" sz="1200" u="none">
+        <a:defRPr sz="1200" b="0" i="0" u="none" strike="noStrike" cap="none" spc="0" baseline="0">
           <a:solidFill>
             <a:schemeClr val="tx1"/>
           </a:solidFill>
@@ -2514,7 +2585,7 @@
         <a:buFontTx/>
         <a:buNone/>
         <a:tabLst/>
-        <a:defRPr b="0" baseline="0" cap="none" i="0" spc="0" strike="noStrike" sz="1200" u="none">
+        <a:defRPr sz="1200" b="0" i="0" u="none" strike="noStrike" cap="none" spc="0" baseline="0">
           <a:solidFill>
             <a:schemeClr val="tx1"/>
           </a:solidFill>
@@ -2540,7 +2611,7 @@
         <a:buFontTx/>
         <a:buNone/>
         <a:tabLst/>
-        <a:defRPr b="0" baseline="0" cap="none" i="0" spc="0" strike="noStrike" sz="1200" u="none">
+        <a:defRPr sz="1200" b="0" i="0" u="none" strike="noStrike" cap="none" spc="0" baseline="0">
           <a:solidFill>
             <a:schemeClr val="tx1"/>
           </a:solidFill>
@@ -2566,7 +2637,7 @@
         <a:buFontTx/>
         <a:buNone/>
         <a:tabLst/>
-        <a:defRPr b="0" baseline="0" cap="none" i="0" spc="0" strike="noStrike" sz="1200" u="none">
+        <a:defRPr sz="1200" b="0" i="0" u="none" strike="noStrike" cap="none" spc="0" baseline="0">
           <a:solidFill>
             <a:schemeClr val="tx1"/>
           </a:solidFill>
@@ -2592,7 +2663,7 @@
         <a:buFontTx/>
         <a:buNone/>
         <a:tabLst/>
-        <a:defRPr b="0" baseline="0" cap="none" i="0" spc="0" strike="noStrike" sz="1200" u="none">
+        <a:defRPr sz="1200" b="0" i="0" u="none" strike="noStrike" cap="none" spc="0" baseline="0">
           <a:solidFill>
             <a:schemeClr val="tx1"/>
           </a:solidFill>
@@ -2618,7 +2689,7 @@
         <a:buFontTx/>
         <a:buNone/>
         <a:tabLst/>
-        <a:defRPr b="0" baseline="0" cap="none" i="0" spc="0" strike="noStrike" sz="1200" u="none">
+        <a:defRPr sz="1200" b="0" i="0" u="none" strike="noStrike" cap="none" spc="0" baseline="0">
           <a:solidFill>
             <a:schemeClr val="tx1"/>
           </a:solidFill>
@@ -2635,7 +2706,7 @@
 </file>
 
 <file path=ppt/slides/slide1.xml><?xml version="1.0" encoding="utf-8"?>
-<p:sld xmlns:a="http://schemas.openxmlformats.org/drawingml/2006/main" xmlns:r="http://schemas.openxmlformats.org/officeDocument/2006/relationships" xmlns:p="http://schemas.openxmlformats.org/presentationml/2006/main" xmlns:m="http://schemas.openxmlformats.org/officeDocument/2006/math" xmlns:a14="http://schemas.microsoft.com/office/drawing/2010/main" showMasterSp="1" showMasterPhAnim="1">
+<p:sld xmlns:a="http://schemas.openxmlformats.org/drawingml/2006/main" xmlns:r="http://schemas.openxmlformats.org/officeDocument/2006/relationships" xmlns:p="http://schemas.openxmlformats.org/presentationml/2006/main">
   <p:cSld>
     <p:spTree>
       <p:nvGrpSpPr>
@@ -2660,10 +2731,8 @@
           <p:nvPr/>
         </p:nvPicPr>
         <p:blipFill>
-          <a:blip r:embed="rId2">
-            <a:extLst/>
-          </a:blip>
-          <a:srcRect l="0" t="0" r="73397" b="0"/>
+          <a:blip r:embed="rId2"/>
+          <a:srcRect r="73397"/>
           <a:stretch>
             <a:fillRect/>
           </a:stretch>
@@ -2684,7 +2753,9 @@
       <p:sp>
         <p:nvSpPr>
           <p:cNvPr id="95" name="Subtitle 2"/>
-          <p:cNvSpPr txBox="1"/>
+          <p:cNvSpPr txBox="1">
+            <a:spLocks noGrp="1"/>
+          </p:cNvSpPr>
           <p:nvPr>
             <p:ph type="subTitle" sz="quarter" idx="1"/>
           </p:nvPr>
@@ -2703,7 +2774,7 @@
           <a:lstStyle/>
           <a:p>
             <a:pPr>
-              <a:defRPr b="1" sz="2000">
+              <a:defRPr sz="2000" b="1">
                 <a:solidFill>
                   <a:srgbClr val="808080"/>
                 </a:solidFill>
@@ -2724,7 +2795,7 @@
           </a:p>
           <a:p>
             <a:pPr>
-              <a:defRPr b="1" sz="2000">
+              <a:defRPr sz="2000" b="1">
                 <a:solidFill>
                   <a:srgbClr val="808080"/>
                 </a:solidFill>
@@ -2746,9 +2817,7 @@
           <p:nvPr/>
         </p:nvPicPr>
         <p:blipFill>
-          <a:blip r:embed="rId3">
-            <a:extLst/>
-          </a:blip>
+          <a:blip r:embed="rId3"/>
           <a:stretch>
             <a:fillRect/>
           </a:stretch>
@@ -2785,13 +2854,13 @@
           </a:ln>
           <a:extLst>
             <a:ext uri="{C572A759-6A51-4108-AA02-DFA0A04FC94B}">
-              <ma14:wrappingTextBoxFlag xmlns:ma14="http://schemas.microsoft.com/office/mac/drawingml/2011/main" val="1"/>
+              <ma14:wrappingTextBoxFlag xmlns:ma14="http://schemas.microsoft.com/office/mac/drawingml/2011/main" xmlns:a14="http://schemas.microsoft.com/office/drawing/2010/main" xmlns:m="http://schemas.openxmlformats.org/officeDocument/2006/math" xmlns="" val="1"/>
             </a:ext>
           </a:extLst>
         </p:spPr>
         <p:txBody>
           <a:bodyPr lIns="45719" rIns="45719">
-            <a:normAutofit fontScale="100000" lnSpcReduction="0"/>
+            <a:normAutofit/>
           </a:bodyPr>
           <a:lstStyle/>
           <a:p>
@@ -2813,25 +2882,7 @@
               </a:defRPr>
             </a:pPr>
             <a:r>
-              <a:t>East</a:t>
-            </a:r>
-            <a:r>
-              <a:t> </a:t>
-            </a:r>
-            <a:r>
-              <a:t>China</a:t>
-            </a:r>
-            <a:r>
-              <a:t> </a:t>
-            </a:r>
-            <a:r>
-              <a:t>Normal</a:t>
-            </a:r>
-            <a:r>
-              <a:t> </a:t>
-            </a:r>
-            <a:r>
-              <a:t>University</a:t>
+              <a:t>East China Normal University</a:t>
             </a:r>
             <a:endParaRPr sz="2400"/>
           </a:p>
@@ -2878,13 +2929,13 @@
           </a:ln>
           <a:extLst>
             <a:ext uri="{C572A759-6A51-4108-AA02-DFA0A04FC94B}">
-              <ma14:wrappingTextBoxFlag xmlns:ma14="http://schemas.microsoft.com/office/mac/drawingml/2011/main" val="1"/>
+              <ma14:wrappingTextBoxFlag xmlns:ma14="http://schemas.microsoft.com/office/mac/drawingml/2011/main" xmlns:a14="http://schemas.microsoft.com/office/drawing/2010/main" xmlns:m="http://schemas.openxmlformats.org/officeDocument/2006/math" xmlns="" val="1"/>
             </a:ext>
           </a:extLst>
         </p:spPr>
         <p:txBody>
           <a:bodyPr lIns="45719" rIns="45719">
-            <a:normAutofit fontScale="100000" lnSpcReduction="0"/>
+            <a:normAutofit/>
           </a:bodyPr>
           <a:lstStyle/>
           <a:p>
@@ -2892,7 +2943,7 @@
               <a:spcBef>
                 <a:spcPts val="1000"/>
               </a:spcBef>
-              <a:defRPr b="1" sz="1600">
+              <a:defRPr sz="1600" b="1">
                 <a:solidFill>
                   <a:srgbClr val="C70000"/>
                 </a:solidFill>
@@ -2903,54 +2954,35 @@
               </a:defRPr>
             </a:pPr>
             <a:r>
-              <a:rPr b="0">
+              <a:rPr b="0" dirty="0" err="1">
                 <a:latin typeface="PingFang HK Semibold"/>
                 <a:ea typeface="PingFang HK Semibold"/>
                 <a:cs typeface="PingFang HK Semibold"/>
                 <a:sym typeface="PingFang HK Semibold"/>
               </a:rPr>
-              <a:t>陈俊潼	</a:t>
-            </a:r>
-            <a:r>
-              <a:t>10185101210</a:t>
-            </a:r>
-            <a:endParaRPr sz="2400"/>
-          </a:p>
-          <a:p>
-            <a:pPr algn="ctr">
-              <a:spcBef>
-                <a:spcPts val="1000"/>
-              </a:spcBef>
-              <a:defRPr b="1" sz="1600">
-                <a:solidFill>
-                  <a:srgbClr val="C70000"/>
-                </a:solidFill>
-                <a:latin typeface="Ubuntu"/>
-                <a:ea typeface="Ubuntu"/>
-                <a:cs typeface="Ubuntu"/>
-                <a:sym typeface="Ubuntu"/>
-              </a:defRPr>
-            </a:pPr>
-            <a:r>
-              <a:rPr b="0">
+              <a:t>陈俊潼</a:t>
+            </a:r>
+            <a:r>
+              <a:rPr b="0" dirty="0">
                 <a:latin typeface="PingFang HK Semibold"/>
                 <a:ea typeface="PingFang HK Semibold"/>
                 <a:cs typeface="PingFang HK Semibold"/>
                 <a:sym typeface="PingFang HK Semibold"/>
               </a:rPr>
-              <a:t>包    梁	</a:t>
-            </a:r>
-            <a:r>
-              <a:t>10185101281</a:t>
-            </a:r>
-            <a:endParaRPr sz="2400"/>
+              <a:t>	</a:t>
+            </a:r>
+            <a:r>
+              <a:rPr dirty="0"/>
+              <a:t>10185101210</a:t>
+            </a:r>
+            <a:endParaRPr sz="2400" dirty="0"/>
           </a:p>
           <a:p>
             <a:pPr algn="ctr">
               <a:spcBef>
                 <a:spcPts val="1000"/>
               </a:spcBef>
-              <a:defRPr b="1" sz="1600">
+              <a:defRPr sz="1600" b="1">
                 <a:solidFill>
                   <a:srgbClr val="C70000"/>
                 </a:solidFill>
@@ -2961,15 +2993,82 @@
               </a:defRPr>
             </a:pPr>
             <a:r>
-              <a:rPr b="0">
+              <a:rPr b="0" dirty="0" err="1">
                 <a:latin typeface="PingFang HK Semibold"/>
                 <a:ea typeface="PingFang HK Semibold"/>
                 <a:cs typeface="PingFang HK Semibold"/>
                 <a:sym typeface="PingFang HK Semibold"/>
               </a:rPr>
-              <a:t>谢嘉东	</a:t>
-            </a:r>
-            <a:r>
+              <a:t>包</a:t>
+            </a:r>
+            <a:r>
+              <a:rPr b="0" dirty="0">
+                <a:latin typeface="PingFang HK Semibold"/>
+                <a:ea typeface="PingFang HK Semibold"/>
+                <a:cs typeface="PingFang HK Semibold"/>
+                <a:sym typeface="PingFang HK Semibold"/>
+              </a:rPr>
+              <a:t>   </a:t>
+            </a:r>
+            <a:r>
+              <a:rPr b="0" dirty="0" err="1">
+                <a:latin typeface="PingFang HK Semibold"/>
+                <a:ea typeface="PingFang HK Semibold"/>
+                <a:cs typeface="PingFang HK Semibold"/>
+                <a:sym typeface="PingFang HK Semibold"/>
+              </a:rPr>
+              <a:t>梁</a:t>
+            </a:r>
+            <a:r>
+              <a:rPr b="0" dirty="0">
+                <a:latin typeface="PingFang HK Semibold"/>
+                <a:ea typeface="PingFang HK Semibold"/>
+                <a:cs typeface="PingFang HK Semibold"/>
+                <a:sym typeface="PingFang HK Semibold"/>
+              </a:rPr>
+              <a:t>	</a:t>
+            </a:r>
+            <a:r>
+              <a:rPr dirty="0"/>
+              <a:t>10185101281</a:t>
+            </a:r>
+            <a:endParaRPr sz="2400" dirty="0"/>
+          </a:p>
+          <a:p>
+            <a:pPr algn="ctr">
+              <a:spcBef>
+                <a:spcPts val="1000"/>
+              </a:spcBef>
+              <a:defRPr sz="1600" b="1">
+                <a:solidFill>
+                  <a:srgbClr val="C70000"/>
+                </a:solidFill>
+                <a:latin typeface="Ubuntu"/>
+                <a:ea typeface="Ubuntu"/>
+                <a:cs typeface="Ubuntu"/>
+                <a:sym typeface="Ubuntu"/>
+              </a:defRPr>
+            </a:pPr>
+            <a:r>
+              <a:rPr b="0" dirty="0" err="1">
+                <a:latin typeface="PingFang HK Semibold"/>
+                <a:ea typeface="PingFang HK Semibold"/>
+                <a:cs typeface="PingFang HK Semibold"/>
+                <a:sym typeface="PingFang HK Semibold"/>
+              </a:rPr>
+              <a:t>谢嘉东</a:t>
+            </a:r>
+            <a:r>
+              <a:rPr b="0" dirty="0">
+                <a:latin typeface="PingFang HK Semibold"/>
+                <a:ea typeface="PingFang HK Semibold"/>
+                <a:cs typeface="PingFang HK Semibold"/>
+                <a:sym typeface="PingFang HK Semibold"/>
+              </a:rPr>
+              <a:t>	</a:t>
+            </a:r>
+            <a:r>
+              <a:rPr dirty="0"/>
               <a:t>10185101247</a:t>
             </a:r>
           </a:p>
@@ -2980,12 +3079,12 @@
   <p:clrMapOvr>
     <a:masterClrMapping/>
   </p:clrMapOvr>
-  <p:transition xmlns:p14="http://schemas.microsoft.com/office/powerpoint/2010/main" spd="med" advClick="1"/>
+  <p:transition spd="med"/>
 </p:sld>
 </file>
 
 <file path=ppt/slides/slide2.xml><?xml version="1.0" encoding="utf-8"?>
-<p:sld xmlns:a="http://schemas.openxmlformats.org/drawingml/2006/main" xmlns:r="http://schemas.openxmlformats.org/officeDocument/2006/relationships" xmlns:p="http://schemas.openxmlformats.org/presentationml/2006/main" xmlns:m="http://schemas.openxmlformats.org/officeDocument/2006/math" xmlns:a14="http://schemas.microsoft.com/office/drawing/2010/main" showMasterSp="1" showMasterPhAnim="1">
+<p:sld xmlns:a="http://schemas.openxmlformats.org/drawingml/2006/main" xmlns:r="http://schemas.openxmlformats.org/officeDocument/2006/relationships" xmlns:p="http://schemas.openxmlformats.org/presentationml/2006/main">
   <p:cSld>
     <p:spTree>
       <p:nvGrpSpPr>
@@ -3004,7 +3103,9 @@
       <p:sp>
         <p:nvSpPr>
           <p:cNvPr id="100" name="Subtitle 2"/>
-          <p:cNvSpPr txBox="1"/>
+          <p:cNvSpPr txBox="1">
+            <a:spLocks noGrp="1"/>
+          </p:cNvSpPr>
           <p:nvPr>
             <p:ph type="body" sz="quarter" idx="1"/>
           </p:nvPr>
@@ -3075,9 +3176,7 @@
           <p:nvPr/>
         </p:nvPicPr>
         <p:blipFill>
-          <a:blip r:embed="rId2">
-            <a:extLst/>
-          </a:blip>
+          <a:blip r:embed="rId2"/>
           <a:stretch>
             <a:fillRect/>
           </a:stretch>
@@ -3104,10 +3203,8 @@
           <p:nvPr/>
         </p:nvPicPr>
         <p:blipFill>
-          <a:blip r:embed="rId3">
-            <a:extLst/>
-          </a:blip>
-          <a:srcRect l="0" t="0" r="71261" b="0"/>
+          <a:blip r:embed="rId3"/>
+          <a:srcRect r="71261"/>
           <a:stretch>
             <a:fillRect/>
           </a:stretch>
@@ -3144,7 +3241,7 @@
           </a:ln>
           <a:extLst>
             <a:ext uri="{C572A759-6A51-4108-AA02-DFA0A04FC94B}">
-              <ma14:wrappingTextBoxFlag xmlns:ma14="http://schemas.microsoft.com/office/mac/drawingml/2011/main" val="1"/>
+              <ma14:wrappingTextBoxFlag xmlns:ma14="http://schemas.microsoft.com/office/mac/drawingml/2011/main" xmlns:a14="http://schemas.microsoft.com/office/drawing/2010/main" xmlns:m="http://schemas.openxmlformats.org/officeDocument/2006/math" xmlns="" val="1"/>
             </a:ext>
           </a:extLst>
         </p:spPr>
@@ -3208,7 +3305,7 @@
           </a:ln>
           <a:extLst>
             <a:ext uri="{C572A759-6A51-4108-AA02-DFA0A04FC94B}">
-              <ma14:wrappingTextBoxFlag xmlns:ma14="http://schemas.microsoft.com/office/mac/drawingml/2011/main" val="1"/>
+              <ma14:wrappingTextBoxFlag xmlns:ma14="http://schemas.microsoft.com/office/mac/drawingml/2011/main" xmlns:a14="http://schemas.microsoft.com/office/drawing/2010/main" xmlns:m="http://schemas.openxmlformats.org/officeDocument/2006/math" xmlns="" val="1"/>
             </a:ext>
           </a:extLst>
         </p:spPr>
@@ -3249,7 +3346,7 @@
             </a:r>
           </a:p>
           <a:p>
-            <a:pPr lvl="1" marL="742950" indent="-285750">
+            <a:pPr marL="742950" lvl="1" indent="-285750">
               <a:lnSpc>
                 <a:spcPct val="150000"/>
               </a:lnSpc>
@@ -3280,7 +3377,7 @@
             </a:r>
           </a:p>
           <a:p>
-            <a:pPr lvl="1" marL="742950" indent="-285750">
+            <a:pPr marL="742950" lvl="1" indent="-285750">
               <a:lnSpc>
                 <a:spcPct val="150000"/>
               </a:lnSpc>
@@ -3311,7 +3408,7 @@
             </a:r>
           </a:p>
           <a:p>
-            <a:pPr lvl="1" marL="742950" indent="-285750">
+            <a:pPr marL="742950" lvl="1" indent="-285750">
               <a:lnSpc>
                 <a:spcPct val="150000"/>
               </a:lnSpc>
@@ -3623,7 +3720,9 @@
       <p:sp>
         <p:nvSpPr>
           <p:cNvPr id="105" name="Slide Number Placeholder 21"/>
-          <p:cNvSpPr txBox="1"/>
+          <p:cNvSpPr txBox="1">
+            <a:spLocks noGrp="1"/>
+          </p:cNvSpPr>
           <p:nvPr>
             <p:ph type="sldNum" sz="quarter" idx="2"/>
           </p:nvPr>
@@ -3638,7 +3737,7 @@
           </a:prstGeom>
           <a:extLst>
             <a:ext uri="{C572A759-6A51-4108-AA02-DFA0A04FC94B}">
-              <ma14:wrappingTextBoxFlag xmlns:ma14="http://schemas.microsoft.com/office/mac/drawingml/2011/main" val="1"/>
+              <ma14:wrappingTextBoxFlag xmlns:ma14="http://schemas.microsoft.com/office/mac/drawingml/2011/main" xmlns:a14="http://schemas.microsoft.com/office/drawing/2010/main" xmlns:m="http://schemas.openxmlformats.org/officeDocument/2006/math" xmlns="" val="1"/>
             </a:ext>
           </a:extLst>
         </p:spPr>
@@ -3646,8 +3745,10 @@
           <a:bodyPr/>
           <a:lstStyle/>
           <a:p>
-            <a:pPr/>
-            <a:fld id="{86CB4B4D-7CA3-9044-876B-883B54F8677D}" type="slidenum"/>
+            <a:fld id="{86CB4B4D-7CA3-9044-876B-883B54F8677D}" type="slidenum">
+              <a:t>2</a:t>
+            </a:fld>
+            <a:endParaRPr/>
           </a:p>
         </p:txBody>
       </p:sp>
@@ -3656,12 +3757,12 @@
   <p:clrMapOvr>
     <a:masterClrMapping/>
   </p:clrMapOvr>
-  <p:transition xmlns:p14="http://schemas.microsoft.com/office/powerpoint/2010/main" spd="med" advClick="1"/>
+  <p:transition spd="med"/>
 </p:sld>
 </file>
 
 <file path=ppt/slides/slide3.xml><?xml version="1.0" encoding="utf-8"?>
-<p:sld xmlns:a="http://schemas.openxmlformats.org/drawingml/2006/main" xmlns:r="http://schemas.openxmlformats.org/officeDocument/2006/relationships" xmlns:p="http://schemas.openxmlformats.org/presentationml/2006/main" xmlns:m="http://schemas.openxmlformats.org/officeDocument/2006/math" xmlns:a14="http://schemas.microsoft.com/office/drawing/2010/main" showMasterSp="1" showMasterPhAnim="1">
+<p:sld xmlns:a="http://schemas.openxmlformats.org/drawingml/2006/main" xmlns:r="http://schemas.openxmlformats.org/officeDocument/2006/relationships" xmlns:p="http://schemas.openxmlformats.org/presentationml/2006/main">
   <p:cSld>
     <p:spTree>
       <p:nvGrpSpPr>
@@ -3680,7 +3781,9 @@
       <p:sp>
         <p:nvSpPr>
           <p:cNvPr id="107" name="Subtitle 2"/>
-          <p:cNvSpPr txBox="1"/>
+          <p:cNvSpPr txBox="1">
+            <a:spLocks noGrp="1"/>
+          </p:cNvSpPr>
           <p:nvPr>
             <p:ph type="body" sz="quarter" idx="1"/>
           </p:nvPr>
@@ -3751,9 +3854,7 @@
           <p:nvPr/>
         </p:nvPicPr>
         <p:blipFill>
-          <a:blip r:embed="rId2">
-            <a:extLst/>
-          </a:blip>
+          <a:blip r:embed="rId2"/>
           <a:stretch>
             <a:fillRect/>
           </a:stretch>
@@ -3780,10 +3881,8 @@
           <p:nvPr/>
         </p:nvPicPr>
         <p:blipFill>
-          <a:blip r:embed="rId3">
-            <a:extLst/>
-          </a:blip>
-          <a:srcRect l="0" t="0" r="71261" b="0"/>
+          <a:blip r:embed="rId3"/>
+          <a:srcRect r="71261"/>
           <a:stretch>
             <a:fillRect/>
           </a:stretch>
@@ -3820,7 +3919,7 @@
           </a:ln>
           <a:extLst>
             <a:ext uri="{C572A759-6A51-4108-AA02-DFA0A04FC94B}">
-              <ma14:wrappingTextBoxFlag xmlns:ma14="http://schemas.microsoft.com/office/mac/drawingml/2011/main" val="1"/>
+              <ma14:wrappingTextBoxFlag xmlns:ma14="http://schemas.microsoft.com/office/mac/drawingml/2011/main" xmlns:a14="http://schemas.microsoft.com/office/drawing/2010/main" xmlns:m="http://schemas.openxmlformats.org/officeDocument/2006/math" xmlns="" val="1"/>
             </a:ext>
           </a:extLst>
         </p:spPr>
@@ -3884,7 +3983,7 @@
           </a:ln>
           <a:extLst>
             <a:ext uri="{C572A759-6A51-4108-AA02-DFA0A04FC94B}">
-              <ma14:wrappingTextBoxFlag xmlns:ma14="http://schemas.microsoft.com/office/mac/drawingml/2011/main" val="1"/>
+              <ma14:wrappingTextBoxFlag xmlns:ma14="http://schemas.microsoft.com/office/mac/drawingml/2011/main" xmlns:a14="http://schemas.microsoft.com/office/drawing/2010/main" xmlns:m="http://schemas.openxmlformats.org/officeDocument/2006/math" xmlns="" val="1"/>
             </a:ext>
           </a:extLst>
         </p:spPr>
@@ -3953,7 +4052,7 @@
             </a:r>
           </a:p>
           <a:p>
-            <a:pPr lvl="1" marL="742950" indent="-285750">
+            <a:pPr marL="742950" lvl="1" indent="-285750">
               <a:lnSpc>
                 <a:spcPct val="150000"/>
               </a:lnSpc>
@@ -3978,7 +4077,7 @@
             </a:r>
           </a:p>
           <a:p>
-            <a:pPr lvl="1" marL="742950" indent="-285750">
+            <a:pPr marL="742950" lvl="1" indent="-285750">
               <a:lnSpc>
                 <a:spcPct val="150000"/>
               </a:lnSpc>
@@ -4003,7 +4102,7 @@
             </a:r>
           </a:p>
           <a:p>
-            <a:pPr lvl="1" marL="742950" indent="-285750">
+            <a:pPr marL="742950" lvl="1" indent="-285750">
               <a:lnSpc>
                 <a:spcPct val="150000"/>
               </a:lnSpc>
@@ -4053,7 +4152,7 @@
             </a:r>
           </a:p>
           <a:p>
-            <a:pPr lvl="1" marL="742950" indent="-285750">
+            <a:pPr marL="742950" lvl="1" indent="-285750">
               <a:lnSpc>
                 <a:spcPct val="150000"/>
               </a:lnSpc>
@@ -4098,7 +4197,7 @@
           </a:ln>
           <a:extLst>
             <a:ext uri="{C572A759-6A51-4108-AA02-DFA0A04FC94B}">
-              <ma14:wrappingTextBoxFlag xmlns:ma14="http://schemas.microsoft.com/office/mac/drawingml/2011/main" val="1"/>
+              <ma14:wrappingTextBoxFlag xmlns:ma14="http://schemas.microsoft.com/office/mac/drawingml/2011/main" xmlns:a14="http://schemas.microsoft.com/office/drawing/2010/main" xmlns:m="http://schemas.openxmlformats.org/officeDocument/2006/math" xmlns="" val="1"/>
             </a:ext>
           </a:extLst>
         </p:spPr>
@@ -4112,7 +4211,7 @@
               <a:spcBef>
                 <a:spcPts val="1000"/>
               </a:spcBef>
-              <a:defRPr b="1" sz="2400">
+              <a:defRPr sz="2400" b="1">
                 <a:solidFill>
                   <a:srgbClr val="808080"/>
                 </a:solidFill>
@@ -4140,7 +4239,9 @@
       <p:sp>
         <p:nvSpPr>
           <p:cNvPr id="113" name="Slide Number Placeholder 21"/>
-          <p:cNvSpPr txBox="1"/>
+          <p:cNvSpPr txBox="1">
+            <a:spLocks noGrp="1"/>
+          </p:cNvSpPr>
           <p:nvPr>
             <p:ph type="sldNum" sz="quarter" idx="2"/>
           </p:nvPr>
@@ -4155,7 +4256,7 @@
           </a:prstGeom>
           <a:extLst>
             <a:ext uri="{C572A759-6A51-4108-AA02-DFA0A04FC94B}">
-              <ma14:wrappingTextBoxFlag xmlns:ma14="http://schemas.microsoft.com/office/mac/drawingml/2011/main" val="1"/>
+              <ma14:wrappingTextBoxFlag xmlns:ma14="http://schemas.microsoft.com/office/mac/drawingml/2011/main" xmlns:a14="http://schemas.microsoft.com/office/drawing/2010/main" xmlns:m="http://schemas.openxmlformats.org/officeDocument/2006/math" xmlns="" val="1"/>
             </a:ext>
           </a:extLst>
         </p:spPr>
@@ -4163,8 +4264,10 @@
           <a:bodyPr/>
           <a:lstStyle/>
           <a:p>
-            <a:pPr/>
-            <a:fld id="{86CB4B4D-7CA3-9044-876B-883B54F8677D}" type="slidenum"/>
+            <a:fld id="{86CB4B4D-7CA3-9044-876B-883B54F8677D}" type="slidenum">
+              <a:t>3</a:t>
+            </a:fld>
+            <a:endParaRPr/>
           </a:p>
         </p:txBody>
       </p:sp>
@@ -4177,9 +4280,7 @@
           <p:nvPr/>
         </p:nvPicPr>
         <p:blipFill>
-          <a:blip r:embed="rId4">
-            <a:extLst/>
-          </a:blip>
+          <a:blip r:embed="rId4"/>
           <a:stretch>
             <a:fillRect/>
           </a:stretch>
@@ -4202,12 +4303,12 @@
   <p:clrMapOvr>
     <a:masterClrMapping/>
   </p:clrMapOvr>
-  <p:transition xmlns:p14="http://schemas.microsoft.com/office/powerpoint/2010/main" spd="med" advClick="1"/>
+  <p:transition spd="med"/>
 </p:sld>
 </file>
 
 <file path=ppt/slides/slide4.xml><?xml version="1.0" encoding="utf-8"?>
-<p:sld xmlns:a="http://schemas.openxmlformats.org/drawingml/2006/main" xmlns:r="http://schemas.openxmlformats.org/officeDocument/2006/relationships" xmlns:p="http://schemas.openxmlformats.org/presentationml/2006/main" xmlns:m="http://schemas.openxmlformats.org/officeDocument/2006/math" xmlns:a14="http://schemas.microsoft.com/office/drawing/2010/main" showMasterSp="1" showMasterPhAnim="1">
+<p:sld xmlns:a="http://schemas.openxmlformats.org/drawingml/2006/main" xmlns:r="http://schemas.openxmlformats.org/officeDocument/2006/relationships" xmlns:p="http://schemas.openxmlformats.org/presentationml/2006/main">
   <p:cSld>
     <p:spTree>
       <p:nvGrpSpPr>
@@ -4226,7 +4327,9 @@
       <p:sp>
         <p:nvSpPr>
           <p:cNvPr id="116" name="Subtitle 2"/>
-          <p:cNvSpPr txBox="1"/>
+          <p:cNvSpPr txBox="1">
+            <a:spLocks noGrp="1"/>
+          </p:cNvSpPr>
           <p:nvPr>
             <p:ph type="body" sz="quarter" idx="1"/>
           </p:nvPr>
@@ -4297,9 +4400,7 @@
           <p:nvPr/>
         </p:nvPicPr>
         <p:blipFill>
-          <a:blip r:embed="rId2">
-            <a:extLst/>
-          </a:blip>
+          <a:blip r:embed="rId2"/>
           <a:stretch>
             <a:fillRect/>
           </a:stretch>
@@ -4326,10 +4427,8 @@
           <p:nvPr/>
         </p:nvPicPr>
         <p:blipFill>
-          <a:blip r:embed="rId3">
-            <a:extLst/>
-          </a:blip>
-          <a:srcRect l="0" t="0" r="71261" b="0"/>
+          <a:blip r:embed="rId3"/>
+          <a:srcRect r="71261"/>
           <a:stretch>
             <a:fillRect/>
           </a:stretch>
@@ -4366,7 +4465,7 @@
           </a:ln>
           <a:extLst>
             <a:ext uri="{C572A759-6A51-4108-AA02-DFA0A04FC94B}">
-              <ma14:wrappingTextBoxFlag xmlns:ma14="http://schemas.microsoft.com/office/mac/drawingml/2011/main" val="1"/>
+              <ma14:wrappingTextBoxFlag xmlns:ma14="http://schemas.microsoft.com/office/mac/drawingml/2011/main" xmlns:a14="http://schemas.microsoft.com/office/drawing/2010/main" xmlns:m="http://schemas.openxmlformats.org/officeDocument/2006/math" xmlns="" val="1"/>
             </a:ext>
           </a:extLst>
         </p:spPr>
@@ -4430,7 +4529,7 @@
           </a:ln>
           <a:extLst>
             <a:ext uri="{C572A759-6A51-4108-AA02-DFA0A04FC94B}">
-              <ma14:wrappingTextBoxFlag xmlns:ma14="http://schemas.microsoft.com/office/mac/drawingml/2011/main" val="1"/>
+              <ma14:wrappingTextBoxFlag xmlns:ma14="http://schemas.microsoft.com/office/mac/drawingml/2011/main" xmlns:a14="http://schemas.microsoft.com/office/drawing/2010/main" xmlns:m="http://schemas.openxmlformats.org/officeDocument/2006/math" xmlns="" val="1"/>
             </a:ext>
           </a:extLst>
         </p:spPr>
@@ -4471,7 +4570,7 @@
             </a:r>
           </a:p>
           <a:p>
-            <a:pPr lvl="1" marL="742950" indent="-285750">
+            <a:pPr marL="742950" lvl="1" indent="-285750">
               <a:lnSpc>
                 <a:spcPct val="150000"/>
               </a:lnSpc>
@@ -4502,7 +4601,7 @@
             </a:r>
           </a:p>
           <a:p>
-            <a:pPr lvl="1" marL="742950" indent="-285750">
+            <a:pPr marL="742950" lvl="1" indent="-285750">
               <a:lnSpc>
                 <a:spcPct val="150000"/>
               </a:lnSpc>
@@ -4533,7 +4632,7 @@
             </a:r>
           </a:p>
           <a:p>
-            <a:pPr lvl="1" marL="742950" indent="-285750">
+            <a:pPr marL="742950" lvl="1" indent="-285750">
               <a:lnSpc>
                 <a:spcPct val="150000"/>
               </a:lnSpc>
@@ -4564,7 +4663,7 @@
             </a:r>
           </a:p>
           <a:p>
-            <a:pPr lvl="1" marL="742950" indent="-285750">
+            <a:pPr marL="742950" lvl="1" indent="-285750">
               <a:lnSpc>
                 <a:spcPct val="150000"/>
               </a:lnSpc>
@@ -4595,7 +4694,7 @@
             </a:r>
           </a:p>
           <a:p>
-            <a:pPr lvl="1" marL="742950" indent="-285750">
+            <a:pPr marL="742950" lvl="1" indent="-285750">
               <a:lnSpc>
                 <a:spcPct val="150000"/>
               </a:lnSpc>
@@ -4615,9 +4714,15 @@
                 <a:sym typeface="Ubuntu"/>
               </a:defRPr>
             </a:pPr>
-          </a:p>
-          <a:p>
-            <a:pPr lvl="1" marL="742950" indent="-285750">
+            <a:endParaRPr>
+              <a:latin typeface="PingFang HK Regular"/>
+              <a:ea typeface="PingFang HK Regular"/>
+              <a:cs typeface="PingFang HK Regular"/>
+              <a:sym typeface="PingFang HK Regular"/>
+            </a:endParaRPr>
+          </a:p>
+          <a:p>
+            <a:pPr marL="742950" lvl="1" indent="-285750">
               <a:lnSpc>
                 <a:spcPct val="150000"/>
               </a:lnSpc>
@@ -4637,9 +4742,15 @@
                 <a:sym typeface="Ubuntu"/>
               </a:defRPr>
             </a:pPr>
-          </a:p>
-          <a:p>
-            <a:pPr lvl="1" marL="742950" indent="-285750">
+            <a:endParaRPr>
+              <a:latin typeface="PingFang HK Regular"/>
+              <a:ea typeface="PingFang HK Regular"/>
+              <a:cs typeface="PingFang HK Regular"/>
+              <a:sym typeface="PingFang HK Regular"/>
+            </a:endParaRPr>
+          </a:p>
+          <a:p>
+            <a:pPr marL="742950" lvl="1" indent="-285750">
               <a:lnSpc>
                 <a:spcPct val="150000"/>
               </a:lnSpc>
@@ -4659,6 +4770,12 @@
                 <a:sym typeface="Ubuntu"/>
               </a:defRPr>
             </a:pPr>
+            <a:endParaRPr>
+              <a:latin typeface="PingFang HK Regular"/>
+              <a:ea typeface="PingFang HK Regular"/>
+              <a:cs typeface="PingFang HK Regular"/>
+              <a:sym typeface="PingFang HK Regular"/>
+            </a:endParaRPr>
           </a:p>
         </p:txBody>
       </p:sp>
@@ -4681,7 +4798,7 @@
           </a:ln>
           <a:extLst>
             <a:ext uri="{C572A759-6A51-4108-AA02-DFA0A04FC94B}">
-              <ma14:wrappingTextBoxFlag xmlns:ma14="http://schemas.microsoft.com/office/mac/drawingml/2011/main" val="1"/>
+              <ma14:wrappingTextBoxFlag xmlns:ma14="http://schemas.microsoft.com/office/mac/drawingml/2011/main" xmlns:a14="http://schemas.microsoft.com/office/drawing/2010/main" xmlns:m="http://schemas.openxmlformats.org/officeDocument/2006/math" xmlns="" val="1"/>
             </a:ext>
           </a:extLst>
         </p:spPr>
@@ -4729,7 +4846,9 @@
       <p:sp>
         <p:nvSpPr>
           <p:cNvPr id="122" name="Slide Number Placeholder 21"/>
-          <p:cNvSpPr txBox="1"/>
+          <p:cNvSpPr txBox="1">
+            <a:spLocks noGrp="1"/>
+          </p:cNvSpPr>
           <p:nvPr>
             <p:ph type="sldNum" sz="quarter" idx="2"/>
           </p:nvPr>
@@ -4744,7 +4863,7 @@
           </a:prstGeom>
           <a:extLst>
             <a:ext uri="{C572A759-6A51-4108-AA02-DFA0A04FC94B}">
-              <ma14:wrappingTextBoxFlag xmlns:ma14="http://schemas.microsoft.com/office/mac/drawingml/2011/main" val="1"/>
+              <ma14:wrappingTextBoxFlag xmlns:ma14="http://schemas.microsoft.com/office/mac/drawingml/2011/main" xmlns:a14="http://schemas.microsoft.com/office/drawing/2010/main" xmlns:m="http://schemas.openxmlformats.org/officeDocument/2006/math" xmlns="" val="1"/>
             </a:ext>
           </a:extLst>
         </p:spPr>
@@ -4752,8 +4871,10 @@
           <a:bodyPr/>
           <a:lstStyle/>
           <a:p>
-            <a:pPr/>
-            <a:fld id="{86CB4B4D-7CA3-9044-876B-883B54F8677D}" type="slidenum"/>
+            <a:fld id="{86CB4B4D-7CA3-9044-876B-883B54F8677D}" type="slidenum">
+              <a:t>4</a:t>
+            </a:fld>
+            <a:endParaRPr/>
           </a:p>
         </p:txBody>
       </p:sp>
@@ -4766,9 +4887,7 @@
           <p:nvPr/>
         </p:nvPicPr>
         <p:blipFill>
-          <a:blip r:embed="rId4">
-            <a:extLst/>
-          </a:blip>
+          <a:blip r:embed="rId4"/>
           <a:stretch>
             <a:fillRect/>
           </a:stretch>
@@ -4791,12 +4910,12 @@
   <p:clrMapOvr>
     <a:masterClrMapping/>
   </p:clrMapOvr>
-  <p:transition xmlns:p14="http://schemas.microsoft.com/office/powerpoint/2010/main" spd="med" advClick="1"/>
+  <p:transition spd="med"/>
 </p:sld>
 </file>
 
 <file path=ppt/slides/slide5.xml><?xml version="1.0" encoding="utf-8"?>
-<p:sld xmlns:a="http://schemas.openxmlformats.org/drawingml/2006/main" xmlns:r="http://schemas.openxmlformats.org/officeDocument/2006/relationships" xmlns:p="http://schemas.openxmlformats.org/presentationml/2006/main" xmlns:m="http://schemas.openxmlformats.org/officeDocument/2006/math" xmlns:a14="http://schemas.microsoft.com/office/drawing/2010/main" showMasterSp="1" showMasterPhAnim="1">
+<p:sld xmlns:a="http://schemas.openxmlformats.org/drawingml/2006/main" xmlns:r="http://schemas.openxmlformats.org/officeDocument/2006/relationships" xmlns:p="http://schemas.openxmlformats.org/presentationml/2006/main">
   <p:cSld>
     <p:spTree>
       <p:nvGrpSpPr>
@@ -4815,7 +4934,9 @@
       <p:sp>
         <p:nvSpPr>
           <p:cNvPr id="125" name="Subtitle 2"/>
-          <p:cNvSpPr txBox="1"/>
+          <p:cNvSpPr txBox="1">
+            <a:spLocks noGrp="1"/>
+          </p:cNvSpPr>
           <p:nvPr>
             <p:ph type="body" sz="quarter" idx="1"/>
           </p:nvPr>
@@ -4886,9 +5007,7 @@
           <p:nvPr/>
         </p:nvPicPr>
         <p:blipFill>
-          <a:blip r:embed="rId2">
-            <a:extLst/>
-          </a:blip>
+          <a:blip r:embed="rId2"/>
           <a:stretch>
             <a:fillRect/>
           </a:stretch>
@@ -4915,10 +5034,8 @@
           <p:nvPr/>
         </p:nvPicPr>
         <p:blipFill>
-          <a:blip r:embed="rId3">
-            <a:extLst/>
-          </a:blip>
-          <a:srcRect l="0" t="0" r="71261" b="0"/>
+          <a:blip r:embed="rId3"/>
+          <a:srcRect r="71261"/>
           <a:stretch>
             <a:fillRect/>
           </a:stretch>
@@ -4955,7 +5072,7 @@
           </a:ln>
           <a:extLst>
             <a:ext uri="{C572A759-6A51-4108-AA02-DFA0A04FC94B}">
-              <ma14:wrappingTextBoxFlag xmlns:ma14="http://schemas.microsoft.com/office/mac/drawingml/2011/main" val="1"/>
+              <ma14:wrappingTextBoxFlag xmlns:ma14="http://schemas.microsoft.com/office/mac/drawingml/2011/main" xmlns:a14="http://schemas.microsoft.com/office/drawing/2010/main" xmlns:m="http://schemas.openxmlformats.org/officeDocument/2006/math" xmlns="" val="1"/>
             </a:ext>
           </a:extLst>
         </p:spPr>
@@ -5019,7 +5136,7 @@
           </a:ln>
           <a:extLst>
             <a:ext uri="{C572A759-6A51-4108-AA02-DFA0A04FC94B}">
-              <ma14:wrappingTextBoxFlag xmlns:ma14="http://schemas.microsoft.com/office/mac/drawingml/2011/main" val="1"/>
+              <ma14:wrappingTextBoxFlag xmlns:ma14="http://schemas.microsoft.com/office/mac/drawingml/2011/main" xmlns:a14="http://schemas.microsoft.com/office/drawing/2010/main" xmlns:m="http://schemas.openxmlformats.org/officeDocument/2006/math" xmlns="" val="1"/>
             </a:ext>
           </a:extLst>
         </p:spPr>
@@ -5060,7 +5177,7 @@
             </a:r>
           </a:p>
           <a:p>
-            <a:pPr lvl="1" marL="742950" indent="-285750">
+            <a:pPr marL="742950" lvl="1" indent="-285750">
               <a:lnSpc>
                 <a:spcPct val="150000"/>
               </a:lnSpc>
@@ -5091,7 +5208,7 @@
             </a:r>
           </a:p>
           <a:p>
-            <a:pPr lvl="1" marL="742950" indent="-285750">
+            <a:pPr marL="742950" lvl="1" indent="-285750">
               <a:lnSpc>
                 <a:spcPct val="150000"/>
               </a:lnSpc>
@@ -5122,7 +5239,7 @@
             </a:r>
           </a:p>
           <a:p>
-            <a:pPr lvl="1" marL="742950" indent="-285750">
+            <a:pPr marL="742950" lvl="1" indent="-285750">
               <a:lnSpc>
                 <a:spcPct val="150000"/>
               </a:lnSpc>
@@ -5153,7 +5270,7 @@
             </a:r>
           </a:p>
           <a:p>
-            <a:pPr lvl="1" marL="742950" indent="-285750">
+            <a:pPr marL="742950" lvl="1" indent="-285750">
               <a:lnSpc>
                 <a:spcPct val="150000"/>
               </a:lnSpc>
@@ -5184,7 +5301,7 @@
             </a:r>
           </a:p>
           <a:p>
-            <a:pPr lvl="1" marL="742950" indent="-285750">
+            <a:pPr marL="742950" lvl="1" indent="-285750">
               <a:lnSpc>
                 <a:spcPct val="150000"/>
               </a:lnSpc>
@@ -5216,7 +5333,7 @@
             <a:endParaRPr sz="1200"/>
           </a:p>
           <a:p>
-            <a:pPr lvl="1" marL="742950" indent="-285750">
+            <a:pPr marL="742950" lvl="1" indent="-285750">
               <a:lnSpc>
                 <a:spcPct val="150000"/>
               </a:lnSpc>
@@ -5236,9 +5353,10 @@
                 <a:sym typeface="Ubuntu"/>
               </a:defRPr>
             </a:pPr>
-          </a:p>
-          <a:p>
-            <a:pPr lvl="1" marL="742950" indent="-285750">
+            <a:endParaRPr sz="1200"/>
+          </a:p>
+          <a:p>
+            <a:pPr marL="742950" lvl="1" indent="-285750">
               <a:lnSpc>
                 <a:spcPct val="150000"/>
               </a:lnSpc>
@@ -5258,6 +5376,7 @@
                 <a:sym typeface="Ubuntu"/>
               </a:defRPr>
             </a:pPr>
+            <a:endParaRPr sz="1200"/>
           </a:p>
         </p:txBody>
       </p:sp>
@@ -5280,7 +5399,7 @@
           </a:ln>
           <a:extLst>
             <a:ext uri="{C572A759-6A51-4108-AA02-DFA0A04FC94B}">
-              <ma14:wrappingTextBoxFlag xmlns:ma14="http://schemas.microsoft.com/office/mac/drawingml/2011/main" val="1"/>
+              <ma14:wrappingTextBoxFlag xmlns:ma14="http://schemas.microsoft.com/office/mac/drawingml/2011/main" xmlns:a14="http://schemas.microsoft.com/office/drawing/2010/main" xmlns:m="http://schemas.openxmlformats.org/officeDocument/2006/math" xmlns="" val="1"/>
             </a:ext>
           </a:extLst>
         </p:spPr>
@@ -5328,7 +5447,9 @@
       <p:sp>
         <p:nvSpPr>
           <p:cNvPr id="131" name="Slide Number Placeholder 21"/>
-          <p:cNvSpPr txBox="1"/>
+          <p:cNvSpPr txBox="1">
+            <a:spLocks noGrp="1"/>
+          </p:cNvSpPr>
           <p:nvPr>
             <p:ph type="sldNum" sz="quarter" idx="2"/>
           </p:nvPr>
@@ -5343,7 +5464,7 @@
           </a:prstGeom>
           <a:extLst>
             <a:ext uri="{C572A759-6A51-4108-AA02-DFA0A04FC94B}">
-              <ma14:wrappingTextBoxFlag xmlns:ma14="http://schemas.microsoft.com/office/mac/drawingml/2011/main" val="1"/>
+              <ma14:wrappingTextBoxFlag xmlns:ma14="http://schemas.microsoft.com/office/mac/drawingml/2011/main" xmlns:a14="http://schemas.microsoft.com/office/drawing/2010/main" xmlns:m="http://schemas.openxmlformats.org/officeDocument/2006/math" xmlns="" val="1"/>
             </a:ext>
           </a:extLst>
         </p:spPr>
@@ -5351,8 +5472,10 @@
           <a:bodyPr/>
           <a:lstStyle/>
           <a:p>
-            <a:pPr/>
-            <a:fld id="{86CB4B4D-7CA3-9044-876B-883B54F8677D}" type="slidenum"/>
+            <a:fld id="{86CB4B4D-7CA3-9044-876B-883B54F8677D}" type="slidenum">
+              <a:t>5</a:t>
+            </a:fld>
+            <a:endParaRPr/>
           </a:p>
         </p:txBody>
       </p:sp>
@@ -5365,9 +5488,7 @@
           <p:nvPr/>
         </p:nvPicPr>
         <p:blipFill>
-          <a:blip r:embed="rId4">
-            <a:extLst/>
-          </a:blip>
+          <a:blip r:embed="rId4"/>
           <a:stretch>
             <a:fillRect/>
           </a:stretch>
@@ -5390,12 +5511,12 @@
   <p:clrMapOvr>
     <a:masterClrMapping/>
   </p:clrMapOvr>
-  <p:transition xmlns:p14="http://schemas.microsoft.com/office/powerpoint/2010/main" spd="med" advClick="1"/>
+  <p:transition spd="med"/>
 </p:sld>
 </file>
 
 <file path=ppt/slides/slide6.xml><?xml version="1.0" encoding="utf-8"?>
-<p:sld xmlns:a="http://schemas.openxmlformats.org/drawingml/2006/main" xmlns:r="http://schemas.openxmlformats.org/officeDocument/2006/relationships" xmlns:p="http://schemas.openxmlformats.org/presentationml/2006/main" xmlns:m="http://schemas.openxmlformats.org/officeDocument/2006/math" xmlns:a14="http://schemas.microsoft.com/office/drawing/2010/main" showMasterSp="1" showMasterPhAnim="1">
+<p:sld xmlns:a="http://schemas.openxmlformats.org/drawingml/2006/main" xmlns:r="http://schemas.openxmlformats.org/officeDocument/2006/relationships" xmlns:p="http://schemas.openxmlformats.org/presentationml/2006/main">
   <p:cSld>
     <p:spTree>
       <p:nvGrpSpPr>
@@ -5414,7 +5535,9 @@
       <p:sp>
         <p:nvSpPr>
           <p:cNvPr id="134" name="Subtitle 2"/>
-          <p:cNvSpPr txBox="1"/>
+          <p:cNvSpPr txBox="1">
+            <a:spLocks noGrp="1"/>
+          </p:cNvSpPr>
           <p:nvPr>
             <p:ph type="body" sz="quarter" idx="1"/>
           </p:nvPr>
@@ -5485,9 +5608,7 @@
           <p:nvPr/>
         </p:nvPicPr>
         <p:blipFill>
-          <a:blip r:embed="rId2">
-            <a:extLst/>
-          </a:blip>
+          <a:blip r:embed="rId2"/>
           <a:stretch>
             <a:fillRect/>
           </a:stretch>
@@ -5514,10 +5635,8 @@
           <p:nvPr/>
         </p:nvPicPr>
         <p:blipFill>
-          <a:blip r:embed="rId3">
-            <a:extLst/>
-          </a:blip>
-          <a:srcRect l="0" t="0" r="71261" b="0"/>
+          <a:blip r:embed="rId3"/>
+          <a:srcRect r="71261"/>
           <a:stretch>
             <a:fillRect/>
           </a:stretch>
@@ -5554,7 +5673,7 @@
           </a:ln>
           <a:extLst>
             <a:ext uri="{C572A759-6A51-4108-AA02-DFA0A04FC94B}">
-              <ma14:wrappingTextBoxFlag xmlns:ma14="http://schemas.microsoft.com/office/mac/drawingml/2011/main" val="1"/>
+              <ma14:wrappingTextBoxFlag xmlns:ma14="http://schemas.microsoft.com/office/mac/drawingml/2011/main" xmlns:a14="http://schemas.microsoft.com/office/drawing/2010/main" xmlns:m="http://schemas.openxmlformats.org/officeDocument/2006/math" xmlns="" val="1"/>
             </a:ext>
           </a:extLst>
         </p:spPr>
@@ -5618,7 +5737,7 @@
           </a:ln>
           <a:extLst>
             <a:ext uri="{C572A759-6A51-4108-AA02-DFA0A04FC94B}">
-              <ma14:wrappingTextBoxFlag xmlns:ma14="http://schemas.microsoft.com/office/mac/drawingml/2011/main" val="1"/>
+              <ma14:wrappingTextBoxFlag xmlns:ma14="http://schemas.microsoft.com/office/mac/drawingml/2011/main" xmlns:a14="http://schemas.microsoft.com/office/drawing/2010/main" xmlns:m="http://schemas.openxmlformats.org/officeDocument/2006/math" xmlns="" val="1"/>
             </a:ext>
           </a:extLst>
         </p:spPr>
@@ -5659,7 +5778,7 @@
             </a:r>
           </a:p>
           <a:p>
-            <a:pPr lvl="1" marL="742950" indent="-285750">
+            <a:pPr marL="742950" lvl="1" indent="-285750">
               <a:lnSpc>
                 <a:spcPct val="150000"/>
               </a:lnSpc>
@@ -5690,7 +5809,7 @@
             </a:r>
           </a:p>
           <a:p>
-            <a:pPr lvl="1" marL="742950" indent="-285750">
+            <a:pPr marL="742950" lvl="1" indent="-285750">
               <a:lnSpc>
                 <a:spcPct val="150000"/>
               </a:lnSpc>
@@ -5793,7 +5912,7 @@
             </a:r>
           </a:p>
           <a:p>
-            <a:pPr lvl="1" marL="742950" indent="-285750">
+            <a:pPr marL="742950" lvl="1" indent="-285750">
               <a:lnSpc>
                 <a:spcPct val="150000"/>
               </a:lnSpc>
@@ -5825,7 +5944,7 @@
             <a:endParaRPr sz="1200"/>
           </a:p>
           <a:p>
-            <a:pPr lvl="1" marL="742950" indent="-285750">
+            <a:pPr marL="742950" lvl="1" indent="-285750">
               <a:lnSpc>
                 <a:spcPct val="150000"/>
               </a:lnSpc>
@@ -5845,9 +5964,10 @@
                 <a:sym typeface="Ubuntu"/>
               </a:defRPr>
             </a:pPr>
-          </a:p>
-          <a:p>
-            <a:pPr lvl="1" marL="742950" indent="-285750">
+            <a:endParaRPr sz="1200"/>
+          </a:p>
+          <a:p>
+            <a:pPr marL="742950" lvl="1" indent="-285750">
               <a:lnSpc>
                 <a:spcPct val="150000"/>
               </a:lnSpc>
@@ -5867,6 +5987,7 @@
                 <a:sym typeface="Ubuntu"/>
               </a:defRPr>
             </a:pPr>
+            <a:endParaRPr sz="1200"/>
           </a:p>
         </p:txBody>
       </p:sp>
@@ -5889,7 +6010,7 @@
           </a:ln>
           <a:extLst>
             <a:ext uri="{C572A759-6A51-4108-AA02-DFA0A04FC94B}">
-              <ma14:wrappingTextBoxFlag xmlns:ma14="http://schemas.microsoft.com/office/mac/drawingml/2011/main" val="1"/>
+              <ma14:wrappingTextBoxFlag xmlns:ma14="http://schemas.microsoft.com/office/mac/drawingml/2011/main" xmlns:a14="http://schemas.microsoft.com/office/drawing/2010/main" xmlns:m="http://schemas.openxmlformats.org/officeDocument/2006/math" xmlns="" val="1"/>
             </a:ext>
           </a:extLst>
         </p:spPr>
@@ -5937,7 +6058,9 @@
       <p:sp>
         <p:nvSpPr>
           <p:cNvPr id="140" name="Slide Number Placeholder 21"/>
-          <p:cNvSpPr txBox="1"/>
+          <p:cNvSpPr txBox="1">
+            <a:spLocks noGrp="1"/>
+          </p:cNvSpPr>
           <p:nvPr>
             <p:ph type="sldNum" sz="quarter" idx="2"/>
           </p:nvPr>
@@ -5952,7 +6075,7 @@
           </a:prstGeom>
           <a:extLst>
             <a:ext uri="{C572A759-6A51-4108-AA02-DFA0A04FC94B}">
-              <ma14:wrappingTextBoxFlag xmlns:ma14="http://schemas.microsoft.com/office/mac/drawingml/2011/main" val="1"/>
+              <ma14:wrappingTextBoxFlag xmlns:ma14="http://schemas.microsoft.com/office/mac/drawingml/2011/main" xmlns:a14="http://schemas.microsoft.com/office/drawing/2010/main" xmlns:m="http://schemas.openxmlformats.org/officeDocument/2006/math" xmlns="" val="1"/>
             </a:ext>
           </a:extLst>
         </p:spPr>
@@ -5960,8 +6083,10 @@
           <a:bodyPr/>
           <a:lstStyle/>
           <a:p>
-            <a:pPr/>
-            <a:fld id="{86CB4B4D-7CA3-9044-876B-883B54F8677D}" type="slidenum"/>
+            <a:fld id="{86CB4B4D-7CA3-9044-876B-883B54F8677D}" type="slidenum">
+              <a:t>6</a:t>
+            </a:fld>
+            <a:endParaRPr/>
           </a:p>
         </p:txBody>
       </p:sp>
@@ -5974,9 +6099,7 @@
           <p:nvPr/>
         </p:nvPicPr>
         <p:blipFill>
-          <a:blip r:embed="rId4">
-            <a:extLst/>
-          </a:blip>
+          <a:blip r:embed="rId4"/>
           <a:stretch>
             <a:fillRect/>
           </a:stretch>
@@ -5999,12 +6122,12 @@
   <p:clrMapOvr>
     <a:masterClrMapping/>
   </p:clrMapOvr>
-  <p:transition xmlns:p14="http://schemas.microsoft.com/office/powerpoint/2010/main" spd="med" advClick="1"/>
+  <p:transition spd="med"/>
 </p:sld>
 </file>
 
 <file path=ppt/slides/slide7.xml><?xml version="1.0" encoding="utf-8"?>
-<p:sld xmlns:a="http://schemas.openxmlformats.org/drawingml/2006/main" xmlns:r="http://schemas.openxmlformats.org/officeDocument/2006/relationships" xmlns:p="http://schemas.openxmlformats.org/presentationml/2006/main" xmlns:m="http://schemas.openxmlformats.org/officeDocument/2006/math" xmlns:a14="http://schemas.microsoft.com/office/drawing/2010/main" showMasterSp="1" showMasterPhAnim="1">
+<p:sld xmlns:a="http://schemas.openxmlformats.org/drawingml/2006/main" xmlns:r="http://schemas.openxmlformats.org/officeDocument/2006/relationships" xmlns:p="http://schemas.openxmlformats.org/presentationml/2006/main">
   <p:cSld>
     <p:spTree>
       <p:nvGrpSpPr>
@@ -6023,7 +6146,9 @@
       <p:sp>
         <p:nvSpPr>
           <p:cNvPr id="143" name="Subtitle 2"/>
-          <p:cNvSpPr txBox="1"/>
+          <p:cNvSpPr txBox="1">
+            <a:spLocks noGrp="1"/>
+          </p:cNvSpPr>
           <p:nvPr>
             <p:ph type="body" sz="quarter" idx="1"/>
           </p:nvPr>
@@ -6094,9 +6219,7 @@
           <p:nvPr/>
         </p:nvPicPr>
         <p:blipFill>
-          <a:blip r:embed="rId2">
-            <a:extLst/>
-          </a:blip>
+          <a:blip r:embed="rId2"/>
           <a:stretch>
             <a:fillRect/>
           </a:stretch>
@@ -6123,10 +6246,8 @@
           <p:nvPr/>
         </p:nvPicPr>
         <p:blipFill>
-          <a:blip r:embed="rId3">
-            <a:extLst/>
-          </a:blip>
-          <a:srcRect l="0" t="0" r="71261" b="0"/>
+          <a:blip r:embed="rId3"/>
+          <a:srcRect r="71261"/>
           <a:stretch>
             <a:fillRect/>
           </a:stretch>
@@ -6163,7 +6284,7 @@
           </a:ln>
           <a:extLst>
             <a:ext uri="{C572A759-6A51-4108-AA02-DFA0A04FC94B}">
-              <ma14:wrappingTextBoxFlag xmlns:ma14="http://schemas.microsoft.com/office/mac/drawingml/2011/main" val="1"/>
+              <ma14:wrappingTextBoxFlag xmlns:ma14="http://schemas.microsoft.com/office/mac/drawingml/2011/main" xmlns:a14="http://schemas.microsoft.com/office/drawing/2010/main" xmlns:m="http://schemas.openxmlformats.org/officeDocument/2006/math" xmlns="" val="1"/>
             </a:ext>
           </a:extLst>
         </p:spPr>
@@ -6227,7 +6348,7 @@
           </a:ln>
           <a:extLst>
             <a:ext uri="{C572A759-6A51-4108-AA02-DFA0A04FC94B}">
-              <ma14:wrappingTextBoxFlag xmlns:ma14="http://schemas.microsoft.com/office/mac/drawingml/2011/main" val="1"/>
+              <ma14:wrappingTextBoxFlag xmlns:ma14="http://schemas.microsoft.com/office/mac/drawingml/2011/main" xmlns:a14="http://schemas.microsoft.com/office/drawing/2010/main" xmlns:m="http://schemas.openxmlformats.org/officeDocument/2006/math" xmlns="" val="1"/>
             </a:ext>
           </a:extLst>
         </p:spPr>
@@ -6280,7 +6401,7 @@
             </a:r>
           </a:p>
           <a:p>
-            <a:pPr lvl="1" marL="742950" indent="-285750">
+            <a:pPr marL="742950" lvl="1" indent="-285750">
               <a:lnSpc>
                 <a:spcPct val="150000"/>
               </a:lnSpc>
@@ -6311,7 +6432,7 @@
             </a:r>
           </a:p>
           <a:p>
-            <a:pPr lvl="1" marL="742950" indent="-285750">
+            <a:pPr marL="742950" lvl="1" indent="-285750">
               <a:lnSpc>
                 <a:spcPct val="150000"/>
               </a:lnSpc>
@@ -6342,7 +6463,7 @@
             </a:r>
           </a:p>
           <a:p>
-            <a:pPr lvl="1" marL="742950" indent="-285750">
+            <a:pPr marL="742950" lvl="1" indent="-285750">
               <a:lnSpc>
                 <a:spcPct val="150000"/>
               </a:lnSpc>
@@ -6373,7 +6494,7 @@
             </a:r>
           </a:p>
           <a:p>
-            <a:pPr lvl="1" marL="742950" indent="-285750">
+            <a:pPr marL="742950" lvl="1" indent="-285750">
               <a:lnSpc>
                 <a:spcPct val="150000"/>
               </a:lnSpc>
@@ -6405,7 +6526,7 @@
             <a:endParaRPr sz="1200"/>
           </a:p>
           <a:p>
-            <a:pPr lvl="1" marL="742950" indent="-285750">
+            <a:pPr marL="742950" lvl="1" indent="-285750">
               <a:lnSpc>
                 <a:spcPct val="150000"/>
               </a:lnSpc>
@@ -6425,6 +6546,7 @@
                 <a:sym typeface="Ubuntu"/>
               </a:defRPr>
             </a:pPr>
+            <a:endParaRPr sz="1200"/>
           </a:p>
         </p:txBody>
       </p:sp>
@@ -6447,7 +6569,7 @@
           </a:ln>
           <a:extLst>
             <a:ext uri="{C572A759-6A51-4108-AA02-DFA0A04FC94B}">
-              <ma14:wrappingTextBoxFlag xmlns:ma14="http://schemas.microsoft.com/office/mac/drawingml/2011/main" val="1"/>
+              <ma14:wrappingTextBoxFlag xmlns:ma14="http://schemas.microsoft.com/office/mac/drawingml/2011/main" xmlns:a14="http://schemas.microsoft.com/office/drawing/2010/main" xmlns:m="http://schemas.openxmlformats.org/officeDocument/2006/math" xmlns="" val="1"/>
             </a:ext>
           </a:extLst>
         </p:spPr>
@@ -6495,7 +6617,9 @@
       <p:sp>
         <p:nvSpPr>
           <p:cNvPr id="149" name="Slide Number Placeholder 21"/>
-          <p:cNvSpPr txBox="1"/>
+          <p:cNvSpPr txBox="1">
+            <a:spLocks noGrp="1"/>
+          </p:cNvSpPr>
           <p:nvPr>
             <p:ph type="sldNum" sz="quarter" idx="2"/>
           </p:nvPr>
@@ -6510,7 +6634,7 @@
           </a:prstGeom>
           <a:extLst>
             <a:ext uri="{C572A759-6A51-4108-AA02-DFA0A04FC94B}">
-              <ma14:wrappingTextBoxFlag xmlns:ma14="http://schemas.microsoft.com/office/mac/drawingml/2011/main" val="1"/>
+              <ma14:wrappingTextBoxFlag xmlns:ma14="http://schemas.microsoft.com/office/mac/drawingml/2011/main" xmlns:a14="http://schemas.microsoft.com/office/drawing/2010/main" xmlns:m="http://schemas.openxmlformats.org/officeDocument/2006/math" xmlns="" val="1"/>
             </a:ext>
           </a:extLst>
         </p:spPr>
@@ -6518,8 +6642,10 @@
           <a:bodyPr/>
           <a:lstStyle/>
           <a:p>
-            <a:pPr/>
-            <a:fld id="{86CB4B4D-7CA3-9044-876B-883B54F8677D}" type="slidenum"/>
+            <a:fld id="{86CB4B4D-7CA3-9044-876B-883B54F8677D}" type="slidenum">
+              <a:t>7</a:t>
+            </a:fld>
+            <a:endParaRPr/>
           </a:p>
         </p:txBody>
       </p:sp>
@@ -6532,9 +6658,7 @@
           <p:nvPr/>
         </p:nvPicPr>
         <p:blipFill>
-          <a:blip r:embed="rId4">
-            <a:extLst/>
-          </a:blip>
+          <a:blip r:embed="rId4"/>
           <a:stretch>
             <a:fillRect/>
           </a:stretch>
@@ -6557,12 +6681,12 @@
   <p:clrMapOvr>
     <a:masterClrMapping/>
   </p:clrMapOvr>
-  <p:transition xmlns:p14="http://schemas.microsoft.com/office/powerpoint/2010/main" spd="med" advClick="1"/>
+  <p:transition spd="med"/>
 </p:sld>
 </file>
 
 <file path=ppt/slides/slide8.xml><?xml version="1.0" encoding="utf-8"?>
-<p:sld xmlns:a="http://schemas.openxmlformats.org/drawingml/2006/main" xmlns:r="http://schemas.openxmlformats.org/officeDocument/2006/relationships" xmlns:p="http://schemas.openxmlformats.org/presentationml/2006/main" xmlns:m="http://schemas.openxmlformats.org/officeDocument/2006/math" xmlns:a14="http://schemas.microsoft.com/office/drawing/2010/main" showMasterSp="1" showMasterPhAnim="1">
+<p:sld xmlns:a="http://schemas.openxmlformats.org/drawingml/2006/main" xmlns:r="http://schemas.openxmlformats.org/officeDocument/2006/relationships" xmlns:p="http://schemas.openxmlformats.org/presentationml/2006/main">
   <p:cSld>
     <p:spTree>
       <p:nvGrpSpPr>
@@ -6587,10 +6711,8 @@
           <p:nvPr/>
         </p:nvPicPr>
         <p:blipFill>
-          <a:blip r:embed="rId2">
-            <a:extLst/>
-          </a:blip>
-          <a:srcRect l="0" t="0" r="73397" b="0"/>
+          <a:blip r:embed="rId2"/>
+          <a:srcRect r="73397"/>
           <a:stretch>
             <a:fillRect/>
           </a:stretch>
@@ -6611,7 +6733,9 @@
       <p:sp>
         <p:nvSpPr>
           <p:cNvPr id="153" name="Subtitle 2"/>
-          <p:cNvSpPr txBox="1"/>
+          <p:cNvSpPr txBox="1">
+            <a:spLocks noGrp="1"/>
+          </p:cNvSpPr>
           <p:nvPr>
             <p:ph type="subTitle" sz="quarter" idx="1"/>
           </p:nvPr>
@@ -6646,7 +6770,7 @@
               <a:t>谢谢</a:t>
             </a:r>
             <a:r>
-              <a:rPr i="1" sz="2000"/>
+              <a:rPr sz="2000" i="1"/>
               <a:t>.</a:t>
             </a:r>
           </a:p>
@@ -6661,9 +6785,7 @@
           <p:nvPr/>
         </p:nvPicPr>
         <p:blipFill>
-          <a:blip r:embed="rId3">
-            <a:extLst/>
-          </a:blip>
+          <a:blip r:embed="rId3"/>
           <a:stretch>
             <a:fillRect/>
           </a:stretch>
@@ -6700,13 +6822,13 @@
           </a:ln>
           <a:extLst>
             <a:ext uri="{C572A759-6A51-4108-AA02-DFA0A04FC94B}">
-              <ma14:wrappingTextBoxFlag xmlns:ma14="http://schemas.microsoft.com/office/mac/drawingml/2011/main" val="1"/>
+              <ma14:wrappingTextBoxFlag xmlns:ma14="http://schemas.microsoft.com/office/mac/drawingml/2011/main" xmlns:a14="http://schemas.microsoft.com/office/drawing/2010/main" xmlns:m="http://schemas.openxmlformats.org/officeDocument/2006/math" xmlns="" val="1"/>
             </a:ext>
           </a:extLst>
         </p:spPr>
         <p:txBody>
           <a:bodyPr lIns="45719" rIns="45719">
-            <a:normAutofit fontScale="100000" lnSpcReduction="0"/>
+            <a:normAutofit/>
           </a:bodyPr>
           <a:lstStyle/>
           <a:p>
@@ -6728,25 +6850,7 @@
               </a:defRPr>
             </a:pPr>
             <a:r>
-              <a:t>East</a:t>
-            </a:r>
-            <a:r>
-              <a:t> </a:t>
-            </a:r>
-            <a:r>
-              <a:t>China</a:t>
-            </a:r>
-            <a:r>
-              <a:t> </a:t>
-            </a:r>
-            <a:r>
-              <a:t>Normal</a:t>
-            </a:r>
-            <a:r>
-              <a:t> </a:t>
-            </a:r>
-            <a:r>
-              <a:t>University</a:t>
+              <a:t>East China Normal University</a:t>
             </a:r>
             <a:endParaRPr sz="2400"/>
           </a:p>
@@ -6779,12 +6883,12 @@
   <p:clrMapOvr>
     <a:masterClrMapping/>
   </p:clrMapOvr>
-  <p:transition xmlns:p14="http://schemas.microsoft.com/office/powerpoint/2010/main" spd="med" advClick="1"/>
+  <p:transition spd="med"/>
 </p:sld>
 </file>
 
 <file path=ppt/slides/slide9.xml><?xml version="1.0" encoding="utf-8"?>
-<p:sld xmlns:a="http://schemas.openxmlformats.org/drawingml/2006/main" xmlns:r="http://schemas.openxmlformats.org/officeDocument/2006/relationships" xmlns:p="http://schemas.openxmlformats.org/presentationml/2006/main" xmlns:m="http://schemas.openxmlformats.org/officeDocument/2006/math" xmlns:a14="http://schemas.microsoft.com/office/drawing/2010/main" showMasterSp="1" showMasterPhAnim="1">
+<p:sld xmlns:a="http://schemas.openxmlformats.org/drawingml/2006/main" xmlns:r="http://schemas.openxmlformats.org/officeDocument/2006/relationships" xmlns:p="http://schemas.openxmlformats.org/presentationml/2006/main">
   <p:cSld>
     <p:spTree>
       <p:nvGrpSpPr>
@@ -6803,7 +6907,9 @@
       <p:sp>
         <p:nvSpPr>
           <p:cNvPr id="157" name="Subtitle 2"/>
-          <p:cNvSpPr txBox="1"/>
+          <p:cNvSpPr txBox="1">
+            <a:spLocks noGrp="1"/>
+          </p:cNvSpPr>
           <p:nvPr>
             <p:ph type="body" sz="quarter" idx="1"/>
           </p:nvPr>
@@ -6874,9 +6980,7 @@
           <p:nvPr/>
         </p:nvPicPr>
         <p:blipFill>
-          <a:blip r:embed="rId2">
-            <a:extLst/>
-          </a:blip>
+          <a:blip r:embed="rId2"/>
           <a:stretch>
             <a:fillRect/>
           </a:stretch>
@@ -6903,10 +7007,8 @@
           <p:nvPr/>
         </p:nvPicPr>
         <p:blipFill>
-          <a:blip r:embed="rId3">
-            <a:extLst/>
-          </a:blip>
-          <a:srcRect l="0" t="0" r="71261" b="0"/>
+          <a:blip r:embed="rId3"/>
+          <a:srcRect r="71261"/>
           <a:stretch>
             <a:fillRect/>
           </a:stretch>
@@ -6943,7 +7045,7 @@
           </a:ln>
           <a:extLst>
             <a:ext uri="{C572A759-6A51-4108-AA02-DFA0A04FC94B}">
-              <ma14:wrappingTextBoxFlag xmlns:ma14="http://schemas.microsoft.com/office/mac/drawingml/2011/main" val="1"/>
+              <ma14:wrappingTextBoxFlag xmlns:ma14="http://schemas.microsoft.com/office/mac/drawingml/2011/main" xmlns:a14="http://schemas.microsoft.com/office/drawing/2010/main" xmlns:m="http://schemas.openxmlformats.org/officeDocument/2006/math" xmlns="" val="1"/>
             </a:ext>
           </a:extLst>
         </p:spPr>
@@ -6957,7 +7059,7 @@
               <a:spcBef>
                 <a:spcPts val="1000"/>
               </a:spcBef>
-              <a:defRPr b="1" sz="5400">
+              <a:defRPr sz="5400" b="1">
                 <a:solidFill>
                   <a:srgbClr val="C70000"/>
                 </a:solidFill>
@@ -7001,7 +7103,7 @@
           </a:ln>
           <a:extLst>
             <a:ext uri="{C572A759-6A51-4108-AA02-DFA0A04FC94B}">
-              <ma14:wrappingTextBoxFlag xmlns:ma14="http://schemas.microsoft.com/office/mac/drawingml/2011/main" val="1"/>
+              <ma14:wrappingTextBoxFlag xmlns:ma14="http://schemas.microsoft.com/office/mac/drawingml/2011/main" xmlns:a14="http://schemas.microsoft.com/office/drawing/2010/main" xmlns:m="http://schemas.openxmlformats.org/officeDocument/2006/math" xmlns="" val="1"/>
             </a:ext>
           </a:extLst>
         </p:spPr>
@@ -7035,7 +7137,7 @@
                     <a:srgbClr val="0563C1"/>
                   </a:solidFill>
                 </a:uFill>
-                <a:hlinkClick r:id="rId4" invalidUrl="" action="" tgtFrame="" tooltip="" history="1" highlightClick="0" endSnd="0"/>
+                <a:hlinkClick r:id="rId4"/>
               </a:rPr>
               <a:t>https://materialdesignicons.com/</a:t>
             </a:r>
@@ -7134,7 +7236,7 @@
           </a:ln>
           <a:extLst>
             <a:ext uri="{C572A759-6A51-4108-AA02-DFA0A04FC94B}">
-              <ma14:wrappingTextBoxFlag xmlns:ma14="http://schemas.microsoft.com/office/mac/drawingml/2011/main" val="1"/>
+              <ma14:wrappingTextBoxFlag xmlns:ma14="http://schemas.microsoft.com/office/mac/drawingml/2011/main" xmlns:a14="http://schemas.microsoft.com/office/drawing/2010/main" xmlns:m="http://schemas.openxmlformats.org/officeDocument/2006/math" xmlns="" val="1"/>
             </a:ext>
           </a:extLst>
         </p:spPr>
@@ -7156,7 +7258,6 @@
             </a:lvl1pPr>
           </a:lstStyle>
           <a:p>
-            <a:pPr/>
             <a:r>
               <a:t>8/25/20</a:t>
             </a:r>
@@ -7166,7 +7267,9 @@
       <p:sp>
         <p:nvSpPr>
           <p:cNvPr id="163" name="Slide Number Placeholder 21"/>
-          <p:cNvSpPr txBox="1"/>
+          <p:cNvSpPr txBox="1">
+            <a:spLocks noGrp="1"/>
+          </p:cNvSpPr>
           <p:nvPr>
             <p:ph type="sldNum" sz="quarter" idx="2"/>
           </p:nvPr>
@@ -7181,7 +7284,7 @@
           </a:prstGeom>
           <a:extLst>
             <a:ext uri="{C572A759-6A51-4108-AA02-DFA0A04FC94B}">
-              <ma14:wrappingTextBoxFlag xmlns:ma14="http://schemas.microsoft.com/office/mac/drawingml/2011/main" val="1"/>
+              <ma14:wrappingTextBoxFlag xmlns:ma14="http://schemas.microsoft.com/office/mac/drawingml/2011/main" xmlns:a14="http://schemas.microsoft.com/office/drawing/2010/main" xmlns:m="http://schemas.openxmlformats.org/officeDocument/2006/math" xmlns="" val="1"/>
             </a:ext>
           </a:extLst>
         </p:spPr>
@@ -7189,8 +7292,10 @@
           <a:bodyPr/>
           <a:lstStyle/>
           <a:p>
-            <a:pPr/>
-            <a:fld id="{86CB4B4D-7CA3-9044-876B-883B54F8677D}" type="slidenum"/>
+            <a:fld id="{86CB4B4D-7CA3-9044-876B-883B54F8677D}" type="slidenum">
+              <a:t>9</a:t>
+            </a:fld>
+            <a:endParaRPr/>
           </a:p>
         </p:txBody>
       </p:sp>
@@ -7203,9 +7308,7 @@
           <p:nvPr/>
         </p:nvPicPr>
         <p:blipFill>
-          <a:blip r:embed="rId5">
-            <a:extLst/>
-          </a:blip>
+          <a:blip r:embed="rId5"/>
           <a:stretch>
             <a:fillRect/>
           </a:stretch>
@@ -7228,12 +7331,12 @@
   <p:clrMapOvr>
     <a:masterClrMapping/>
   </p:clrMapOvr>
-  <p:transition xmlns:p14="http://schemas.microsoft.com/office/powerpoint/2010/main" spd="med" advClick="1"/>
+  <p:transition spd="med"/>
 </p:sld>
 </file>
 
 <file path=ppt/theme/theme1.xml><?xml version="1.0" encoding="utf-8"?>
-<a:theme xmlns:a="http://schemas.openxmlformats.org/drawingml/2006/main" xmlns:r="http://schemas.openxmlformats.org/officeDocument/2006/relationships" name="Office Theme">
+<a:theme xmlns:a="http://schemas.openxmlformats.org/drawingml/2006/main" name="Office Theme">
   <a:themeElements>
     <a:clrScheme name="Office Theme">
       <a:dk1>
@@ -7435,7 +7538,7 @@
         <a:effectLst/>
         <a:sp3d/>
       </a:spPr>
-      <a:bodyPr rot="0" spcFirstLastPara="1" vertOverflow="overflow" horzOverflow="overflow" vert="horz" wrap="square" lIns="45719" tIns="45719" rIns="45719" bIns="45719" numCol="1" spcCol="38100" rtlCol="0" anchor="ctr" upright="0">
+      <a:bodyPr rot="0" spcFirstLastPara="1" vertOverflow="overflow" horzOverflow="overflow" vert="horz" wrap="square" lIns="45719" tIns="45719" rIns="45719" bIns="45719" numCol="1" spcCol="38100" rtlCol="0" anchor="ctr">
         <a:spAutoFit/>
       </a:bodyPr>
       <a:lstStyle>
@@ -7454,7 +7557,7 @@
           <a:buFontTx/>
           <a:buNone/>
           <a:tabLst/>
-          <a:defRPr b="0" baseline="0" cap="none" i="0" spc="0" strike="noStrike" sz="1800" u="none" kumimoji="0" normalizeH="0">
+          <a:defRPr kumimoji="0" sz="1800" b="0" i="0" u="none" strike="noStrike" cap="none" spc="0" normalizeH="0" baseline="0">
             <a:ln>
               <a:noFill/>
             </a:ln>
@@ -7484,7 +7587,7 @@
           <a:buFontTx/>
           <a:buNone/>
           <a:tabLst/>
-          <a:defRPr b="0" baseline="0" cap="none" i="0" spc="0" strike="noStrike" sz="1800" u="none" kumimoji="0" normalizeH="0">
+          <a:defRPr kumimoji="0" sz="1800" b="0" i="0" u="none" strike="noStrike" cap="none" spc="0" normalizeH="0" baseline="0">
             <a:ln>
               <a:noFill/>
             </a:ln>
@@ -7510,7 +7613,7 @@
           <a:buFontTx/>
           <a:buNone/>
           <a:tabLst/>
-          <a:defRPr b="0" baseline="0" cap="none" i="0" spc="0" strike="noStrike" sz="1800" u="none" kumimoji="0" normalizeH="0">
+          <a:defRPr kumimoji="0" sz="1800" b="0" i="0" u="none" strike="noStrike" cap="none" spc="0" normalizeH="0" baseline="0">
             <a:ln>
               <a:noFill/>
             </a:ln>
@@ -7536,7 +7639,7 @@
           <a:buFontTx/>
           <a:buNone/>
           <a:tabLst/>
-          <a:defRPr b="0" baseline="0" cap="none" i="0" spc="0" strike="noStrike" sz="1800" u="none" kumimoji="0" normalizeH="0">
+          <a:defRPr kumimoji="0" sz="1800" b="0" i="0" u="none" strike="noStrike" cap="none" spc="0" normalizeH="0" baseline="0">
             <a:ln>
               <a:noFill/>
             </a:ln>
@@ -7562,7 +7665,7 @@
           <a:buFontTx/>
           <a:buNone/>
           <a:tabLst/>
-          <a:defRPr b="0" baseline="0" cap="none" i="0" spc="0" strike="noStrike" sz="1800" u="none" kumimoji="0" normalizeH="0">
+          <a:defRPr kumimoji="0" sz="1800" b="0" i="0" u="none" strike="noStrike" cap="none" spc="0" normalizeH="0" baseline="0">
             <a:ln>
               <a:noFill/>
             </a:ln>
@@ -7588,7 +7691,7 @@
           <a:buFontTx/>
           <a:buNone/>
           <a:tabLst/>
-          <a:defRPr b="0" baseline="0" cap="none" i="0" spc="0" strike="noStrike" sz="1800" u="none" kumimoji="0" normalizeH="0">
+          <a:defRPr kumimoji="0" sz="1800" b="0" i="0" u="none" strike="noStrike" cap="none" spc="0" normalizeH="0" baseline="0">
             <a:ln>
               <a:noFill/>
             </a:ln>
@@ -7614,7 +7717,7 @@
           <a:buFontTx/>
           <a:buNone/>
           <a:tabLst/>
-          <a:defRPr b="0" baseline="0" cap="none" i="0" spc="0" strike="noStrike" sz="1800" u="none" kumimoji="0" normalizeH="0">
+          <a:defRPr kumimoji="0" sz="1800" b="0" i="0" u="none" strike="noStrike" cap="none" spc="0" normalizeH="0" baseline="0">
             <a:ln>
               <a:noFill/>
             </a:ln>
@@ -7640,7 +7743,7 @@
           <a:buFontTx/>
           <a:buNone/>
           <a:tabLst/>
-          <a:defRPr b="0" baseline="0" cap="none" i="0" spc="0" strike="noStrike" sz="1800" u="none" kumimoji="0" normalizeH="0">
+          <a:defRPr kumimoji="0" sz="1800" b="0" i="0" u="none" strike="noStrike" cap="none" spc="0" normalizeH="0" baseline="0">
             <a:ln>
               <a:noFill/>
             </a:ln>
@@ -7666,7 +7769,7 @@
           <a:buFontTx/>
           <a:buNone/>
           <a:tabLst/>
-          <a:defRPr b="0" baseline="0" cap="none" i="0" spc="0" strike="noStrike" sz="1800" u="none" kumimoji="0" normalizeH="0">
+          <a:defRPr kumimoji="0" sz="1800" b="0" i="0" u="none" strike="noStrike" cap="none" spc="0" normalizeH="0" baseline="0">
             <a:ln>
               <a:noFill/>
             </a:ln>
@@ -7692,7 +7795,7 @@
           <a:buFontTx/>
           <a:buNone/>
           <a:tabLst/>
-          <a:defRPr b="0" baseline="0" cap="none" i="0" spc="0" strike="noStrike" sz="1800" u="none" kumimoji="0" normalizeH="0">
+          <a:defRPr kumimoji="0" sz="1800" b="0" i="0" u="none" strike="noStrike" cap="none" spc="0" normalizeH="0" baseline="0">
             <a:ln>
               <a:noFill/>
             </a:ln>
@@ -7705,9 +7808,15 @@
         </a:lvl9pPr>
       </a:lstStyle>
       <a:style>
-        <a:lnRef idx="0"/>
-        <a:fillRef idx="0"/>
-        <a:effectRef idx="0"/>
+        <a:lnRef idx="0">
+          <a:scrgbClr r="0" g="0" b="0"/>
+        </a:lnRef>
+        <a:fillRef idx="0">
+          <a:scrgbClr r="0" g="0" b="0"/>
+        </a:fillRef>
+        <a:effectRef idx="0">
+          <a:scrgbClr r="0" g="0" b="0"/>
+        </a:effectRef>
         <a:fontRef idx="none"/>
       </a:style>
     </a:spDef>
@@ -7724,7 +7833,7 @@
         <a:effectLst/>
         <a:sp3d/>
       </a:spPr>
-      <a:bodyPr rot="0" spcFirstLastPara="1" vertOverflow="overflow" horzOverflow="overflow" vert="horz" wrap="square" lIns="91439" tIns="45719" rIns="91439" bIns="45719" numCol="1" spcCol="38100" rtlCol="0" anchor="t" upright="0">
+      <a:bodyPr rot="0" spcFirstLastPara="1" vertOverflow="overflow" horzOverflow="overflow" vert="horz" wrap="square" lIns="91439" tIns="45719" rIns="91439" bIns="45719" numCol="1" spcCol="38100" rtlCol="0" anchor="t">
         <a:noAutofit/>
       </a:bodyPr>
       <a:lstStyle>
@@ -7743,7 +7852,7 @@
           <a:buFontTx/>
           <a:buNone/>
           <a:tabLst/>
-          <a:defRPr b="0" baseline="0" cap="none" i="0" spc="0" strike="noStrike" sz="1800" u="none" kumimoji="0" normalizeH="0">
+          <a:defRPr kumimoji="0" sz="1800" b="0" i="0" u="none" strike="noStrike" cap="none" spc="0" normalizeH="0" baseline="0">
             <a:ln>
               <a:noFill/>
             </a:ln>
@@ -7769,7 +7878,7 @@
           <a:buFontTx/>
           <a:buNone/>
           <a:tabLst/>
-          <a:defRPr b="0" baseline="0" cap="none" i="0" spc="0" strike="noStrike" sz="1800" u="none" kumimoji="0" normalizeH="0">
+          <a:defRPr kumimoji="0" sz="1800" b="0" i="0" u="none" strike="noStrike" cap="none" spc="0" normalizeH="0" baseline="0">
             <a:ln>
               <a:noFill/>
             </a:ln>
@@ -7795,7 +7904,7 @@
           <a:buFontTx/>
           <a:buNone/>
           <a:tabLst/>
-          <a:defRPr b="0" baseline="0" cap="none" i="0" spc="0" strike="noStrike" sz="1800" u="none" kumimoji="0" normalizeH="0">
+          <a:defRPr kumimoji="0" sz="1800" b="0" i="0" u="none" strike="noStrike" cap="none" spc="0" normalizeH="0" baseline="0">
             <a:ln>
               <a:noFill/>
             </a:ln>
@@ -7821,7 +7930,7 @@
           <a:buFontTx/>
           <a:buNone/>
           <a:tabLst/>
-          <a:defRPr b="0" baseline="0" cap="none" i="0" spc="0" strike="noStrike" sz="1800" u="none" kumimoji="0" normalizeH="0">
+          <a:defRPr kumimoji="0" sz="1800" b="0" i="0" u="none" strike="noStrike" cap="none" spc="0" normalizeH="0" baseline="0">
             <a:ln>
               <a:noFill/>
             </a:ln>
@@ -7847,7 +7956,7 @@
           <a:buFontTx/>
           <a:buNone/>
           <a:tabLst/>
-          <a:defRPr b="0" baseline="0" cap="none" i="0" spc="0" strike="noStrike" sz="1800" u="none" kumimoji="0" normalizeH="0">
+          <a:defRPr kumimoji="0" sz="1800" b="0" i="0" u="none" strike="noStrike" cap="none" spc="0" normalizeH="0" baseline="0">
             <a:ln>
               <a:noFill/>
             </a:ln>
@@ -7873,7 +7982,7 @@
           <a:buFontTx/>
           <a:buNone/>
           <a:tabLst/>
-          <a:defRPr b="0" baseline="0" cap="none" i="0" spc="0" strike="noStrike" sz="1800" u="none" kumimoji="0" normalizeH="0">
+          <a:defRPr kumimoji="0" sz="1800" b="0" i="0" u="none" strike="noStrike" cap="none" spc="0" normalizeH="0" baseline="0">
             <a:ln>
               <a:noFill/>
             </a:ln>
@@ -7899,7 +8008,7 @@
           <a:buFontTx/>
           <a:buNone/>
           <a:tabLst/>
-          <a:defRPr b="0" baseline="0" cap="none" i="0" spc="0" strike="noStrike" sz="1800" u="none" kumimoji="0" normalizeH="0">
+          <a:defRPr kumimoji="0" sz="1800" b="0" i="0" u="none" strike="noStrike" cap="none" spc="0" normalizeH="0" baseline="0">
             <a:ln>
               <a:noFill/>
             </a:ln>
@@ -7925,7 +8034,7 @@
           <a:buFontTx/>
           <a:buNone/>
           <a:tabLst/>
-          <a:defRPr b="0" baseline="0" cap="none" i="0" spc="0" strike="noStrike" sz="1800" u="none" kumimoji="0" normalizeH="0">
+          <a:defRPr kumimoji="0" sz="1800" b="0" i="0" u="none" strike="noStrike" cap="none" spc="0" normalizeH="0" baseline="0">
             <a:ln>
               <a:noFill/>
             </a:ln>
@@ -7951,7 +8060,7 @@
           <a:buFontTx/>
           <a:buNone/>
           <a:tabLst/>
-          <a:defRPr b="0" baseline="0" cap="none" i="0" spc="0" strike="noStrike" sz="1800" u="none" kumimoji="0" normalizeH="0">
+          <a:defRPr kumimoji="0" sz="1800" b="0" i="0" u="none" strike="noStrike" cap="none" spc="0" normalizeH="0" baseline="0">
             <a:ln>
               <a:noFill/>
             </a:ln>
@@ -7977,7 +8086,7 @@
           <a:buFontTx/>
           <a:buNone/>
           <a:tabLst/>
-          <a:defRPr b="0" baseline="0" cap="none" i="0" spc="0" strike="noStrike" sz="1800" u="none" kumimoji="0" normalizeH="0">
+          <a:defRPr kumimoji="0" sz="1800" b="0" i="0" u="none" strike="noStrike" cap="none" spc="0" normalizeH="0" baseline="0">
             <a:ln>
               <a:noFill/>
             </a:ln>
@@ -7990,9 +8099,15 @@
         </a:lvl9pPr>
       </a:lstStyle>
       <a:style>
-        <a:lnRef idx="0"/>
-        <a:fillRef idx="0"/>
-        <a:effectRef idx="0"/>
+        <a:lnRef idx="0">
+          <a:scrgbClr r="0" g="0" b="0"/>
+        </a:lnRef>
+        <a:fillRef idx="0">
+          <a:scrgbClr r="0" g="0" b="0"/>
+        </a:fillRef>
+        <a:effectRef idx="0">
+          <a:scrgbClr r="0" g="0" b="0"/>
+        </a:effectRef>
         <a:fontRef idx="none"/>
       </a:style>
     </a:lnDef>
@@ -8006,7 +8121,7 @@
         <a:effectLst/>
         <a:sp3d/>
       </a:spPr>
-      <a:bodyPr rot="0" spcFirstLastPara="1" vertOverflow="overflow" horzOverflow="overflow" vert="horz" wrap="square" lIns="45719" tIns="45719" rIns="45719" bIns="45719" numCol="1" spcCol="38100" rtlCol="0" anchor="t" upright="0">
+      <a:bodyPr rot="0" spcFirstLastPara="1" vertOverflow="overflow" horzOverflow="overflow" vert="horz" wrap="square" lIns="45719" tIns="45719" rIns="45719" bIns="45719" numCol="1" spcCol="38100" rtlCol="0" anchor="t">
         <a:spAutoFit/>
       </a:bodyPr>
       <a:lstStyle>
@@ -8025,7 +8140,7 @@
           <a:buFontTx/>
           <a:buNone/>
           <a:tabLst/>
-          <a:defRPr b="0" baseline="0" cap="none" i="0" spc="0" strike="noStrike" sz="1800" u="none" kumimoji="0" normalizeH="0">
+          <a:defRPr kumimoji="0" sz="1800" b="0" i="0" u="none" strike="noStrike" cap="none" spc="0" normalizeH="0" baseline="0">
             <a:ln>
               <a:noFill/>
             </a:ln>
@@ -8055,7 +8170,7 @@
           <a:buFontTx/>
           <a:buNone/>
           <a:tabLst/>
-          <a:defRPr b="0" baseline="0" cap="none" i="0" spc="0" strike="noStrike" sz="1800" u="none" kumimoji="0" normalizeH="0">
+          <a:defRPr kumimoji="0" sz="1800" b="0" i="0" u="none" strike="noStrike" cap="none" spc="0" normalizeH="0" baseline="0">
             <a:ln>
               <a:noFill/>
             </a:ln>
@@ -8081,7 +8196,7 @@
           <a:buFontTx/>
           <a:buNone/>
           <a:tabLst/>
-          <a:defRPr b="0" baseline="0" cap="none" i="0" spc="0" strike="noStrike" sz="1800" u="none" kumimoji="0" normalizeH="0">
+          <a:defRPr kumimoji="0" sz="1800" b="0" i="0" u="none" strike="noStrike" cap="none" spc="0" normalizeH="0" baseline="0">
             <a:ln>
               <a:noFill/>
             </a:ln>
@@ -8107,7 +8222,7 @@
           <a:buFontTx/>
           <a:buNone/>
           <a:tabLst/>
-          <a:defRPr b="0" baseline="0" cap="none" i="0" spc="0" strike="noStrike" sz="1800" u="none" kumimoji="0" normalizeH="0">
+          <a:defRPr kumimoji="0" sz="1800" b="0" i="0" u="none" strike="noStrike" cap="none" spc="0" normalizeH="0" baseline="0">
             <a:ln>
               <a:noFill/>
             </a:ln>
@@ -8133,7 +8248,7 @@
           <a:buFontTx/>
           <a:buNone/>
           <a:tabLst/>
-          <a:defRPr b="0" baseline="0" cap="none" i="0" spc="0" strike="noStrike" sz="1800" u="none" kumimoji="0" normalizeH="0">
+          <a:defRPr kumimoji="0" sz="1800" b="0" i="0" u="none" strike="noStrike" cap="none" spc="0" normalizeH="0" baseline="0">
             <a:ln>
               <a:noFill/>
             </a:ln>
@@ -8159,7 +8274,7 @@
           <a:buFontTx/>
           <a:buNone/>
           <a:tabLst/>
-          <a:defRPr b="0" baseline="0" cap="none" i="0" spc="0" strike="noStrike" sz="1800" u="none" kumimoji="0" normalizeH="0">
+          <a:defRPr kumimoji="0" sz="1800" b="0" i="0" u="none" strike="noStrike" cap="none" spc="0" normalizeH="0" baseline="0">
             <a:ln>
               <a:noFill/>
             </a:ln>
@@ -8185,7 +8300,7 @@
           <a:buFontTx/>
           <a:buNone/>
           <a:tabLst/>
-          <a:defRPr b="0" baseline="0" cap="none" i="0" spc="0" strike="noStrike" sz="1800" u="none" kumimoji="0" normalizeH="0">
+          <a:defRPr kumimoji="0" sz="1800" b="0" i="0" u="none" strike="noStrike" cap="none" spc="0" normalizeH="0" baseline="0">
             <a:ln>
               <a:noFill/>
             </a:ln>
@@ -8211,7 +8326,7 @@
           <a:buFontTx/>
           <a:buNone/>
           <a:tabLst/>
-          <a:defRPr b="0" baseline="0" cap="none" i="0" spc="0" strike="noStrike" sz="1800" u="none" kumimoji="0" normalizeH="0">
+          <a:defRPr kumimoji="0" sz="1800" b="0" i="0" u="none" strike="noStrike" cap="none" spc="0" normalizeH="0" baseline="0">
             <a:ln>
               <a:noFill/>
             </a:ln>
@@ -8237,7 +8352,7 @@
           <a:buFontTx/>
           <a:buNone/>
           <a:tabLst/>
-          <a:defRPr b="0" baseline="0" cap="none" i="0" spc="0" strike="noStrike" sz="1800" u="none" kumimoji="0" normalizeH="0">
+          <a:defRPr kumimoji="0" sz="1800" b="0" i="0" u="none" strike="noStrike" cap="none" spc="0" normalizeH="0" baseline="0">
             <a:ln>
               <a:noFill/>
             </a:ln>
@@ -8263,7 +8378,7 @@
           <a:buFontTx/>
           <a:buNone/>
           <a:tabLst/>
-          <a:defRPr b="0" baseline="0" cap="none" i="0" spc="0" strike="noStrike" sz="1800" u="none" kumimoji="0" normalizeH="0">
+          <a:defRPr kumimoji="0" sz="1800" b="0" i="0" u="none" strike="noStrike" cap="none" spc="0" normalizeH="0" baseline="0">
             <a:ln>
               <a:noFill/>
             </a:ln>
@@ -8276,18 +8391,25 @@
         </a:lvl9pPr>
       </a:lstStyle>
       <a:style>
-        <a:lnRef idx="0"/>
-        <a:fillRef idx="0"/>
-        <a:effectRef idx="0"/>
+        <a:lnRef idx="0">
+          <a:scrgbClr r="0" g="0" b="0"/>
+        </a:lnRef>
+        <a:fillRef idx="0">
+          <a:scrgbClr r="0" g="0" b="0"/>
+        </a:fillRef>
+        <a:effectRef idx="0">
+          <a:scrgbClr r="0" g="0" b="0"/>
+        </a:effectRef>
         <a:fontRef idx="none"/>
       </a:style>
     </a:txDef>
   </a:objectDefaults>
+  <a:extraClrSchemeLst/>
 </a:theme>
 </file>
 
 <file path=ppt/theme/theme2.xml><?xml version="1.0" encoding="utf-8"?>
-<a:theme xmlns:a="http://schemas.openxmlformats.org/drawingml/2006/main" xmlns:r="http://schemas.openxmlformats.org/officeDocument/2006/relationships" name="Office Theme">
+<a:theme xmlns:a="http://schemas.openxmlformats.org/drawingml/2006/main" name="Office Theme">
   <a:themeElements>
     <a:clrScheme name="Office Theme">
       <a:dk1>
@@ -8489,7 +8611,7 @@
         <a:effectLst/>
         <a:sp3d/>
       </a:spPr>
-      <a:bodyPr rot="0" spcFirstLastPara="1" vertOverflow="overflow" horzOverflow="overflow" vert="horz" wrap="square" lIns="45719" tIns="45719" rIns="45719" bIns="45719" numCol="1" spcCol="38100" rtlCol="0" anchor="ctr" upright="0">
+      <a:bodyPr rot="0" spcFirstLastPara="1" vertOverflow="overflow" horzOverflow="overflow" vert="horz" wrap="square" lIns="45719" tIns="45719" rIns="45719" bIns="45719" numCol="1" spcCol="38100" rtlCol="0" anchor="ctr">
         <a:spAutoFit/>
       </a:bodyPr>
       <a:lstStyle>
@@ -8508,7 +8630,7 @@
           <a:buFontTx/>
           <a:buNone/>
           <a:tabLst/>
-          <a:defRPr b="0" baseline="0" cap="none" i="0" spc="0" strike="noStrike" sz="1800" u="none" kumimoji="0" normalizeH="0">
+          <a:defRPr kumimoji="0" sz="1800" b="0" i="0" u="none" strike="noStrike" cap="none" spc="0" normalizeH="0" baseline="0">
             <a:ln>
               <a:noFill/>
             </a:ln>
@@ -8538,7 +8660,7 @@
           <a:buFontTx/>
           <a:buNone/>
           <a:tabLst/>
-          <a:defRPr b="0" baseline="0" cap="none" i="0" spc="0" strike="noStrike" sz="1800" u="none" kumimoji="0" normalizeH="0">
+          <a:defRPr kumimoji="0" sz="1800" b="0" i="0" u="none" strike="noStrike" cap="none" spc="0" normalizeH="0" baseline="0">
             <a:ln>
               <a:noFill/>
             </a:ln>
@@ -8564,7 +8686,7 @@
           <a:buFontTx/>
           <a:buNone/>
           <a:tabLst/>
-          <a:defRPr b="0" baseline="0" cap="none" i="0" spc="0" strike="noStrike" sz="1800" u="none" kumimoji="0" normalizeH="0">
+          <a:defRPr kumimoji="0" sz="1800" b="0" i="0" u="none" strike="noStrike" cap="none" spc="0" normalizeH="0" baseline="0">
             <a:ln>
               <a:noFill/>
             </a:ln>
@@ -8590,7 +8712,7 @@
           <a:buFontTx/>
           <a:buNone/>
           <a:tabLst/>
-          <a:defRPr b="0" baseline="0" cap="none" i="0" spc="0" strike="noStrike" sz="1800" u="none" kumimoji="0" normalizeH="0">
+          <a:defRPr kumimoji="0" sz="1800" b="0" i="0" u="none" strike="noStrike" cap="none" spc="0" normalizeH="0" baseline="0">
             <a:ln>
               <a:noFill/>
             </a:ln>
@@ -8616,7 +8738,7 @@
           <a:buFontTx/>
           <a:buNone/>
           <a:tabLst/>
-          <a:defRPr b="0" baseline="0" cap="none" i="0" spc="0" strike="noStrike" sz="1800" u="none" kumimoji="0" normalizeH="0">
+          <a:defRPr kumimoji="0" sz="1800" b="0" i="0" u="none" strike="noStrike" cap="none" spc="0" normalizeH="0" baseline="0">
             <a:ln>
               <a:noFill/>
             </a:ln>
@@ -8642,7 +8764,7 @@
           <a:buFontTx/>
           <a:buNone/>
           <a:tabLst/>
-          <a:defRPr b="0" baseline="0" cap="none" i="0" spc="0" strike="noStrike" sz="1800" u="none" kumimoji="0" normalizeH="0">
+          <a:defRPr kumimoji="0" sz="1800" b="0" i="0" u="none" strike="noStrike" cap="none" spc="0" normalizeH="0" baseline="0">
             <a:ln>
               <a:noFill/>
             </a:ln>
@@ -8668,7 +8790,7 @@
           <a:buFontTx/>
           <a:buNone/>
           <a:tabLst/>
-          <a:defRPr b="0" baseline="0" cap="none" i="0" spc="0" strike="noStrike" sz="1800" u="none" kumimoji="0" normalizeH="0">
+          <a:defRPr kumimoji="0" sz="1800" b="0" i="0" u="none" strike="noStrike" cap="none" spc="0" normalizeH="0" baseline="0">
             <a:ln>
               <a:noFill/>
             </a:ln>
@@ -8694,7 +8816,7 @@
           <a:buFontTx/>
           <a:buNone/>
           <a:tabLst/>
-          <a:defRPr b="0" baseline="0" cap="none" i="0" spc="0" strike="noStrike" sz="1800" u="none" kumimoji="0" normalizeH="0">
+          <a:defRPr kumimoji="0" sz="1800" b="0" i="0" u="none" strike="noStrike" cap="none" spc="0" normalizeH="0" baseline="0">
             <a:ln>
               <a:noFill/>
             </a:ln>
@@ -8720,7 +8842,7 @@
           <a:buFontTx/>
           <a:buNone/>
           <a:tabLst/>
-          <a:defRPr b="0" baseline="0" cap="none" i="0" spc="0" strike="noStrike" sz="1800" u="none" kumimoji="0" normalizeH="0">
+          <a:defRPr kumimoji="0" sz="1800" b="0" i="0" u="none" strike="noStrike" cap="none" spc="0" normalizeH="0" baseline="0">
             <a:ln>
               <a:noFill/>
             </a:ln>
@@ -8746,7 +8868,7 @@
           <a:buFontTx/>
           <a:buNone/>
           <a:tabLst/>
-          <a:defRPr b="0" baseline="0" cap="none" i="0" spc="0" strike="noStrike" sz="1800" u="none" kumimoji="0" normalizeH="0">
+          <a:defRPr kumimoji="0" sz="1800" b="0" i="0" u="none" strike="noStrike" cap="none" spc="0" normalizeH="0" baseline="0">
             <a:ln>
               <a:noFill/>
             </a:ln>
@@ -8759,9 +8881,15 @@
         </a:lvl9pPr>
       </a:lstStyle>
       <a:style>
-        <a:lnRef idx="0"/>
-        <a:fillRef idx="0"/>
-        <a:effectRef idx="0"/>
+        <a:lnRef idx="0">
+          <a:scrgbClr r="0" g="0" b="0"/>
+        </a:lnRef>
+        <a:fillRef idx="0">
+          <a:scrgbClr r="0" g="0" b="0"/>
+        </a:fillRef>
+        <a:effectRef idx="0">
+          <a:scrgbClr r="0" g="0" b="0"/>
+        </a:effectRef>
         <a:fontRef idx="none"/>
       </a:style>
     </a:spDef>
@@ -8778,7 +8906,7 @@
         <a:effectLst/>
         <a:sp3d/>
       </a:spPr>
-      <a:bodyPr rot="0" spcFirstLastPara="1" vertOverflow="overflow" horzOverflow="overflow" vert="horz" wrap="square" lIns="91439" tIns="45719" rIns="91439" bIns="45719" numCol="1" spcCol="38100" rtlCol="0" anchor="t" upright="0">
+      <a:bodyPr rot="0" spcFirstLastPara="1" vertOverflow="overflow" horzOverflow="overflow" vert="horz" wrap="square" lIns="91439" tIns="45719" rIns="91439" bIns="45719" numCol="1" spcCol="38100" rtlCol="0" anchor="t">
         <a:noAutofit/>
       </a:bodyPr>
       <a:lstStyle>
@@ -8797,7 +8925,7 @@
           <a:buFontTx/>
           <a:buNone/>
           <a:tabLst/>
-          <a:defRPr b="0" baseline="0" cap="none" i="0" spc="0" strike="noStrike" sz="1800" u="none" kumimoji="0" normalizeH="0">
+          <a:defRPr kumimoji="0" sz="1800" b="0" i="0" u="none" strike="noStrike" cap="none" spc="0" normalizeH="0" baseline="0">
             <a:ln>
               <a:noFill/>
             </a:ln>
@@ -8823,7 +8951,7 @@
           <a:buFontTx/>
           <a:buNone/>
           <a:tabLst/>
-          <a:defRPr b="0" baseline="0" cap="none" i="0" spc="0" strike="noStrike" sz="1800" u="none" kumimoji="0" normalizeH="0">
+          <a:defRPr kumimoji="0" sz="1800" b="0" i="0" u="none" strike="noStrike" cap="none" spc="0" normalizeH="0" baseline="0">
             <a:ln>
               <a:noFill/>
             </a:ln>
@@ -8849,7 +8977,7 @@
           <a:buFontTx/>
           <a:buNone/>
           <a:tabLst/>
-          <a:defRPr b="0" baseline="0" cap="none" i="0" spc="0" strike="noStrike" sz="1800" u="none" kumimoji="0" normalizeH="0">
+          <a:defRPr kumimoji="0" sz="1800" b="0" i="0" u="none" strike="noStrike" cap="none" spc="0" normalizeH="0" baseline="0">
             <a:ln>
               <a:noFill/>
             </a:ln>
@@ -8875,7 +9003,7 @@
           <a:buFontTx/>
           <a:buNone/>
           <a:tabLst/>
-          <a:defRPr b="0" baseline="0" cap="none" i="0" spc="0" strike="noStrike" sz="1800" u="none" kumimoji="0" normalizeH="0">
+          <a:defRPr kumimoji="0" sz="1800" b="0" i="0" u="none" strike="noStrike" cap="none" spc="0" normalizeH="0" baseline="0">
             <a:ln>
               <a:noFill/>
             </a:ln>
@@ -8901,7 +9029,7 @@
           <a:buFontTx/>
           <a:buNone/>
           <a:tabLst/>
-          <a:defRPr b="0" baseline="0" cap="none" i="0" spc="0" strike="noStrike" sz="1800" u="none" kumimoji="0" normalizeH="0">
+          <a:defRPr kumimoji="0" sz="1800" b="0" i="0" u="none" strike="noStrike" cap="none" spc="0" normalizeH="0" baseline="0">
             <a:ln>
               <a:noFill/>
             </a:ln>
@@ -8927,7 +9055,7 @@
           <a:buFontTx/>
           <a:buNone/>
           <a:tabLst/>
-          <a:defRPr b="0" baseline="0" cap="none" i="0" spc="0" strike="noStrike" sz="1800" u="none" kumimoji="0" normalizeH="0">
+          <a:defRPr kumimoji="0" sz="1800" b="0" i="0" u="none" strike="noStrike" cap="none" spc="0" normalizeH="0" baseline="0">
             <a:ln>
               <a:noFill/>
             </a:ln>
@@ -8953,7 +9081,7 @@
           <a:buFontTx/>
           <a:buNone/>
           <a:tabLst/>
-          <a:defRPr b="0" baseline="0" cap="none" i="0" spc="0" strike="noStrike" sz="1800" u="none" kumimoji="0" normalizeH="0">
+          <a:defRPr kumimoji="0" sz="1800" b="0" i="0" u="none" strike="noStrike" cap="none" spc="0" normalizeH="0" baseline="0">
             <a:ln>
               <a:noFill/>
             </a:ln>
@@ -8979,7 +9107,7 @@
           <a:buFontTx/>
           <a:buNone/>
           <a:tabLst/>
-          <a:defRPr b="0" baseline="0" cap="none" i="0" spc="0" strike="noStrike" sz="1800" u="none" kumimoji="0" normalizeH="0">
+          <a:defRPr kumimoji="0" sz="1800" b="0" i="0" u="none" strike="noStrike" cap="none" spc="0" normalizeH="0" baseline="0">
             <a:ln>
               <a:noFill/>
             </a:ln>
@@ -9005,7 +9133,7 @@
           <a:buFontTx/>
           <a:buNone/>
           <a:tabLst/>
-          <a:defRPr b="0" baseline="0" cap="none" i="0" spc="0" strike="noStrike" sz="1800" u="none" kumimoji="0" normalizeH="0">
+          <a:defRPr kumimoji="0" sz="1800" b="0" i="0" u="none" strike="noStrike" cap="none" spc="0" normalizeH="0" baseline="0">
             <a:ln>
               <a:noFill/>
             </a:ln>
@@ -9031,7 +9159,7 @@
           <a:buFontTx/>
           <a:buNone/>
           <a:tabLst/>
-          <a:defRPr b="0" baseline="0" cap="none" i="0" spc="0" strike="noStrike" sz="1800" u="none" kumimoji="0" normalizeH="0">
+          <a:defRPr kumimoji="0" sz="1800" b="0" i="0" u="none" strike="noStrike" cap="none" spc="0" normalizeH="0" baseline="0">
             <a:ln>
               <a:noFill/>
             </a:ln>
@@ -9044,9 +9172,15 @@
         </a:lvl9pPr>
       </a:lstStyle>
       <a:style>
-        <a:lnRef idx="0"/>
-        <a:fillRef idx="0"/>
-        <a:effectRef idx="0"/>
+        <a:lnRef idx="0">
+          <a:scrgbClr r="0" g="0" b="0"/>
+        </a:lnRef>
+        <a:fillRef idx="0">
+          <a:scrgbClr r="0" g="0" b="0"/>
+        </a:fillRef>
+        <a:effectRef idx="0">
+          <a:scrgbClr r="0" g="0" b="0"/>
+        </a:effectRef>
         <a:fontRef idx="none"/>
       </a:style>
     </a:lnDef>
@@ -9060,7 +9194,7 @@
         <a:effectLst/>
         <a:sp3d/>
       </a:spPr>
-      <a:bodyPr rot="0" spcFirstLastPara="1" vertOverflow="overflow" horzOverflow="overflow" vert="horz" wrap="square" lIns="45719" tIns="45719" rIns="45719" bIns="45719" numCol="1" spcCol="38100" rtlCol="0" anchor="t" upright="0">
+      <a:bodyPr rot="0" spcFirstLastPara="1" vertOverflow="overflow" horzOverflow="overflow" vert="horz" wrap="square" lIns="45719" tIns="45719" rIns="45719" bIns="45719" numCol="1" spcCol="38100" rtlCol="0" anchor="t">
         <a:spAutoFit/>
       </a:bodyPr>
       <a:lstStyle>
@@ -9079,7 +9213,7 @@
           <a:buFontTx/>
           <a:buNone/>
           <a:tabLst/>
-          <a:defRPr b="0" baseline="0" cap="none" i="0" spc="0" strike="noStrike" sz="1800" u="none" kumimoji="0" normalizeH="0">
+          <a:defRPr kumimoji="0" sz="1800" b="0" i="0" u="none" strike="noStrike" cap="none" spc="0" normalizeH="0" baseline="0">
             <a:ln>
               <a:noFill/>
             </a:ln>
@@ -9109,7 +9243,7 @@
           <a:buFontTx/>
           <a:buNone/>
           <a:tabLst/>
-          <a:defRPr b="0" baseline="0" cap="none" i="0" spc="0" strike="noStrike" sz="1800" u="none" kumimoji="0" normalizeH="0">
+          <a:defRPr kumimoji="0" sz="1800" b="0" i="0" u="none" strike="noStrike" cap="none" spc="0" normalizeH="0" baseline="0">
             <a:ln>
               <a:noFill/>
             </a:ln>
@@ -9135,7 +9269,7 @@
           <a:buFontTx/>
           <a:buNone/>
           <a:tabLst/>
-          <a:defRPr b="0" baseline="0" cap="none" i="0" spc="0" strike="noStrike" sz="1800" u="none" kumimoji="0" normalizeH="0">
+          <a:defRPr kumimoji="0" sz="1800" b="0" i="0" u="none" strike="noStrike" cap="none" spc="0" normalizeH="0" baseline="0">
             <a:ln>
               <a:noFill/>
             </a:ln>
@@ -9161,7 +9295,7 @@
           <a:buFontTx/>
           <a:buNone/>
           <a:tabLst/>
-          <a:defRPr b="0" baseline="0" cap="none" i="0" spc="0" strike="noStrike" sz="1800" u="none" kumimoji="0" normalizeH="0">
+          <a:defRPr kumimoji="0" sz="1800" b="0" i="0" u="none" strike="noStrike" cap="none" spc="0" normalizeH="0" baseline="0">
             <a:ln>
               <a:noFill/>
             </a:ln>
@@ -9187,7 +9321,7 @@
           <a:buFontTx/>
           <a:buNone/>
           <a:tabLst/>
-          <a:defRPr b="0" baseline="0" cap="none" i="0" spc="0" strike="noStrike" sz="1800" u="none" kumimoji="0" normalizeH="0">
+          <a:defRPr kumimoji="0" sz="1800" b="0" i="0" u="none" strike="noStrike" cap="none" spc="0" normalizeH="0" baseline="0">
             <a:ln>
               <a:noFill/>
             </a:ln>
@@ -9213,7 +9347,7 @@
           <a:buFontTx/>
           <a:buNone/>
           <a:tabLst/>
-          <a:defRPr b="0" baseline="0" cap="none" i="0" spc="0" strike="noStrike" sz="1800" u="none" kumimoji="0" normalizeH="0">
+          <a:defRPr kumimoji="0" sz="1800" b="0" i="0" u="none" strike="noStrike" cap="none" spc="0" normalizeH="0" baseline="0">
             <a:ln>
               <a:noFill/>
             </a:ln>
@@ -9239,7 +9373,7 @@
           <a:buFontTx/>
           <a:buNone/>
           <a:tabLst/>
-          <a:defRPr b="0" baseline="0" cap="none" i="0" spc="0" strike="noStrike" sz="1800" u="none" kumimoji="0" normalizeH="0">
+          <a:defRPr kumimoji="0" sz="1800" b="0" i="0" u="none" strike="noStrike" cap="none" spc="0" normalizeH="0" baseline="0">
             <a:ln>
               <a:noFill/>
             </a:ln>
@@ -9265,7 +9399,7 @@
           <a:buFontTx/>
           <a:buNone/>
           <a:tabLst/>
-          <a:defRPr b="0" baseline="0" cap="none" i="0" spc="0" strike="noStrike" sz="1800" u="none" kumimoji="0" normalizeH="0">
+          <a:defRPr kumimoji="0" sz="1800" b="0" i="0" u="none" strike="noStrike" cap="none" spc="0" normalizeH="0" baseline="0">
             <a:ln>
               <a:noFill/>
             </a:ln>
@@ -9291,7 +9425,7 @@
           <a:buFontTx/>
           <a:buNone/>
           <a:tabLst/>
-          <a:defRPr b="0" baseline="0" cap="none" i="0" spc="0" strike="noStrike" sz="1800" u="none" kumimoji="0" normalizeH="0">
+          <a:defRPr kumimoji="0" sz="1800" b="0" i="0" u="none" strike="noStrike" cap="none" spc="0" normalizeH="0" baseline="0">
             <a:ln>
               <a:noFill/>
             </a:ln>
@@ -9317,7 +9451,7 @@
           <a:buFontTx/>
           <a:buNone/>
           <a:tabLst/>
-          <a:defRPr b="0" baseline="0" cap="none" i="0" spc="0" strike="noStrike" sz="1800" u="none" kumimoji="0" normalizeH="0">
+          <a:defRPr kumimoji="0" sz="1800" b="0" i="0" u="none" strike="noStrike" cap="none" spc="0" normalizeH="0" baseline="0">
             <a:ln>
               <a:noFill/>
             </a:ln>
@@ -9330,12 +9464,19 @@
         </a:lvl9pPr>
       </a:lstStyle>
       <a:style>
-        <a:lnRef idx="0"/>
-        <a:fillRef idx="0"/>
-        <a:effectRef idx="0"/>
+        <a:lnRef idx="0">
+          <a:scrgbClr r="0" g="0" b="0"/>
+        </a:lnRef>
+        <a:fillRef idx="0">
+          <a:scrgbClr r="0" g="0" b="0"/>
+        </a:fillRef>
+        <a:effectRef idx="0">
+          <a:scrgbClr r="0" g="0" b="0"/>
+        </a:effectRef>
         <a:fontRef idx="none"/>
       </a:style>
     </a:txDef>
   </a:objectDefaults>
+  <a:extraClrSchemeLst/>
 </a:theme>
 </file>
--- a/docs/report.pptx
+++ b/docs/report.pptx
@@ -5,18 +5,28 @@
     <p:sldMasterId id="2147483648" r:id="rId1"/>
   </p:sldMasterIdLst>
   <p:notesMasterIdLst>
-    <p:notesMasterId r:id="rId11"/>
+    <p:notesMasterId r:id="rId21"/>
   </p:notesMasterIdLst>
   <p:sldIdLst>
     <p:sldId id="256" r:id="rId2"/>
     <p:sldId id="257" r:id="rId3"/>
     <p:sldId id="258" r:id="rId4"/>
-    <p:sldId id="259" r:id="rId5"/>
-    <p:sldId id="260" r:id="rId6"/>
-    <p:sldId id="261" r:id="rId7"/>
-    <p:sldId id="262" r:id="rId8"/>
-    <p:sldId id="263" r:id="rId9"/>
-    <p:sldId id="264" r:id="rId10"/>
+    <p:sldId id="265" r:id="rId5"/>
+    <p:sldId id="259" r:id="rId6"/>
+    <p:sldId id="260" r:id="rId7"/>
+    <p:sldId id="261" r:id="rId8"/>
+    <p:sldId id="262" r:id="rId9"/>
+    <p:sldId id="266" r:id="rId10"/>
+    <p:sldId id="267" r:id="rId11"/>
+    <p:sldId id="268" r:id="rId12"/>
+    <p:sldId id="269" r:id="rId13"/>
+    <p:sldId id="270" r:id="rId14"/>
+    <p:sldId id="271" r:id="rId15"/>
+    <p:sldId id="272" r:id="rId16"/>
+    <p:sldId id="274" r:id="rId17"/>
+    <p:sldId id="273" r:id="rId18"/>
+    <p:sldId id="275" r:id="rId19"/>
+    <p:sldId id="263" r:id="rId20"/>
   </p:sldIdLst>
   <p:sldSz cx="12192000" cy="6858000"/>
   <p:notesSz cx="6858000" cy="9144000"/>
@@ -475,6 +485,336 @@
     </a:lvl9pPr>
   </p:notesStyle>
 </p:notesMaster>
+</file>
+
+<file path=ppt/notesSlides/notesSlide1.xml><?xml version="1.0" encoding="utf-8"?>
+<p:notes xmlns:a="http://schemas.openxmlformats.org/drawingml/2006/main" xmlns:r="http://schemas.openxmlformats.org/officeDocument/2006/relationships" xmlns:p="http://schemas.openxmlformats.org/presentationml/2006/main">
+  <p:cSld>
+    <p:spTree>
+      <p:nvGrpSpPr>
+        <p:cNvPr id="1" name=""/>
+        <p:cNvGrpSpPr/>
+        <p:nvPr/>
+      </p:nvGrpSpPr>
+      <p:grpSpPr>
+        <a:xfrm>
+          <a:off x="0" y="0"/>
+          <a:ext cx="0" cy="0"/>
+          <a:chOff x="0" y="0"/>
+          <a:chExt cx="0" cy="0"/>
+        </a:xfrm>
+      </p:grpSpPr>
+      <p:sp>
+        <p:nvSpPr>
+          <p:cNvPr id="2" name="幻灯片图像占位符 1"/>
+          <p:cNvSpPr>
+            <a:spLocks noGrp="1" noRot="1" noChangeAspect="1"/>
+          </p:cNvSpPr>
+          <p:nvPr>
+            <p:ph type="sldImg"/>
+          </p:nvPr>
+        </p:nvSpPr>
+        <p:spPr>
+          <a:xfrm>
+            <a:off x="381000" y="685800"/>
+            <a:ext cx="6096000" cy="3429000"/>
+          </a:xfrm>
+        </p:spPr>
+      </p:sp>
+      <p:sp>
+        <p:nvSpPr>
+          <p:cNvPr id="3" name="备注占位符 2"/>
+          <p:cNvSpPr>
+            <a:spLocks noGrp="1"/>
+          </p:cNvSpPr>
+          <p:nvPr>
+            <p:ph type="body" idx="1"/>
+          </p:nvPr>
+        </p:nvSpPr>
+        <p:spPr/>
+        <p:txBody>
+          <a:bodyPr/>
+          <a:lstStyle/>
+          <a:p>
+            <a:endParaRPr kumimoji="1" lang="zh-CN" altLang="en-US" dirty="0"/>
+          </a:p>
+        </p:txBody>
+      </p:sp>
+    </p:spTree>
+    <p:extLst>
+      <p:ext uri="{BB962C8B-B14F-4D97-AF65-F5344CB8AC3E}">
+        <p14:creationId xmlns:p14="http://schemas.microsoft.com/office/powerpoint/2010/main" val="2148668121"/>
+      </p:ext>
+    </p:extLst>
+  </p:cSld>
+  <p:clrMapOvr>
+    <a:masterClrMapping/>
+  </p:clrMapOvr>
+</p:notes>
+</file>
+
+<file path=ppt/notesSlides/notesSlide2.xml><?xml version="1.0" encoding="utf-8"?>
+<p:notes xmlns:a="http://schemas.openxmlformats.org/drawingml/2006/main" xmlns:r="http://schemas.openxmlformats.org/officeDocument/2006/relationships" xmlns:p="http://schemas.openxmlformats.org/presentationml/2006/main">
+  <p:cSld>
+    <p:spTree>
+      <p:nvGrpSpPr>
+        <p:cNvPr id="1" name=""/>
+        <p:cNvGrpSpPr/>
+        <p:nvPr/>
+      </p:nvGrpSpPr>
+      <p:grpSpPr>
+        <a:xfrm>
+          <a:off x="0" y="0"/>
+          <a:ext cx="0" cy="0"/>
+          <a:chOff x="0" y="0"/>
+          <a:chExt cx="0" cy="0"/>
+        </a:xfrm>
+      </p:grpSpPr>
+      <p:sp>
+        <p:nvSpPr>
+          <p:cNvPr id="2" name="幻灯片图像占位符 1"/>
+          <p:cNvSpPr>
+            <a:spLocks noGrp="1" noRot="1" noChangeAspect="1"/>
+          </p:cNvSpPr>
+          <p:nvPr>
+            <p:ph type="sldImg"/>
+          </p:nvPr>
+        </p:nvSpPr>
+        <p:spPr>
+          <a:xfrm>
+            <a:off x="381000" y="685800"/>
+            <a:ext cx="6096000" cy="3429000"/>
+          </a:xfrm>
+        </p:spPr>
+      </p:sp>
+      <p:sp>
+        <p:nvSpPr>
+          <p:cNvPr id="3" name="备注占位符 2"/>
+          <p:cNvSpPr>
+            <a:spLocks noGrp="1"/>
+          </p:cNvSpPr>
+          <p:nvPr>
+            <p:ph type="body" idx="1"/>
+          </p:nvPr>
+        </p:nvSpPr>
+        <p:spPr/>
+        <p:txBody>
+          <a:bodyPr/>
+          <a:lstStyle/>
+          <a:p>
+            <a:endParaRPr kumimoji="1" lang="zh-CN" altLang="en-US" dirty="0"/>
+          </a:p>
+        </p:txBody>
+      </p:sp>
+    </p:spTree>
+    <p:extLst>
+      <p:ext uri="{BB962C8B-B14F-4D97-AF65-F5344CB8AC3E}">
+        <p14:creationId xmlns:p14="http://schemas.microsoft.com/office/powerpoint/2010/main" val="1790556643"/>
+      </p:ext>
+    </p:extLst>
+  </p:cSld>
+  <p:clrMapOvr>
+    <a:masterClrMapping/>
+  </p:clrMapOvr>
+</p:notes>
+</file>
+
+<file path=ppt/notesSlides/notesSlide3.xml><?xml version="1.0" encoding="utf-8"?>
+<p:notes xmlns:a="http://schemas.openxmlformats.org/drawingml/2006/main" xmlns:r="http://schemas.openxmlformats.org/officeDocument/2006/relationships" xmlns:p="http://schemas.openxmlformats.org/presentationml/2006/main">
+  <p:cSld>
+    <p:spTree>
+      <p:nvGrpSpPr>
+        <p:cNvPr id="1" name=""/>
+        <p:cNvGrpSpPr/>
+        <p:nvPr/>
+      </p:nvGrpSpPr>
+      <p:grpSpPr>
+        <a:xfrm>
+          <a:off x="0" y="0"/>
+          <a:ext cx="0" cy="0"/>
+          <a:chOff x="0" y="0"/>
+          <a:chExt cx="0" cy="0"/>
+        </a:xfrm>
+      </p:grpSpPr>
+      <p:sp>
+        <p:nvSpPr>
+          <p:cNvPr id="2" name="幻灯片图像占位符 1"/>
+          <p:cNvSpPr>
+            <a:spLocks noGrp="1" noRot="1" noChangeAspect="1"/>
+          </p:cNvSpPr>
+          <p:nvPr>
+            <p:ph type="sldImg"/>
+          </p:nvPr>
+        </p:nvSpPr>
+        <p:spPr>
+          <a:xfrm>
+            <a:off x="381000" y="685800"/>
+            <a:ext cx="6096000" cy="3429000"/>
+          </a:xfrm>
+        </p:spPr>
+      </p:sp>
+      <p:sp>
+        <p:nvSpPr>
+          <p:cNvPr id="3" name="备注占位符 2"/>
+          <p:cNvSpPr>
+            <a:spLocks noGrp="1"/>
+          </p:cNvSpPr>
+          <p:nvPr>
+            <p:ph type="body" idx="1"/>
+          </p:nvPr>
+        </p:nvSpPr>
+        <p:spPr/>
+        <p:txBody>
+          <a:bodyPr/>
+          <a:lstStyle/>
+          <a:p>
+            <a:endParaRPr kumimoji="1" lang="zh-CN" altLang="en-US" dirty="0"/>
+          </a:p>
+        </p:txBody>
+      </p:sp>
+    </p:spTree>
+    <p:extLst>
+      <p:ext uri="{BB962C8B-B14F-4D97-AF65-F5344CB8AC3E}">
+        <p14:creationId xmlns:p14="http://schemas.microsoft.com/office/powerpoint/2010/main" val="3804591402"/>
+      </p:ext>
+    </p:extLst>
+  </p:cSld>
+  <p:clrMapOvr>
+    <a:masterClrMapping/>
+  </p:clrMapOvr>
+</p:notes>
+</file>
+
+<file path=ppt/notesSlides/notesSlide4.xml><?xml version="1.0" encoding="utf-8"?>
+<p:notes xmlns:a="http://schemas.openxmlformats.org/drawingml/2006/main" xmlns:r="http://schemas.openxmlformats.org/officeDocument/2006/relationships" xmlns:p="http://schemas.openxmlformats.org/presentationml/2006/main">
+  <p:cSld>
+    <p:spTree>
+      <p:nvGrpSpPr>
+        <p:cNvPr id="1" name=""/>
+        <p:cNvGrpSpPr/>
+        <p:nvPr/>
+      </p:nvGrpSpPr>
+      <p:grpSpPr>
+        <a:xfrm>
+          <a:off x="0" y="0"/>
+          <a:ext cx="0" cy="0"/>
+          <a:chOff x="0" y="0"/>
+          <a:chExt cx="0" cy="0"/>
+        </a:xfrm>
+      </p:grpSpPr>
+      <p:sp>
+        <p:nvSpPr>
+          <p:cNvPr id="2" name="幻灯片图像占位符 1"/>
+          <p:cNvSpPr>
+            <a:spLocks noGrp="1" noRot="1" noChangeAspect="1"/>
+          </p:cNvSpPr>
+          <p:nvPr>
+            <p:ph type="sldImg"/>
+          </p:nvPr>
+        </p:nvSpPr>
+        <p:spPr>
+          <a:xfrm>
+            <a:off x="381000" y="685800"/>
+            <a:ext cx="6096000" cy="3429000"/>
+          </a:xfrm>
+        </p:spPr>
+      </p:sp>
+      <p:sp>
+        <p:nvSpPr>
+          <p:cNvPr id="3" name="备注占位符 2"/>
+          <p:cNvSpPr>
+            <a:spLocks noGrp="1"/>
+          </p:cNvSpPr>
+          <p:nvPr>
+            <p:ph type="body" idx="1"/>
+          </p:nvPr>
+        </p:nvSpPr>
+        <p:spPr/>
+        <p:txBody>
+          <a:bodyPr/>
+          <a:lstStyle/>
+          <a:p>
+            <a:endParaRPr kumimoji="1" lang="zh-CN" altLang="en-US" dirty="0"/>
+          </a:p>
+        </p:txBody>
+      </p:sp>
+    </p:spTree>
+    <p:extLst>
+      <p:ext uri="{BB962C8B-B14F-4D97-AF65-F5344CB8AC3E}">
+        <p14:creationId xmlns:p14="http://schemas.microsoft.com/office/powerpoint/2010/main" val="4253618598"/>
+      </p:ext>
+    </p:extLst>
+  </p:cSld>
+  <p:clrMapOvr>
+    <a:masterClrMapping/>
+  </p:clrMapOvr>
+</p:notes>
+</file>
+
+<file path=ppt/notesSlides/notesSlide5.xml><?xml version="1.0" encoding="utf-8"?>
+<p:notes xmlns:a="http://schemas.openxmlformats.org/drawingml/2006/main" xmlns:r="http://schemas.openxmlformats.org/officeDocument/2006/relationships" xmlns:p="http://schemas.openxmlformats.org/presentationml/2006/main">
+  <p:cSld>
+    <p:spTree>
+      <p:nvGrpSpPr>
+        <p:cNvPr id="1" name=""/>
+        <p:cNvGrpSpPr/>
+        <p:nvPr/>
+      </p:nvGrpSpPr>
+      <p:grpSpPr>
+        <a:xfrm>
+          <a:off x="0" y="0"/>
+          <a:ext cx="0" cy="0"/>
+          <a:chOff x="0" y="0"/>
+          <a:chExt cx="0" cy="0"/>
+        </a:xfrm>
+      </p:grpSpPr>
+      <p:sp>
+        <p:nvSpPr>
+          <p:cNvPr id="2" name="幻灯片图像占位符 1"/>
+          <p:cNvSpPr>
+            <a:spLocks noGrp="1" noRot="1" noChangeAspect="1"/>
+          </p:cNvSpPr>
+          <p:nvPr>
+            <p:ph type="sldImg"/>
+          </p:nvPr>
+        </p:nvSpPr>
+        <p:spPr>
+          <a:xfrm>
+            <a:off x="381000" y="685800"/>
+            <a:ext cx="6096000" cy="3429000"/>
+          </a:xfrm>
+        </p:spPr>
+      </p:sp>
+      <p:sp>
+        <p:nvSpPr>
+          <p:cNvPr id="3" name="备注占位符 2"/>
+          <p:cNvSpPr>
+            <a:spLocks noGrp="1"/>
+          </p:cNvSpPr>
+          <p:nvPr>
+            <p:ph type="body" idx="1"/>
+          </p:nvPr>
+        </p:nvSpPr>
+        <p:spPr/>
+        <p:txBody>
+          <a:bodyPr/>
+          <a:lstStyle/>
+          <a:p>
+            <a:endParaRPr kumimoji="1" lang="zh-CN" altLang="en-US" dirty="0"/>
+          </a:p>
+        </p:txBody>
+      </p:sp>
+    </p:spTree>
+    <p:extLst>
+      <p:ext uri="{BB962C8B-B14F-4D97-AF65-F5344CB8AC3E}">
+        <p14:creationId xmlns:p14="http://schemas.microsoft.com/office/powerpoint/2010/main" val="449440593"/>
+      </p:ext>
+    </p:extLst>
+  </p:cSld>
+  <p:clrMapOvr>
+    <a:masterClrMapping/>
+  </p:clrMapOvr>
+</p:notes>
 </file>
 
 <file path=ppt/slideLayouts/slideLayout1.xml><?xml version="1.0" encoding="utf-8"?>
@@ -3083,6 +3423,4028 @@
 </p:sld>
 </file>
 
+<file path=ppt/slides/slide10.xml><?xml version="1.0" encoding="utf-8"?>
+<p:sld xmlns:a="http://schemas.openxmlformats.org/drawingml/2006/main" xmlns:r="http://schemas.openxmlformats.org/officeDocument/2006/relationships" xmlns:p="http://schemas.openxmlformats.org/presentationml/2006/main">
+  <p:cSld>
+    <p:spTree>
+      <p:nvGrpSpPr>
+        <p:cNvPr id="1" name=""/>
+        <p:cNvGrpSpPr/>
+        <p:nvPr/>
+      </p:nvGrpSpPr>
+      <p:grpSpPr>
+        <a:xfrm>
+          <a:off x="0" y="0"/>
+          <a:ext cx="0" cy="0"/>
+          <a:chOff x="0" y="0"/>
+          <a:chExt cx="0" cy="0"/>
+        </a:xfrm>
+      </p:grpSpPr>
+      <p:sp>
+        <p:nvSpPr>
+          <p:cNvPr id="143" name="Subtitle 2"/>
+          <p:cNvSpPr txBox="1">
+            <a:spLocks noGrp="1"/>
+          </p:cNvSpPr>
+          <p:nvPr>
+            <p:ph type="body" sz="quarter" idx="1"/>
+          </p:nvPr>
+        </p:nvSpPr>
+        <p:spPr>
+          <a:xfrm>
+            <a:off x="2415668" y="345484"/>
+            <a:ext cx="2865358" cy="586684"/>
+          </a:xfrm>
+          <a:prstGeom prst="rect">
+            <a:avLst/>
+          </a:prstGeom>
+        </p:spPr>
+        <p:txBody>
+          <a:bodyPr/>
+          <a:lstStyle/>
+          <a:p>
+            <a:pPr marL="0" indent="0">
+              <a:lnSpc>
+                <a:spcPts val="600"/>
+              </a:lnSpc>
+              <a:buSzTx/>
+              <a:buNone/>
+              <a:defRPr sz="900">
+                <a:solidFill>
+                  <a:srgbClr val="808080"/>
+                </a:solidFill>
+              </a:defRPr>
+            </a:pPr>
+            <a:r>
+              <a:t>Covid-19 </a:t>
+            </a:r>
+            <a:r>
+              <a:rPr>
+                <a:latin typeface="PingFang HK Regular"/>
+                <a:ea typeface="PingFang HK Regular"/>
+                <a:cs typeface="PingFang HK Regular"/>
+                <a:sym typeface="PingFang HK Regular"/>
+              </a:rPr>
+              <a:t>疫情分析与管理系统</a:t>
+            </a:r>
+          </a:p>
+          <a:p>
+            <a:pPr marL="0" indent="0">
+              <a:lnSpc>
+                <a:spcPts val="600"/>
+              </a:lnSpc>
+              <a:buSzTx/>
+              <a:buNone/>
+              <a:defRPr sz="900">
+                <a:solidFill>
+                  <a:srgbClr val="808080"/>
+                </a:solidFill>
+              </a:defRPr>
+            </a:pPr>
+            <a:r>
+              <a:t>Covid-19 Analysis &amp; Manage System</a:t>
+            </a:r>
+          </a:p>
+        </p:txBody>
+      </p:sp>
+      <p:pic>
+        <p:nvPicPr>
+          <p:cNvPr id="144" name="Graphic 4" descr="Graphic 4"/>
+          <p:cNvPicPr>
+            <a:picLocks noChangeAspect="1"/>
+          </p:cNvPicPr>
+          <p:nvPr/>
+        </p:nvPicPr>
+        <p:blipFill>
+          <a:blip r:embed="rId2"/>
+          <a:stretch>
+            <a:fillRect/>
+          </a:stretch>
+        </p:blipFill>
+        <p:spPr>
+          <a:xfrm>
+            <a:off x="345989" y="276027"/>
+            <a:ext cx="1889039" cy="504906"/>
+          </a:xfrm>
+          <a:prstGeom prst="rect">
+            <a:avLst/>
+          </a:prstGeom>
+          <a:ln w="12700">
+            <a:miter lim="400000"/>
+          </a:ln>
+        </p:spPr>
+      </p:pic>
+      <p:pic>
+        <p:nvPicPr>
+          <p:cNvPr id="145" name="Graphic 13" descr="Graphic 13"/>
+          <p:cNvPicPr>
+            <a:picLocks noChangeAspect="1"/>
+          </p:cNvPicPr>
+          <p:nvPr/>
+        </p:nvPicPr>
+        <p:blipFill>
+          <a:blip r:embed="rId3"/>
+          <a:srcRect r="71261"/>
+          <a:stretch>
+            <a:fillRect/>
+          </a:stretch>
+        </p:blipFill>
+        <p:spPr>
+          <a:xfrm>
+            <a:off x="6873523" y="1571478"/>
+            <a:ext cx="6396165" cy="5948522"/>
+          </a:xfrm>
+          <a:prstGeom prst="rect">
+            <a:avLst/>
+          </a:prstGeom>
+          <a:ln w="12700">
+            <a:miter lim="400000"/>
+          </a:ln>
+        </p:spPr>
+      </p:pic>
+      <p:sp>
+        <p:nvSpPr>
+          <p:cNvPr id="146" name="Subtitle 2"/>
+          <p:cNvSpPr txBox="1"/>
+          <p:nvPr/>
+        </p:nvSpPr>
+        <p:spPr>
+          <a:xfrm>
+            <a:off x="715583" y="1046083"/>
+            <a:ext cx="6719318" cy="923330"/>
+          </a:xfrm>
+          <a:prstGeom prst="rect">
+            <a:avLst/>
+          </a:prstGeom>
+          <a:ln w="12700">
+            <a:miter lim="400000"/>
+          </a:ln>
+          <a:extLst>
+            <a:ext uri="{C572A759-6A51-4108-AA02-DFA0A04FC94B}">
+              <ma14:wrappingTextBoxFlag xmlns:ma14="http://schemas.microsoft.com/office/mac/drawingml/2011/main" xmlns:a14="http://schemas.microsoft.com/office/drawing/2010/main" xmlns:m="http://schemas.openxmlformats.org/officeDocument/2006/math" xmlns="" val="1"/>
+            </a:ext>
+          </a:extLst>
+        </p:spPr>
+        <p:txBody>
+          <a:bodyPr lIns="45719" rIns="45719">
+            <a:spAutoFit/>
+          </a:bodyPr>
+          <a:lstStyle>
+            <a:lvl1pPr>
+              <a:spcBef>
+                <a:spcPts val="1000"/>
+              </a:spcBef>
+              <a:defRPr sz="5400">
+                <a:solidFill>
+                  <a:srgbClr val="C70000"/>
+                </a:solidFill>
+                <a:latin typeface="PingFang HK Semibold"/>
+                <a:ea typeface="PingFang HK Semibold"/>
+                <a:cs typeface="PingFang HK Semibold"/>
+                <a:sym typeface="PingFang HK Semibold"/>
+              </a:defRPr>
+            </a:lvl1pPr>
+          </a:lstStyle>
+          <a:p>
+            <a:r>
+              <a:rPr lang="zh-CN" altLang="en-US" b="1" dirty="0"/>
+              <a:t>病患查询</a:t>
+            </a:r>
+            <a:endParaRPr lang="zh-CN" altLang="en-US" dirty="0"/>
+          </a:p>
+        </p:txBody>
+      </p:sp>
+      <p:sp>
+        <p:nvSpPr>
+          <p:cNvPr id="147" name="Subtitle 2"/>
+          <p:cNvSpPr txBox="1"/>
+          <p:nvPr/>
+        </p:nvSpPr>
+        <p:spPr>
+          <a:xfrm>
+            <a:off x="465881" y="2680960"/>
+            <a:ext cx="3538294" cy="2620846"/>
+          </a:xfrm>
+          <a:prstGeom prst="rect">
+            <a:avLst/>
+          </a:prstGeom>
+          <a:ln w="12700">
+            <a:miter lim="400000"/>
+          </a:ln>
+          <a:extLst>
+            <a:ext uri="{C572A759-6A51-4108-AA02-DFA0A04FC94B}">
+              <ma14:wrappingTextBoxFlag xmlns:ma14="http://schemas.microsoft.com/office/mac/drawingml/2011/main" xmlns:a14="http://schemas.microsoft.com/office/drawing/2010/main" xmlns:m="http://schemas.openxmlformats.org/officeDocument/2006/math" xmlns="" val="1"/>
+            </a:ext>
+          </a:extLst>
+        </p:spPr>
+        <p:txBody>
+          <a:bodyPr wrap="square" lIns="45719" rIns="45719">
+            <a:spAutoFit/>
+          </a:bodyPr>
+          <a:lstStyle/>
+          <a:p>
+            <a:pPr marL="285750" indent="-285750">
+              <a:lnSpc>
+                <a:spcPct val="150000"/>
+              </a:lnSpc>
+              <a:spcBef>
+                <a:spcPts val="1000"/>
+              </a:spcBef>
+              <a:buSzPct val="100000"/>
+              <a:buFont typeface="Arial"/>
+              <a:buChar char="•"/>
+              <a:defRPr sz="1600">
+                <a:solidFill>
+                  <a:srgbClr val="808080"/>
+                </a:solidFill>
+                <a:latin typeface="Ubuntu"/>
+                <a:ea typeface="Ubuntu"/>
+                <a:cs typeface="Ubuntu"/>
+                <a:sym typeface="Ubuntu"/>
+              </a:defRPr>
+            </a:pPr>
+            <a:r>
+              <a:rPr lang="zh-CN" altLang="en-US" sz="1600" dirty="0">
+                <a:solidFill>
+                  <a:srgbClr val="808080"/>
+                </a:solidFill>
+                <a:latin typeface="PingFang HK Regular"/>
+                <a:ea typeface="PingFang HK Regular"/>
+                <a:sym typeface="Ubuntu"/>
+              </a:rPr>
+              <a:t>该模块可以查询到数据库内的十四万条病患信息（和中国真实的感染人数相对应），且可以</a:t>
+            </a:r>
+            <a:r>
+              <a:rPr lang="zh-CN" altLang="en-US" sz="1600" b="1" dirty="0">
+                <a:solidFill>
+                  <a:srgbClr val="C70000"/>
+                </a:solidFill>
+                <a:latin typeface="Ubuntu"/>
+                <a:sym typeface="Ubuntu"/>
+              </a:rPr>
+              <a:t>展开详细信息</a:t>
+            </a:r>
+            <a:r>
+              <a:rPr lang="zh-CN" altLang="en-US" sz="1600" dirty="0">
+                <a:solidFill>
+                  <a:srgbClr val="808080"/>
+                </a:solidFill>
+                <a:latin typeface="PingFang HK Regular"/>
+                <a:ea typeface="PingFang HK Regular"/>
+                <a:sym typeface="Ubuntu"/>
+              </a:rPr>
+              <a:t>进行查看。用户也可以根据</a:t>
+            </a:r>
+            <a:r>
+              <a:rPr lang="zh-CN" altLang="en-US" sz="1600" b="1" dirty="0">
+                <a:solidFill>
+                  <a:srgbClr val="C70000"/>
+                </a:solidFill>
+                <a:latin typeface="Ubuntu"/>
+                <a:sym typeface="Ubuntu"/>
+              </a:rPr>
+              <a:t>病情、性别、发病日期、姓名、发病地点</a:t>
+            </a:r>
+            <a:r>
+              <a:rPr lang="zh-CN" altLang="en-US" sz="1600" dirty="0">
+                <a:solidFill>
+                  <a:srgbClr val="808080"/>
+                </a:solidFill>
+                <a:latin typeface="PingFang HK Regular"/>
+                <a:ea typeface="PingFang HK Regular"/>
+                <a:sym typeface="Ubuntu"/>
+              </a:rPr>
+              <a:t>等条件对病患进行筛选</a:t>
+            </a:r>
+          </a:p>
+          <a:p>
+            <a:pPr marL="742950" lvl="1" indent="-285750">
+              <a:lnSpc>
+                <a:spcPct val="150000"/>
+              </a:lnSpc>
+              <a:spcBef>
+                <a:spcPts val="500"/>
+              </a:spcBef>
+              <a:buSzPct val="100000"/>
+              <a:buFont typeface="Arial"/>
+              <a:buChar char="•"/>
+              <a:defRPr sz="1400">
+                <a:solidFill>
+                  <a:srgbClr val="808080"/>
+                </a:solidFill>
+                <a:latin typeface="Ubuntu"/>
+                <a:ea typeface="Ubuntu"/>
+                <a:cs typeface="Ubuntu"/>
+                <a:sym typeface="Ubuntu"/>
+              </a:defRPr>
+            </a:pPr>
+            <a:endParaRPr sz="1200" dirty="0"/>
+          </a:p>
+        </p:txBody>
+      </p:sp>
+      <p:sp>
+        <p:nvSpPr>
+          <p:cNvPr id="149" name="Slide Number Placeholder 21"/>
+          <p:cNvSpPr txBox="1">
+            <a:spLocks noGrp="1"/>
+          </p:cNvSpPr>
+          <p:nvPr>
+            <p:ph type="sldNum" sz="quarter" idx="2"/>
+          </p:nvPr>
+        </p:nvSpPr>
+        <p:spPr>
+          <a:xfrm>
+            <a:off x="11164902" y="6404292"/>
+            <a:ext cx="188898" cy="269241"/>
+          </a:xfrm>
+          <a:prstGeom prst="rect">
+            <a:avLst/>
+          </a:prstGeom>
+          <a:extLst>
+            <a:ext uri="{C572A759-6A51-4108-AA02-DFA0A04FC94B}">
+              <ma14:wrappingTextBoxFlag xmlns:ma14="http://schemas.microsoft.com/office/mac/drawingml/2011/main" xmlns:a14="http://schemas.microsoft.com/office/drawing/2010/main" xmlns:m="http://schemas.openxmlformats.org/officeDocument/2006/math" xmlns="" val="1"/>
+            </a:ext>
+          </a:extLst>
+        </p:spPr>
+        <p:txBody>
+          <a:bodyPr/>
+          <a:lstStyle/>
+          <a:p>
+            <a:fld id="{86CB4B4D-7CA3-9044-876B-883B54F8677D}" type="slidenum">
+              <a:t>10</a:t>
+            </a:fld>
+            <a:endParaRPr/>
+          </a:p>
+        </p:txBody>
+      </p:sp>
+      <p:pic>
+        <p:nvPicPr>
+          <p:cNvPr id="4" name="图片 3">
+            <a:extLst>
+              <a:ext uri="{FF2B5EF4-FFF2-40B4-BE49-F238E27FC236}">
+                <a16:creationId xmlns:a16="http://schemas.microsoft.com/office/drawing/2014/main" id="{A0394971-1040-7849-A10F-ABD8B031BB52}"/>
+              </a:ext>
+            </a:extLst>
+          </p:cNvPr>
+          <p:cNvPicPr>
+            <a:picLocks noChangeAspect="1"/>
+          </p:cNvPicPr>
+          <p:nvPr/>
+        </p:nvPicPr>
+        <p:blipFill>
+          <a:blip r:embed="rId4">
+            <a:extLst>
+              <a:ext uri="{28A0092B-C50C-407E-A947-70E740481C1C}">
+                <a14:useLocalDpi xmlns:a14="http://schemas.microsoft.com/office/drawing/2010/main" val="0"/>
+              </a:ext>
+            </a:extLst>
+          </a:blip>
+          <a:stretch>
+            <a:fillRect/>
+          </a:stretch>
+        </p:blipFill>
+        <p:spPr>
+          <a:xfrm>
+            <a:off x="4329951" y="597012"/>
+            <a:ext cx="7852815" cy="5663976"/>
+          </a:xfrm>
+          <a:prstGeom prst="rect">
+            <a:avLst/>
+          </a:prstGeom>
+        </p:spPr>
+      </p:pic>
+    </p:spTree>
+    <p:extLst>
+      <p:ext uri="{BB962C8B-B14F-4D97-AF65-F5344CB8AC3E}">
+        <p14:creationId xmlns:p14="http://schemas.microsoft.com/office/powerpoint/2010/main" val="1489242949"/>
+      </p:ext>
+    </p:extLst>
+  </p:cSld>
+  <p:clrMapOvr>
+    <a:masterClrMapping/>
+  </p:clrMapOvr>
+  <p:transition spd="med"/>
+</p:sld>
+</file>
+
+<file path=ppt/slides/slide11.xml><?xml version="1.0" encoding="utf-8"?>
+<p:sld xmlns:a="http://schemas.openxmlformats.org/drawingml/2006/main" xmlns:r="http://schemas.openxmlformats.org/officeDocument/2006/relationships" xmlns:p="http://schemas.openxmlformats.org/presentationml/2006/main">
+  <p:cSld>
+    <p:spTree>
+      <p:nvGrpSpPr>
+        <p:cNvPr id="1" name=""/>
+        <p:cNvGrpSpPr/>
+        <p:nvPr/>
+      </p:nvGrpSpPr>
+      <p:grpSpPr>
+        <a:xfrm>
+          <a:off x="0" y="0"/>
+          <a:ext cx="0" cy="0"/>
+          <a:chOff x="0" y="0"/>
+          <a:chExt cx="0" cy="0"/>
+        </a:xfrm>
+      </p:grpSpPr>
+      <p:sp>
+        <p:nvSpPr>
+          <p:cNvPr id="143" name="Subtitle 2"/>
+          <p:cNvSpPr txBox="1">
+            <a:spLocks noGrp="1"/>
+          </p:cNvSpPr>
+          <p:nvPr>
+            <p:ph type="body" sz="quarter" idx="1"/>
+          </p:nvPr>
+        </p:nvSpPr>
+        <p:spPr>
+          <a:xfrm>
+            <a:off x="2415668" y="345484"/>
+            <a:ext cx="2865358" cy="586684"/>
+          </a:xfrm>
+          <a:prstGeom prst="rect">
+            <a:avLst/>
+          </a:prstGeom>
+        </p:spPr>
+        <p:txBody>
+          <a:bodyPr/>
+          <a:lstStyle/>
+          <a:p>
+            <a:pPr marL="0" indent="0">
+              <a:lnSpc>
+                <a:spcPts val="600"/>
+              </a:lnSpc>
+              <a:buSzTx/>
+              <a:buNone/>
+              <a:defRPr sz="900">
+                <a:solidFill>
+                  <a:srgbClr val="808080"/>
+                </a:solidFill>
+              </a:defRPr>
+            </a:pPr>
+            <a:r>
+              <a:t>Covid-19 </a:t>
+            </a:r>
+            <a:r>
+              <a:rPr>
+                <a:latin typeface="PingFang HK Regular"/>
+                <a:ea typeface="PingFang HK Regular"/>
+                <a:cs typeface="PingFang HK Regular"/>
+                <a:sym typeface="PingFang HK Regular"/>
+              </a:rPr>
+              <a:t>疫情分析与管理系统</a:t>
+            </a:r>
+          </a:p>
+          <a:p>
+            <a:pPr marL="0" indent="0">
+              <a:lnSpc>
+                <a:spcPts val="600"/>
+              </a:lnSpc>
+              <a:buSzTx/>
+              <a:buNone/>
+              <a:defRPr sz="900">
+                <a:solidFill>
+                  <a:srgbClr val="808080"/>
+                </a:solidFill>
+              </a:defRPr>
+            </a:pPr>
+            <a:r>
+              <a:t>Covid-19 Analysis &amp; Manage System</a:t>
+            </a:r>
+          </a:p>
+        </p:txBody>
+      </p:sp>
+      <p:pic>
+        <p:nvPicPr>
+          <p:cNvPr id="144" name="Graphic 4" descr="Graphic 4"/>
+          <p:cNvPicPr>
+            <a:picLocks noChangeAspect="1"/>
+          </p:cNvPicPr>
+          <p:nvPr/>
+        </p:nvPicPr>
+        <p:blipFill>
+          <a:blip r:embed="rId3"/>
+          <a:stretch>
+            <a:fillRect/>
+          </a:stretch>
+        </p:blipFill>
+        <p:spPr>
+          <a:xfrm>
+            <a:off x="345989" y="276027"/>
+            <a:ext cx="1889039" cy="504906"/>
+          </a:xfrm>
+          <a:prstGeom prst="rect">
+            <a:avLst/>
+          </a:prstGeom>
+          <a:ln w="12700">
+            <a:miter lim="400000"/>
+          </a:ln>
+        </p:spPr>
+      </p:pic>
+      <p:pic>
+        <p:nvPicPr>
+          <p:cNvPr id="145" name="Graphic 13" descr="Graphic 13"/>
+          <p:cNvPicPr>
+            <a:picLocks noChangeAspect="1"/>
+          </p:cNvPicPr>
+          <p:nvPr/>
+        </p:nvPicPr>
+        <p:blipFill>
+          <a:blip r:embed="rId4"/>
+          <a:srcRect r="71261"/>
+          <a:stretch>
+            <a:fillRect/>
+          </a:stretch>
+        </p:blipFill>
+        <p:spPr>
+          <a:xfrm>
+            <a:off x="6873523" y="1571478"/>
+            <a:ext cx="6396165" cy="5948522"/>
+          </a:xfrm>
+          <a:prstGeom prst="rect">
+            <a:avLst/>
+          </a:prstGeom>
+          <a:ln w="12700">
+            <a:miter lim="400000"/>
+          </a:ln>
+        </p:spPr>
+      </p:pic>
+      <p:sp>
+        <p:nvSpPr>
+          <p:cNvPr id="146" name="Subtitle 2"/>
+          <p:cNvSpPr txBox="1"/>
+          <p:nvPr/>
+        </p:nvSpPr>
+        <p:spPr>
+          <a:xfrm>
+            <a:off x="715583" y="1046083"/>
+            <a:ext cx="6719318" cy="923330"/>
+          </a:xfrm>
+          <a:prstGeom prst="rect">
+            <a:avLst/>
+          </a:prstGeom>
+          <a:ln w="12700">
+            <a:miter lim="400000"/>
+          </a:ln>
+          <a:extLst>
+            <a:ext uri="{C572A759-6A51-4108-AA02-DFA0A04FC94B}">
+              <ma14:wrappingTextBoxFlag xmlns:ma14="http://schemas.microsoft.com/office/mac/drawingml/2011/main" xmlns:a14="http://schemas.microsoft.com/office/drawing/2010/main" xmlns:m="http://schemas.openxmlformats.org/officeDocument/2006/math" xmlns="" val="1"/>
+            </a:ext>
+          </a:extLst>
+        </p:spPr>
+        <p:txBody>
+          <a:bodyPr lIns="45719" rIns="45719">
+            <a:spAutoFit/>
+          </a:bodyPr>
+          <a:lstStyle>
+            <a:lvl1pPr>
+              <a:spcBef>
+                <a:spcPts val="1000"/>
+              </a:spcBef>
+              <a:defRPr sz="5400">
+                <a:solidFill>
+                  <a:srgbClr val="C70000"/>
+                </a:solidFill>
+                <a:latin typeface="PingFang HK Semibold"/>
+                <a:ea typeface="PingFang HK Semibold"/>
+                <a:cs typeface="PingFang HK Semibold"/>
+                <a:sym typeface="PingFang HK Semibold"/>
+              </a:defRPr>
+            </a:lvl1pPr>
+          </a:lstStyle>
+          <a:p>
+            <a:r>
+              <a:rPr lang="zh-CN" altLang="en-US" b="1" dirty="0"/>
+              <a:t>病患查询</a:t>
+            </a:r>
+            <a:endParaRPr lang="zh-CN" altLang="en-US" dirty="0"/>
+          </a:p>
+        </p:txBody>
+      </p:sp>
+      <p:sp>
+        <p:nvSpPr>
+          <p:cNvPr id="147" name="Subtitle 2"/>
+          <p:cNvSpPr txBox="1"/>
+          <p:nvPr/>
+        </p:nvSpPr>
+        <p:spPr>
+          <a:xfrm>
+            <a:off x="465881" y="2680960"/>
+            <a:ext cx="3538294" cy="4162293"/>
+          </a:xfrm>
+          <a:prstGeom prst="rect">
+            <a:avLst/>
+          </a:prstGeom>
+          <a:ln w="12700">
+            <a:miter lim="400000"/>
+          </a:ln>
+          <a:extLst>
+            <a:ext uri="{C572A759-6A51-4108-AA02-DFA0A04FC94B}">
+              <ma14:wrappingTextBoxFlag xmlns:ma14="http://schemas.microsoft.com/office/mac/drawingml/2011/main" xmlns:a14="http://schemas.microsoft.com/office/drawing/2010/main" xmlns:m="http://schemas.openxmlformats.org/officeDocument/2006/math" xmlns="" val="1"/>
+            </a:ext>
+          </a:extLst>
+        </p:spPr>
+        <p:txBody>
+          <a:bodyPr wrap="square" lIns="45719" rIns="45719">
+            <a:spAutoFit/>
+          </a:bodyPr>
+          <a:lstStyle/>
+          <a:p>
+            <a:pPr marL="285750" indent="-285750">
+              <a:lnSpc>
+                <a:spcPct val="150000"/>
+              </a:lnSpc>
+              <a:spcBef>
+                <a:spcPts val="1000"/>
+              </a:spcBef>
+              <a:buSzPct val="100000"/>
+              <a:buFont typeface="Arial"/>
+              <a:buChar char="•"/>
+              <a:defRPr sz="1600">
+                <a:solidFill>
+                  <a:srgbClr val="808080"/>
+                </a:solidFill>
+                <a:latin typeface="Ubuntu"/>
+                <a:ea typeface="Ubuntu"/>
+                <a:cs typeface="Ubuntu"/>
+                <a:sym typeface="Ubuntu"/>
+              </a:defRPr>
+            </a:pPr>
+            <a:r>
+              <a:rPr lang="zh-CN" altLang="en-US" sz="1600" dirty="0">
+                <a:sym typeface="Ubuntu"/>
+              </a:rPr>
+              <a:t>展开详细信息可以查看到数据库中和该病患相关的所有数据。除了基础</a:t>
+            </a:r>
+            <a:r>
+              <a:rPr lang="zh-CN" altLang="en-US" sz="1600" b="1" dirty="0">
+                <a:solidFill>
+                  <a:srgbClr val="C70000"/>
+                </a:solidFill>
+                <a:latin typeface="Ubuntu"/>
+                <a:sym typeface="Ubuntu"/>
+              </a:rPr>
+              <a:t>个人档案</a:t>
+            </a:r>
+            <a:r>
+              <a:rPr lang="zh-CN" altLang="en-US" sz="1600" dirty="0">
+                <a:sym typeface="Ubuntu"/>
+              </a:rPr>
+              <a:t>之外，还有</a:t>
+            </a:r>
+            <a:r>
+              <a:rPr lang="zh-CN" altLang="en-US" sz="1600" b="1" dirty="0">
+                <a:solidFill>
+                  <a:srgbClr val="C70000"/>
+                </a:solidFill>
+                <a:latin typeface="Ubuntu"/>
+                <a:sym typeface="Ubuntu"/>
+              </a:rPr>
+              <a:t>处方与诊断记录</a:t>
+            </a:r>
+            <a:r>
+              <a:rPr lang="zh-CN" altLang="en-US" sz="1600" dirty="0">
+                <a:sym typeface="Ubuntu"/>
+              </a:rPr>
+              <a:t>的查看。处方信息包括了</a:t>
+            </a:r>
+            <a:r>
+              <a:rPr lang="zh-CN" altLang="en-US" sz="1600" b="1" dirty="0">
+                <a:solidFill>
+                  <a:srgbClr val="C70000"/>
+                </a:solidFill>
+                <a:latin typeface="Ubuntu"/>
+                <a:sym typeface="Ubuntu"/>
+              </a:rPr>
+              <a:t>药品名称、用法用量及制药厂</a:t>
+            </a:r>
+            <a:r>
+              <a:rPr lang="zh-CN" altLang="en-US" sz="1600" dirty="0">
+                <a:sym typeface="Ubuntu"/>
+              </a:rPr>
+              <a:t>；诊断记录包括了</a:t>
+            </a:r>
+            <a:r>
+              <a:rPr lang="zh-CN" altLang="en-US" sz="1600" b="1" dirty="0">
+                <a:solidFill>
+                  <a:srgbClr val="C70000"/>
+                </a:solidFill>
+                <a:latin typeface="Ubuntu"/>
+                <a:sym typeface="Ubuntu"/>
+              </a:rPr>
+              <a:t>诊断时间、治疗医师、体温、核酸检测情况和症状描述</a:t>
+            </a:r>
+            <a:r>
+              <a:rPr lang="zh-CN" altLang="en-US" sz="1600" dirty="0">
+                <a:sym typeface="Ubuntu"/>
+              </a:rPr>
+              <a:t>。同时，我们也对诊断记录中的体温一项制作了</a:t>
+            </a:r>
+            <a:r>
+              <a:rPr lang="zh-CN" altLang="en-US" sz="1600" b="1" dirty="0">
+                <a:solidFill>
+                  <a:srgbClr val="C70000"/>
+                </a:solidFill>
+                <a:latin typeface="Ubuntu"/>
+                <a:sym typeface="Ubuntu"/>
+              </a:rPr>
+              <a:t>可视化的体温曲线</a:t>
+            </a:r>
+            <a:r>
+              <a:rPr lang="zh-CN" altLang="en-US" sz="1600" dirty="0">
+                <a:sym typeface="Ubuntu"/>
+              </a:rPr>
+              <a:t>，能够更加直观地得到用户的就诊情况。</a:t>
+            </a:r>
+          </a:p>
+          <a:p>
+            <a:pPr marL="285750" indent="-285750">
+              <a:lnSpc>
+                <a:spcPct val="150000"/>
+              </a:lnSpc>
+              <a:spcBef>
+                <a:spcPts val="1000"/>
+              </a:spcBef>
+              <a:buSzPct val="100000"/>
+              <a:buFont typeface="Arial"/>
+              <a:buChar char="•"/>
+              <a:defRPr sz="1600">
+                <a:solidFill>
+                  <a:srgbClr val="808080"/>
+                </a:solidFill>
+                <a:latin typeface="Ubuntu"/>
+                <a:ea typeface="Ubuntu"/>
+                <a:cs typeface="Ubuntu"/>
+                <a:sym typeface="Ubuntu"/>
+              </a:defRPr>
+            </a:pPr>
+            <a:endParaRPr sz="1200" dirty="0"/>
+          </a:p>
+        </p:txBody>
+      </p:sp>
+      <p:sp>
+        <p:nvSpPr>
+          <p:cNvPr id="149" name="Slide Number Placeholder 21"/>
+          <p:cNvSpPr txBox="1">
+            <a:spLocks noGrp="1"/>
+          </p:cNvSpPr>
+          <p:nvPr>
+            <p:ph type="sldNum" sz="quarter" idx="2"/>
+          </p:nvPr>
+        </p:nvSpPr>
+        <p:spPr>
+          <a:xfrm>
+            <a:off x="11164902" y="6404292"/>
+            <a:ext cx="188898" cy="269241"/>
+          </a:xfrm>
+          <a:prstGeom prst="rect">
+            <a:avLst/>
+          </a:prstGeom>
+          <a:extLst>
+            <a:ext uri="{C572A759-6A51-4108-AA02-DFA0A04FC94B}">
+              <ma14:wrappingTextBoxFlag xmlns:ma14="http://schemas.microsoft.com/office/mac/drawingml/2011/main" xmlns:a14="http://schemas.microsoft.com/office/drawing/2010/main" xmlns:m="http://schemas.openxmlformats.org/officeDocument/2006/math" xmlns="" val="1"/>
+            </a:ext>
+          </a:extLst>
+        </p:spPr>
+        <p:txBody>
+          <a:bodyPr/>
+          <a:lstStyle/>
+          <a:p>
+            <a:fld id="{86CB4B4D-7CA3-9044-876B-883B54F8677D}" type="slidenum">
+              <a:t>11</a:t>
+            </a:fld>
+            <a:endParaRPr/>
+          </a:p>
+        </p:txBody>
+      </p:sp>
+      <p:sp>
+        <p:nvSpPr>
+          <p:cNvPr id="9" name="Subtitle 2">
+            <a:extLst>
+              <a:ext uri="{FF2B5EF4-FFF2-40B4-BE49-F238E27FC236}">
+                <a16:creationId xmlns:a16="http://schemas.microsoft.com/office/drawing/2014/main" id="{008950C1-8CA0-314C-8BD6-A82558FE5A08}"/>
+              </a:ext>
+            </a:extLst>
+          </p:cNvPr>
+          <p:cNvSpPr txBox="1"/>
+          <p:nvPr/>
+        </p:nvSpPr>
+        <p:spPr>
+          <a:xfrm>
+            <a:off x="1583314" y="2069916"/>
+            <a:ext cx="6719318" cy="461665"/>
+          </a:xfrm>
+          <a:prstGeom prst="rect">
+            <a:avLst/>
+          </a:prstGeom>
+          <a:ln w="12700">
+            <a:miter lim="400000"/>
+          </a:ln>
+          <a:extLst>
+            <a:ext uri="{C572A759-6A51-4108-AA02-DFA0A04FC94B}">
+              <ma14:wrappingTextBoxFlag xmlns:ma14="http://schemas.microsoft.com/office/mac/drawingml/2011/main" xmlns:a14="http://schemas.microsoft.com/office/drawing/2010/main" xmlns:m="http://schemas.openxmlformats.org/officeDocument/2006/math" xmlns="" val="1"/>
+            </a:ext>
+          </a:extLst>
+        </p:spPr>
+        <p:txBody>
+          <a:bodyPr lIns="45719" rIns="45719">
+            <a:spAutoFit/>
+          </a:bodyPr>
+          <a:lstStyle>
+            <a:lvl1pPr>
+              <a:spcBef>
+                <a:spcPts val="1000"/>
+              </a:spcBef>
+              <a:defRPr sz="2400">
+                <a:solidFill>
+                  <a:srgbClr val="808080"/>
+                </a:solidFill>
+                <a:latin typeface="PingFang HK Semibold"/>
+                <a:ea typeface="PingFang HK Semibold"/>
+                <a:cs typeface="PingFang HK Semibold"/>
+                <a:sym typeface="PingFang HK Semibold"/>
+              </a:defRPr>
+            </a:lvl1pPr>
+          </a:lstStyle>
+          <a:p>
+            <a:pPr>
+              <a:defRPr b="1">
+                <a:latin typeface="Ubuntu"/>
+                <a:ea typeface="Ubuntu"/>
+                <a:cs typeface="Ubuntu"/>
+                <a:sym typeface="Ubuntu"/>
+              </a:defRPr>
+            </a:pPr>
+            <a:r>
+              <a:rPr lang="zh-CN" altLang="en-US" b="0" dirty="0">
+                <a:latin typeface="PingFang HK Semibold"/>
+                <a:ea typeface="PingFang HK Semibold"/>
+                <a:cs typeface="PingFang HK Semibold"/>
+                <a:sym typeface="PingFang HK Semibold"/>
+              </a:rPr>
+              <a:t>详细信息</a:t>
+            </a:r>
+            <a:endParaRPr b="0" dirty="0">
+              <a:latin typeface="PingFang HK Semibold"/>
+              <a:ea typeface="PingFang HK Semibold"/>
+              <a:cs typeface="PingFang HK Semibold"/>
+              <a:sym typeface="PingFang HK Semibold"/>
+            </a:endParaRPr>
+          </a:p>
+        </p:txBody>
+      </p:sp>
+      <p:pic>
+        <p:nvPicPr>
+          <p:cNvPr id="3" name="图片 2">
+            <a:extLst>
+              <a:ext uri="{FF2B5EF4-FFF2-40B4-BE49-F238E27FC236}">
+                <a16:creationId xmlns:a16="http://schemas.microsoft.com/office/drawing/2014/main" id="{32B8D071-BF1E-FA4B-8719-8A4FBF450072}"/>
+              </a:ext>
+            </a:extLst>
+          </p:cNvPr>
+          <p:cNvPicPr>
+            <a:picLocks noChangeAspect="1"/>
+          </p:cNvPicPr>
+          <p:nvPr/>
+        </p:nvPicPr>
+        <p:blipFill>
+          <a:blip r:embed="rId5">
+            <a:extLst>
+              <a:ext uri="{28A0092B-C50C-407E-A947-70E740481C1C}">
+                <a14:useLocalDpi xmlns:a14="http://schemas.microsoft.com/office/drawing/2010/main" val="0"/>
+              </a:ext>
+            </a:extLst>
+          </a:blip>
+          <a:stretch>
+            <a:fillRect/>
+          </a:stretch>
+        </p:blipFill>
+        <p:spPr>
+          <a:xfrm>
+            <a:off x="4475056" y="666558"/>
+            <a:ext cx="7350635" cy="3565803"/>
+          </a:xfrm>
+          <a:prstGeom prst="rect">
+            <a:avLst/>
+          </a:prstGeom>
+        </p:spPr>
+      </p:pic>
+      <p:pic>
+        <p:nvPicPr>
+          <p:cNvPr id="6" name="图片 5">
+            <a:extLst>
+              <a:ext uri="{FF2B5EF4-FFF2-40B4-BE49-F238E27FC236}">
+                <a16:creationId xmlns:a16="http://schemas.microsoft.com/office/drawing/2014/main" id="{BFB7ED7D-5D25-5D4F-BFE2-A4C2378EBCD0}"/>
+              </a:ext>
+            </a:extLst>
+          </p:cNvPr>
+          <p:cNvPicPr>
+            <a:picLocks noChangeAspect="1"/>
+          </p:cNvPicPr>
+          <p:nvPr/>
+        </p:nvPicPr>
+        <p:blipFill>
+          <a:blip r:embed="rId6">
+            <a:extLst>
+              <a:ext uri="{28A0092B-C50C-407E-A947-70E740481C1C}">
+                <a14:useLocalDpi xmlns:a14="http://schemas.microsoft.com/office/drawing/2010/main" val="0"/>
+              </a:ext>
+            </a:extLst>
+          </a:blip>
+          <a:stretch>
+            <a:fillRect/>
+          </a:stretch>
+        </p:blipFill>
+        <p:spPr>
+          <a:xfrm>
+            <a:off x="4475056" y="4222212"/>
+            <a:ext cx="7350635" cy="3263244"/>
+          </a:xfrm>
+          <a:prstGeom prst="rect">
+            <a:avLst/>
+          </a:prstGeom>
+        </p:spPr>
+      </p:pic>
+    </p:spTree>
+    <p:extLst>
+      <p:ext uri="{BB962C8B-B14F-4D97-AF65-F5344CB8AC3E}">
+        <p14:creationId xmlns:p14="http://schemas.microsoft.com/office/powerpoint/2010/main" val="871112366"/>
+      </p:ext>
+    </p:extLst>
+  </p:cSld>
+  <p:clrMapOvr>
+    <a:masterClrMapping/>
+  </p:clrMapOvr>
+  <p:transition spd="med"/>
+</p:sld>
+</file>
+
+<file path=ppt/slides/slide12.xml><?xml version="1.0" encoding="utf-8"?>
+<p:sld xmlns:a="http://schemas.openxmlformats.org/drawingml/2006/main" xmlns:r="http://schemas.openxmlformats.org/officeDocument/2006/relationships" xmlns:p="http://schemas.openxmlformats.org/presentationml/2006/main">
+  <p:cSld>
+    <p:spTree>
+      <p:nvGrpSpPr>
+        <p:cNvPr id="1" name=""/>
+        <p:cNvGrpSpPr/>
+        <p:nvPr/>
+      </p:nvGrpSpPr>
+      <p:grpSpPr>
+        <a:xfrm>
+          <a:off x="0" y="0"/>
+          <a:ext cx="0" cy="0"/>
+          <a:chOff x="0" y="0"/>
+          <a:chExt cx="0" cy="0"/>
+        </a:xfrm>
+      </p:grpSpPr>
+      <p:sp>
+        <p:nvSpPr>
+          <p:cNvPr id="143" name="Subtitle 2"/>
+          <p:cNvSpPr txBox="1">
+            <a:spLocks noGrp="1"/>
+          </p:cNvSpPr>
+          <p:nvPr>
+            <p:ph type="body" sz="quarter" idx="1"/>
+          </p:nvPr>
+        </p:nvSpPr>
+        <p:spPr>
+          <a:xfrm>
+            <a:off x="2415668" y="345484"/>
+            <a:ext cx="2865358" cy="586684"/>
+          </a:xfrm>
+          <a:prstGeom prst="rect">
+            <a:avLst/>
+          </a:prstGeom>
+        </p:spPr>
+        <p:txBody>
+          <a:bodyPr/>
+          <a:lstStyle/>
+          <a:p>
+            <a:pPr marL="0" indent="0">
+              <a:lnSpc>
+                <a:spcPts val="600"/>
+              </a:lnSpc>
+              <a:buSzTx/>
+              <a:buNone/>
+              <a:defRPr sz="900">
+                <a:solidFill>
+                  <a:srgbClr val="808080"/>
+                </a:solidFill>
+              </a:defRPr>
+            </a:pPr>
+            <a:r>
+              <a:t>Covid-19 </a:t>
+            </a:r>
+            <a:r>
+              <a:rPr>
+                <a:latin typeface="PingFang HK Regular"/>
+                <a:ea typeface="PingFang HK Regular"/>
+                <a:cs typeface="PingFang HK Regular"/>
+                <a:sym typeface="PingFang HK Regular"/>
+              </a:rPr>
+              <a:t>疫情分析与管理系统</a:t>
+            </a:r>
+          </a:p>
+          <a:p>
+            <a:pPr marL="0" indent="0">
+              <a:lnSpc>
+                <a:spcPts val="600"/>
+              </a:lnSpc>
+              <a:buSzTx/>
+              <a:buNone/>
+              <a:defRPr sz="900">
+                <a:solidFill>
+                  <a:srgbClr val="808080"/>
+                </a:solidFill>
+              </a:defRPr>
+            </a:pPr>
+            <a:r>
+              <a:t>Covid-19 Analysis &amp; Manage System</a:t>
+            </a:r>
+          </a:p>
+        </p:txBody>
+      </p:sp>
+      <p:pic>
+        <p:nvPicPr>
+          <p:cNvPr id="144" name="Graphic 4" descr="Graphic 4"/>
+          <p:cNvPicPr>
+            <a:picLocks noChangeAspect="1"/>
+          </p:cNvPicPr>
+          <p:nvPr/>
+        </p:nvPicPr>
+        <p:blipFill>
+          <a:blip r:embed="rId3"/>
+          <a:stretch>
+            <a:fillRect/>
+          </a:stretch>
+        </p:blipFill>
+        <p:spPr>
+          <a:xfrm>
+            <a:off x="345989" y="276027"/>
+            <a:ext cx="1889039" cy="504906"/>
+          </a:xfrm>
+          <a:prstGeom prst="rect">
+            <a:avLst/>
+          </a:prstGeom>
+          <a:ln w="12700">
+            <a:miter lim="400000"/>
+          </a:ln>
+        </p:spPr>
+      </p:pic>
+      <p:pic>
+        <p:nvPicPr>
+          <p:cNvPr id="145" name="Graphic 13" descr="Graphic 13"/>
+          <p:cNvPicPr>
+            <a:picLocks noChangeAspect="1"/>
+          </p:cNvPicPr>
+          <p:nvPr/>
+        </p:nvPicPr>
+        <p:blipFill>
+          <a:blip r:embed="rId4"/>
+          <a:srcRect r="71261"/>
+          <a:stretch>
+            <a:fillRect/>
+          </a:stretch>
+        </p:blipFill>
+        <p:spPr>
+          <a:xfrm>
+            <a:off x="6873523" y="1571478"/>
+            <a:ext cx="6396165" cy="5948522"/>
+          </a:xfrm>
+          <a:prstGeom prst="rect">
+            <a:avLst/>
+          </a:prstGeom>
+          <a:ln w="12700">
+            <a:miter lim="400000"/>
+          </a:ln>
+        </p:spPr>
+      </p:pic>
+      <p:sp>
+        <p:nvSpPr>
+          <p:cNvPr id="146" name="Subtitle 2"/>
+          <p:cNvSpPr txBox="1"/>
+          <p:nvPr/>
+        </p:nvSpPr>
+        <p:spPr>
+          <a:xfrm>
+            <a:off x="715583" y="1046083"/>
+            <a:ext cx="6719318" cy="923330"/>
+          </a:xfrm>
+          <a:prstGeom prst="rect">
+            <a:avLst/>
+          </a:prstGeom>
+          <a:ln w="12700">
+            <a:miter lim="400000"/>
+          </a:ln>
+          <a:extLst>
+            <a:ext uri="{C572A759-6A51-4108-AA02-DFA0A04FC94B}">
+              <ma14:wrappingTextBoxFlag xmlns:ma14="http://schemas.microsoft.com/office/mac/drawingml/2011/main" xmlns:a14="http://schemas.microsoft.com/office/drawing/2010/main" xmlns:m="http://schemas.openxmlformats.org/officeDocument/2006/math" xmlns="" val="1"/>
+            </a:ext>
+          </a:extLst>
+        </p:spPr>
+        <p:txBody>
+          <a:bodyPr lIns="45719" rIns="45719">
+            <a:spAutoFit/>
+          </a:bodyPr>
+          <a:lstStyle>
+            <a:lvl1pPr>
+              <a:spcBef>
+                <a:spcPts val="1000"/>
+              </a:spcBef>
+              <a:defRPr sz="5400">
+                <a:solidFill>
+                  <a:srgbClr val="C70000"/>
+                </a:solidFill>
+                <a:latin typeface="PingFang HK Semibold"/>
+                <a:ea typeface="PingFang HK Semibold"/>
+                <a:cs typeface="PingFang HK Semibold"/>
+                <a:sym typeface="PingFang HK Semibold"/>
+              </a:defRPr>
+            </a:lvl1pPr>
+          </a:lstStyle>
+          <a:p>
+            <a:r>
+              <a:rPr lang="zh-CN" altLang="en-US" b="1" dirty="0"/>
+              <a:t>病患登记</a:t>
+            </a:r>
+            <a:endParaRPr lang="zh-CN" altLang="en-US" dirty="0"/>
+          </a:p>
+        </p:txBody>
+      </p:sp>
+      <p:sp>
+        <p:nvSpPr>
+          <p:cNvPr id="147" name="Subtitle 2"/>
+          <p:cNvSpPr txBox="1"/>
+          <p:nvPr/>
+        </p:nvSpPr>
+        <p:spPr>
+          <a:xfrm>
+            <a:off x="465881" y="2680960"/>
+            <a:ext cx="3538294" cy="2074542"/>
+          </a:xfrm>
+          <a:prstGeom prst="rect">
+            <a:avLst/>
+          </a:prstGeom>
+          <a:ln w="12700">
+            <a:miter lim="400000"/>
+          </a:ln>
+          <a:extLst>
+            <a:ext uri="{C572A759-6A51-4108-AA02-DFA0A04FC94B}">
+              <ma14:wrappingTextBoxFlag xmlns:ma14="http://schemas.microsoft.com/office/mac/drawingml/2011/main" xmlns:a14="http://schemas.microsoft.com/office/drawing/2010/main" xmlns:m="http://schemas.openxmlformats.org/officeDocument/2006/math" xmlns="" val="1"/>
+            </a:ext>
+          </a:extLst>
+        </p:spPr>
+        <p:txBody>
+          <a:bodyPr wrap="square" lIns="45719" rIns="45719">
+            <a:spAutoFit/>
+          </a:bodyPr>
+          <a:lstStyle/>
+          <a:p>
+            <a:pPr marL="285750" indent="-285750">
+              <a:lnSpc>
+                <a:spcPct val="150000"/>
+              </a:lnSpc>
+              <a:spcBef>
+                <a:spcPts val="1000"/>
+              </a:spcBef>
+              <a:buSzPct val="100000"/>
+              <a:buFont typeface="Arial"/>
+              <a:buChar char="•"/>
+              <a:defRPr sz="1600">
+                <a:solidFill>
+                  <a:srgbClr val="808080"/>
+                </a:solidFill>
+                <a:latin typeface="Ubuntu"/>
+                <a:ea typeface="Ubuntu"/>
+                <a:cs typeface="Ubuntu"/>
+                <a:sym typeface="Ubuntu"/>
+              </a:defRPr>
+            </a:pPr>
+            <a:r>
+              <a:rPr lang="zh-CN" altLang="en-US" sz="1600" dirty="0">
+                <a:sym typeface="Ubuntu"/>
+              </a:rPr>
+              <a:t>在完整填写所有信息之后也可以</a:t>
+            </a:r>
+            <a:r>
+              <a:rPr lang="zh-CN" altLang="en-US" sz="1600" b="1" dirty="0">
+                <a:solidFill>
+                  <a:srgbClr val="C70000"/>
+                </a:solidFill>
+                <a:latin typeface="Ubuntu"/>
+                <a:sym typeface="Ubuntu"/>
+              </a:rPr>
+              <a:t>快速展开该病人的详细信息</a:t>
+            </a:r>
+            <a:r>
+              <a:rPr lang="zh-CN" altLang="en-US" sz="1600" dirty="0">
+                <a:sym typeface="Ubuntu"/>
+              </a:rPr>
+              <a:t>，进行</a:t>
+            </a:r>
+            <a:r>
+              <a:rPr lang="zh-CN" altLang="en-US" sz="1600" b="1" dirty="0">
+                <a:solidFill>
+                  <a:srgbClr val="C70000"/>
+                </a:solidFill>
+                <a:latin typeface="Ubuntu"/>
+                <a:sym typeface="Ubuntu"/>
+              </a:rPr>
+              <a:t>诊断和处方登记</a:t>
+            </a:r>
+            <a:r>
+              <a:rPr lang="zh-CN" altLang="en-US" sz="1600" dirty="0">
+                <a:sym typeface="Ubuntu"/>
+              </a:rPr>
+              <a:t>等操作。</a:t>
+            </a:r>
+          </a:p>
+          <a:p>
+            <a:pPr marL="285750" indent="-285750">
+              <a:lnSpc>
+                <a:spcPct val="150000"/>
+              </a:lnSpc>
+              <a:spcBef>
+                <a:spcPts val="1000"/>
+              </a:spcBef>
+              <a:buSzPct val="100000"/>
+              <a:buFont typeface="Arial"/>
+              <a:buChar char="•"/>
+              <a:defRPr sz="1600">
+                <a:solidFill>
+                  <a:srgbClr val="808080"/>
+                </a:solidFill>
+                <a:latin typeface="Ubuntu"/>
+                <a:ea typeface="Ubuntu"/>
+                <a:cs typeface="Ubuntu"/>
+                <a:sym typeface="Ubuntu"/>
+              </a:defRPr>
+            </a:pPr>
+            <a:endParaRPr lang="zh-CN" altLang="en-US" sz="1600" dirty="0">
+              <a:sym typeface="Ubuntu"/>
+            </a:endParaRPr>
+          </a:p>
+          <a:p>
+            <a:pPr marL="285750" indent="-285750">
+              <a:lnSpc>
+                <a:spcPct val="150000"/>
+              </a:lnSpc>
+              <a:spcBef>
+                <a:spcPts val="1000"/>
+              </a:spcBef>
+              <a:buSzPct val="100000"/>
+              <a:buFont typeface="Arial"/>
+              <a:buChar char="•"/>
+              <a:defRPr sz="1600">
+                <a:solidFill>
+                  <a:srgbClr val="808080"/>
+                </a:solidFill>
+                <a:latin typeface="Ubuntu"/>
+                <a:ea typeface="Ubuntu"/>
+                <a:cs typeface="Ubuntu"/>
+                <a:sym typeface="Ubuntu"/>
+              </a:defRPr>
+            </a:pPr>
+            <a:endParaRPr sz="1200" dirty="0"/>
+          </a:p>
+        </p:txBody>
+      </p:sp>
+      <p:sp>
+        <p:nvSpPr>
+          <p:cNvPr id="149" name="Slide Number Placeholder 21"/>
+          <p:cNvSpPr txBox="1">
+            <a:spLocks noGrp="1"/>
+          </p:cNvSpPr>
+          <p:nvPr>
+            <p:ph type="sldNum" sz="quarter" idx="2"/>
+          </p:nvPr>
+        </p:nvSpPr>
+        <p:spPr>
+          <a:xfrm>
+            <a:off x="11164902" y="6404292"/>
+            <a:ext cx="188898" cy="269241"/>
+          </a:xfrm>
+          <a:prstGeom prst="rect">
+            <a:avLst/>
+          </a:prstGeom>
+          <a:extLst>
+            <a:ext uri="{C572A759-6A51-4108-AA02-DFA0A04FC94B}">
+              <ma14:wrappingTextBoxFlag xmlns:ma14="http://schemas.microsoft.com/office/mac/drawingml/2011/main" xmlns:a14="http://schemas.microsoft.com/office/drawing/2010/main" xmlns:m="http://schemas.openxmlformats.org/officeDocument/2006/math" xmlns="" val="1"/>
+            </a:ext>
+          </a:extLst>
+        </p:spPr>
+        <p:txBody>
+          <a:bodyPr/>
+          <a:lstStyle/>
+          <a:p>
+            <a:fld id="{86CB4B4D-7CA3-9044-876B-883B54F8677D}" type="slidenum">
+              <a:t>12</a:t>
+            </a:fld>
+            <a:endParaRPr/>
+          </a:p>
+        </p:txBody>
+      </p:sp>
+      <p:pic>
+        <p:nvPicPr>
+          <p:cNvPr id="4" name="图片 3">
+            <a:extLst>
+              <a:ext uri="{FF2B5EF4-FFF2-40B4-BE49-F238E27FC236}">
+                <a16:creationId xmlns:a16="http://schemas.microsoft.com/office/drawing/2014/main" id="{C5320E68-DAC8-0C47-9383-27FF61D0618B}"/>
+              </a:ext>
+            </a:extLst>
+          </p:cNvPr>
+          <p:cNvPicPr>
+            <a:picLocks noChangeAspect="1"/>
+          </p:cNvPicPr>
+          <p:nvPr/>
+        </p:nvPicPr>
+        <p:blipFill>
+          <a:blip r:embed="rId5">
+            <a:extLst>
+              <a:ext uri="{28A0092B-C50C-407E-A947-70E740481C1C}">
+                <a14:useLocalDpi xmlns:a14="http://schemas.microsoft.com/office/drawing/2010/main" val="0"/>
+              </a:ext>
+            </a:extLst>
+          </a:blip>
+          <a:stretch>
+            <a:fillRect/>
+          </a:stretch>
+        </p:blipFill>
+        <p:spPr>
+          <a:xfrm>
+            <a:off x="4075242" y="932168"/>
+            <a:ext cx="7981732" cy="5098242"/>
+          </a:xfrm>
+          <a:prstGeom prst="rect">
+            <a:avLst/>
+          </a:prstGeom>
+        </p:spPr>
+      </p:pic>
+      <p:pic>
+        <p:nvPicPr>
+          <p:cNvPr id="7" name="图片 6">
+            <a:extLst>
+              <a:ext uri="{FF2B5EF4-FFF2-40B4-BE49-F238E27FC236}">
+                <a16:creationId xmlns:a16="http://schemas.microsoft.com/office/drawing/2014/main" id="{EF11EA95-4EC2-614D-B4FD-4C7AB9FB66B8}"/>
+              </a:ext>
+            </a:extLst>
+          </p:cNvPr>
+          <p:cNvPicPr>
+            <a:picLocks noChangeAspect="1"/>
+          </p:cNvPicPr>
+          <p:nvPr/>
+        </p:nvPicPr>
+        <p:blipFill>
+          <a:blip r:embed="rId6">
+            <a:extLst>
+              <a:ext uri="{28A0092B-C50C-407E-A947-70E740481C1C}">
+                <a14:useLocalDpi xmlns:a14="http://schemas.microsoft.com/office/drawing/2010/main" val="0"/>
+              </a:ext>
+            </a:extLst>
+          </a:blip>
+          <a:stretch>
+            <a:fillRect/>
+          </a:stretch>
+        </p:blipFill>
+        <p:spPr>
+          <a:xfrm>
+            <a:off x="5919659" y="107879"/>
+            <a:ext cx="6137315" cy="1315139"/>
+          </a:xfrm>
+          <a:prstGeom prst="rect">
+            <a:avLst/>
+          </a:prstGeom>
+        </p:spPr>
+      </p:pic>
+    </p:spTree>
+    <p:extLst>
+      <p:ext uri="{BB962C8B-B14F-4D97-AF65-F5344CB8AC3E}">
+        <p14:creationId xmlns:p14="http://schemas.microsoft.com/office/powerpoint/2010/main" val="1383044054"/>
+      </p:ext>
+    </p:extLst>
+  </p:cSld>
+  <p:clrMapOvr>
+    <a:masterClrMapping/>
+  </p:clrMapOvr>
+  <p:transition spd="med"/>
+</p:sld>
+</file>
+
+<file path=ppt/slides/slide13.xml><?xml version="1.0" encoding="utf-8"?>
+<p:sld xmlns:a="http://schemas.openxmlformats.org/drawingml/2006/main" xmlns:r="http://schemas.openxmlformats.org/officeDocument/2006/relationships" xmlns:p="http://schemas.openxmlformats.org/presentationml/2006/main">
+  <p:cSld>
+    <p:spTree>
+      <p:nvGrpSpPr>
+        <p:cNvPr id="1" name=""/>
+        <p:cNvGrpSpPr/>
+        <p:nvPr/>
+      </p:nvGrpSpPr>
+      <p:grpSpPr>
+        <a:xfrm>
+          <a:off x="0" y="0"/>
+          <a:ext cx="0" cy="0"/>
+          <a:chOff x="0" y="0"/>
+          <a:chExt cx="0" cy="0"/>
+        </a:xfrm>
+      </p:grpSpPr>
+      <p:sp>
+        <p:nvSpPr>
+          <p:cNvPr id="143" name="Subtitle 2"/>
+          <p:cNvSpPr txBox="1">
+            <a:spLocks noGrp="1"/>
+          </p:cNvSpPr>
+          <p:nvPr>
+            <p:ph type="body" sz="quarter" idx="1"/>
+          </p:nvPr>
+        </p:nvSpPr>
+        <p:spPr>
+          <a:xfrm>
+            <a:off x="2415668" y="345484"/>
+            <a:ext cx="2865358" cy="586684"/>
+          </a:xfrm>
+          <a:prstGeom prst="rect">
+            <a:avLst/>
+          </a:prstGeom>
+        </p:spPr>
+        <p:txBody>
+          <a:bodyPr/>
+          <a:lstStyle/>
+          <a:p>
+            <a:pPr marL="0" indent="0">
+              <a:lnSpc>
+                <a:spcPts val="600"/>
+              </a:lnSpc>
+              <a:buSzTx/>
+              <a:buNone/>
+              <a:defRPr sz="900">
+                <a:solidFill>
+                  <a:srgbClr val="808080"/>
+                </a:solidFill>
+              </a:defRPr>
+            </a:pPr>
+            <a:r>
+              <a:t>Covid-19 </a:t>
+            </a:r>
+            <a:r>
+              <a:rPr>
+                <a:latin typeface="PingFang HK Regular"/>
+                <a:ea typeface="PingFang HK Regular"/>
+                <a:cs typeface="PingFang HK Regular"/>
+                <a:sym typeface="PingFang HK Regular"/>
+              </a:rPr>
+              <a:t>疫情分析与管理系统</a:t>
+            </a:r>
+          </a:p>
+          <a:p>
+            <a:pPr marL="0" indent="0">
+              <a:lnSpc>
+                <a:spcPts val="600"/>
+              </a:lnSpc>
+              <a:buSzTx/>
+              <a:buNone/>
+              <a:defRPr sz="900">
+                <a:solidFill>
+                  <a:srgbClr val="808080"/>
+                </a:solidFill>
+              </a:defRPr>
+            </a:pPr>
+            <a:r>
+              <a:t>Covid-19 Analysis &amp; Manage System</a:t>
+            </a:r>
+          </a:p>
+        </p:txBody>
+      </p:sp>
+      <p:pic>
+        <p:nvPicPr>
+          <p:cNvPr id="144" name="Graphic 4" descr="Graphic 4"/>
+          <p:cNvPicPr>
+            <a:picLocks noChangeAspect="1"/>
+          </p:cNvPicPr>
+          <p:nvPr/>
+        </p:nvPicPr>
+        <p:blipFill>
+          <a:blip r:embed="rId3"/>
+          <a:stretch>
+            <a:fillRect/>
+          </a:stretch>
+        </p:blipFill>
+        <p:spPr>
+          <a:xfrm>
+            <a:off x="345989" y="276027"/>
+            <a:ext cx="1889039" cy="504906"/>
+          </a:xfrm>
+          <a:prstGeom prst="rect">
+            <a:avLst/>
+          </a:prstGeom>
+          <a:ln w="12700">
+            <a:miter lim="400000"/>
+          </a:ln>
+        </p:spPr>
+      </p:pic>
+      <p:pic>
+        <p:nvPicPr>
+          <p:cNvPr id="145" name="Graphic 13" descr="Graphic 13"/>
+          <p:cNvPicPr>
+            <a:picLocks noChangeAspect="1"/>
+          </p:cNvPicPr>
+          <p:nvPr/>
+        </p:nvPicPr>
+        <p:blipFill>
+          <a:blip r:embed="rId4"/>
+          <a:srcRect r="71261"/>
+          <a:stretch>
+            <a:fillRect/>
+          </a:stretch>
+        </p:blipFill>
+        <p:spPr>
+          <a:xfrm>
+            <a:off x="6873523" y="1571478"/>
+            <a:ext cx="6396165" cy="5948522"/>
+          </a:xfrm>
+          <a:prstGeom prst="rect">
+            <a:avLst/>
+          </a:prstGeom>
+          <a:ln w="12700">
+            <a:miter lim="400000"/>
+          </a:ln>
+        </p:spPr>
+      </p:pic>
+      <p:sp>
+        <p:nvSpPr>
+          <p:cNvPr id="146" name="Subtitle 2"/>
+          <p:cNvSpPr txBox="1"/>
+          <p:nvPr/>
+        </p:nvSpPr>
+        <p:spPr>
+          <a:xfrm>
+            <a:off x="715583" y="1046083"/>
+            <a:ext cx="6719318" cy="923330"/>
+          </a:xfrm>
+          <a:prstGeom prst="rect">
+            <a:avLst/>
+          </a:prstGeom>
+          <a:ln w="12700">
+            <a:miter lim="400000"/>
+          </a:ln>
+          <a:extLst>
+            <a:ext uri="{C572A759-6A51-4108-AA02-DFA0A04FC94B}">
+              <ma14:wrappingTextBoxFlag xmlns:ma14="http://schemas.microsoft.com/office/mac/drawingml/2011/main" xmlns:a14="http://schemas.microsoft.com/office/drawing/2010/main" xmlns:m="http://schemas.openxmlformats.org/officeDocument/2006/math" xmlns="" val="1"/>
+            </a:ext>
+          </a:extLst>
+        </p:spPr>
+        <p:txBody>
+          <a:bodyPr lIns="45719" rIns="45719">
+            <a:spAutoFit/>
+          </a:bodyPr>
+          <a:lstStyle>
+            <a:lvl1pPr>
+              <a:spcBef>
+                <a:spcPts val="1000"/>
+              </a:spcBef>
+              <a:defRPr sz="5400">
+                <a:solidFill>
+                  <a:srgbClr val="C70000"/>
+                </a:solidFill>
+                <a:latin typeface="PingFang HK Semibold"/>
+                <a:ea typeface="PingFang HK Semibold"/>
+                <a:cs typeface="PingFang HK Semibold"/>
+                <a:sym typeface="PingFang HK Semibold"/>
+              </a:defRPr>
+            </a:lvl1pPr>
+          </a:lstStyle>
+          <a:p>
+            <a:r>
+              <a:rPr lang="zh-CN" altLang="en-US" b="1" dirty="0"/>
+              <a:t>病患管理</a:t>
+            </a:r>
+            <a:endParaRPr lang="zh-CN" altLang="en-US" dirty="0"/>
+          </a:p>
+        </p:txBody>
+      </p:sp>
+      <p:sp>
+        <p:nvSpPr>
+          <p:cNvPr id="147" name="Subtitle 2"/>
+          <p:cNvSpPr txBox="1"/>
+          <p:nvPr/>
+        </p:nvSpPr>
+        <p:spPr>
+          <a:xfrm>
+            <a:off x="465881" y="2418994"/>
+            <a:ext cx="3538294" cy="3182538"/>
+          </a:xfrm>
+          <a:prstGeom prst="rect">
+            <a:avLst/>
+          </a:prstGeom>
+          <a:ln w="12700">
+            <a:miter lim="400000"/>
+          </a:ln>
+          <a:extLst>
+            <a:ext uri="{C572A759-6A51-4108-AA02-DFA0A04FC94B}">
+              <ma14:wrappingTextBoxFlag xmlns:ma14="http://schemas.microsoft.com/office/mac/drawingml/2011/main" xmlns:a14="http://schemas.microsoft.com/office/drawing/2010/main" xmlns:m="http://schemas.openxmlformats.org/officeDocument/2006/math" xmlns="" val="1"/>
+            </a:ext>
+          </a:extLst>
+        </p:spPr>
+        <p:txBody>
+          <a:bodyPr wrap="square" lIns="45719" rIns="45719">
+            <a:spAutoFit/>
+          </a:bodyPr>
+          <a:lstStyle/>
+          <a:p>
+            <a:pPr marL="285750" indent="-285750">
+              <a:lnSpc>
+                <a:spcPct val="150000"/>
+              </a:lnSpc>
+              <a:spcBef>
+                <a:spcPts val="1000"/>
+              </a:spcBef>
+              <a:buSzPct val="100000"/>
+              <a:buFont typeface="Arial"/>
+              <a:buChar char="•"/>
+              <a:defRPr sz="1600">
+                <a:solidFill>
+                  <a:srgbClr val="808080"/>
+                </a:solidFill>
+                <a:latin typeface="Ubuntu"/>
+                <a:ea typeface="Ubuntu"/>
+                <a:cs typeface="Ubuntu"/>
+                <a:sym typeface="Ubuntu"/>
+              </a:defRPr>
+            </a:pPr>
+            <a:r>
+              <a:rPr lang="zh-CN" altLang="en-US" sz="1600" dirty="0">
+                <a:sym typeface="Ubuntu"/>
+              </a:rPr>
+              <a:t>医生可以为患者</a:t>
+            </a:r>
+            <a:r>
+              <a:rPr lang="zh-CN" altLang="en-US" sz="1600" b="1" dirty="0">
+                <a:solidFill>
+                  <a:srgbClr val="C70000"/>
+                </a:solidFill>
+                <a:latin typeface="Ubuntu"/>
+                <a:sym typeface="Ubuntu"/>
+              </a:rPr>
+              <a:t>登记 </a:t>
+            </a:r>
+            <a:r>
+              <a:rPr lang="en-US" altLang="zh-CN" sz="1600" b="1" dirty="0">
+                <a:solidFill>
+                  <a:srgbClr val="C70000"/>
+                </a:solidFill>
+                <a:latin typeface="Ubuntu"/>
+                <a:sym typeface="Ubuntu"/>
+              </a:rPr>
+              <a:t>/.</a:t>
+            </a:r>
+            <a:r>
+              <a:rPr lang="zh-CN" altLang="en-US" sz="1600" b="1" dirty="0">
+                <a:solidFill>
+                  <a:srgbClr val="C70000"/>
+                </a:solidFill>
+                <a:latin typeface="Ubuntu"/>
+                <a:sym typeface="Ubuntu"/>
+              </a:rPr>
+              <a:t>删除诊断记录</a:t>
+            </a:r>
+            <a:r>
+              <a:rPr lang="zh-CN" altLang="en-US" sz="1600" dirty="0">
+                <a:sym typeface="Ubuntu"/>
+              </a:rPr>
+              <a:t>、</a:t>
+            </a:r>
+            <a:r>
+              <a:rPr lang="zh-CN" altLang="en-US" sz="1600" b="1" dirty="0">
+                <a:solidFill>
+                  <a:srgbClr val="C70000"/>
+                </a:solidFill>
+                <a:latin typeface="Ubuntu"/>
+                <a:sym typeface="Ubuntu"/>
+              </a:rPr>
+              <a:t>新增 </a:t>
+            </a:r>
+            <a:r>
+              <a:rPr lang="en-US" altLang="zh-CN" sz="1600" b="1" dirty="0">
+                <a:solidFill>
+                  <a:srgbClr val="C70000"/>
+                </a:solidFill>
+                <a:latin typeface="Ubuntu"/>
+                <a:sym typeface="Ubuntu"/>
+              </a:rPr>
+              <a:t>/ </a:t>
+            </a:r>
+            <a:r>
+              <a:rPr lang="zh-CN" altLang="en-US" sz="1600" b="1" dirty="0">
+                <a:solidFill>
+                  <a:srgbClr val="C70000"/>
+                </a:solidFill>
+                <a:latin typeface="Ubuntu"/>
+                <a:sym typeface="Ubuntu"/>
+              </a:rPr>
+              <a:t>删除处方信息</a:t>
+            </a:r>
+            <a:r>
+              <a:rPr lang="zh-CN" altLang="en-US" sz="1600" dirty="0">
+                <a:sym typeface="Ubuntu"/>
+              </a:rPr>
+              <a:t>，及</a:t>
+            </a:r>
+            <a:r>
+              <a:rPr lang="zh-CN" altLang="en-US" sz="1600" b="1" dirty="0">
+                <a:solidFill>
+                  <a:srgbClr val="C70000"/>
+                </a:solidFill>
+                <a:latin typeface="Ubuntu"/>
+                <a:sym typeface="Ubuntu"/>
+              </a:rPr>
+              <a:t>修改患者的所有个人信息</a:t>
+            </a:r>
+            <a:r>
+              <a:rPr lang="zh-CN" altLang="en-US" sz="1600" dirty="0">
+                <a:sym typeface="Ubuntu"/>
+              </a:rPr>
+              <a:t>，包括</a:t>
+            </a:r>
+            <a:r>
+              <a:rPr lang="zh-CN" altLang="en-US" sz="1600" b="1" dirty="0">
+                <a:solidFill>
+                  <a:srgbClr val="C70000"/>
+                </a:solidFill>
+                <a:latin typeface="Ubuntu"/>
+                <a:sym typeface="Ubuntu"/>
+              </a:rPr>
+              <a:t>医院、医生、生日、性别、治愈情况</a:t>
+            </a:r>
+            <a:r>
+              <a:rPr lang="zh-CN" altLang="en-US" sz="1600" dirty="0">
+                <a:sym typeface="Ubuntu"/>
+              </a:rPr>
+              <a:t>等。仅有已登录的用户可以访问本页面并对病患进行修改。</a:t>
+            </a:r>
+          </a:p>
+          <a:p>
+            <a:pPr marL="285750" indent="-285750">
+              <a:lnSpc>
+                <a:spcPct val="150000"/>
+              </a:lnSpc>
+              <a:spcBef>
+                <a:spcPts val="1000"/>
+              </a:spcBef>
+              <a:buSzPct val="100000"/>
+              <a:buFont typeface="Arial"/>
+              <a:buChar char="•"/>
+              <a:defRPr sz="1600">
+                <a:solidFill>
+                  <a:srgbClr val="808080"/>
+                </a:solidFill>
+                <a:latin typeface="Ubuntu"/>
+                <a:ea typeface="Ubuntu"/>
+                <a:cs typeface="Ubuntu"/>
+                <a:sym typeface="Ubuntu"/>
+              </a:defRPr>
+            </a:pPr>
+            <a:endParaRPr lang="zh-CN" altLang="en-US" sz="1600" dirty="0">
+              <a:sym typeface="Ubuntu"/>
+            </a:endParaRPr>
+          </a:p>
+          <a:p>
+            <a:pPr marL="285750" indent="-285750">
+              <a:lnSpc>
+                <a:spcPct val="150000"/>
+              </a:lnSpc>
+              <a:spcBef>
+                <a:spcPts val="1000"/>
+              </a:spcBef>
+              <a:buSzPct val="100000"/>
+              <a:buFont typeface="Arial"/>
+              <a:buChar char="•"/>
+              <a:defRPr sz="1600">
+                <a:solidFill>
+                  <a:srgbClr val="808080"/>
+                </a:solidFill>
+                <a:latin typeface="Ubuntu"/>
+                <a:ea typeface="Ubuntu"/>
+                <a:cs typeface="Ubuntu"/>
+                <a:sym typeface="Ubuntu"/>
+              </a:defRPr>
+            </a:pPr>
+            <a:endParaRPr sz="1200" dirty="0"/>
+          </a:p>
+        </p:txBody>
+      </p:sp>
+      <p:sp>
+        <p:nvSpPr>
+          <p:cNvPr id="149" name="Slide Number Placeholder 21"/>
+          <p:cNvSpPr txBox="1">
+            <a:spLocks noGrp="1"/>
+          </p:cNvSpPr>
+          <p:nvPr>
+            <p:ph type="sldNum" sz="quarter" idx="2"/>
+          </p:nvPr>
+        </p:nvSpPr>
+        <p:spPr>
+          <a:xfrm>
+            <a:off x="11164902" y="6404292"/>
+            <a:ext cx="188898" cy="269241"/>
+          </a:xfrm>
+          <a:prstGeom prst="rect">
+            <a:avLst/>
+          </a:prstGeom>
+          <a:extLst>
+            <a:ext uri="{C572A759-6A51-4108-AA02-DFA0A04FC94B}">
+              <ma14:wrappingTextBoxFlag xmlns:ma14="http://schemas.microsoft.com/office/mac/drawingml/2011/main" xmlns:a14="http://schemas.microsoft.com/office/drawing/2010/main" xmlns:m="http://schemas.openxmlformats.org/officeDocument/2006/math" xmlns="" val="1"/>
+            </a:ext>
+          </a:extLst>
+        </p:spPr>
+        <p:txBody>
+          <a:bodyPr/>
+          <a:lstStyle/>
+          <a:p>
+            <a:fld id="{86CB4B4D-7CA3-9044-876B-883B54F8677D}" type="slidenum">
+              <a:t>13</a:t>
+            </a:fld>
+            <a:endParaRPr/>
+          </a:p>
+        </p:txBody>
+      </p:sp>
+      <p:pic>
+        <p:nvPicPr>
+          <p:cNvPr id="3" name="图片 2">
+            <a:extLst>
+              <a:ext uri="{FF2B5EF4-FFF2-40B4-BE49-F238E27FC236}">
+                <a16:creationId xmlns:a16="http://schemas.microsoft.com/office/drawing/2014/main" id="{EE5E9017-FA83-DD47-BE46-1745DE2C0F9E}"/>
+              </a:ext>
+            </a:extLst>
+          </p:cNvPr>
+          <p:cNvPicPr>
+            <a:picLocks noChangeAspect="1"/>
+          </p:cNvPicPr>
+          <p:nvPr/>
+        </p:nvPicPr>
+        <p:blipFill>
+          <a:blip r:embed="rId5">
+            <a:extLst>
+              <a:ext uri="{28A0092B-C50C-407E-A947-70E740481C1C}">
+                <a14:useLocalDpi xmlns:a14="http://schemas.microsoft.com/office/drawing/2010/main" val="0"/>
+              </a:ext>
+            </a:extLst>
+          </a:blip>
+          <a:stretch>
+            <a:fillRect/>
+          </a:stretch>
+        </p:blipFill>
+        <p:spPr>
+          <a:xfrm>
+            <a:off x="4075242" y="1532648"/>
+            <a:ext cx="7896362" cy="3792704"/>
+          </a:xfrm>
+          <a:prstGeom prst="rect">
+            <a:avLst/>
+          </a:prstGeom>
+        </p:spPr>
+      </p:pic>
+    </p:spTree>
+    <p:extLst>
+      <p:ext uri="{BB962C8B-B14F-4D97-AF65-F5344CB8AC3E}">
+        <p14:creationId xmlns:p14="http://schemas.microsoft.com/office/powerpoint/2010/main" val="574764494"/>
+      </p:ext>
+    </p:extLst>
+  </p:cSld>
+  <p:clrMapOvr>
+    <a:masterClrMapping/>
+  </p:clrMapOvr>
+  <p:transition spd="med"/>
+</p:sld>
+</file>
+
+<file path=ppt/slides/slide14.xml><?xml version="1.0" encoding="utf-8"?>
+<p:sld xmlns:a="http://schemas.openxmlformats.org/drawingml/2006/main" xmlns:r="http://schemas.openxmlformats.org/officeDocument/2006/relationships" xmlns:p="http://schemas.openxmlformats.org/presentationml/2006/main">
+  <p:cSld>
+    <p:spTree>
+      <p:nvGrpSpPr>
+        <p:cNvPr id="1" name=""/>
+        <p:cNvGrpSpPr/>
+        <p:nvPr/>
+      </p:nvGrpSpPr>
+      <p:grpSpPr>
+        <a:xfrm>
+          <a:off x="0" y="0"/>
+          <a:ext cx="0" cy="0"/>
+          <a:chOff x="0" y="0"/>
+          <a:chExt cx="0" cy="0"/>
+        </a:xfrm>
+      </p:grpSpPr>
+      <p:sp>
+        <p:nvSpPr>
+          <p:cNvPr id="143" name="Subtitle 2"/>
+          <p:cNvSpPr txBox="1">
+            <a:spLocks noGrp="1"/>
+          </p:cNvSpPr>
+          <p:nvPr>
+            <p:ph type="body" sz="quarter" idx="1"/>
+          </p:nvPr>
+        </p:nvSpPr>
+        <p:spPr>
+          <a:xfrm>
+            <a:off x="2415668" y="345484"/>
+            <a:ext cx="2865358" cy="586684"/>
+          </a:xfrm>
+          <a:prstGeom prst="rect">
+            <a:avLst/>
+          </a:prstGeom>
+        </p:spPr>
+        <p:txBody>
+          <a:bodyPr/>
+          <a:lstStyle/>
+          <a:p>
+            <a:pPr marL="0" indent="0">
+              <a:lnSpc>
+                <a:spcPts val="600"/>
+              </a:lnSpc>
+              <a:buSzTx/>
+              <a:buNone/>
+              <a:defRPr sz="900">
+                <a:solidFill>
+                  <a:srgbClr val="808080"/>
+                </a:solidFill>
+              </a:defRPr>
+            </a:pPr>
+            <a:r>
+              <a:t>Covid-19 </a:t>
+            </a:r>
+            <a:r>
+              <a:rPr>
+                <a:latin typeface="PingFang HK Regular"/>
+                <a:ea typeface="PingFang HK Regular"/>
+                <a:cs typeface="PingFang HK Regular"/>
+                <a:sym typeface="PingFang HK Regular"/>
+              </a:rPr>
+              <a:t>疫情分析与管理系统</a:t>
+            </a:r>
+          </a:p>
+          <a:p>
+            <a:pPr marL="0" indent="0">
+              <a:lnSpc>
+                <a:spcPts val="600"/>
+              </a:lnSpc>
+              <a:buSzTx/>
+              <a:buNone/>
+              <a:defRPr sz="900">
+                <a:solidFill>
+                  <a:srgbClr val="808080"/>
+                </a:solidFill>
+              </a:defRPr>
+            </a:pPr>
+            <a:r>
+              <a:t>Covid-19 Analysis &amp; Manage System</a:t>
+            </a:r>
+          </a:p>
+        </p:txBody>
+      </p:sp>
+      <p:pic>
+        <p:nvPicPr>
+          <p:cNvPr id="144" name="Graphic 4" descr="Graphic 4"/>
+          <p:cNvPicPr>
+            <a:picLocks noChangeAspect="1"/>
+          </p:cNvPicPr>
+          <p:nvPr/>
+        </p:nvPicPr>
+        <p:blipFill>
+          <a:blip r:embed="rId3"/>
+          <a:stretch>
+            <a:fillRect/>
+          </a:stretch>
+        </p:blipFill>
+        <p:spPr>
+          <a:xfrm>
+            <a:off x="345989" y="276027"/>
+            <a:ext cx="1889039" cy="504906"/>
+          </a:xfrm>
+          <a:prstGeom prst="rect">
+            <a:avLst/>
+          </a:prstGeom>
+          <a:ln w="12700">
+            <a:miter lim="400000"/>
+          </a:ln>
+        </p:spPr>
+      </p:pic>
+      <p:pic>
+        <p:nvPicPr>
+          <p:cNvPr id="145" name="Graphic 13" descr="Graphic 13"/>
+          <p:cNvPicPr>
+            <a:picLocks noChangeAspect="1"/>
+          </p:cNvPicPr>
+          <p:nvPr/>
+        </p:nvPicPr>
+        <p:blipFill>
+          <a:blip r:embed="rId4"/>
+          <a:srcRect r="71261"/>
+          <a:stretch>
+            <a:fillRect/>
+          </a:stretch>
+        </p:blipFill>
+        <p:spPr>
+          <a:xfrm>
+            <a:off x="6873523" y="1571478"/>
+            <a:ext cx="6396165" cy="5948522"/>
+          </a:xfrm>
+          <a:prstGeom prst="rect">
+            <a:avLst/>
+          </a:prstGeom>
+          <a:ln w="12700">
+            <a:miter lim="400000"/>
+          </a:ln>
+        </p:spPr>
+      </p:pic>
+      <p:sp>
+        <p:nvSpPr>
+          <p:cNvPr id="146" name="Subtitle 2"/>
+          <p:cNvSpPr txBox="1"/>
+          <p:nvPr/>
+        </p:nvSpPr>
+        <p:spPr>
+          <a:xfrm>
+            <a:off x="715583" y="1046083"/>
+            <a:ext cx="6719318" cy="923330"/>
+          </a:xfrm>
+          <a:prstGeom prst="rect">
+            <a:avLst/>
+          </a:prstGeom>
+          <a:ln w="12700">
+            <a:miter lim="400000"/>
+          </a:ln>
+          <a:extLst>
+            <a:ext uri="{C572A759-6A51-4108-AA02-DFA0A04FC94B}">
+              <ma14:wrappingTextBoxFlag xmlns:ma14="http://schemas.microsoft.com/office/mac/drawingml/2011/main" xmlns:a14="http://schemas.microsoft.com/office/drawing/2010/main" xmlns:m="http://schemas.openxmlformats.org/officeDocument/2006/math" xmlns="" val="1"/>
+            </a:ext>
+          </a:extLst>
+        </p:spPr>
+        <p:txBody>
+          <a:bodyPr lIns="45719" rIns="45719">
+            <a:spAutoFit/>
+          </a:bodyPr>
+          <a:lstStyle>
+            <a:lvl1pPr>
+              <a:spcBef>
+                <a:spcPts val="1000"/>
+              </a:spcBef>
+              <a:defRPr sz="5400">
+                <a:solidFill>
+                  <a:srgbClr val="C70000"/>
+                </a:solidFill>
+                <a:latin typeface="PingFang HK Semibold"/>
+                <a:ea typeface="PingFang HK Semibold"/>
+                <a:cs typeface="PingFang HK Semibold"/>
+                <a:sym typeface="PingFang HK Semibold"/>
+              </a:defRPr>
+            </a:lvl1pPr>
+          </a:lstStyle>
+          <a:p>
+            <a:r>
+              <a:rPr lang="zh-CN" altLang="en-US" b="1" dirty="0"/>
+              <a:t>病患管理</a:t>
+            </a:r>
+            <a:endParaRPr lang="zh-CN" altLang="en-US" dirty="0"/>
+          </a:p>
+        </p:txBody>
+      </p:sp>
+      <p:sp>
+        <p:nvSpPr>
+          <p:cNvPr id="149" name="Slide Number Placeholder 21"/>
+          <p:cNvSpPr txBox="1">
+            <a:spLocks noGrp="1"/>
+          </p:cNvSpPr>
+          <p:nvPr>
+            <p:ph type="sldNum" sz="quarter" idx="2"/>
+          </p:nvPr>
+        </p:nvSpPr>
+        <p:spPr>
+          <a:xfrm>
+            <a:off x="11164902" y="6404292"/>
+            <a:ext cx="188898" cy="269241"/>
+          </a:xfrm>
+          <a:prstGeom prst="rect">
+            <a:avLst/>
+          </a:prstGeom>
+          <a:extLst>
+            <a:ext uri="{C572A759-6A51-4108-AA02-DFA0A04FC94B}">
+              <ma14:wrappingTextBoxFlag xmlns:ma14="http://schemas.microsoft.com/office/mac/drawingml/2011/main" xmlns:a14="http://schemas.microsoft.com/office/drawing/2010/main" xmlns:m="http://schemas.openxmlformats.org/officeDocument/2006/math" xmlns="" val="1"/>
+            </a:ext>
+          </a:extLst>
+        </p:spPr>
+        <p:txBody>
+          <a:bodyPr/>
+          <a:lstStyle/>
+          <a:p>
+            <a:fld id="{86CB4B4D-7CA3-9044-876B-883B54F8677D}" type="slidenum">
+              <a:t>14</a:t>
+            </a:fld>
+            <a:endParaRPr/>
+          </a:p>
+        </p:txBody>
+      </p:sp>
+      <p:sp>
+        <p:nvSpPr>
+          <p:cNvPr id="9" name="Subtitle 2">
+            <a:extLst>
+              <a:ext uri="{FF2B5EF4-FFF2-40B4-BE49-F238E27FC236}">
+                <a16:creationId xmlns:a16="http://schemas.microsoft.com/office/drawing/2014/main" id="{AA5A568E-8C1F-7D44-BDB5-093E1BB5E528}"/>
+              </a:ext>
+            </a:extLst>
+          </p:cNvPr>
+          <p:cNvSpPr txBox="1"/>
+          <p:nvPr/>
+        </p:nvSpPr>
+        <p:spPr>
+          <a:xfrm>
+            <a:off x="1791658" y="3586502"/>
+            <a:ext cx="6719318" cy="959237"/>
+          </a:xfrm>
+          <a:prstGeom prst="rect">
+            <a:avLst/>
+          </a:prstGeom>
+          <a:ln w="12700">
+            <a:miter lim="400000"/>
+          </a:ln>
+          <a:extLst>
+            <a:ext uri="{C572A759-6A51-4108-AA02-DFA0A04FC94B}">
+              <ma14:wrappingTextBoxFlag xmlns:ma14="http://schemas.microsoft.com/office/mac/drawingml/2011/main" xmlns:a14="http://schemas.microsoft.com/office/drawing/2010/main" xmlns:m="http://schemas.openxmlformats.org/officeDocument/2006/math" xmlns="" val="1"/>
+            </a:ext>
+          </a:extLst>
+        </p:spPr>
+        <p:txBody>
+          <a:bodyPr lIns="45719" rIns="45719">
+            <a:spAutoFit/>
+          </a:bodyPr>
+          <a:lstStyle>
+            <a:lvl1pPr>
+              <a:spcBef>
+                <a:spcPts val="1000"/>
+              </a:spcBef>
+              <a:defRPr sz="2400">
+                <a:solidFill>
+                  <a:srgbClr val="808080"/>
+                </a:solidFill>
+                <a:latin typeface="PingFang HK Semibold"/>
+                <a:ea typeface="PingFang HK Semibold"/>
+                <a:cs typeface="PingFang HK Semibold"/>
+                <a:sym typeface="PingFang HK Semibold"/>
+              </a:defRPr>
+            </a:lvl1pPr>
+          </a:lstStyle>
+          <a:p>
+            <a:pPr>
+              <a:defRPr b="1">
+                <a:latin typeface="Ubuntu"/>
+                <a:ea typeface="Ubuntu"/>
+                <a:cs typeface="Ubuntu"/>
+                <a:sym typeface="Ubuntu"/>
+              </a:defRPr>
+            </a:pPr>
+            <a:r>
+              <a:rPr lang="zh-CN" altLang="en-US" dirty="0">
+                <a:sym typeface="Ubuntu"/>
+              </a:rPr>
+              <a:t>新增诊断</a:t>
+            </a:r>
+          </a:p>
+          <a:p>
+            <a:pPr>
+              <a:defRPr b="1">
+                <a:latin typeface="Ubuntu"/>
+                <a:ea typeface="Ubuntu"/>
+                <a:cs typeface="Ubuntu"/>
+                <a:sym typeface="Ubuntu"/>
+              </a:defRPr>
+            </a:pPr>
+            <a:endParaRPr b="0" dirty="0">
+              <a:latin typeface="PingFang HK Semibold"/>
+              <a:ea typeface="PingFang HK Semibold"/>
+              <a:cs typeface="PingFang HK Semibold"/>
+              <a:sym typeface="PingFang HK Semibold"/>
+            </a:endParaRPr>
+          </a:p>
+        </p:txBody>
+      </p:sp>
+      <p:pic>
+        <p:nvPicPr>
+          <p:cNvPr id="4" name="图片 3">
+            <a:extLst>
+              <a:ext uri="{FF2B5EF4-FFF2-40B4-BE49-F238E27FC236}">
+                <a16:creationId xmlns:a16="http://schemas.microsoft.com/office/drawing/2014/main" id="{4D5B7A31-7345-FF4D-B69A-FE0732317901}"/>
+              </a:ext>
+            </a:extLst>
+          </p:cNvPr>
+          <p:cNvPicPr>
+            <a:picLocks noChangeAspect="1"/>
+          </p:cNvPicPr>
+          <p:nvPr/>
+        </p:nvPicPr>
+        <p:blipFill>
+          <a:blip r:embed="rId5">
+            <a:extLst>
+              <a:ext uri="{28A0092B-C50C-407E-A947-70E740481C1C}">
+                <a14:useLocalDpi xmlns:a14="http://schemas.microsoft.com/office/drawing/2010/main" val="0"/>
+              </a:ext>
+            </a:extLst>
+          </a:blip>
+          <a:stretch>
+            <a:fillRect/>
+          </a:stretch>
+        </p:blipFill>
+        <p:spPr>
+          <a:xfrm>
+            <a:off x="4646859" y="706754"/>
+            <a:ext cx="7311545" cy="5966779"/>
+          </a:xfrm>
+          <a:prstGeom prst="rect">
+            <a:avLst/>
+          </a:prstGeom>
+        </p:spPr>
+      </p:pic>
+    </p:spTree>
+    <p:extLst>
+      <p:ext uri="{BB962C8B-B14F-4D97-AF65-F5344CB8AC3E}">
+        <p14:creationId xmlns:p14="http://schemas.microsoft.com/office/powerpoint/2010/main" val="3356259617"/>
+      </p:ext>
+    </p:extLst>
+  </p:cSld>
+  <p:clrMapOvr>
+    <a:masterClrMapping/>
+  </p:clrMapOvr>
+  <p:transition spd="med"/>
+</p:sld>
+</file>
+
+<file path=ppt/slides/slide15.xml><?xml version="1.0" encoding="utf-8"?>
+<p:sld xmlns:a="http://schemas.openxmlformats.org/drawingml/2006/main" xmlns:r="http://schemas.openxmlformats.org/officeDocument/2006/relationships" xmlns:p="http://schemas.openxmlformats.org/presentationml/2006/main">
+  <p:cSld>
+    <p:spTree>
+      <p:nvGrpSpPr>
+        <p:cNvPr id="1" name=""/>
+        <p:cNvGrpSpPr/>
+        <p:nvPr/>
+      </p:nvGrpSpPr>
+      <p:grpSpPr>
+        <a:xfrm>
+          <a:off x="0" y="0"/>
+          <a:ext cx="0" cy="0"/>
+          <a:chOff x="0" y="0"/>
+          <a:chExt cx="0" cy="0"/>
+        </a:xfrm>
+      </p:grpSpPr>
+      <p:sp>
+        <p:nvSpPr>
+          <p:cNvPr id="143" name="Subtitle 2"/>
+          <p:cNvSpPr txBox="1">
+            <a:spLocks noGrp="1"/>
+          </p:cNvSpPr>
+          <p:nvPr>
+            <p:ph type="body" sz="quarter" idx="1"/>
+          </p:nvPr>
+        </p:nvSpPr>
+        <p:spPr>
+          <a:xfrm>
+            <a:off x="2415668" y="345484"/>
+            <a:ext cx="2865358" cy="586684"/>
+          </a:xfrm>
+          <a:prstGeom prst="rect">
+            <a:avLst/>
+          </a:prstGeom>
+        </p:spPr>
+        <p:txBody>
+          <a:bodyPr/>
+          <a:lstStyle/>
+          <a:p>
+            <a:pPr marL="0" indent="0">
+              <a:lnSpc>
+                <a:spcPts val="600"/>
+              </a:lnSpc>
+              <a:buSzTx/>
+              <a:buNone/>
+              <a:defRPr sz="900">
+                <a:solidFill>
+                  <a:srgbClr val="808080"/>
+                </a:solidFill>
+              </a:defRPr>
+            </a:pPr>
+            <a:r>
+              <a:t>Covid-19 </a:t>
+            </a:r>
+            <a:r>
+              <a:rPr>
+                <a:latin typeface="PingFang HK Regular"/>
+                <a:ea typeface="PingFang HK Regular"/>
+                <a:cs typeface="PingFang HK Regular"/>
+                <a:sym typeface="PingFang HK Regular"/>
+              </a:rPr>
+              <a:t>疫情分析与管理系统</a:t>
+            </a:r>
+          </a:p>
+          <a:p>
+            <a:pPr marL="0" indent="0">
+              <a:lnSpc>
+                <a:spcPts val="600"/>
+              </a:lnSpc>
+              <a:buSzTx/>
+              <a:buNone/>
+              <a:defRPr sz="900">
+                <a:solidFill>
+                  <a:srgbClr val="808080"/>
+                </a:solidFill>
+              </a:defRPr>
+            </a:pPr>
+            <a:r>
+              <a:t>Covid-19 Analysis &amp; Manage System</a:t>
+            </a:r>
+          </a:p>
+        </p:txBody>
+      </p:sp>
+      <p:pic>
+        <p:nvPicPr>
+          <p:cNvPr id="144" name="Graphic 4" descr="Graphic 4"/>
+          <p:cNvPicPr>
+            <a:picLocks noChangeAspect="1"/>
+          </p:cNvPicPr>
+          <p:nvPr/>
+        </p:nvPicPr>
+        <p:blipFill>
+          <a:blip r:embed="rId3"/>
+          <a:stretch>
+            <a:fillRect/>
+          </a:stretch>
+        </p:blipFill>
+        <p:spPr>
+          <a:xfrm>
+            <a:off x="345989" y="276027"/>
+            <a:ext cx="1889039" cy="504906"/>
+          </a:xfrm>
+          <a:prstGeom prst="rect">
+            <a:avLst/>
+          </a:prstGeom>
+          <a:ln w="12700">
+            <a:miter lim="400000"/>
+          </a:ln>
+        </p:spPr>
+      </p:pic>
+      <p:pic>
+        <p:nvPicPr>
+          <p:cNvPr id="145" name="Graphic 13" descr="Graphic 13"/>
+          <p:cNvPicPr>
+            <a:picLocks noChangeAspect="1"/>
+          </p:cNvPicPr>
+          <p:nvPr/>
+        </p:nvPicPr>
+        <p:blipFill>
+          <a:blip r:embed="rId4"/>
+          <a:srcRect r="71261"/>
+          <a:stretch>
+            <a:fillRect/>
+          </a:stretch>
+        </p:blipFill>
+        <p:spPr>
+          <a:xfrm>
+            <a:off x="6873523" y="1571478"/>
+            <a:ext cx="6396165" cy="5948522"/>
+          </a:xfrm>
+          <a:prstGeom prst="rect">
+            <a:avLst/>
+          </a:prstGeom>
+          <a:ln w="12700">
+            <a:miter lim="400000"/>
+          </a:ln>
+        </p:spPr>
+      </p:pic>
+      <p:sp>
+        <p:nvSpPr>
+          <p:cNvPr id="146" name="Subtitle 2"/>
+          <p:cNvSpPr txBox="1"/>
+          <p:nvPr/>
+        </p:nvSpPr>
+        <p:spPr>
+          <a:xfrm>
+            <a:off x="715583" y="1046083"/>
+            <a:ext cx="6719318" cy="923330"/>
+          </a:xfrm>
+          <a:prstGeom prst="rect">
+            <a:avLst/>
+          </a:prstGeom>
+          <a:ln w="12700">
+            <a:miter lim="400000"/>
+          </a:ln>
+          <a:extLst>
+            <a:ext uri="{C572A759-6A51-4108-AA02-DFA0A04FC94B}">
+              <ma14:wrappingTextBoxFlag xmlns:ma14="http://schemas.microsoft.com/office/mac/drawingml/2011/main" xmlns:a14="http://schemas.microsoft.com/office/drawing/2010/main" xmlns:m="http://schemas.openxmlformats.org/officeDocument/2006/math" xmlns="" val="1"/>
+            </a:ext>
+          </a:extLst>
+        </p:spPr>
+        <p:txBody>
+          <a:bodyPr lIns="45719" rIns="45719">
+            <a:spAutoFit/>
+          </a:bodyPr>
+          <a:lstStyle>
+            <a:lvl1pPr>
+              <a:spcBef>
+                <a:spcPts val="1000"/>
+              </a:spcBef>
+              <a:defRPr sz="5400">
+                <a:solidFill>
+                  <a:srgbClr val="C70000"/>
+                </a:solidFill>
+                <a:latin typeface="PingFang HK Semibold"/>
+                <a:ea typeface="PingFang HK Semibold"/>
+                <a:cs typeface="PingFang HK Semibold"/>
+                <a:sym typeface="PingFang HK Semibold"/>
+              </a:defRPr>
+            </a:lvl1pPr>
+          </a:lstStyle>
+          <a:p>
+            <a:r>
+              <a:rPr lang="zh-CN" altLang="en-US" b="1" dirty="0"/>
+              <a:t>病患管理</a:t>
+            </a:r>
+            <a:endParaRPr lang="zh-CN" altLang="en-US" dirty="0"/>
+          </a:p>
+        </p:txBody>
+      </p:sp>
+      <p:sp>
+        <p:nvSpPr>
+          <p:cNvPr id="149" name="Slide Number Placeholder 21"/>
+          <p:cNvSpPr txBox="1">
+            <a:spLocks noGrp="1"/>
+          </p:cNvSpPr>
+          <p:nvPr>
+            <p:ph type="sldNum" sz="quarter" idx="2"/>
+          </p:nvPr>
+        </p:nvSpPr>
+        <p:spPr>
+          <a:xfrm>
+            <a:off x="11164902" y="6404292"/>
+            <a:ext cx="188898" cy="269241"/>
+          </a:xfrm>
+          <a:prstGeom prst="rect">
+            <a:avLst/>
+          </a:prstGeom>
+          <a:extLst>
+            <a:ext uri="{C572A759-6A51-4108-AA02-DFA0A04FC94B}">
+              <ma14:wrappingTextBoxFlag xmlns:ma14="http://schemas.microsoft.com/office/mac/drawingml/2011/main" xmlns:a14="http://schemas.microsoft.com/office/drawing/2010/main" xmlns:m="http://schemas.openxmlformats.org/officeDocument/2006/math" xmlns="" val="1"/>
+            </a:ext>
+          </a:extLst>
+        </p:spPr>
+        <p:txBody>
+          <a:bodyPr/>
+          <a:lstStyle/>
+          <a:p>
+            <a:fld id="{86CB4B4D-7CA3-9044-876B-883B54F8677D}" type="slidenum">
+              <a:t>15</a:t>
+            </a:fld>
+            <a:endParaRPr/>
+          </a:p>
+        </p:txBody>
+      </p:sp>
+      <p:sp>
+        <p:nvSpPr>
+          <p:cNvPr id="9" name="Subtitle 2">
+            <a:extLst>
+              <a:ext uri="{FF2B5EF4-FFF2-40B4-BE49-F238E27FC236}">
+                <a16:creationId xmlns:a16="http://schemas.microsoft.com/office/drawing/2014/main" id="{AA5A568E-8C1F-7D44-BDB5-093E1BB5E528}"/>
+              </a:ext>
+            </a:extLst>
+          </p:cNvPr>
+          <p:cNvSpPr txBox="1"/>
+          <p:nvPr/>
+        </p:nvSpPr>
+        <p:spPr>
+          <a:xfrm>
+            <a:off x="1791658" y="3586502"/>
+            <a:ext cx="6719318" cy="959237"/>
+          </a:xfrm>
+          <a:prstGeom prst="rect">
+            <a:avLst/>
+          </a:prstGeom>
+          <a:ln w="12700">
+            <a:miter lim="400000"/>
+          </a:ln>
+          <a:extLst>
+            <a:ext uri="{C572A759-6A51-4108-AA02-DFA0A04FC94B}">
+              <ma14:wrappingTextBoxFlag xmlns:ma14="http://schemas.microsoft.com/office/mac/drawingml/2011/main" xmlns:a14="http://schemas.microsoft.com/office/drawing/2010/main" xmlns:m="http://schemas.openxmlformats.org/officeDocument/2006/math" xmlns="" val="1"/>
+            </a:ext>
+          </a:extLst>
+        </p:spPr>
+        <p:txBody>
+          <a:bodyPr lIns="45719" rIns="45719">
+            <a:spAutoFit/>
+          </a:bodyPr>
+          <a:lstStyle>
+            <a:lvl1pPr>
+              <a:spcBef>
+                <a:spcPts val="1000"/>
+              </a:spcBef>
+              <a:defRPr sz="2400">
+                <a:solidFill>
+                  <a:srgbClr val="808080"/>
+                </a:solidFill>
+                <a:latin typeface="PingFang HK Semibold"/>
+                <a:ea typeface="PingFang HK Semibold"/>
+                <a:cs typeface="PingFang HK Semibold"/>
+                <a:sym typeface="PingFang HK Semibold"/>
+              </a:defRPr>
+            </a:lvl1pPr>
+          </a:lstStyle>
+          <a:p>
+            <a:pPr>
+              <a:defRPr b="1">
+                <a:latin typeface="Ubuntu"/>
+                <a:ea typeface="Ubuntu"/>
+                <a:cs typeface="Ubuntu"/>
+                <a:sym typeface="Ubuntu"/>
+              </a:defRPr>
+            </a:pPr>
+            <a:r>
+              <a:rPr lang="zh-CN" altLang="en-US" dirty="0">
+                <a:sym typeface="Ubuntu"/>
+              </a:rPr>
+              <a:t>新增处方</a:t>
+            </a:r>
+          </a:p>
+          <a:p>
+            <a:pPr>
+              <a:defRPr b="1">
+                <a:latin typeface="Ubuntu"/>
+                <a:ea typeface="Ubuntu"/>
+                <a:cs typeface="Ubuntu"/>
+                <a:sym typeface="Ubuntu"/>
+              </a:defRPr>
+            </a:pPr>
+            <a:endParaRPr b="0" dirty="0">
+              <a:latin typeface="PingFang HK Semibold"/>
+              <a:ea typeface="PingFang HK Semibold"/>
+              <a:cs typeface="PingFang HK Semibold"/>
+              <a:sym typeface="PingFang HK Semibold"/>
+            </a:endParaRPr>
+          </a:p>
+        </p:txBody>
+      </p:sp>
+      <p:pic>
+        <p:nvPicPr>
+          <p:cNvPr id="3" name="图片 2">
+            <a:extLst>
+              <a:ext uri="{FF2B5EF4-FFF2-40B4-BE49-F238E27FC236}">
+                <a16:creationId xmlns:a16="http://schemas.microsoft.com/office/drawing/2014/main" id="{43E5E70F-5A44-AA4D-BF70-55FC9DF03F6C}"/>
+              </a:ext>
+            </a:extLst>
+          </p:cNvPr>
+          <p:cNvPicPr>
+            <a:picLocks noChangeAspect="1"/>
+          </p:cNvPicPr>
+          <p:nvPr/>
+        </p:nvPicPr>
+        <p:blipFill>
+          <a:blip r:embed="rId5">
+            <a:extLst>
+              <a:ext uri="{28A0092B-C50C-407E-A947-70E740481C1C}">
+                <a14:useLocalDpi xmlns:a14="http://schemas.microsoft.com/office/drawing/2010/main" val="0"/>
+              </a:ext>
+            </a:extLst>
+          </a:blip>
+          <a:stretch>
+            <a:fillRect/>
+          </a:stretch>
+        </p:blipFill>
+        <p:spPr>
+          <a:xfrm>
+            <a:off x="4075242" y="780933"/>
+            <a:ext cx="7278558" cy="5491003"/>
+          </a:xfrm>
+          <a:prstGeom prst="rect">
+            <a:avLst/>
+          </a:prstGeom>
+        </p:spPr>
+      </p:pic>
+    </p:spTree>
+    <p:extLst>
+      <p:ext uri="{BB962C8B-B14F-4D97-AF65-F5344CB8AC3E}">
+        <p14:creationId xmlns:p14="http://schemas.microsoft.com/office/powerpoint/2010/main" val="3580679390"/>
+      </p:ext>
+    </p:extLst>
+  </p:cSld>
+  <p:clrMapOvr>
+    <a:masterClrMapping/>
+  </p:clrMapOvr>
+  <p:transition spd="med"/>
+</p:sld>
+</file>
+
+<file path=ppt/slides/slide16.xml><?xml version="1.0" encoding="utf-8"?>
+<p:sld xmlns:a="http://schemas.openxmlformats.org/drawingml/2006/main" xmlns:r="http://schemas.openxmlformats.org/officeDocument/2006/relationships" xmlns:p="http://schemas.openxmlformats.org/presentationml/2006/main">
+  <p:cSld>
+    <p:spTree>
+      <p:nvGrpSpPr>
+        <p:cNvPr id="1" name=""/>
+        <p:cNvGrpSpPr/>
+        <p:nvPr/>
+      </p:nvGrpSpPr>
+      <p:grpSpPr>
+        <a:xfrm>
+          <a:off x="0" y="0"/>
+          <a:ext cx="0" cy="0"/>
+          <a:chOff x="0" y="0"/>
+          <a:chExt cx="0" cy="0"/>
+        </a:xfrm>
+      </p:grpSpPr>
+      <p:sp>
+        <p:nvSpPr>
+          <p:cNvPr id="107" name="Subtitle 2"/>
+          <p:cNvSpPr txBox="1">
+            <a:spLocks noGrp="1"/>
+          </p:cNvSpPr>
+          <p:nvPr>
+            <p:ph type="body" sz="quarter" idx="1"/>
+          </p:nvPr>
+        </p:nvSpPr>
+        <p:spPr>
+          <a:xfrm>
+            <a:off x="2415668" y="345484"/>
+            <a:ext cx="2865358" cy="586684"/>
+          </a:xfrm>
+          <a:prstGeom prst="rect">
+            <a:avLst/>
+          </a:prstGeom>
+        </p:spPr>
+        <p:txBody>
+          <a:bodyPr/>
+          <a:lstStyle/>
+          <a:p>
+            <a:pPr marL="0" indent="0">
+              <a:lnSpc>
+                <a:spcPts val="600"/>
+              </a:lnSpc>
+              <a:buSzTx/>
+              <a:buNone/>
+              <a:defRPr sz="900">
+                <a:solidFill>
+                  <a:srgbClr val="808080"/>
+                </a:solidFill>
+              </a:defRPr>
+            </a:pPr>
+            <a:r>
+              <a:t>Covid-19 </a:t>
+            </a:r>
+            <a:r>
+              <a:rPr>
+                <a:latin typeface="PingFang HK Regular"/>
+                <a:ea typeface="PingFang HK Regular"/>
+                <a:cs typeface="PingFang HK Regular"/>
+                <a:sym typeface="PingFang HK Regular"/>
+              </a:rPr>
+              <a:t>疫情分析与管理系统</a:t>
+            </a:r>
+          </a:p>
+          <a:p>
+            <a:pPr marL="0" indent="0">
+              <a:lnSpc>
+                <a:spcPts val="600"/>
+              </a:lnSpc>
+              <a:buSzTx/>
+              <a:buNone/>
+              <a:defRPr sz="900">
+                <a:solidFill>
+                  <a:srgbClr val="808080"/>
+                </a:solidFill>
+              </a:defRPr>
+            </a:pPr>
+            <a:r>
+              <a:t>Covid-19 Analysis &amp; Manage System</a:t>
+            </a:r>
+          </a:p>
+        </p:txBody>
+      </p:sp>
+      <p:pic>
+        <p:nvPicPr>
+          <p:cNvPr id="108" name="Graphic 4" descr="Graphic 4"/>
+          <p:cNvPicPr>
+            <a:picLocks noChangeAspect="1"/>
+          </p:cNvPicPr>
+          <p:nvPr/>
+        </p:nvPicPr>
+        <p:blipFill>
+          <a:blip r:embed="rId2"/>
+          <a:stretch>
+            <a:fillRect/>
+          </a:stretch>
+        </p:blipFill>
+        <p:spPr>
+          <a:xfrm>
+            <a:off x="345989" y="276027"/>
+            <a:ext cx="1889039" cy="504906"/>
+          </a:xfrm>
+          <a:prstGeom prst="rect">
+            <a:avLst/>
+          </a:prstGeom>
+          <a:ln w="12700">
+            <a:miter lim="400000"/>
+          </a:ln>
+        </p:spPr>
+      </p:pic>
+      <p:pic>
+        <p:nvPicPr>
+          <p:cNvPr id="109" name="Graphic 13" descr="Graphic 13"/>
+          <p:cNvPicPr>
+            <a:picLocks noChangeAspect="1"/>
+          </p:cNvPicPr>
+          <p:nvPr/>
+        </p:nvPicPr>
+        <p:blipFill>
+          <a:blip r:embed="rId3"/>
+          <a:srcRect r="71261"/>
+          <a:stretch>
+            <a:fillRect/>
+          </a:stretch>
+        </p:blipFill>
+        <p:spPr>
+          <a:xfrm>
+            <a:off x="6873523" y="1571478"/>
+            <a:ext cx="6396165" cy="5948522"/>
+          </a:xfrm>
+          <a:prstGeom prst="rect">
+            <a:avLst/>
+          </a:prstGeom>
+          <a:ln w="12700">
+            <a:miter lim="400000"/>
+          </a:ln>
+        </p:spPr>
+      </p:pic>
+      <p:sp>
+        <p:nvSpPr>
+          <p:cNvPr id="110" name="Subtitle 2"/>
+          <p:cNvSpPr txBox="1"/>
+          <p:nvPr/>
+        </p:nvSpPr>
+        <p:spPr>
+          <a:xfrm>
+            <a:off x="715583" y="1046083"/>
+            <a:ext cx="6719318" cy="923330"/>
+          </a:xfrm>
+          <a:prstGeom prst="rect">
+            <a:avLst/>
+          </a:prstGeom>
+          <a:ln w="12700">
+            <a:miter lim="400000"/>
+          </a:ln>
+          <a:extLst>
+            <a:ext uri="{C572A759-6A51-4108-AA02-DFA0A04FC94B}">
+              <ma14:wrappingTextBoxFlag xmlns:ma14="http://schemas.microsoft.com/office/mac/drawingml/2011/main" xmlns:a14="http://schemas.microsoft.com/office/drawing/2010/main" xmlns:m="http://schemas.openxmlformats.org/officeDocument/2006/math" xmlns="" val="1"/>
+            </a:ext>
+          </a:extLst>
+        </p:spPr>
+        <p:txBody>
+          <a:bodyPr lIns="45719" rIns="45719">
+            <a:spAutoFit/>
+          </a:bodyPr>
+          <a:lstStyle>
+            <a:lvl1pPr>
+              <a:spcBef>
+                <a:spcPts val="1000"/>
+              </a:spcBef>
+              <a:defRPr sz="5400">
+                <a:solidFill>
+                  <a:srgbClr val="C70000"/>
+                </a:solidFill>
+                <a:latin typeface="PingFang HK Semibold"/>
+                <a:ea typeface="PingFang HK Semibold"/>
+                <a:cs typeface="PingFang HK Semibold"/>
+                <a:sym typeface="PingFang HK Semibold"/>
+              </a:defRPr>
+            </a:lvl1pPr>
+          </a:lstStyle>
+          <a:p>
+            <a:pPr>
+              <a:defRPr b="1">
+                <a:latin typeface="Ubuntu"/>
+                <a:ea typeface="Ubuntu"/>
+                <a:cs typeface="Ubuntu"/>
+                <a:sym typeface="Ubuntu"/>
+              </a:defRPr>
+            </a:pPr>
+            <a:r>
+              <a:rPr lang="zh-CN" altLang="en-US" dirty="0"/>
+              <a:t>技术架构</a:t>
+            </a:r>
+            <a:endParaRPr b="0" dirty="0">
+              <a:latin typeface="PingFang HK Semibold"/>
+              <a:ea typeface="PingFang HK Semibold"/>
+              <a:cs typeface="PingFang HK Semibold"/>
+              <a:sym typeface="PingFang HK Semibold"/>
+            </a:endParaRPr>
+          </a:p>
+        </p:txBody>
+      </p:sp>
+      <p:sp>
+        <p:nvSpPr>
+          <p:cNvPr id="111" name="Subtitle 2"/>
+          <p:cNvSpPr txBox="1"/>
+          <p:nvPr/>
+        </p:nvSpPr>
+        <p:spPr>
+          <a:xfrm>
+            <a:off x="715583" y="2246829"/>
+            <a:ext cx="6719318" cy="1916166"/>
+          </a:xfrm>
+          <a:prstGeom prst="rect">
+            <a:avLst/>
+          </a:prstGeom>
+          <a:ln w="12700">
+            <a:miter lim="400000"/>
+          </a:ln>
+          <a:extLst>
+            <a:ext uri="{C572A759-6A51-4108-AA02-DFA0A04FC94B}">
+              <ma14:wrappingTextBoxFlag xmlns:ma14="http://schemas.microsoft.com/office/mac/drawingml/2011/main" xmlns:a14="http://schemas.microsoft.com/office/drawing/2010/main" xmlns:m="http://schemas.openxmlformats.org/officeDocument/2006/math" xmlns="" val="1"/>
+            </a:ext>
+          </a:extLst>
+        </p:spPr>
+        <p:txBody>
+          <a:bodyPr lIns="45719" rIns="45719">
+            <a:spAutoFit/>
+          </a:bodyPr>
+          <a:lstStyle/>
+          <a:p>
+            <a:pPr marL="285750" indent="-285750">
+              <a:lnSpc>
+                <a:spcPct val="150000"/>
+              </a:lnSpc>
+              <a:spcBef>
+                <a:spcPts val="1000"/>
+              </a:spcBef>
+              <a:buSzPct val="100000"/>
+              <a:buFont typeface="Arial"/>
+              <a:buChar char="•"/>
+              <a:defRPr sz="1600">
+                <a:solidFill>
+                  <a:srgbClr val="808080"/>
+                </a:solidFill>
+                <a:latin typeface="Ubuntu"/>
+                <a:ea typeface="Ubuntu"/>
+                <a:cs typeface="Ubuntu"/>
+                <a:sym typeface="Ubuntu"/>
+              </a:defRPr>
+            </a:pPr>
+            <a:r>
+              <a:rPr lang="en-US" altLang="zh-CN" dirty="0"/>
+              <a:t>222</a:t>
+            </a:r>
+          </a:p>
+          <a:p>
+            <a:pPr marL="285750" indent="-285750">
+              <a:lnSpc>
+                <a:spcPct val="150000"/>
+              </a:lnSpc>
+              <a:spcBef>
+                <a:spcPts val="1000"/>
+              </a:spcBef>
+              <a:buSzPct val="100000"/>
+              <a:buFont typeface="Arial"/>
+              <a:buChar char="•"/>
+              <a:defRPr sz="1600">
+                <a:solidFill>
+                  <a:srgbClr val="808080"/>
+                </a:solidFill>
+                <a:latin typeface="Ubuntu"/>
+                <a:ea typeface="Ubuntu"/>
+                <a:cs typeface="Ubuntu"/>
+                <a:sym typeface="Ubuntu"/>
+              </a:defRPr>
+            </a:pPr>
+            <a:r>
+              <a:rPr lang="en-US" altLang="zh-CN" dirty="0"/>
+              <a:t>333</a:t>
+            </a:r>
+          </a:p>
+          <a:p>
+            <a:pPr marL="285750" indent="-285750">
+              <a:lnSpc>
+                <a:spcPct val="150000"/>
+              </a:lnSpc>
+              <a:spcBef>
+                <a:spcPts val="1000"/>
+              </a:spcBef>
+              <a:buSzPct val="100000"/>
+              <a:buFont typeface="Arial"/>
+              <a:buChar char="•"/>
+              <a:defRPr sz="1600">
+                <a:solidFill>
+                  <a:srgbClr val="808080"/>
+                </a:solidFill>
+                <a:latin typeface="Ubuntu"/>
+                <a:ea typeface="Ubuntu"/>
+                <a:cs typeface="Ubuntu"/>
+                <a:sym typeface="Ubuntu"/>
+              </a:defRPr>
+            </a:pPr>
+            <a:r>
+              <a:rPr lang="en-US" altLang="zh-CN" dirty="0"/>
+              <a:t>44</a:t>
+            </a:r>
+          </a:p>
+          <a:p>
+            <a:pPr marL="285750" indent="-285750">
+              <a:lnSpc>
+                <a:spcPct val="150000"/>
+              </a:lnSpc>
+              <a:spcBef>
+                <a:spcPts val="1000"/>
+              </a:spcBef>
+              <a:buSzPct val="100000"/>
+              <a:buFont typeface="Arial"/>
+              <a:buChar char="•"/>
+              <a:defRPr sz="1600">
+                <a:solidFill>
+                  <a:srgbClr val="808080"/>
+                </a:solidFill>
+                <a:latin typeface="Ubuntu"/>
+                <a:ea typeface="Ubuntu"/>
+                <a:cs typeface="Ubuntu"/>
+                <a:sym typeface="Ubuntu"/>
+              </a:defRPr>
+            </a:pPr>
+            <a:endParaRPr dirty="0"/>
+          </a:p>
+        </p:txBody>
+      </p:sp>
+      <p:sp>
+        <p:nvSpPr>
+          <p:cNvPr id="113" name="Slide Number Placeholder 21"/>
+          <p:cNvSpPr txBox="1">
+            <a:spLocks noGrp="1"/>
+          </p:cNvSpPr>
+          <p:nvPr>
+            <p:ph type="sldNum" sz="quarter" idx="2"/>
+          </p:nvPr>
+        </p:nvSpPr>
+        <p:spPr>
+          <a:xfrm>
+            <a:off x="11164902" y="6404292"/>
+            <a:ext cx="188898" cy="269241"/>
+          </a:xfrm>
+          <a:prstGeom prst="rect">
+            <a:avLst/>
+          </a:prstGeom>
+          <a:extLst>
+            <a:ext uri="{C572A759-6A51-4108-AA02-DFA0A04FC94B}">
+              <ma14:wrappingTextBoxFlag xmlns:ma14="http://schemas.microsoft.com/office/mac/drawingml/2011/main" xmlns:a14="http://schemas.microsoft.com/office/drawing/2010/main" xmlns:m="http://schemas.openxmlformats.org/officeDocument/2006/math" xmlns="" val="1"/>
+            </a:ext>
+          </a:extLst>
+        </p:spPr>
+        <p:txBody>
+          <a:bodyPr/>
+          <a:lstStyle/>
+          <a:p>
+            <a:fld id="{86CB4B4D-7CA3-9044-876B-883B54F8677D}" type="slidenum">
+              <a:t>16</a:t>
+            </a:fld>
+            <a:endParaRPr/>
+          </a:p>
+        </p:txBody>
+      </p:sp>
+    </p:spTree>
+    <p:extLst>
+      <p:ext uri="{BB962C8B-B14F-4D97-AF65-F5344CB8AC3E}">
+        <p14:creationId xmlns:p14="http://schemas.microsoft.com/office/powerpoint/2010/main" val="388458492"/>
+      </p:ext>
+    </p:extLst>
+  </p:cSld>
+  <p:clrMapOvr>
+    <a:masterClrMapping/>
+  </p:clrMapOvr>
+  <p:transition spd="med"/>
+</p:sld>
+</file>
+
+<file path=ppt/slides/slide17.xml><?xml version="1.0" encoding="utf-8"?>
+<p:sld xmlns:a="http://schemas.openxmlformats.org/drawingml/2006/main" xmlns:r="http://schemas.openxmlformats.org/officeDocument/2006/relationships" xmlns:p="http://schemas.openxmlformats.org/presentationml/2006/main">
+  <p:cSld>
+    <p:spTree>
+      <p:nvGrpSpPr>
+        <p:cNvPr id="1" name=""/>
+        <p:cNvGrpSpPr/>
+        <p:nvPr/>
+      </p:nvGrpSpPr>
+      <p:grpSpPr>
+        <a:xfrm>
+          <a:off x="0" y="0"/>
+          <a:ext cx="0" cy="0"/>
+          <a:chOff x="0" y="0"/>
+          <a:chExt cx="0" cy="0"/>
+        </a:xfrm>
+      </p:grpSpPr>
+      <p:sp>
+        <p:nvSpPr>
+          <p:cNvPr id="107" name="Subtitle 2"/>
+          <p:cNvSpPr txBox="1">
+            <a:spLocks noGrp="1"/>
+          </p:cNvSpPr>
+          <p:nvPr>
+            <p:ph type="body" sz="quarter" idx="1"/>
+          </p:nvPr>
+        </p:nvSpPr>
+        <p:spPr>
+          <a:xfrm>
+            <a:off x="2415668" y="345484"/>
+            <a:ext cx="2865358" cy="586684"/>
+          </a:xfrm>
+          <a:prstGeom prst="rect">
+            <a:avLst/>
+          </a:prstGeom>
+        </p:spPr>
+        <p:txBody>
+          <a:bodyPr/>
+          <a:lstStyle/>
+          <a:p>
+            <a:pPr marL="0" indent="0">
+              <a:lnSpc>
+                <a:spcPts val="600"/>
+              </a:lnSpc>
+              <a:buSzTx/>
+              <a:buNone/>
+              <a:defRPr sz="900">
+                <a:solidFill>
+                  <a:srgbClr val="808080"/>
+                </a:solidFill>
+              </a:defRPr>
+            </a:pPr>
+            <a:r>
+              <a:t>Covid-19 </a:t>
+            </a:r>
+            <a:r>
+              <a:rPr>
+                <a:latin typeface="PingFang HK Regular"/>
+                <a:ea typeface="PingFang HK Regular"/>
+                <a:cs typeface="PingFang HK Regular"/>
+                <a:sym typeface="PingFang HK Regular"/>
+              </a:rPr>
+              <a:t>疫情分析与管理系统</a:t>
+            </a:r>
+          </a:p>
+          <a:p>
+            <a:pPr marL="0" indent="0">
+              <a:lnSpc>
+                <a:spcPts val="600"/>
+              </a:lnSpc>
+              <a:buSzTx/>
+              <a:buNone/>
+              <a:defRPr sz="900">
+                <a:solidFill>
+                  <a:srgbClr val="808080"/>
+                </a:solidFill>
+              </a:defRPr>
+            </a:pPr>
+            <a:r>
+              <a:t>Covid-19 Analysis &amp; Manage System</a:t>
+            </a:r>
+          </a:p>
+        </p:txBody>
+      </p:sp>
+      <p:pic>
+        <p:nvPicPr>
+          <p:cNvPr id="108" name="Graphic 4" descr="Graphic 4"/>
+          <p:cNvPicPr>
+            <a:picLocks noChangeAspect="1"/>
+          </p:cNvPicPr>
+          <p:nvPr/>
+        </p:nvPicPr>
+        <p:blipFill>
+          <a:blip r:embed="rId2"/>
+          <a:stretch>
+            <a:fillRect/>
+          </a:stretch>
+        </p:blipFill>
+        <p:spPr>
+          <a:xfrm>
+            <a:off x="345989" y="276027"/>
+            <a:ext cx="1889039" cy="504906"/>
+          </a:xfrm>
+          <a:prstGeom prst="rect">
+            <a:avLst/>
+          </a:prstGeom>
+          <a:ln w="12700">
+            <a:miter lim="400000"/>
+          </a:ln>
+        </p:spPr>
+      </p:pic>
+      <p:pic>
+        <p:nvPicPr>
+          <p:cNvPr id="109" name="Graphic 13" descr="Graphic 13"/>
+          <p:cNvPicPr>
+            <a:picLocks noChangeAspect="1"/>
+          </p:cNvPicPr>
+          <p:nvPr/>
+        </p:nvPicPr>
+        <p:blipFill>
+          <a:blip r:embed="rId3"/>
+          <a:srcRect r="71261"/>
+          <a:stretch>
+            <a:fillRect/>
+          </a:stretch>
+        </p:blipFill>
+        <p:spPr>
+          <a:xfrm>
+            <a:off x="6873523" y="1571478"/>
+            <a:ext cx="6396165" cy="5948522"/>
+          </a:xfrm>
+          <a:prstGeom prst="rect">
+            <a:avLst/>
+          </a:prstGeom>
+          <a:ln w="12700">
+            <a:miter lim="400000"/>
+          </a:ln>
+        </p:spPr>
+      </p:pic>
+      <p:sp>
+        <p:nvSpPr>
+          <p:cNvPr id="110" name="Subtitle 2"/>
+          <p:cNvSpPr txBox="1"/>
+          <p:nvPr/>
+        </p:nvSpPr>
+        <p:spPr>
+          <a:xfrm>
+            <a:off x="715583" y="1046083"/>
+            <a:ext cx="6719318" cy="923330"/>
+          </a:xfrm>
+          <a:prstGeom prst="rect">
+            <a:avLst/>
+          </a:prstGeom>
+          <a:ln w="12700">
+            <a:miter lim="400000"/>
+          </a:ln>
+          <a:extLst>
+            <a:ext uri="{C572A759-6A51-4108-AA02-DFA0A04FC94B}">
+              <ma14:wrappingTextBoxFlag xmlns:ma14="http://schemas.microsoft.com/office/mac/drawingml/2011/main" xmlns:a14="http://schemas.microsoft.com/office/drawing/2010/main" xmlns:m="http://schemas.openxmlformats.org/officeDocument/2006/math" xmlns="" val="1"/>
+            </a:ext>
+          </a:extLst>
+        </p:spPr>
+        <p:txBody>
+          <a:bodyPr lIns="45719" rIns="45719">
+            <a:spAutoFit/>
+          </a:bodyPr>
+          <a:lstStyle>
+            <a:lvl1pPr>
+              <a:spcBef>
+                <a:spcPts val="1000"/>
+              </a:spcBef>
+              <a:defRPr sz="5400">
+                <a:solidFill>
+                  <a:srgbClr val="C70000"/>
+                </a:solidFill>
+                <a:latin typeface="PingFang HK Semibold"/>
+                <a:ea typeface="PingFang HK Semibold"/>
+                <a:cs typeface="PingFang HK Semibold"/>
+                <a:sym typeface="PingFang HK Semibold"/>
+              </a:defRPr>
+            </a:lvl1pPr>
+          </a:lstStyle>
+          <a:p>
+            <a:pPr>
+              <a:defRPr b="1">
+                <a:latin typeface="Ubuntu"/>
+                <a:ea typeface="Ubuntu"/>
+                <a:cs typeface="Ubuntu"/>
+                <a:sym typeface="Ubuntu"/>
+              </a:defRPr>
+            </a:pPr>
+            <a:r>
+              <a:rPr lang="zh-CN" altLang="en-US" b="0" dirty="0">
+                <a:latin typeface="PingFang HK Semibold"/>
+                <a:ea typeface="PingFang HK Semibold"/>
+                <a:cs typeface="PingFang HK Semibold"/>
+                <a:sym typeface="PingFang HK Semibold"/>
+              </a:rPr>
+              <a:t>特别鸣谢</a:t>
+            </a:r>
+            <a:endParaRPr b="0" dirty="0">
+              <a:latin typeface="PingFang HK Semibold"/>
+              <a:ea typeface="PingFang HK Semibold"/>
+              <a:cs typeface="PingFang HK Semibold"/>
+              <a:sym typeface="PingFang HK Semibold"/>
+            </a:endParaRPr>
+          </a:p>
+        </p:txBody>
+      </p:sp>
+      <p:sp>
+        <p:nvSpPr>
+          <p:cNvPr id="111" name="Subtitle 2"/>
+          <p:cNvSpPr txBox="1"/>
+          <p:nvPr/>
+        </p:nvSpPr>
+        <p:spPr>
+          <a:xfrm>
+            <a:off x="704008" y="2223679"/>
+            <a:ext cx="5280103" cy="4870821"/>
+          </a:xfrm>
+          <a:prstGeom prst="rect">
+            <a:avLst/>
+          </a:prstGeom>
+          <a:ln w="12700">
+            <a:miter lim="400000"/>
+          </a:ln>
+          <a:extLst>
+            <a:ext uri="{C572A759-6A51-4108-AA02-DFA0A04FC94B}">
+              <ma14:wrappingTextBoxFlag xmlns:ma14="http://schemas.microsoft.com/office/mac/drawingml/2011/main" xmlns:a14="http://schemas.microsoft.com/office/drawing/2010/main" xmlns:m="http://schemas.openxmlformats.org/officeDocument/2006/math" xmlns="" val="1"/>
+            </a:ext>
+          </a:extLst>
+        </p:spPr>
+        <p:txBody>
+          <a:bodyPr wrap="square" lIns="45719" rIns="45719">
+            <a:spAutoFit/>
+          </a:bodyPr>
+          <a:lstStyle/>
+          <a:p>
+            <a:pPr marL="285750" indent="-285750">
+              <a:lnSpc>
+                <a:spcPct val="150000"/>
+              </a:lnSpc>
+              <a:spcBef>
+                <a:spcPts val="1000"/>
+              </a:spcBef>
+              <a:buSzPct val="100000"/>
+              <a:buFont typeface="Arial"/>
+              <a:buChar char="•"/>
+              <a:defRPr sz="1600">
+                <a:solidFill>
+                  <a:srgbClr val="808080"/>
+                </a:solidFill>
+                <a:latin typeface="Ubuntu"/>
+                <a:ea typeface="Ubuntu"/>
+                <a:cs typeface="Ubuntu"/>
+                <a:sym typeface="Ubuntu"/>
+              </a:defRPr>
+            </a:pPr>
+            <a:r>
+              <a:rPr lang="zh-CN" altLang="en-US" sz="1600" dirty="0">
+                <a:sym typeface="Ubuntu"/>
+              </a:rPr>
+              <a:t>本项目的前端部分参考了基于 </a:t>
+            </a:r>
+            <a:r>
+              <a:rPr lang="en" altLang="zh-CN" sz="1600" dirty="0">
+                <a:sym typeface="Ubuntu"/>
+              </a:rPr>
+              <a:t>MIT </a:t>
+            </a:r>
+            <a:r>
+              <a:rPr lang="zh-CN" altLang="en-US" sz="1600" dirty="0">
+                <a:sym typeface="Ubuntu"/>
+              </a:rPr>
+              <a:t>协议的开源项目 </a:t>
+            </a:r>
+            <a:r>
+              <a:rPr lang="zh-CN" altLang="en-US" sz="1600" dirty="0">
+                <a:sym typeface="Ubuntu"/>
+                <a:hlinkClick r:id="rId4"/>
+              </a:rPr>
+              <a:t>「東京都 新型</a:t>
+            </a:r>
+            <a:r>
+              <a:rPr lang="ja-JP" altLang="en-US" sz="1600">
+                <a:sym typeface="Ubuntu"/>
+                <a:hlinkClick r:id="rId4"/>
+              </a:rPr>
+              <a:t>コロナウイルス</a:t>
+            </a:r>
+            <a:r>
+              <a:rPr lang="zh-CN" altLang="en-US" sz="1600" dirty="0">
+                <a:sym typeface="Ubuntu"/>
+                <a:hlinkClick r:id="rId4"/>
+              </a:rPr>
+              <a:t>感染症対策</a:t>
+            </a:r>
+            <a:r>
+              <a:rPr lang="ja-JP" altLang="en-US" sz="1600">
+                <a:sym typeface="Ubuntu"/>
+                <a:hlinkClick r:id="rId4"/>
+              </a:rPr>
+              <a:t>サイト」 </a:t>
+            </a:r>
+            <a:r>
+              <a:rPr lang="ja-JP" altLang="en-US" sz="1600">
+                <a:sym typeface="Ubuntu"/>
+              </a:rPr>
+              <a:t>。</a:t>
+            </a:r>
+            <a:r>
+              <a:rPr lang="zh-CN" altLang="en-US" sz="1600" dirty="0">
+                <a:sym typeface="Ubuntu"/>
+              </a:rPr>
+              <a:t>原项目仅仅提供了日本疫情数据的一些可视化的曲线展示，我们在该项目的基础上针对中国的疫情数据进行了大幅修改，并添加了后端，实现了与后端的对接。实现了针对每个具体病人的详细信息的增删改查、处方、诊断记录等的检索与修改功能，以及针对医生和医院能否对病患进行增删改的用户权限系统。</a:t>
+            </a:r>
+            <a:endParaRPr lang="en-US" altLang="zh-CN" dirty="0"/>
+          </a:p>
+          <a:p>
+            <a:pPr marL="285750" indent="-285750">
+              <a:lnSpc>
+                <a:spcPct val="150000"/>
+              </a:lnSpc>
+              <a:spcBef>
+                <a:spcPts val="1000"/>
+              </a:spcBef>
+              <a:buSzPct val="100000"/>
+              <a:buFont typeface="Arial"/>
+              <a:buChar char="•"/>
+              <a:defRPr sz="1600">
+                <a:solidFill>
+                  <a:srgbClr val="808080"/>
+                </a:solidFill>
+                <a:latin typeface="Ubuntu"/>
+                <a:ea typeface="Ubuntu"/>
+                <a:cs typeface="Ubuntu"/>
+                <a:sym typeface="Ubuntu"/>
+              </a:defRPr>
+            </a:pPr>
+            <a:r>
+              <a:rPr lang="zh-CN" altLang="en-US" sz="1600" dirty="0">
+                <a:sym typeface="Ubuntu"/>
+              </a:rPr>
+              <a:t>国内疫情数据主要来源为丁香园每日疫情统计数据。国际疫情数据主要来源为 </a:t>
+            </a:r>
+            <a:r>
+              <a:rPr lang="en" altLang="zh-CN" sz="1600" dirty="0">
+                <a:sym typeface="Ubuntu"/>
+              </a:rPr>
+              <a:t>WHO </a:t>
+            </a:r>
+            <a:r>
+              <a:rPr lang="zh-CN" altLang="en-US" sz="1600" dirty="0">
+                <a:sym typeface="Ubuntu"/>
+              </a:rPr>
+              <a:t>每日疫情公告。</a:t>
+            </a:r>
+            <a:endParaRPr lang="en-US" altLang="zh-CN" dirty="0"/>
+          </a:p>
+          <a:p>
+            <a:pPr marL="285750" indent="-285750">
+              <a:lnSpc>
+                <a:spcPct val="150000"/>
+              </a:lnSpc>
+              <a:spcBef>
+                <a:spcPts val="1000"/>
+              </a:spcBef>
+              <a:buSzPct val="100000"/>
+              <a:buFont typeface="Arial"/>
+              <a:buChar char="•"/>
+              <a:defRPr sz="1600">
+                <a:solidFill>
+                  <a:srgbClr val="808080"/>
+                </a:solidFill>
+                <a:latin typeface="Ubuntu"/>
+                <a:ea typeface="Ubuntu"/>
+                <a:cs typeface="Ubuntu"/>
+                <a:sym typeface="Ubuntu"/>
+              </a:defRPr>
+            </a:pPr>
+            <a:endParaRPr lang="en-US" altLang="zh-CN" dirty="0"/>
+          </a:p>
+          <a:p>
+            <a:pPr marL="285750" indent="-285750">
+              <a:lnSpc>
+                <a:spcPct val="150000"/>
+              </a:lnSpc>
+              <a:spcBef>
+                <a:spcPts val="1000"/>
+              </a:spcBef>
+              <a:buSzPct val="100000"/>
+              <a:buFont typeface="Arial"/>
+              <a:buChar char="•"/>
+              <a:defRPr sz="1600">
+                <a:solidFill>
+                  <a:srgbClr val="808080"/>
+                </a:solidFill>
+                <a:latin typeface="Ubuntu"/>
+                <a:ea typeface="Ubuntu"/>
+                <a:cs typeface="Ubuntu"/>
+                <a:sym typeface="Ubuntu"/>
+              </a:defRPr>
+            </a:pPr>
+            <a:endParaRPr dirty="0"/>
+          </a:p>
+        </p:txBody>
+      </p:sp>
+      <p:sp>
+        <p:nvSpPr>
+          <p:cNvPr id="113" name="Slide Number Placeholder 21"/>
+          <p:cNvSpPr txBox="1">
+            <a:spLocks noGrp="1"/>
+          </p:cNvSpPr>
+          <p:nvPr>
+            <p:ph type="sldNum" sz="quarter" idx="2"/>
+          </p:nvPr>
+        </p:nvSpPr>
+        <p:spPr>
+          <a:xfrm>
+            <a:off x="11164902" y="6404292"/>
+            <a:ext cx="188898" cy="269241"/>
+          </a:xfrm>
+          <a:prstGeom prst="rect">
+            <a:avLst/>
+          </a:prstGeom>
+          <a:extLst>
+            <a:ext uri="{C572A759-6A51-4108-AA02-DFA0A04FC94B}">
+              <ma14:wrappingTextBoxFlag xmlns:ma14="http://schemas.microsoft.com/office/mac/drawingml/2011/main" xmlns:a14="http://schemas.microsoft.com/office/drawing/2010/main" xmlns:m="http://schemas.openxmlformats.org/officeDocument/2006/math" xmlns="" val="1"/>
+            </a:ext>
+          </a:extLst>
+        </p:spPr>
+        <p:txBody>
+          <a:bodyPr/>
+          <a:lstStyle/>
+          <a:p>
+            <a:fld id="{86CB4B4D-7CA3-9044-876B-883B54F8677D}" type="slidenum">
+              <a:t>17</a:t>
+            </a:fld>
+            <a:endParaRPr/>
+          </a:p>
+        </p:txBody>
+      </p:sp>
+      <p:pic>
+        <p:nvPicPr>
+          <p:cNvPr id="4" name="图片 3">
+            <a:extLst>
+              <a:ext uri="{FF2B5EF4-FFF2-40B4-BE49-F238E27FC236}">
+                <a16:creationId xmlns:a16="http://schemas.microsoft.com/office/drawing/2014/main" id="{18C9F304-AE20-C747-95C5-0730D35A224F}"/>
+              </a:ext>
+            </a:extLst>
+          </p:cNvPr>
+          <p:cNvPicPr>
+            <a:picLocks noChangeAspect="1"/>
+          </p:cNvPicPr>
+          <p:nvPr/>
+        </p:nvPicPr>
+        <p:blipFill>
+          <a:blip r:embed="rId5"/>
+          <a:stretch>
+            <a:fillRect/>
+          </a:stretch>
+        </p:blipFill>
+        <p:spPr>
+          <a:xfrm rot="21386391">
+            <a:off x="5912768" y="1869359"/>
+            <a:ext cx="5444775" cy="3997912"/>
+          </a:xfrm>
+          <a:prstGeom prst="rect">
+            <a:avLst/>
+          </a:prstGeom>
+        </p:spPr>
+      </p:pic>
+      <p:pic>
+        <p:nvPicPr>
+          <p:cNvPr id="2" name="图片 1">
+            <a:extLst>
+              <a:ext uri="{FF2B5EF4-FFF2-40B4-BE49-F238E27FC236}">
+                <a16:creationId xmlns:a16="http://schemas.microsoft.com/office/drawing/2014/main" id="{FD13825A-9960-DE44-B295-113E2F3EC990}"/>
+              </a:ext>
+            </a:extLst>
+          </p:cNvPr>
+          <p:cNvPicPr>
+            <a:picLocks noChangeAspect="1"/>
+          </p:cNvPicPr>
+          <p:nvPr/>
+        </p:nvPicPr>
+        <p:blipFill>
+          <a:blip r:embed="rId6"/>
+          <a:stretch>
+            <a:fillRect/>
+          </a:stretch>
+        </p:blipFill>
+        <p:spPr>
+          <a:xfrm rot="678724">
+            <a:off x="6716763" y="408820"/>
+            <a:ext cx="6095999" cy="2889691"/>
+          </a:xfrm>
+          <a:prstGeom prst="rect">
+            <a:avLst/>
+          </a:prstGeom>
+        </p:spPr>
+      </p:pic>
+      <p:pic>
+        <p:nvPicPr>
+          <p:cNvPr id="3" name="图片 2">
+            <a:extLst>
+              <a:ext uri="{FF2B5EF4-FFF2-40B4-BE49-F238E27FC236}">
+                <a16:creationId xmlns:a16="http://schemas.microsoft.com/office/drawing/2014/main" id="{51AB100F-9CF9-0C4C-BA8F-111F112D7DD7}"/>
+              </a:ext>
+            </a:extLst>
+          </p:cNvPr>
+          <p:cNvPicPr>
+            <a:picLocks noChangeAspect="1"/>
+          </p:cNvPicPr>
+          <p:nvPr/>
+        </p:nvPicPr>
+        <p:blipFill>
+          <a:blip r:embed="rId7"/>
+          <a:stretch>
+            <a:fillRect/>
+          </a:stretch>
+        </p:blipFill>
+        <p:spPr>
+          <a:xfrm rot="20725088">
+            <a:off x="7023604" y="4442742"/>
+            <a:ext cx="6096000" cy="2545146"/>
+          </a:xfrm>
+          <a:prstGeom prst="rect">
+            <a:avLst/>
+          </a:prstGeom>
+        </p:spPr>
+      </p:pic>
+    </p:spTree>
+    <p:extLst>
+      <p:ext uri="{BB962C8B-B14F-4D97-AF65-F5344CB8AC3E}">
+        <p14:creationId xmlns:p14="http://schemas.microsoft.com/office/powerpoint/2010/main" val="3198247489"/>
+      </p:ext>
+    </p:extLst>
+  </p:cSld>
+  <p:clrMapOvr>
+    <a:masterClrMapping/>
+  </p:clrMapOvr>
+  <p:transition spd="med"/>
+</p:sld>
+</file>
+
+<file path=ppt/slides/slide18.xml><?xml version="1.0" encoding="utf-8"?>
+<p:sld xmlns:a="http://schemas.openxmlformats.org/drawingml/2006/main" xmlns:r="http://schemas.openxmlformats.org/officeDocument/2006/relationships" xmlns:p="http://schemas.openxmlformats.org/presentationml/2006/main">
+  <p:cSld>
+    <p:spTree>
+      <p:nvGrpSpPr>
+        <p:cNvPr id="1" name=""/>
+        <p:cNvGrpSpPr/>
+        <p:nvPr/>
+      </p:nvGrpSpPr>
+      <p:grpSpPr>
+        <a:xfrm>
+          <a:off x="0" y="0"/>
+          <a:ext cx="0" cy="0"/>
+          <a:chOff x="0" y="0"/>
+          <a:chExt cx="0" cy="0"/>
+        </a:xfrm>
+      </p:grpSpPr>
+      <p:sp>
+        <p:nvSpPr>
+          <p:cNvPr id="107" name="Subtitle 2"/>
+          <p:cNvSpPr txBox="1">
+            <a:spLocks noGrp="1"/>
+          </p:cNvSpPr>
+          <p:nvPr>
+            <p:ph type="body" sz="quarter" idx="1"/>
+          </p:nvPr>
+        </p:nvSpPr>
+        <p:spPr>
+          <a:xfrm>
+            <a:off x="2415668" y="345484"/>
+            <a:ext cx="2865358" cy="586684"/>
+          </a:xfrm>
+          <a:prstGeom prst="rect">
+            <a:avLst/>
+          </a:prstGeom>
+        </p:spPr>
+        <p:txBody>
+          <a:bodyPr/>
+          <a:lstStyle/>
+          <a:p>
+            <a:pPr marL="0" indent="0">
+              <a:lnSpc>
+                <a:spcPts val="600"/>
+              </a:lnSpc>
+              <a:buSzTx/>
+              <a:buNone/>
+              <a:defRPr sz="900">
+                <a:solidFill>
+                  <a:srgbClr val="808080"/>
+                </a:solidFill>
+              </a:defRPr>
+            </a:pPr>
+            <a:r>
+              <a:t>Covid-19 </a:t>
+            </a:r>
+            <a:r>
+              <a:rPr>
+                <a:latin typeface="PingFang HK Regular"/>
+                <a:ea typeface="PingFang HK Regular"/>
+                <a:cs typeface="PingFang HK Regular"/>
+                <a:sym typeface="PingFang HK Regular"/>
+              </a:rPr>
+              <a:t>疫情分析与管理系统</a:t>
+            </a:r>
+          </a:p>
+          <a:p>
+            <a:pPr marL="0" indent="0">
+              <a:lnSpc>
+                <a:spcPts val="600"/>
+              </a:lnSpc>
+              <a:buSzTx/>
+              <a:buNone/>
+              <a:defRPr sz="900">
+                <a:solidFill>
+                  <a:srgbClr val="808080"/>
+                </a:solidFill>
+              </a:defRPr>
+            </a:pPr>
+            <a:r>
+              <a:t>Covid-19 Analysis &amp; Manage System</a:t>
+            </a:r>
+          </a:p>
+        </p:txBody>
+      </p:sp>
+      <p:pic>
+        <p:nvPicPr>
+          <p:cNvPr id="108" name="Graphic 4" descr="Graphic 4"/>
+          <p:cNvPicPr>
+            <a:picLocks noChangeAspect="1"/>
+          </p:cNvPicPr>
+          <p:nvPr/>
+        </p:nvPicPr>
+        <p:blipFill>
+          <a:blip r:embed="rId2"/>
+          <a:stretch>
+            <a:fillRect/>
+          </a:stretch>
+        </p:blipFill>
+        <p:spPr>
+          <a:xfrm>
+            <a:off x="345989" y="276027"/>
+            <a:ext cx="1889039" cy="504906"/>
+          </a:xfrm>
+          <a:prstGeom prst="rect">
+            <a:avLst/>
+          </a:prstGeom>
+          <a:ln w="12700">
+            <a:miter lim="400000"/>
+          </a:ln>
+        </p:spPr>
+      </p:pic>
+      <p:pic>
+        <p:nvPicPr>
+          <p:cNvPr id="109" name="Graphic 13" descr="Graphic 13"/>
+          <p:cNvPicPr>
+            <a:picLocks noChangeAspect="1"/>
+          </p:cNvPicPr>
+          <p:nvPr/>
+        </p:nvPicPr>
+        <p:blipFill>
+          <a:blip r:embed="rId3"/>
+          <a:srcRect r="71261"/>
+          <a:stretch>
+            <a:fillRect/>
+          </a:stretch>
+        </p:blipFill>
+        <p:spPr>
+          <a:xfrm>
+            <a:off x="6873523" y="1571478"/>
+            <a:ext cx="6396165" cy="5948522"/>
+          </a:xfrm>
+          <a:prstGeom prst="rect">
+            <a:avLst/>
+          </a:prstGeom>
+          <a:ln w="12700">
+            <a:miter lim="400000"/>
+          </a:ln>
+        </p:spPr>
+      </p:pic>
+      <p:sp>
+        <p:nvSpPr>
+          <p:cNvPr id="110" name="Subtitle 2"/>
+          <p:cNvSpPr txBox="1"/>
+          <p:nvPr/>
+        </p:nvSpPr>
+        <p:spPr>
+          <a:xfrm>
+            <a:off x="715583" y="1046083"/>
+            <a:ext cx="6719318" cy="923330"/>
+          </a:xfrm>
+          <a:prstGeom prst="rect">
+            <a:avLst/>
+          </a:prstGeom>
+          <a:ln w="12700">
+            <a:miter lim="400000"/>
+          </a:ln>
+          <a:extLst>
+            <a:ext uri="{C572A759-6A51-4108-AA02-DFA0A04FC94B}">
+              <ma14:wrappingTextBoxFlag xmlns:ma14="http://schemas.microsoft.com/office/mac/drawingml/2011/main" xmlns:a14="http://schemas.microsoft.com/office/drawing/2010/main" xmlns:m="http://schemas.openxmlformats.org/officeDocument/2006/math" xmlns="" val="1"/>
+            </a:ext>
+          </a:extLst>
+        </p:spPr>
+        <p:txBody>
+          <a:bodyPr lIns="45719" rIns="45719">
+            <a:spAutoFit/>
+          </a:bodyPr>
+          <a:lstStyle>
+            <a:lvl1pPr>
+              <a:spcBef>
+                <a:spcPts val="1000"/>
+              </a:spcBef>
+              <a:defRPr sz="5400">
+                <a:solidFill>
+                  <a:srgbClr val="C70000"/>
+                </a:solidFill>
+                <a:latin typeface="PingFang HK Semibold"/>
+                <a:ea typeface="PingFang HK Semibold"/>
+                <a:cs typeface="PingFang HK Semibold"/>
+                <a:sym typeface="PingFang HK Semibold"/>
+              </a:defRPr>
+            </a:lvl1pPr>
+          </a:lstStyle>
+          <a:p>
+            <a:pPr>
+              <a:defRPr b="1">
+                <a:latin typeface="Ubuntu"/>
+                <a:ea typeface="Ubuntu"/>
+                <a:cs typeface="Ubuntu"/>
+                <a:sym typeface="Ubuntu"/>
+              </a:defRPr>
+            </a:pPr>
+            <a:r>
+              <a:rPr lang="zh-CN" altLang="en-US" dirty="0"/>
+              <a:t>组员组成</a:t>
+            </a:r>
+            <a:endParaRPr b="0" dirty="0">
+              <a:latin typeface="PingFang HK Semibold"/>
+              <a:ea typeface="PingFang HK Semibold"/>
+              <a:cs typeface="PingFang HK Semibold"/>
+              <a:sym typeface="PingFang HK Semibold"/>
+            </a:endParaRPr>
+          </a:p>
+        </p:txBody>
+      </p:sp>
+      <p:sp>
+        <p:nvSpPr>
+          <p:cNvPr id="113" name="Slide Number Placeholder 21"/>
+          <p:cNvSpPr txBox="1">
+            <a:spLocks noGrp="1"/>
+          </p:cNvSpPr>
+          <p:nvPr>
+            <p:ph type="sldNum" sz="quarter" idx="2"/>
+          </p:nvPr>
+        </p:nvSpPr>
+        <p:spPr>
+          <a:xfrm>
+            <a:off x="11164902" y="6404292"/>
+            <a:ext cx="188898" cy="269241"/>
+          </a:xfrm>
+          <a:prstGeom prst="rect">
+            <a:avLst/>
+          </a:prstGeom>
+          <a:extLst>
+            <a:ext uri="{C572A759-6A51-4108-AA02-DFA0A04FC94B}">
+              <ma14:wrappingTextBoxFlag xmlns:ma14="http://schemas.microsoft.com/office/mac/drawingml/2011/main" xmlns:a14="http://schemas.microsoft.com/office/drawing/2010/main" xmlns:m="http://schemas.openxmlformats.org/officeDocument/2006/math" xmlns="" val="1"/>
+            </a:ext>
+          </a:extLst>
+        </p:spPr>
+        <p:txBody>
+          <a:bodyPr/>
+          <a:lstStyle/>
+          <a:p>
+            <a:fld id="{86CB4B4D-7CA3-9044-876B-883B54F8677D}" type="slidenum">
+              <a:t>18</a:t>
+            </a:fld>
+            <a:endParaRPr/>
+          </a:p>
+        </p:txBody>
+      </p:sp>
+      <p:pic>
+        <p:nvPicPr>
+          <p:cNvPr id="2" name="图片 1">
+            <a:extLst>
+              <a:ext uri="{FF2B5EF4-FFF2-40B4-BE49-F238E27FC236}">
+                <a16:creationId xmlns:a16="http://schemas.microsoft.com/office/drawing/2014/main" id="{C3F0A137-C0A8-C24F-B54E-E4C55F7DFD63}"/>
+              </a:ext>
+            </a:extLst>
+          </p:cNvPr>
+          <p:cNvPicPr>
+            <a:picLocks noChangeAspect="1"/>
+          </p:cNvPicPr>
+          <p:nvPr/>
+        </p:nvPicPr>
+        <p:blipFill>
+          <a:blip r:embed="rId4"/>
+          <a:stretch>
+            <a:fillRect/>
+          </a:stretch>
+        </p:blipFill>
+        <p:spPr>
+          <a:xfrm>
+            <a:off x="102648" y="2234563"/>
+            <a:ext cx="7491398" cy="2099132"/>
+          </a:xfrm>
+          <a:prstGeom prst="rect">
+            <a:avLst/>
+          </a:prstGeom>
+        </p:spPr>
+      </p:pic>
+    </p:spTree>
+    <p:extLst>
+      <p:ext uri="{BB962C8B-B14F-4D97-AF65-F5344CB8AC3E}">
+        <p14:creationId xmlns:p14="http://schemas.microsoft.com/office/powerpoint/2010/main" val="156200271"/>
+      </p:ext>
+    </p:extLst>
+  </p:cSld>
+  <p:clrMapOvr>
+    <a:masterClrMapping/>
+  </p:clrMapOvr>
+  <p:transition spd="med"/>
+</p:sld>
+</file>
+
+<file path=ppt/slides/slide19.xml><?xml version="1.0" encoding="utf-8"?>
+<p:sld xmlns:a="http://schemas.openxmlformats.org/drawingml/2006/main" xmlns:r="http://schemas.openxmlformats.org/officeDocument/2006/relationships" xmlns:p="http://schemas.openxmlformats.org/presentationml/2006/main">
+  <p:cSld>
+    <p:spTree>
+      <p:nvGrpSpPr>
+        <p:cNvPr id="1" name=""/>
+        <p:cNvGrpSpPr/>
+        <p:nvPr/>
+      </p:nvGrpSpPr>
+      <p:grpSpPr>
+        <a:xfrm>
+          <a:off x="0" y="0"/>
+          <a:ext cx="0" cy="0"/>
+          <a:chOff x="0" y="0"/>
+          <a:chExt cx="0" cy="0"/>
+        </a:xfrm>
+      </p:grpSpPr>
+      <p:pic>
+        <p:nvPicPr>
+          <p:cNvPr id="152" name="Graphic 5" descr="Graphic 5"/>
+          <p:cNvPicPr>
+            <a:picLocks noChangeAspect="1"/>
+          </p:cNvPicPr>
+          <p:nvPr/>
+        </p:nvPicPr>
+        <p:blipFill>
+          <a:blip r:embed="rId2"/>
+          <a:srcRect r="73397"/>
+          <a:stretch>
+            <a:fillRect/>
+          </a:stretch>
+        </p:blipFill>
+        <p:spPr>
+          <a:xfrm>
+            <a:off x="6917501" y="1548327"/>
+            <a:ext cx="5920676" cy="5948522"/>
+          </a:xfrm>
+          <a:prstGeom prst="rect">
+            <a:avLst/>
+          </a:prstGeom>
+          <a:ln w="12700">
+            <a:miter lim="400000"/>
+          </a:ln>
+        </p:spPr>
+      </p:pic>
+      <p:sp>
+        <p:nvSpPr>
+          <p:cNvPr id="153" name="Subtitle 2"/>
+          <p:cNvSpPr txBox="1">
+            <a:spLocks noGrp="1"/>
+          </p:cNvSpPr>
+          <p:nvPr>
+            <p:ph type="subTitle" sz="quarter" idx="1"/>
+          </p:nvPr>
+        </p:nvSpPr>
+        <p:spPr>
+          <a:xfrm>
+            <a:off x="1524000" y="2994864"/>
+            <a:ext cx="9144000" cy="1655762"/>
+          </a:xfrm>
+          <a:prstGeom prst="rect">
+            <a:avLst/>
+          </a:prstGeom>
+        </p:spPr>
+        <p:txBody>
+          <a:bodyPr/>
+          <a:lstStyle/>
+          <a:p>
+            <a:pPr>
+              <a:defRPr sz="5400">
+                <a:solidFill>
+                  <a:srgbClr val="808080"/>
+                </a:solidFill>
+              </a:defRPr>
+            </a:pPr>
+            <a:r>
+              <a:rPr>
+                <a:latin typeface="PingFang HK Regular"/>
+                <a:ea typeface="PingFang HK Regular"/>
+                <a:cs typeface="PingFang HK Regular"/>
+                <a:sym typeface="PingFang HK Regular"/>
+              </a:rPr>
+              <a:t>谢谢</a:t>
+            </a:r>
+            <a:r>
+              <a:rPr sz="2000" i="1"/>
+              <a:t>.</a:t>
+            </a:r>
+          </a:p>
+        </p:txBody>
+      </p:sp>
+      <p:pic>
+        <p:nvPicPr>
+          <p:cNvPr id="154" name="Graphic 4" descr="Graphic 4"/>
+          <p:cNvPicPr>
+            <a:picLocks noChangeAspect="1"/>
+          </p:cNvPicPr>
+          <p:nvPr/>
+        </p:nvPicPr>
+        <p:blipFill>
+          <a:blip r:embed="rId3"/>
+          <a:stretch>
+            <a:fillRect/>
+          </a:stretch>
+        </p:blipFill>
+        <p:spPr>
+          <a:xfrm>
+            <a:off x="4955847" y="1745197"/>
+            <a:ext cx="2280306" cy="609483"/>
+          </a:xfrm>
+          <a:prstGeom prst="rect">
+            <a:avLst/>
+          </a:prstGeom>
+          <a:ln w="12700">
+            <a:miter lim="400000"/>
+          </a:ln>
+        </p:spPr>
+      </p:pic>
+      <p:sp>
+        <p:nvSpPr>
+          <p:cNvPr id="155" name="Subtitle 2"/>
+          <p:cNvSpPr txBox="1"/>
+          <p:nvPr/>
+        </p:nvSpPr>
+        <p:spPr>
+          <a:xfrm>
+            <a:off x="1569719" y="6097161"/>
+            <a:ext cx="9052562" cy="1655762"/>
+          </a:xfrm>
+          <a:prstGeom prst="rect">
+            <a:avLst/>
+          </a:prstGeom>
+          <a:ln w="12700">
+            <a:miter lim="400000"/>
+          </a:ln>
+          <a:extLst>
+            <a:ext uri="{C572A759-6A51-4108-AA02-DFA0A04FC94B}">
+              <ma14:wrappingTextBoxFlag xmlns:ma14="http://schemas.microsoft.com/office/mac/drawingml/2011/main" xmlns:a14="http://schemas.microsoft.com/office/drawing/2010/main" xmlns:m="http://schemas.openxmlformats.org/officeDocument/2006/math" xmlns="" val="1"/>
+            </a:ext>
+          </a:extLst>
+        </p:spPr>
+        <p:txBody>
+          <a:bodyPr lIns="45719" rIns="45719">
+            <a:normAutofit/>
+          </a:bodyPr>
+          <a:lstStyle/>
+          <a:p>
+            <a:pPr algn="ctr">
+              <a:lnSpc>
+                <a:spcPct val="90000"/>
+              </a:lnSpc>
+              <a:spcBef>
+                <a:spcPts val="1000"/>
+              </a:spcBef>
+              <a:defRPr sz="1400">
+                <a:solidFill>
+                  <a:srgbClr val="808080"/>
+                </a:solidFill>
+                <a:latin typeface="Ubuntu"/>
+                <a:ea typeface="Ubuntu"/>
+                <a:cs typeface="Ubuntu"/>
+                <a:sym typeface="Ubuntu"/>
+              </a:defRPr>
+            </a:pPr>
+            <a:r>
+              <a:t>East China Normal University</a:t>
+            </a:r>
+            <a:endParaRPr sz="2400"/>
+          </a:p>
+          <a:p>
+            <a:pPr algn="ctr">
+              <a:lnSpc>
+                <a:spcPct val="90000"/>
+              </a:lnSpc>
+              <a:spcBef>
+                <a:spcPts val="1000"/>
+              </a:spcBef>
+              <a:defRPr sz="1400">
+                <a:solidFill>
+                  <a:srgbClr val="808080"/>
+                </a:solidFill>
+                <a:latin typeface="Ubuntu"/>
+                <a:ea typeface="Ubuntu"/>
+                <a:cs typeface="Ubuntu"/>
+                <a:sym typeface="Ubuntu"/>
+              </a:defRPr>
+            </a:pPr>
+            <a:r>
+              <a:t>2020.8</a:t>
+            </a:r>
+          </a:p>
+        </p:txBody>
+      </p:sp>
+    </p:spTree>
+  </p:cSld>
+  <p:clrMapOvr>
+    <a:masterClrMapping/>
+  </p:clrMapOvr>
+  <p:transition spd="med"/>
+</p:sld>
+</file>
+
 <file path=ppt/slides/slide2.xml><?xml version="1.0" encoding="utf-8"?>
 <p:sld xmlns:a="http://schemas.openxmlformats.org/drawingml/2006/main" xmlns:r="http://schemas.openxmlformats.org/officeDocument/2006/relationships" xmlns:p="http://schemas.openxmlformats.org/presentationml/2006/main">
   <p:cSld>
@@ -3336,7 +7698,7 @@
               </a:defRPr>
             </a:pPr>
             <a:r>
-              <a:rPr>
+              <a:rPr dirty="0" err="1">
                 <a:latin typeface="PingFang HK Regular"/>
                 <a:ea typeface="PingFang HK Regular"/>
                 <a:cs typeface="PingFang HK Regular"/>
@@ -3344,6 +7706,12 @@
               </a:rPr>
               <a:t>功能包括</a:t>
             </a:r>
+            <a:endParaRPr dirty="0">
+              <a:latin typeface="PingFang HK Regular"/>
+              <a:ea typeface="PingFang HK Regular"/>
+              <a:cs typeface="PingFang HK Regular"/>
+              <a:sym typeface="PingFang HK Regular"/>
+            </a:endParaRPr>
           </a:p>
           <a:p>
             <a:pPr marL="742950" lvl="1" indent="-285750">
@@ -3367,7 +7735,7 @@
               </a:defRPr>
             </a:pPr>
             <a:r>
-              <a:rPr>
+              <a:rPr dirty="0" err="1">
                 <a:latin typeface="PingFang HK Regular"/>
                 <a:ea typeface="PingFang HK Regular"/>
                 <a:cs typeface="PingFang HK Regular"/>
@@ -3375,6 +7743,12 @@
               </a:rPr>
               <a:t>全球疫情可视化概览</a:t>
             </a:r>
+            <a:endParaRPr dirty="0">
+              <a:latin typeface="PingFang HK Regular"/>
+              <a:ea typeface="PingFang HK Regular"/>
+              <a:cs typeface="PingFang HK Regular"/>
+              <a:sym typeface="PingFang HK Regular"/>
+            </a:endParaRPr>
           </a:p>
           <a:p>
             <a:pPr marL="742950" lvl="1" indent="-285750">
@@ -3398,7 +7772,7 @@
               </a:defRPr>
             </a:pPr>
             <a:r>
-              <a:rPr>
+              <a:rPr dirty="0" err="1">
                 <a:latin typeface="PingFang HK Regular"/>
                 <a:ea typeface="PingFang HK Regular"/>
                 <a:cs typeface="PingFang HK Regular"/>
@@ -3406,6 +7780,12 @@
               </a:rPr>
               <a:t>病人诊断数据统计及编辑</a:t>
             </a:r>
+            <a:endParaRPr dirty="0">
+              <a:latin typeface="PingFang HK Regular"/>
+              <a:ea typeface="PingFang HK Regular"/>
+              <a:cs typeface="PingFang HK Regular"/>
+              <a:sym typeface="PingFang HK Regular"/>
+            </a:endParaRPr>
           </a:p>
           <a:p>
             <a:pPr marL="742950" lvl="1" indent="-285750">
@@ -3429,7 +7809,7 @@
               </a:defRPr>
             </a:pPr>
             <a:r>
-              <a:rPr>
+              <a:rPr dirty="0" err="1">
                 <a:latin typeface="PingFang HK Regular"/>
                 <a:ea typeface="PingFang HK Regular"/>
                 <a:cs typeface="PingFang HK Regular"/>
@@ -3437,6 +7817,12 @@
               </a:rPr>
               <a:t>诊断医院和医生管理</a:t>
             </a:r>
+            <a:endParaRPr dirty="0">
+              <a:latin typeface="PingFang HK Regular"/>
+              <a:ea typeface="PingFang HK Regular"/>
+              <a:cs typeface="PingFang HK Regular"/>
+              <a:sym typeface="PingFang HK Regular"/>
+            </a:endParaRPr>
           </a:p>
           <a:p>
             <a:pPr marL="285750" indent="-285750">
@@ -3460,7 +7846,7 @@
               </a:defRPr>
             </a:pPr>
             <a:r>
-              <a:rPr>
+              <a:rPr dirty="0" err="1">
                 <a:latin typeface="PingFang HK Regular"/>
                 <a:ea typeface="PingFang HK Regular"/>
                 <a:cs typeface="PingFang HK Regular"/>
@@ -3469,18 +7855,27 @@
               <a:t>网站前端采用</a:t>
             </a:r>
             <a:r>
+              <a:rPr dirty="0"/>
               <a:t> </a:t>
             </a:r>
             <a:r>
-              <a:rPr b="1">
+              <a:rPr b="1" dirty="0" err="1">
                 <a:solidFill>
                   <a:srgbClr val="C70000"/>
                 </a:solidFill>
               </a:rPr>
-              <a:t>vue.js </a:t>
-            </a:r>
-            <a:r>
-              <a:rPr>
+              <a:t>vue.js</a:t>
+            </a:r>
+            <a:r>
+              <a:rPr b="1" dirty="0">
+                <a:solidFill>
+                  <a:srgbClr val="C70000"/>
+                </a:solidFill>
+              </a:rPr>
+              <a:t> </a:t>
+            </a:r>
+            <a:r>
+              <a:rPr dirty="0" err="1">
                 <a:latin typeface="PingFang HK Regular"/>
                 <a:ea typeface="PingFang HK Regular"/>
                 <a:cs typeface="PingFang HK Regular"/>
@@ -3489,149 +7884,239 @@
               <a:t>架构，基于</a:t>
             </a:r>
             <a:r>
+              <a:rPr dirty="0"/>
               <a:t> </a:t>
             </a:r>
             <a:r>
-              <a:rPr b="1">
+              <a:rPr b="1" dirty="0" err="1">
                 <a:solidFill>
                   <a:srgbClr val="C70000"/>
                 </a:solidFill>
               </a:rPr>
-              <a:t>nuxt.js </a:t>
-            </a:r>
-            <a:r>
-              <a:rPr>
+              <a:t>nuxt.js</a:t>
+            </a:r>
+            <a:r>
+              <a:rPr b="1" dirty="0">
+                <a:solidFill>
+                  <a:srgbClr val="C70000"/>
+                </a:solidFill>
+              </a:rPr>
+              <a:t> </a:t>
+            </a:r>
+            <a:r>
+              <a:rPr dirty="0" err="1">
                 <a:latin typeface="PingFang HK Regular"/>
                 <a:ea typeface="PingFang HK Regular"/>
                 <a:cs typeface="PingFang HK Regular"/>
                 <a:sym typeface="PingFang HK Regular"/>
               </a:rPr>
-              <a:t>实现高性能的 </a:t>
-            </a:r>
-            <a:r>
-              <a:t>SSR </a:t>
-            </a:r>
-            <a:r>
-              <a:rPr>
+              <a:t>实现高性能的</a:t>
+            </a:r>
+            <a:r>
+              <a:rPr dirty="0">
                 <a:latin typeface="PingFang HK Regular"/>
                 <a:ea typeface="PingFang HK Regular"/>
                 <a:cs typeface="PingFang HK Regular"/>
                 <a:sym typeface="PingFang HK Regular"/>
               </a:rPr>
-              <a:t>（服务端渲染）。使用</a:t>
-            </a:r>
-            <a:r>
-              <a:t> </a:t>
-            </a:r>
-            <a:r>
-              <a:rPr b="1">
-                <a:solidFill>
-                  <a:srgbClr val="C70000"/>
-                </a:solidFill>
-              </a:rPr>
-              <a:t>vuetify</a:t>
-            </a:r>
-            <a:r>
-              <a:t> </a:t>
-            </a:r>
-            <a:r>
-              <a:rPr>
+              <a:t> </a:t>
+            </a:r>
+            <a:r>
+              <a:rPr dirty="0"/>
+              <a:t>SSR </a:t>
+            </a:r>
+            <a:r>
+              <a:rPr dirty="0">
                 <a:latin typeface="PingFang HK Regular"/>
                 <a:ea typeface="PingFang HK Regular"/>
                 <a:cs typeface="PingFang HK Regular"/>
                 <a:sym typeface="PingFang HK Regular"/>
               </a:rPr>
-              <a:t>作为主要的 </a:t>
-            </a:r>
-            <a:r>
-              <a:t>UI </a:t>
-            </a:r>
-            <a:r>
-              <a:rPr>
+              <a:t>（</a:t>
+            </a:r>
+            <a:r>
+              <a:rPr dirty="0" err="1">
                 <a:latin typeface="PingFang HK Regular"/>
                 <a:ea typeface="PingFang HK Regular"/>
                 <a:cs typeface="PingFang HK Regular"/>
                 <a:sym typeface="PingFang HK Regular"/>
               </a:rPr>
-              <a:t>库。后端采用</a:t>
-            </a:r>
-            <a:r>
-              <a:t> </a:t>
-            </a:r>
-            <a:r>
-              <a:rPr b="1">
-                <a:solidFill>
-                  <a:srgbClr val="C70000"/>
-                </a:solidFill>
-              </a:rPr>
-              <a:t>Spring Boot </a:t>
-            </a:r>
-            <a:r>
-              <a:rPr>
+              <a:t>服务端渲染</a:t>
+            </a:r>
+            <a:r>
+              <a:rPr dirty="0">
                 <a:latin typeface="PingFang HK Regular"/>
                 <a:ea typeface="PingFang HK Regular"/>
                 <a:cs typeface="PingFang HK Regular"/>
                 <a:sym typeface="PingFang HK Regular"/>
               </a:rPr>
-              <a:t>架构，使用</a:t>
-            </a:r>
-            <a:r>
-              <a:t> </a:t>
-            </a:r>
-            <a:r>
-              <a:rPr b="1">
-                <a:solidFill>
-                  <a:srgbClr val="C70000"/>
-                </a:solidFill>
-              </a:rPr>
-              <a:t>Swagger UI </a:t>
-            </a:r>
-            <a:r>
-              <a:rPr>
+              <a:t>）。</a:t>
+            </a:r>
+            <a:r>
+              <a:rPr dirty="0" err="1">
                 <a:latin typeface="PingFang HK Regular"/>
                 <a:ea typeface="PingFang HK Regular"/>
                 <a:cs typeface="PingFang HK Regular"/>
                 <a:sym typeface="PingFang HK Regular"/>
               </a:rPr>
-              <a:t>生成 </a:t>
-            </a:r>
-            <a:r>
-              <a:t>API </a:t>
-            </a:r>
-            <a:r>
-              <a:rPr>
+              <a:t>使用</a:t>
+            </a:r>
+            <a:r>
+              <a:rPr dirty="0"/>
+              <a:t> </a:t>
+            </a:r>
+            <a:r>
+              <a:rPr b="1" dirty="0" err="1">
+                <a:solidFill>
+                  <a:srgbClr val="C70000"/>
+                </a:solidFill>
+              </a:rPr>
+              <a:t>vuetify</a:t>
+            </a:r>
+            <a:r>
+              <a:rPr dirty="0"/>
+              <a:t> </a:t>
+            </a:r>
+            <a:r>
+              <a:rPr dirty="0" err="1">
                 <a:latin typeface="PingFang HK Regular"/>
                 <a:ea typeface="PingFang HK Regular"/>
                 <a:cs typeface="PingFang HK Regular"/>
                 <a:sym typeface="PingFang HK Regular"/>
               </a:rPr>
-              <a:t>文档。 数据库采用</a:t>
-            </a:r>
-            <a:r>
-              <a:t> </a:t>
-            </a:r>
-            <a:r>
-              <a:rPr b="1">
-                <a:solidFill>
-                  <a:srgbClr val="C70000"/>
-                </a:solidFill>
-              </a:rPr>
-              <a:t>MySQL Community Version 8.0.12</a:t>
-            </a:r>
-            <a:r>
-              <a:t>, </a:t>
-            </a:r>
-            <a:r>
-              <a:rPr>
+              <a:t>作为主要的</a:t>
+            </a:r>
+            <a:r>
+              <a:rPr dirty="0">
                 <a:latin typeface="PingFang HK Regular"/>
                 <a:ea typeface="PingFang HK Regular"/>
                 <a:cs typeface="PingFang HK Regular"/>
                 <a:sym typeface="PingFang HK Regular"/>
               </a:rPr>
+              <a:t> </a:t>
+            </a:r>
+            <a:r>
+              <a:rPr dirty="0"/>
+              <a:t>UI </a:t>
+            </a:r>
+            <a:r>
+              <a:rPr dirty="0" err="1">
+                <a:latin typeface="PingFang HK Regular"/>
+                <a:ea typeface="PingFang HK Regular"/>
+                <a:cs typeface="PingFang HK Regular"/>
+                <a:sym typeface="PingFang HK Regular"/>
+              </a:rPr>
+              <a:t>库。后端采用</a:t>
+            </a:r>
+            <a:r>
+              <a:rPr dirty="0"/>
+              <a:t> </a:t>
+            </a:r>
+            <a:r>
+              <a:rPr b="1" dirty="0">
+                <a:solidFill>
+                  <a:srgbClr val="C70000"/>
+                </a:solidFill>
+              </a:rPr>
+              <a:t>Spring Boot </a:t>
+            </a:r>
+            <a:r>
+              <a:rPr dirty="0" err="1">
+                <a:latin typeface="PingFang HK Regular"/>
+                <a:ea typeface="PingFang HK Regular"/>
+                <a:cs typeface="PingFang HK Regular"/>
+                <a:sym typeface="PingFang HK Regular"/>
+              </a:rPr>
+              <a:t>架构，使用</a:t>
+            </a:r>
+            <a:r>
+              <a:rPr dirty="0"/>
+              <a:t> </a:t>
+            </a:r>
+            <a:r>
+              <a:rPr b="1" dirty="0">
+                <a:solidFill>
+                  <a:srgbClr val="C70000"/>
+                </a:solidFill>
+              </a:rPr>
+              <a:t>Swagger UI </a:t>
+            </a:r>
+            <a:r>
+              <a:rPr dirty="0" err="1">
+                <a:latin typeface="PingFang HK Regular"/>
+                <a:ea typeface="PingFang HK Regular"/>
+                <a:cs typeface="PingFang HK Regular"/>
+                <a:sym typeface="PingFang HK Regular"/>
+              </a:rPr>
+              <a:t>生成</a:t>
+            </a:r>
+            <a:r>
+              <a:rPr dirty="0">
+                <a:latin typeface="PingFang HK Regular"/>
+                <a:ea typeface="PingFang HK Regular"/>
+                <a:cs typeface="PingFang HK Regular"/>
+                <a:sym typeface="PingFang HK Regular"/>
+              </a:rPr>
+              <a:t> </a:t>
+            </a:r>
+            <a:r>
+              <a:rPr dirty="0"/>
+              <a:t>API </a:t>
+            </a:r>
+            <a:r>
+              <a:rPr dirty="0" err="1">
+                <a:latin typeface="PingFang HK Regular"/>
+                <a:ea typeface="PingFang HK Regular"/>
+                <a:cs typeface="PingFang HK Regular"/>
+                <a:sym typeface="PingFang HK Regular"/>
+              </a:rPr>
+              <a:t>文档</a:t>
+            </a:r>
+            <a:r>
+              <a:rPr dirty="0">
+                <a:latin typeface="PingFang HK Regular"/>
+                <a:ea typeface="PingFang HK Regular"/>
+                <a:cs typeface="PingFang HK Regular"/>
+                <a:sym typeface="PingFang HK Regular"/>
+              </a:rPr>
+              <a:t>。 </a:t>
+            </a:r>
+            <a:r>
+              <a:rPr dirty="0" err="1">
+                <a:latin typeface="PingFang HK Regular"/>
+                <a:ea typeface="PingFang HK Regular"/>
+                <a:cs typeface="PingFang HK Regular"/>
+                <a:sym typeface="PingFang HK Regular"/>
+              </a:rPr>
+              <a:t>数据库采用</a:t>
+            </a:r>
+            <a:r>
+              <a:rPr dirty="0"/>
+              <a:t> </a:t>
+            </a:r>
+            <a:r>
+              <a:rPr b="1" dirty="0">
+                <a:solidFill>
+                  <a:srgbClr val="C70000"/>
+                </a:solidFill>
+              </a:rPr>
+              <a:t>MySQL Community Version 8.0.12</a:t>
+            </a:r>
+            <a:r>
+              <a:rPr dirty="0"/>
+              <a:t>, </a:t>
+            </a:r>
+            <a:r>
+              <a:rPr dirty="0" err="1">
+                <a:latin typeface="PingFang HK Regular"/>
+                <a:ea typeface="PingFang HK Regular"/>
+                <a:cs typeface="PingFang HK Regular"/>
+                <a:sym typeface="PingFang HK Regular"/>
+              </a:rPr>
               <a:t>存有</a:t>
             </a:r>
             <a:r>
-              <a:rPr>
+              <a:rPr dirty="0" err="1">
                 <a:solidFill>
                   <a:srgbClr val="C70000"/>
                 </a:solidFill>
@@ -3643,7 +8128,7 @@
               <a:t>两万</a:t>
             </a:r>
             <a:r>
-              <a:rPr>
+              <a:rPr dirty="0" err="1">
                 <a:latin typeface="PingFang HK Regular"/>
                 <a:ea typeface="PingFang HK Regular"/>
                 <a:cs typeface="PingFang HK Regular"/>
@@ -3652,7 +8137,7 @@
               <a:t>余医生数据，</a:t>
             </a:r>
             <a:r>
-              <a:rPr>
+              <a:rPr dirty="0" err="1">
                 <a:solidFill>
                   <a:srgbClr val="C70000"/>
                 </a:solidFill>
@@ -3664,7 +8149,7 @@
               <a:t>十三万</a:t>
             </a:r>
             <a:r>
-              <a:rPr>
+              <a:rPr dirty="0" err="1">
                 <a:latin typeface="PingFang HK Regular"/>
                 <a:ea typeface="PingFang HK Regular"/>
                 <a:cs typeface="PingFang HK Regular"/>
@@ -3673,7 +8158,7 @@
               <a:t>患者数据，</a:t>
             </a:r>
             <a:r>
-              <a:rPr>
+              <a:rPr dirty="0" err="1">
                 <a:solidFill>
                   <a:srgbClr val="C70000"/>
                 </a:solidFill>
@@ -3685,7 +8170,7 @@
               <a:t>四十万</a:t>
             </a:r>
             <a:r>
-              <a:rPr>
+              <a:rPr dirty="0" err="1">
                 <a:latin typeface="PingFang HK Regular"/>
                 <a:ea typeface="PingFang HK Regular"/>
                 <a:cs typeface="PingFang HK Regular"/>
@@ -3694,7 +8179,7 @@
               <a:t>余条处方数据，近</a:t>
             </a:r>
             <a:r>
-              <a:rPr>
+              <a:rPr dirty="0" err="1">
                 <a:solidFill>
                   <a:srgbClr val="C70000"/>
                 </a:solidFill>
@@ -3706,13 +8191,22 @@
               <a:t>四十百万</a:t>
             </a:r>
             <a:r>
-              <a:rPr>
+              <a:rPr dirty="0" err="1">
                 <a:latin typeface="PingFang HK Regular"/>
                 <a:ea typeface="PingFang HK Regular"/>
                 <a:cs typeface="PingFang HK Regular"/>
                 <a:sym typeface="PingFang HK Regular"/>
               </a:rPr>
-              <a:t>余条诊断记录。经过多重索引和外键优化，平均性能仍较优秀。</a:t>
+              <a:t>余条诊断记录。经过多重索引和外键优化，平均性能仍较优秀</a:t>
+            </a:r>
+            <a:r>
+              <a:rPr dirty="0">
+                <a:latin typeface="PingFang HK Regular"/>
+                <a:ea typeface="PingFang HK Regular"/>
+                <a:cs typeface="PingFang HK Regular"/>
+                <a:sym typeface="PingFang HK Regular"/>
+              </a:rPr>
+              <a:t>。</a:t>
             </a:r>
           </a:p>
         </p:txBody>
@@ -3752,6 +8246,36 @@
           </a:p>
         </p:txBody>
       </p:sp>
+      <p:pic>
+        <p:nvPicPr>
+          <p:cNvPr id="2" name="图片 1">
+            <a:extLst>
+              <a:ext uri="{FF2B5EF4-FFF2-40B4-BE49-F238E27FC236}">
+                <a16:creationId xmlns:a16="http://schemas.microsoft.com/office/drawing/2014/main" id="{452941A3-63F3-D34E-932C-43C98382A670}"/>
+              </a:ext>
+            </a:extLst>
+          </p:cNvPr>
+          <p:cNvPicPr>
+            <a:picLocks noChangeAspect="1"/>
+          </p:cNvPicPr>
+          <p:nvPr/>
+        </p:nvPicPr>
+        <p:blipFill>
+          <a:blip r:embed="rId4"/>
+          <a:stretch>
+            <a:fillRect/>
+          </a:stretch>
+        </p:blipFill>
+        <p:spPr>
+          <a:xfrm>
+            <a:off x="8436946" y="605499"/>
+            <a:ext cx="3409065" cy="5547671"/>
+          </a:xfrm>
+          <a:prstGeom prst="rect">
+            <a:avLst/>
+          </a:prstGeom>
+        </p:spPr>
+      </p:pic>
     </p:spTree>
   </p:cSld>
   <p:clrMapOvr>
@@ -4455,7 +8979,7 @@
         <p:spPr>
           <a:xfrm>
             <a:off x="715583" y="1046083"/>
-            <a:ext cx="6719318" cy="1043941"/>
+            <a:ext cx="6719318" cy="923330"/>
           </a:xfrm>
           <a:prstGeom prst="rect">
             <a:avLst/>
@@ -4499,14 +9023,20 @@
               </a:defRPr>
             </a:pPr>
             <a:r>
-              <a:rPr b="0">
+              <a:rPr lang="zh-CN" altLang="en-US" b="0" dirty="0">
                 <a:latin typeface="PingFang HK Semibold"/>
                 <a:ea typeface="PingFang HK Semibold"/>
                 <a:cs typeface="PingFang HK Semibold"/>
                 <a:sym typeface="PingFang HK Semibold"/>
               </a:rPr>
-              <a:t>全球疫情可视化概览</a:t>
-            </a:r>
+              <a:t>首页</a:t>
+            </a:r>
+            <a:endParaRPr b="0" dirty="0">
+              <a:latin typeface="PingFang HK Semibold"/>
+              <a:ea typeface="PingFang HK Semibold"/>
+              <a:cs typeface="PingFang HK Semibold"/>
+              <a:sym typeface="PingFang HK Semibold"/>
+            </a:endParaRPr>
           </a:p>
         </p:txBody>
       </p:sp>
@@ -4519,7 +9049,7 @@
         <p:spPr>
           <a:xfrm>
             <a:off x="8375875" y="2660462"/>
-            <a:ext cx="3391462" cy="4726941"/>
+            <a:ext cx="3391462" cy="2512163"/>
           </a:xfrm>
           <a:prstGeom prst="rect">
             <a:avLst/>
@@ -4560,14 +9090,17 @@
               </a:defRPr>
             </a:pPr>
             <a:r>
-              <a:rPr>
-                <a:latin typeface="PingFang HK Regular"/>
-                <a:ea typeface="PingFang HK Regular"/>
-                <a:cs typeface="PingFang HK Regular"/>
-                <a:sym typeface="PingFang HK Regular"/>
-              </a:rPr>
-              <a:t>全球感染人数折线图</a:t>
-            </a:r>
+              <a:rPr lang="zh-CN" altLang="en-US" sz="1600" dirty="0">
+                <a:sym typeface="Ubuntu"/>
+              </a:rPr>
+              <a:t>病人接诊指南</a:t>
+            </a:r>
+            <a:endParaRPr dirty="0">
+              <a:latin typeface="PingFang HK Regular"/>
+              <a:ea typeface="PingFang HK Regular"/>
+              <a:cs typeface="PingFang HK Regular"/>
+              <a:sym typeface="PingFang HK Regular"/>
+            </a:endParaRPr>
           </a:p>
           <a:p>
             <a:pPr marL="742950" lvl="1" indent="-285750">
@@ -4591,14 +9124,17 @@
               </a:defRPr>
             </a:pPr>
             <a:r>
-              <a:rPr>
-                <a:latin typeface="PingFang HK Regular"/>
-                <a:ea typeface="PingFang HK Regular"/>
-                <a:cs typeface="PingFang HK Regular"/>
-                <a:sym typeface="PingFang HK Regular"/>
-              </a:rPr>
-              <a:t>没有增加美国是为了方便观察去他国家疫情走向</a:t>
-            </a:r>
+              <a:rPr lang="zh-CN" altLang="en-US" sz="1400" dirty="0">
+                <a:sym typeface="Ubuntu"/>
+              </a:rPr>
+              <a:t>指引用户界面友好</a:t>
+            </a:r>
+            <a:endParaRPr dirty="0">
+              <a:latin typeface="PingFang HK Regular"/>
+              <a:ea typeface="PingFang HK Regular"/>
+              <a:cs typeface="PingFang HK Regular"/>
+              <a:sym typeface="PingFang HK Regular"/>
+            </a:endParaRPr>
           </a:p>
           <a:p>
             <a:pPr marL="742950" lvl="1" indent="-285750">
@@ -4622,76 +9158,20 @@
               </a:defRPr>
             </a:pPr>
             <a:r>
-              <a:rPr>
+              <a:rPr lang="zh-CN" altLang="en-US" dirty="0">
                 <a:latin typeface="PingFang HK Regular"/>
                 <a:ea typeface="PingFang HK Regular"/>
                 <a:cs typeface="PingFang HK Regular"/>
                 <a:sym typeface="PingFang HK Regular"/>
               </a:rPr>
-              <a:t>增加可视化按钮，可以选择隐藏对应国家的疫情曲线</a:t>
-            </a:r>
-          </a:p>
-          <a:p>
-            <a:pPr marL="742950" lvl="1" indent="-285750">
-              <a:lnSpc>
-                <a:spcPct val="150000"/>
-              </a:lnSpc>
-              <a:spcBef>
-                <a:spcPts val="500"/>
-              </a:spcBef>
-              <a:buSzPct val="100000"/>
-              <a:buFont typeface="Arial"/>
-              <a:buChar char="•"/>
-              <a:defRPr sz="1400">
-                <a:solidFill>
-                  <a:srgbClr val="808080"/>
-                </a:solidFill>
-                <a:latin typeface="Ubuntu"/>
-                <a:ea typeface="Ubuntu"/>
-                <a:cs typeface="Ubuntu"/>
-                <a:sym typeface="Ubuntu"/>
-              </a:defRPr>
-            </a:pPr>
-            <a:r>
-              <a:rPr>
-                <a:latin typeface="PingFang HK Regular"/>
-                <a:ea typeface="PingFang HK Regular"/>
-                <a:cs typeface="PingFang HK Regular"/>
-                <a:sym typeface="PingFang HK Regular"/>
-              </a:rPr>
-              <a:t>数据真实可靠</a:t>
-            </a:r>
-          </a:p>
-          <a:p>
-            <a:pPr marL="742950" lvl="1" indent="-285750">
-              <a:lnSpc>
-                <a:spcPct val="150000"/>
-              </a:lnSpc>
-              <a:spcBef>
-                <a:spcPts val="500"/>
-              </a:spcBef>
-              <a:buSzPct val="100000"/>
-              <a:buFont typeface="Arial"/>
-              <a:buChar char="•"/>
-              <a:defRPr sz="1400">
-                <a:solidFill>
-                  <a:srgbClr val="808080"/>
-                </a:solidFill>
-                <a:latin typeface="Ubuntu"/>
-                <a:ea typeface="Ubuntu"/>
-                <a:cs typeface="Ubuntu"/>
-                <a:sym typeface="Ubuntu"/>
-              </a:defRPr>
-            </a:pPr>
-            <a:r>
-              <a:rPr>
-                <a:latin typeface="PingFang HK Regular"/>
-                <a:ea typeface="PingFang HK Regular"/>
-                <a:cs typeface="PingFang HK Regular"/>
-                <a:sym typeface="PingFang HK Regular"/>
-              </a:rPr>
-              <a:t>通过前端对数据的处理，可视化每天增加人数以及总计人数</a:t>
-            </a:r>
+              <a:t>清晰的反应接诊的流程</a:t>
+            </a:r>
+            <a:endParaRPr dirty="0">
+              <a:latin typeface="PingFang HK Regular"/>
+              <a:ea typeface="PingFang HK Regular"/>
+              <a:cs typeface="PingFang HK Regular"/>
+              <a:sym typeface="PingFang HK Regular"/>
+            </a:endParaRPr>
           </a:p>
           <a:p>
             <a:pPr marL="742950" lvl="1" indent="-285750">
@@ -4714,7 +9194,16 @@
                 <a:sym typeface="Ubuntu"/>
               </a:defRPr>
             </a:pPr>
-            <a:endParaRPr>
+            <a:r>
+              <a:rPr lang="zh-CN" altLang="en-US" dirty="0">
+                <a:latin typeface="PingFang HK Regular"/>
+                <a:ea typeface="PingFang HK Regular"/>
+                <a:cs typeface="PingFang HK Regular"/>
+                <a:sym typeface="PingFang HK Regular"/>
+              </a:rPr>
+              <a:t>所有信息的制作参考了六月份时全国的防疫工作</a:t>
+            </a:r>
+            <a:endParaRPr dirty="0">
               <a:latin typeface="PingFang HK Regular"/>
               <a:ea typeface="PingFang HK Regular"/>
               <a:cs typeface="PingFang HK Regular"/>
@@ -4742,7 +9231,7 @@
                 <a:sym typeface="Ubuntu"/>
               </a:defRPr>
             </a:pPr>
-            <a:endParaRPr>
+            <a:endParaRPr dirty="0">
               <a:latin typeface="PingFang HK Regular"/>
               <a:ea typeface="PingFang HK Regular"/>
               <a:cs typeface="PingFang HK Regular"/>
@@ -4770,7 +9259,7 @@
                 <a:sym typeface="Ubuntu"/>
               </a:defRPr>
             </a:pPr>
-            <a:endParaRPr>
+            <a:endParaRPr dirty="0">
               <a:latin typeface="PingFang HK Regular"/>
               <a:ea typeface="PingFang HK Regular"/>
               <a:cs typeface="PingFang HK Regular"/>
@@ -4787,8 +9276,8 @@
         </p:nvSpPr>
         <p:spPr>
           <a:xfrm>
-            <a:off x="6919243" y="1860779"/>
-            <a:ext cx="6719318" cy="510541"/>
+            <a:off x="2415668" y="1621663"/>
+            <a:ext cx="6719318" cy="461665"/>
           </a:xfrm>
           <a:prstGeom prst="rect">
             <a:avLst/>
@@ -4823,22 +9312,9 @@
             </a:lvl1pPr>
           </a:lstStyle>
           <a:p>
-            <a:pPr>
-              <a:defRPr b="1">
-                <a:latin typeface="Ubuntu"/>
-                <a:ea typeface="Ubuntu"/>
-                <a:cs typeface="Ubuntu"/>
-                <a:sym typeface="Ubuntu"/>
-              </a:defRPr>
-            </a:pPr>
-            <a:r>
-              <a:rPr b="0">
-                <a:latin typeface="PingFang HK Semibold"/>
-                <a:ea typeface="PingFang HK Semibold"/>
-                <a:cs typeface="PingFang HK Semibold"/>
-                <a:sym typeface="PingFang HK Semibold"/>
-              </a:rPr>
-              <a:t>多种类型图表结合</a:t>
+            <a:r>
+              <a:rPr lang="zh-CN" altLang="en-US" dirty="0"/>
+              <a:t>病人接诊流程卡片</a:t>
             </a:r>
           </a:p>
         </p:txBody>
@@ -4880,7 +9356,13 @@
       </p:sp>
       <p:pic>
         <p:nvPicPr>
-          <p:cNvPr id="123" name="图片 1" descr="图片 1"/>
+          <p:cNvPr id="2" name="图片 1">
+            <a:extLst>
+              <a:ext uri="{FF2B5EF4-FFF2-40B4-BE49-F238E27FC236}">
+                <a16:creationId xmlns:a16="http://schemas.microsoft.com/office/drawing/2014/main" id="{CC4DE433-3AB5-504A-8243-135E73837A56}"/>
+              </a:ext>
+            </a:extLst>
+          </p:cNvPr>
           <p:cNvPicPr>
             <a:picLocks noChangeAspect="1"/>
           </p:cNvPicPr>
@@ -4894,18 +9376,20 @@
         </p:blipFill>
         <p:spPr>
           <a:xfrm>
-            <a:off x="123016" y="2513392"/>
-            <a:ext cx="7904451" cy="3422691"/>
-          </a:xfrm>
-          <a:prstGeom prst="rect">
-            <a:avLst/>
-          </a:prstGeom>
-          <a:ln w="12700">
-            <a:miter lim="400000"/>
-          </a:ln>
+            <a:off x="424663" y="2133513"/>
+            <a:ext cx="6972300" cy="4686300"/>
+          </a:xfrm>
+          <a:prstGeom prst="rect">
+            <a:avLst/>
+          </a:prstGeom>
         </p:spPr>
       </p:pic>
     </p:spTree>
+    <p:extLst>
+      <p:ext uri="{BB962C8B-B14F-4D97-AF65-F5344CB8AC3E}">
+        <p14:creationId xmlns:p14="http://schemas.microsoft.com/office/powerpoint/2010/main" val="4039279058"/>
+      </p:ext>
+    </p:extLst>
   </p:cSld>
   <p:clrMapOvr>
     <a:masterClrMapping/>
@@ -4933,7 +9417,7 @@
       </p:grpSpPr>
       <p:sp>
         <p:nvSpPr>
-          <p:cNvPr id="125" name="Subtitle 2"/>
+          <p:cNvPr id="116" name="Subtitle 2"/>
           <p:cNvSpPr txBox="1">
             <a:spLocks noGrp="1"/>
           </p:cNvSpPr>
@@ -5000,7 +9484,7 @@
       </p:sp>
       <p:pic>
         <p:nvPicPr>
-          <p:cNvPr id="126" name="Graphic 4" descr="Graphic 4"/>
+          <p:cNvPr id="117" name="Graphic 4" descr="Graphic 4"/>
           <p:cNvPicPr>
             <a:picLocks noChangeAspect="1"/>
           </p:cNvPicPr>
@@ -5027,7 +9511,7 @@
       </p:pic>
       <p:pic>
         <p:nvPicPr>
-          <p:cNvPr id="127" name="Graphic 13" descr="Graphic 13"/>
+          <p:cNvPr id="118" name="Graphic 13" descr="Graphic 13"/>
           <p:cNvPicPr>
             <a:picLocks noChangeAspect="1"/>
           </p:cNvPicPr>
@@ -5055,7 +9539,7 @@
       </p:pic>
       <p:sp>
         <p:nvSpPr>
-          <p:cNvPr id="128" name="Subtitle 2"/>
+          <p:cNvPr id="119" name="Subtitle 2"/>
           <p:cNvSpPr txBox="1"/>
           <p:nvPr/>
         </p:nvSpPr>
@@ -5119,14 +9603,14 @@
       </p:sp>
       <p:sp>
         <p:nvSpPr>
-          <p:cNvPr id="129" name="Subtitle 2"/>
+          <p:cNvPr id="120" name="Subtitle 2"/>
           <p:cNvSpPr txBox="1"/>
           <p:nvPr/>
         </p:nvSpPr>
         <p:spPr>
           <a:xfrm>
-            <a:off x="6141719" y="2775711"/>
-            <a:ext cx="5016856" cy="3698241"/>
+            <a:off x="8375875" y="2660462"/>
+            <a:ext cx="3391462" cy="4726941"/>
           </a:xfrm>
           <a:prstGeom prst="rect">
             <a:avLst/>
@@ -5173,7 +9657,7 @@
                 <a:cs typeface="PingFang HK Regular"/>
                 <a:sym typeface="PingFang HK Regular"/>
               </a:rPr>
-              <a:t>国内疫情人数情况</a:t>
+              <a:t>全球感染人数折线图</a:t>
             </a:r>
           </a:p>
           <a:p>
@@ -5204,7 +9688,7 @@
                 <a:cs typeface="PingFang HK Regular"/>
                 <a:sym typeface="PingFang HK Regular"/>
               </a:rPr>
-              <a:t>针对当前全新的防疫状况，增设无症状感染者一栏</a:t>
+              <a:t>没有增加美国是为了方便观察去他国家疫情走向</a:t>
             </a:r>
           </a:p>
           <a:p>
@@ -5235,7 +9719,7 @@
                 <a:cs typeface="PingFang HK Regular"/>
                 <a:sym typeface="PingFang HK Regular"/>
               </a:rPr>
-              <a:t>静态的数据显示</a:t>
+              <a:t>增加可视化按钮，可以选择隐藏对应国家的疫情曲线</a:t>
             </a:r>
           </a:p>
           <a:p>
@@ -5266,7 +9750,7 @@
                 <a:cs typeface="PingFang HK Regular"/>
                 <a:sym typeface="PingFang HK Regular"/>
               </a:rPr>
-              <a:t>通过形状的弯曲来表示包含关系</a:t>
+              <a:t>数据真实可靠</a:t>
             </a:r>
           </a:p>
           <a:p>
@@ -5297,40 +9781,8 @@
                 <a:cs typeface="PingFang HK Regular"/>
                 <a:sym typeface="PingFang HK Regular"/>
               </a:rPr>
-              <a:t>形式简约大方，又不失美感</a:t>
-            </a:r>
-          </a:p>
-          <a:p>
-            <a:pPr marL="742950" lvl="1" indent="-285750">
-              <a:lnSpc>
-                <a:spcPct val="150000"/>
-              </a:lnSpc>
-              <a:spcBef>
-                <a:spcPts val="500"/>
-              </a:spcBef>
-              <a:buSzPct val="100000"/>
-              <a:buFont typeface="Arial"/>
-              <a:buChar char="•"/>
-              <a:defRPr sz="1400">
-                <a:solidFill>
-                  <a:srgbClr val="808080"/>
-                </a:solidFill>
-                <a:latin typeface="Ubuntu"/>
-                <a:ea typeface="Ubuntu"/>
-                <a:cs typeface="Ubuntu"/>
-                <a:sym typeface="Ubuntu"/>
-              </a:defRPr>
-            </a:pPr>
-            <a:r>
-              <a:rPr>
-                <a:latin typeface="PingFang HK Regular"/>
-                <a:ea typeface="PingFang HK Regular"/>
-                <a:cs typeface="PingFang HK Regular"/>
-                <a:sym typeface="PingFang HK Regular"/>
-              </a:rPr>
-              <a:t>数据真实可靠</a:t>
-            </a:r>
-            <a:endParaRPr sz="1200"/>
+              <a:t>通过前端对数据的处理，可视化每天增加人数以及总计人数</a:t>
+            </a:r>
           </a:p>
           <a:p>
             <a:pPr marL="742950" lvl="1" indent="-285750">
@@ -5353,7 +9805,12 @@
                 <a:sym typeface="Ubuntu"/>
               </a:defRPr>
             </a:pPr>
-            <a:endParaRPr sz="1200"/>
+            <a:endParaRPr>
+              <a:latin typeface="PingFang HK Regular"/>
+              <a:ea typeface="PingFang HK Regular"/>
+              <a:cs typeface="PingFang HK Regular"/>
+              <a:sym typeface="PingFang HK Regular"/>
+            </a:endParaRPr>
           </a:p>
           <a:p>
             <a:pPr marL="742950" lvl="1" indent="-285750">
@@ -5376,13 +9833,46 @@
                 <a:sym typeface="Ubuntu"/>
               </a:defRPr>
             </a:pPr>
-            <a:endParaRPr sz="1200"/>
+            <a:endParaRPr>
+              <a:latin typeface="PingFang HK Regular"/>
+              <a:ea typeface="PingFang HK Regular"/>
+              <a:cs typeface="PingFang HK Regular"/>
+              <a:sym typeface="PingFang HK Regular"/>
+            </a:endParaRPr>
+          </a:p>
+          <a:p>
+            <a:pPr marL="742950" lvl="1" indent="-285750">
+              <a:lnSpc>
+                <a:spcPct val="150000"/>
+              </a:lnSpc>
+              <a:spcBef>
+                <a:spcPts val="500"/>
+              </a:spcBef>
+              <a:buSzPct val="100000"/>
+              <a:buFont typeface="Arial"/>
+              <a:buChar char="•"/>
+              <a:defRPr sz="1200">
+                <a:solidFill>
+                  <a:srgbClr val="808080"/>
+                </a:solidFill>
+                <a:latin typeface="Ubuntu"/>
+                <a:ea typeface="Ubuntu"/>
+                <a:cs typeface="Ubuntu"/>
+                <a:sym typeface="Ubuntu"/>
+              </a:defRPr>
+            </a:pPr>
+            <a:endParaRPr>
+              <a:latin typeface="PingFang HK Regular"/>
+              <a:ea typeface="PingFang HK Regular"/>
+              <a:cs typeface="PingFang HK Regular"/>
+              <a:sym typeface="PingFang HK Regular"/>
+            </a:endParaRPr>
           </a:p>
         </p:txBody>
       </p:sp>
       <p:sp>
         <p:nvSpPr>
-          <p:cNvPr id="130" name="Subtitle 2"/>
+          <p:cNvPr id="121" name="Subtitle 2"/>
           <p:cNvSpPr txBox="1"/>
           <p:nvPr/>
         </p:nvSpPr>
@@ -5446,7 +9936,7 @@
       </p:sp>
       <p:sp>
         <p:nvSpPr>
-          <p:cNvPr id="131" name="Slide Number Placeholder 21"/>
+          <p:cNvPr id="122" name="Slide Number Placeholder 21"/>
           <p:cNvSpPr txBox="1">
             <a:spLocks noGrp="1"/>
           </p:cNvSpPr>
@@ -5481,7 +9971,7 @@
       </p:sp>
       <p:pic>
         <p:nvPicPr>
-          <p:cNvPr id="132" name="图片 3" descr="图片 3"/>
+          <p:cNvPr id="123" name="图片 1" descr="图片 1"/>
           <p:cNvPicPr>
             <a:picLocks noChangeAspect="1"/>
           </p:cNvPicPr>
@@ -5495,8 +9985,8 @@
         </p:blipFill>
         <p:spPr>
           <a:xfrm>
-            <a:off x="345987" y="1976505"/>
-            <a:ext cx="5244584" cy="4830290"/>
+            <a:off x="123016" y="2513392"/>
+            <a:ext cx="7904451" cy="3422691"/>
           </a:xfrm>
           <a:prstGeom prst="rect">
             <a:avLst/>
@@ -5534,7 +10024,7 @@
       </p:grpSpPr>
       <p:sp>
         <p:nvSpPr>
-          <p:cNvPr id="134" name="Subtitle 2"/>
+          <p:cNvPr id="125" name="Subtitle 2"/>
           <p:cNvSpPr txBox="1">
             <a:spLocks noGrp="1"/>
           </p:cNvSpPr>
@@ -5601,7 +10091,7 @@
       </p:sp>
       <p:pic>
         <p:nvPicPr>
-          <p:cNvPr id="135" name="Graphic 4" descr="Graphic 4"/>
+          <p:cNvPr id="126" name="Graphic 4" descr="Graphic 4"/>
           <p:cNvPicPr>
             <a:picLocks noChangeAspect="1"/>
           </p:cNvPicPr>
@@ -5628,7 +10118,7 @@
       </p:pic>
       <p:pic>
         <p:nvPicPr>
-          <p:cNvPr id="136" name="Graphic 13" descr="Graphic 13"/>
+          <p:cNvPr id="127" name="Graphic 13" descr="Graphic 13"/>
           <p:cNvPicPr>
             <a:picLocks noChangeAspect="1"/>
           </p:cNvPicPr>
@@ -5656,7 +10146,7 @@
       </p:pic>
       <p:sp>
         <p:nvSpPr>
-          <p:cNvPr id="137" name="Subtitle 2"/>
+          <p:cNvPr id="128" name="Subtitle 2"/>
           <p:cNvSpPr txBox="1"/>
           <p:nvPr/>
         </p:nvSpPr>
@@ -5707,7 +10197,7 @@
               </a:defRPr>
             </a:pPr>
             <a:r>
-              <a:rPr b="0">
+              <a:rPr b="0" dirty="0" err="1">
                 <a:latin typeface="PingFang HK Semibold"/>
                 <a:ea typeface="PingFang HK Semibold"/>
                 <a:cs typeface="PingFang HK Semibold"/>
@@ -5715,19 +10205,25 @@
               </a:rPr>
               <a:t>全球疫情可视化概览</a:t>
             </a:r>
+            <a:endParaRPr b="0" dirty="0">
+              <a:latin typeface="PingFang HK Semibold"/>
+              <a:ea typeface="PingFang HK Semibold"/>
+              <a:cs typeface="PingFang HK Semibold"/>
+              <a:sym typeface="PingFang HK Semibold"/>
+            </a:endParaRPr>
           </a:p>
         </p:txBody>
       </p:sp>
       <p:sp>
         <p:nvSpPr>
-          <p:cNvPr id="138" name="Subtitle 2"/>
+          <p:cNvPr id="129" name="Subtitle 2"/>
           <p:cNvSpPr txBox="1"/>
           <p:nvPr/>
         </p:nvSpPr>
         <p:spPr>
           <a:xfrm>
             <a:off x="6141719" y="2775711"/>
-            <a:ext cx="5016856" cy="3571241"/>
+            <a:ext cx="5016856" cy="3698241"/>
           </a:xfrm>
           <a:prstGeom prst="rect">
             <a:avLst/>
@@ -5768,14 +10264,20 @@
               </a:defRPr>
             </a:pPr>
             <a:r>
-              <a:rPr>
+              <a:rPr dirty="0" err="1">
                 <a:latin typeface="PingFang HK Regular"/>
                 <a:ea typeface="PingFang HK Regular"/>
                 <a:cs typeface="PingFang HK Regular"/>
                 <a:sym typeface="PingFang HK Regular"/>
               </a:rPr>
-              <a:t>国际旅游入境人数统计</a:t>
-            </a:r>
+              <a:t>国内疫情人数情况</a:t>
+            </a:r>
+            <a:endParaRPr dirty="0">
+              <a:latin typeface="PingFang HK Regular"/>
+              <a:ea typeface="PingFang HK Regular"/>
+              <a:cs typeface="PingFang HK Regular"/>
+              <a:sym typeface="PingFang HK Regular"/>
+            </a:endParaRPr>
           </a:p>
           <a:p>
             <a:pPr marL="742950" lvl="1" indent="-285750">
@@ -5799,14 +10301,20 @@
               </a:defRPr>
             </a:pPr>
             <a:r>
-              <a:rPr>
+              <a:rPr dirty="0" err="1">
                 <a:latin typeface="PingFang HK Regular"/>
                 <a:ea typeface="PingFang HK Regular"/>
                 <a:cs typeface="PingFang HK Regular"/>
                 <a:sym typeface="PingFang HK Regular"/>
               </a:rPr>
-              <a:t>可视化的比较通过疫情爆发前后，入境人数的变化</a:t>
-            </a:r>
+              <a:t>针对当前全新的防疫状况，增设无症状感染者一栏</a:t>
+            </a:r>
+            <a:endParaRPr dirty="0">
+              <a:latin typeface="PingFang HK Regular"/>
+              <a:ea typeface="PingFang HK Regular"/>
+              <a:cs typeface="PingFang HK Regular"/>
+              <a:sym typeface="PingFang HK Regular"/>
+            </a:endParaRPr>
           </a:p>
           <a:p>
             <a:pPr marL="742950" lvl="1" indent="-285750">
@@ -5830,86 +10338,20 @@
               </a:defRPr>
             </a:pPr>
             <a:r>
-              <a:rPr>
+              <a:rPr dirty="0" err="1">
                 <a:latin typeface="PingFang HK Regular"/>
                 <a:ea typeface="PingFang HK Regular"/>
                 <a:cs typeface="PingFang HK Regular"/>
                 <a:sym typeface="PingFang HK Regular"/>
               </a:rPr>
-              <a:t>增设隐藏对应</a:t>
-            </a:r>
-            <a:r>
-              <a:t>“</a:t>
-            </a:r>
-            <a:r>
-              <a:rPr>
-                <a:latin typeface="PingFang HK Regular"/>
-                <a:ea typeface="PingFang HK Regular"/>
-                <a:cs typeface="PingFang HK Regular"/>
-                <a:sym typeface="PingFang HK Regular"/>
-              </a:rPr>
-              <a:t>外国人</a:t>
-            </a:r>
-            <a:r>
-              <a:t>”</a:t>
-            </a:r>
-            <a:r>
-              <a:rPr>
-                <a:latin typeface="PingFang HK Regular"/>
-                <a:ea typeface="PingFang HK Regular"/>
-                <a:cs typeface="PingFang HK Regular"/>
-                <a:sym typeface="PingFang HK Regular"/>
-              </a:rPr>
-              <a:t>、</a:t>
-            </a:r>
-            <a:r>
-              <a:t>“</a:t>
-            </a:r>
-            <a:r>
-              <a:rPr>
-                <a:latin typeface="PingFang HK Regular"/>
-                <a:ea typeface="PingFang HK Regular"/>
-                <a:cs typeface="PingFang HK Regular"/>
-                <a:sym typeface="PingFang HK Regular"/>
-              </a:rPr>
-              <a:t>台湾同胞</a:t>
-            </a:r>
-            <a:r>
-              <a:t>”</a:t>
-            </a:r>
-            <a:r>
-              <a:rPr>
-                <a:latin typeface="PingFang HK Regular"/>
-                <a:ea typeface="PingFang HK Regular"/>
-                <a:cs typeface="PingFang HK Regular"/>
-                <a:sym typeface="PingFang HK Regular"/>
-              </a:rPr>
-              <a:t>、</a:t>
-            </a:r>
-            <a:r>
-              <a:t>“</a:t>
-            </a:r>
-            <a:r>
-              <a:rPr>
-                <a:latin typeface="PingFang HK Regular"/>
-                <a:ea typeface="PingFang HK Regular"/>
-                <a:cs typeface="PingFang HK Regular"/>
-                <a:sym typeface="PingFang HK Regular"/>
-              </a:rPr>
-              <a:t>港澳同胞</a:t>
-            </a:r>
-            <a:r>
-              <a:t>”</a:t>
-            </a:r>
-            <a:r>
-              <a:rPr>
-                <a:latin typeface="PingFang HK Regular"/>
-                <a:ea typeface="PingFang HK Regular"/>
-                <a:cs typeface="PingFang HK Regular"/>
-                <a:sym typeface="PingFang HK Regular"/>
-              </a:rPr>
-              <a:t>数据的按钮，且会根据隐藏动态的调整纵坐标，已经根据比例动态缩放对应柱形图</a:t>
-            </a:r>
+              <a:t>静态的数据显示</a:t>
+            </a:r>
+            <a:endParaRPr dirty="0">
+              <a:latin typeface="PingFang HK Regular"/>
+              <a:ea typeface="PingFang HK Regular"/>
+              <a:cs typeface="PingFang HK Regular"/>
+              <a:sym typeface="PingFang HK Regular"/>
+            </a:endParaRPr>
           </a:p>
           <a:p>
             <a:pPr marL="742950" lvl="1" indent="-285750">
@@ -5933,15 +10375,89 @@
               </a:defRPr>
             </a:pPr>
             <a:r>
-              <a:rPr>
+              <a:rPr dirty="0" err="1">
                 <a:latin typeface="PingFang HK Regular"/>
                 <a:ea typeface="PingFang HK Regular"/>
                 <a:cs typeface="PingFang HK Regular"/>
                 <a:sym typeface="PingFang HK Regular"/>
               </a:rPr>
-              <a:t>数据无法查到完整的统计，故部分数据是认为编造</a:t>
-            </a:r>
-            <a:endParaRPr sz="1200"/>
+              <a:t>通过形状的弯曲来表示包含关系</a:t>
+            </a:r>
+            <a:endParaRPr dirty="0">
+              <a:latin typeface="PingFang HK Regular"/>
+              <a:ea typeface="PingFang HK Regular"/>
+              <a:cs typeface="PingFang HK Regular"/>
+              <a:sym typeface="PingFang HK Regular"/>
+            </a:endParaRPr>
+          </a:p>
+          <a:p>
+            <a:pPr marL="742950" lvl="1" indent="-285750">
+              <a:lnSpc>
+                <a:spcPct val="150000"/>
+              </a:lnSpc>
+              <a:spcBef>
+                <a:spcPts val="500"/>
+              </a:spcBef>
+              <a:buSzPct val="100000"/>
+              <a:buFont typeface="Arial"/>
+              <a:buChar char="•"/>
+              <a:defRPr sz="1400">
+                <a:solidFill>
+                  <a:srgbClr val="808080"/>
+                </a:solidFill>
+                <a:latin typeface="Ubuntu"/>
+                <a:ea typeface="Ubuntu"/>
+                <a:cs typeface="Ubuntu"/>
+                <a:sym typeface="Ubuntu"/>
+              </a:defRPr>
+            </a:pPr>
+            <a:r>
+              <a:rPr dirty="0" err="1">
+                <a:latin typeface="PingFang HK Regular"/>
+                <a:ea typeface="PingFang HK Regular"/>
+                <a:cs typeface="PingFang HK Regular"/>
+                <a:sym typeface="PingFang HK Regular"/>
+              </a:rPr>
+              <a:t>形式简约大方，又不失美感</a:t>
+            </a:r>
+            <a:endParaRPr dirty="0">
+              <a:latin typeface="PingFang HK Regular"/>
+              <a:ea typeface="PingFang HK Regular"/>
+              <a:cs typeface="PingFang HK Regular"/>
+              <a:sym typeface="PingFang HK Regular"/>
+            </a:endParaRPr>
+          </a:p>
+          <a:p>
+            <a:pPr marL="742950" lvl="1" indent="-285750">
+              <a:lnSpc>
+                <a:spcPct val="150000"/>
+              </a:lnSpc>
+              <a:spcBef>
+                <a:spcPts val="500"/>
+              </a:spcBef>
+              <a:buSzPct val="100000"/>
+              <a:buFont typeface="Arial"/>
+              <a:buChar char="•"/>
+              <a:defRPr sz="1400">
+                <a:solidFill>
+                  <a:srgbClr val="808080"/>
+                </a:solidFill>
+                <a:latin typeface="Ubuntu"/>
+                <a:ea typeface="Ubuntu"/>
+                <a:cs typeface="Ubuntu"/>
+                <a:sym typeface="Ubuntu"/>
+              </a:defRPr>
+            </a:pPr>
+            <a:r>
+              <a:rPr dirty="0" err="1">
+                <a:latin typeface="PingFang HK Regular"/>
+                <a:ea typeface="PingFang HK Regular"/>
+                <a:cs typeface="PingFang HK Regular"/>
+                <a:sym typeface="PingFang HK Regular"/>
+              </a:rPr>
+              <a:t>数据真实可靠</a:t>
+            </a:r>
+            <a:endParaRPr sz="1200" dirty="0"/>
           </a:p>
           <a:p>
             <a:pPr marL="742950" lvl="1" indent="-285750">
@@ -5964,7 +10480,7 @@
                 <a:sym typeface="Ubuntu"/>
               </a:defRPr>
             </a:pPr>
-            <a:endParaRPr sz="1200"/>
+            <a:endParaRPr sz="1200" dirty="0"/>
           </a:p>
           <a:p>
             <a:pPr marL="742950" lvl="1" indent="-285750">
@@ -5987,13 +10503,13 @@
                 <a:sym typeface="Ubuntu"/>
               </a:defRPr>
             </a:pPr>
-            <a:endParaRPr sz="1200"/>
+            <a:endParaRPr sz="1200" dirty="0"/>
           </a:p>
         </p:txBody>
       </p:sp>
       <p:sp>
         <p:nvSpPr>
-          <p:cNvPr id="139" name="Subtitle 2"/>
+          <p:cNvPr id="130" name="Subtitle 2"/>
           <p:cNvSpPr txBox="1"/>
           <p:nvPr/>
         </p:nvSpPr>
@@ -6044,7 +10560,7 @@
               </a:defRPr>
             </a:pPr>
             <a:r>
-              <a:rPr b="0">
+              <a:rPr b="0" dirty="0" err="1">
                 <a:latin typeface="PingFang HK Semibold"/>
                 <a:ea typeface="PingFang HK Semibold"/>
                 <a:cs typeface="PingFang HK Semibold"/>
@@ -6052,12 +10568,18 @@
               </a:rPr>
               <a:t>多种类型图表结合</a:t>
             </a:r>
+            <a:endParaRPr b="0" dirty="0">
+              <a:latin typeface="PingFang HK Semibold"/>
+              <a:ea typeface="PingFang HK Semibold"/>
+              <a:cs typeface="PingFang HK Semibold"/>
+              <a:sym typeface="PingFang HK Semibold"/>
+            </a:endParaRPr>
           </a:p>
         </p:txBody>
       </p:sp>
       <p:sp>
         <p:nvSpPr>
-          <p:cNvPr id="140" name="Slide Number Placeholder 21"/>
+          <p:cNvPr id="131" name="Slide Number Placeholder 21"/>
           <p:cNvSpPr txBox="1">
             <a:spLocks noGrp="1"/>
           </p:cNvSpPr>
@@ -6092,7 +10614,7 @@
       </p:sp>
       <p:pic>
         <p:nvPicPr>
-          <p:cNvPr id="141" name="图片 1" descr="图片 1"/>
+          <p:cNvPr id="132" name="图片 3" descr="图片 3"/>
           <p:cNvPicPr>
             <a:picLocks noChangeAspect="1"/>
           </p:cNvPicPr>
@@ -6106,8 +10628,8 @@
         </p:blipFill>
         <p:spPr>
           <a:xfrm>
-            <a:off x="571169" y="2038925"/>
-            <a:ext cx="4747308" cy="4473590"/>
+            <a:off x="345987" y="1976505"/>
+            <a:ext cx="5244584" cy="4830290"/>
           </a:xfrm>
           <a:prstGeom prst="rect">
             <a:avLst/>
@@ -6145,7 +10667,7 @@
       </p:grpSpPr>
       <p:sp>
         <p:nvSpPr>
-          <p:cNvPr id="143" name="Subtitle 2"/>
+          <p:cNvPr id="134" name="Subtitle 2"/>
           <p:cNvSpPr txBox="1">
             <a:spLocks noGrp="1"/>
           </p:cNvSpPr>
@@ -6212,7 +10734,7 @@
       </p:sp>
       <p:pic>
         <p:nvPicPr>
-          <p:cNvPr id="144" name="Graphic 4" descr="Graphic 4"/>
+          <p:cNvPr id="135" name="Graphic 4" descr="Graphic 4"/>
           <p:cNvPicPr>
             <a:picLocks noChangeAspect="1"/>
           </p:cNvPicPr>
@@ -6239,7 +10761,7 @@
       </p:pic>
       <p:pic>
         <p:nvPicPr>
-          <p:cNvPr id="145" name="Graphic 13" descr="Graphic 13"/>
+          <p:cNvPr id="136" name="Graphic 13" descr="Graphic 13"/>
           <p:cNvPicPr>
             <a:picLocks noChangeAspect="1"/>
           </p:cNvPicPr>
@@ -6267,7 +10789,7 @@
       </p:pic>
       <p:sp>
         <p:nvSpPr>
-          <p:cNvPr id="146" name="Subtitle 2"/>
+          <p:cNvPr id="137" name="Subtitle 2"/>
           <p:cNvSpPr txBox="1"/>
           <p:nvPr/>
         </p:nvSpPr>
@@ -6331,14 +10853,14 @@
       </p:sp>
       <p:sp>
         <p:nvSpPr>
-          <p:cNvPr id="147" name="Subtitle 2"/>
+          <p:cNvPr id="138" name="Subtitle 2"/>
           <p:cNvSpPr txBox="1"/>
           <p:nvPr/>
         </p:nvSpPr>
         <p:spPr>
           <a:xfrm>
-            <a:off x="8914759" y="2179995"/>
-            <a:ext cx="3023177" cy="5209541"/>
+            <a:off x="6141719" y="2775711"/>
+            <a:ext cx="5016856" cy="3571241"/>
           </a:xfrm>
           <a:prstGeom prst="rect">
             <a:avLst/>
@@ -6379,26 +10901,20 @@
               </a:defRPr>
             </a:pPr>
             <a:r>
-              <a:rPr>
+              <a:rPr dirty="0" err="1">
                 <a:latin typeface="PingFang HK Regular"/>
                 <a:ea typeface="PingFang HK Regular"/>
                 <a:cs typeface="PingFang HK Regular"/>
                 <a:sym typeface="PingFang HK Regular"/>
               </a:rPr>
-              <a:t>国际</a:t>
-            </a:r>
-            <a:r>
-              <a:t>/</a:t>
-            </a:r>
-            <a:r>
-              <a:rPr>
-                <a:latin typeface="PingFang HK Regular"/>
-                <a:ea typeface="PingFang HK Regular"/>
-                <a:cs typeface="PingFang HK Regular"/>
-                <a:sym typeface="PingFang HK Regular"/>
-              </a:rPr>
-              <a:t>国内疫情变化</a:t>
-            </a:r>
+              <a:t>国际旅游入境人数统计</a:t>
+            </a:r>
+            <a:endParaRPr dirty="0">
+              <a:latin typeface="PingFang HK Regular"/>
+              <a:ea typeface="PingFang HK Regular"/>
+              <a:cs typeface="PingFang HK Regular"/>
+              <a:sym typeface="PingFang HK Regular"/>
+            </a:endParaRPr>
           </a:p>
           <a:p>
             <a:pPr marL="742950" lvl="1" indent="-285750">
@@ -6422,14 +10938,20 @@
               </a:defRPr>
             </a:pPr>
             <a:r>
-              <a:rPr>
+              <a:rPr dirty="0" err="1">
                 <a:latin typeface="PingFang HK Regular"/>
                 <a:ea typeface="PingFang HK Regular"/>
                 <a:cs typeface="PingFang HK Regular"/>
                 <a:sym typeface="PingFang HK Regular"/>
               </a:rPr>
-              <a:t>可视化的比较疫情爆发几个月国际和国内的增长幅度变化</a:t>
-            </a:r>
+              <a:t>可视化的比较通过疫情爆发前后，入境人数的变化</a:t>
+            </a:r>
+            <a:endParaRPr dirty="0">
+              <a:latin typeface="PingFang HK Regular"/>
+              <a:ea typeface="PingFang HK Regular"/>
+              <a:cs typeface="PingFang HK Regular"/>
+              <a:sym typeface="PingFang HK Regular"/>
+            </a:endParaRPr>
           </a:p>
           <a:p>
             <a:pPr marL="742950" lvl="1" indent="-285750">
@@ -6453,14 +10975,98 @@
               </a:defRPr>
             </a:pPr>
             <a:r>
-              <a:rPr>
+              <a:rPr dirty="0">
                 <a:latin typeface="PingFang HK Regular"/>
                 <a:ea typeface="PingFang HK Regular"/>
                 <a:cs typeface="PingFang HK Regular"/>
                 <a:sym typeface="PingFang HK Regular"/>
               </a:rPr>
-              <a:t>增设隐藏对应选项数据的按钮，且会根据隐藏动态的调整纵坐标，已经根据比例动态缩放对应柱形图</a:t>
-            </a:r>
+              <a:t>增设隐藏对应</a:t>
+            </a:r>
+            <a:r>
+              <a:rPr dirty="0"/>
+              <a:t>“</a:t>
+            </a:r>
+            <a:r>
+              <a:rPr dirty="0" err="1">
+                <a:latin typeface="PingFang HK Regular"/>
+                <a:ea typeface="PingFang HK Regular"/>
+                <a:cs typeface="PingFang HK Regular"/>
+                <a:sym typeface="PingFang HK Regular"/>
+              </a:rPr>
+              <a:t>外国人</a:t>
+            </a:r>
+            <a:r>
+              <a:rPr dirty="0"/>
+              <a:t>”</a:t>
+            </a:r>
+            <a:r>
+              <a:rPr dirty="0">
+                <a:latin typeface="PingFang HK Regular"/>
+                <a:ea typeface="PingFang HK Regular"/>
+                <a:cs typeface="PingFang HK Regular"/>
+                <a:sym typeface="PingFang HK Regular"/>
+              </a:rPr>
+              <a:t>、</a:t>
+            </a:r>
+            <a:r>
+              <a:rPr dirty="0"/>
+              <a:t>“</a:t>
+            </a:r>
+            <a:r>
+              <a:rPr dirty="0" err="1">
+                <a:latin typeface="PingFang HK Regular"/>
+                <a:ea typeface="PingFang HK Regular"/>
+                <a:cs typeface="PingFang HK Regular"/>
+                <a:sym typeface="PingFang HK Regular"/>
+              </a:rPr>
+              <a:t>台湾同胞</a:t>
+            </a:r>
+            <a:r>
+              <a:rPr dirty="0"/>
+              <a:t>”</a:t>
+            </a:r>
+            <a:r>
+              <a:rPr dirty="0">
+                <a:latin typeface="PingFang HK Regular"/>
+                <a:ea typeface="PingFang HK Regular"/>
+                <a:cs typeface="PingFang HK Regular"/>
+                <a:sym typeface="PingFang HK Regular"/>
+              </a:rPr>
+              <a:t>、</a:t>
+            </a:r>
+            <a:r>
+              <a:rPr dirty="0"/>
+              <a:t>“</a:t>
+            </a:r>
+            <a:r>
+              <a:rPr dirty="0" err="1">
+                <a:latin typeface="PingFang HK Regular"/>
+                <a:ea typeface="PingFang HK Regular"/>
+                <a:cs typeface="PingFang HK Regular"/>
+                <a:sym typeface="PingFang HK Regular"/>
+              </a:rPr>
+              <a:t>港澳同胞</a:t>
+            </a:r>
+            <a:r>
+              <a:rPr dirty="0" err="1"/>
+              <a:t>”</a:t>
+            </a:r>
+            <a:r>
+              <a:rPr dirty="0" err="1">
+                <a:latin typeface="PingFang HK Regular"/>
+                <a:ea typeface="PingFang HK Regular"/>
+                <a:cs typeface="PingFang HK Regular"/>
+                <a:sym typeface="PingFang HK Regular"/>
+              </a:rPr>
+              <a:t>数据的按钮，且会根据隐藏动态的调整纵坐标，已经根据比例动态缩放对应柱形图</a:t>
+            </a:r>
+            <a:endParaRPr dirty="0">
+              <a:latin typeface="PingFang HK Regular"/>
+              <a:ea typeface="PingFang HK Regular"/>
+              <a:cs typeface="PingFang HK Regular"/>
+              <a:sym typeface="PingFang HK Regular"/>
+            </a:endParaRPr>
           </a:p>
           <a:p>
             <a:pPr marL="742950" lvl="1" indent="-285750">
@@ -6484,46 +11090,15 @@
               </a:defRPr>
             </a:pPr>
             <a:r>
-              <a:rPr>
+              <a:rPr dirty="0" err="1">
                 <a:latin typeface="PingFang HK Regular"/>
                 <a:ea typeface="PingFang HK Regular"/>
                 <a:cs typeface="PingFang HK Regular"/>
                 <a:sym typeface="PingFang HK Regular"/>
               </a:rPr>
-              <a:t>增长向上、降低向下，更加清晰</a:t>
-            </a:r>
-          </a:p>
-          <a:p>
-            <a:pPr marL="742950" lvl="1" indent="-285750">
-              <a:lnSpc>
-                <a:spcPct val="150000"/>
-              </a:lnSpc>
-              <a:spcBef>
-                <a:spcPts val="500"/>
-              </a:spcBef>
-              <a:buSzPct val="100000"/>
-              <a:buFont typeface="Arial"/>
-              <a:buChar char="•"/>
-              <a:defRPr sz="1400">
-                <a:solidFill>
-                  <a:srgbClr val="808080"/>
-                </a:solidFill>
-                <a:latin typeface="Ubuntu"/>
-                <a:ea typeface="Ubuntu"/>
-                <a:cs typeface="Ubuntu"/>
-                <a:sym typeface="Ubuntu"/>
-              </a:defRPr>
-            </a:pPr>
-            <a:r>
-              <a:rPr>
-                <a:latin typeface="PingFang HK Regular"/>
-                <a:ea typeface="PingFang HK Regular"/>
-                <a:cs typeface="PingFang HK Regular"/>
-                <a:sym typeface="PingFang HK Regular"/>
-              </a:rPr>
-              <a:t>数据真实可靠</a:t>
-            </a:r>
-            <a:endParaRPr sz="1200"/>
+              <a:t>数据无法查到完整的统计，故部分数据是认为编造</a:t>
+            </a:r>
+            <a:endParaRPr sz="1200" dirty="0"/>
           </a:p>
           <a:p>
             <a:pPr marL="742950" lvl="1" indent="-285750">
@@ -6546,13 +11121,36 @@
                 <a:sym typeface="Ubuntu"/>
               </a:defRPr>
             </a:pPr>
-            <a:endParaRPr sz="1200"/>
+            <a:endParaRPr sz="1200" dirty="0"/>
+          </a:p>
+          <a:p>
+            <a:pPr marL="742950" lvl="1" indent="-285750">
+              <a:lnSpc>
+                <a:spcPct val="150000"/>
+              </a:lnSpc>
+              <a:spcBef>
+                <a:spcPts val="500"/>
+              </a:spcBef>
+              <a:buSzPct val="100000"/>
+              <a:buFont typeface="Arial"/>
+              <a:buChar char="•"/>
+              <a:defRPr sz="1200">
+                <a:solidFill>
+                  <a:srgbClr val="808080"/>
+                </a:solidFill>
+                <a:latin typeface="Ubuntu"/>
+                <a:ea typeface="Ubuntu"/>
+                <a:cs typeface="Ubuntu"/>
+                <a:sym typeface="Ubuntu"/>
+              </a:defRPr>
+            </a:pPr>
+            <a:endParaRPr sz="1200" dirty="0"/>
           </a:p>
         </p:txBody>
       </p:sp>
       <p:sp>
         <p:nvSpPr>
-          <p:cNvPr id="148" name="Subtitle 2"/>
+          <p:cNvPr id="139" name="Subtitle 2"/>
           <p:cNvSpPr txBox="1"/>
           <p:nvPr/>
         </p:nvSpPr>
@@ -6616,7 +11214,7 @@
       </p:sp>
       <p:sp>
         <p:nvSpPr>
-          <p:cNvPr id="149" name="Slide Number Placeholder 21"/>
+          <p:cNvPr id="140" name="Slide Number Placeholder 21"/>
           <p:cNvSpPr txBox="1">
             <a:spLocks noGrp="1"/>
           </p:cNvSpPr>
@@ -6651,7 +11249,7 @@
       </p:sp>
       <p:pic>
         <p:nvPicPr>
-          <p:cNvPr id="150" name="图片 3" descr="图片 3"/>
+          <p:cNvPr id="141" name="图片 1" descr="图片 1"/>
           <p:cNvPicPr>
             <a:picLocks noChangeAspect="1"/>
           </p:cNvPicPr>
@@ -6665,8 +11263,8 @@
         </p:blipFill>
         <p:spPr>
           <a:xfrm>
-            <a:off x="208343" y="2539442"/>
-            <a:ext cx="8600972" cy="3838638"/>
+            <a:off x="571169" y="2038925"/>
+            <a:ext cx="4747308" cy="4473590"/>
           </a:xfrm>
           <a:prstGeom prst="rect">
             <a:avLst/>
@@ -6702,9 +11300,76 @@
           <a:chExt cx="0" cy="0"/>
         </a:xfrm>
       </p:grpSpPr>
+      <p:sp>
+        <p:nvSpPr>
+          <p:cNvPr id="143" name="Subtitle 2"/>
+          <p:cNvSpPr txBox="1">
+            <a:spLocks noGrp="1"/>
+          </p:cNvSpPr>
+          <p:nvPr>
+            <p:ph type="body" sz="quarter" idx="1"/>
+          </p:nvPr>
+        </p:nvSpPr>
+        <p:spPr>
+          <a:xfrm>
+            <a:off x="2415668" y="345484"/>
+            <a:ext cx="2865358" cy="586684"/>
+          </a:xfrm>
+          <a:prstGeom prst="rect">
+            <a:avLst/>
+          </a:prstGeom>
+        </p:spPr>
+        <p:txBody>
+          <a:bodyPr/>
+          <a:lstStyle/>
+          <a:p>
+            <a:pPr marL="0" indent="0">
+              <a:lnSpc>
+                <a:spcPts val="600"/>
+              </a:lnSpc>
+              <a:buSzTx/>
+              <a:buNone/>
+              <a:defRPr sz="900">
+                <a:solidFill>
+                  <a:srgbClr val="808080"/>
+                </a:solidFill>
+              </a:defRPr>
+            </a:pPr>
+            <a:r>
+              <a:t>Covid-19 </a:t>
+            </a:r>
+            <a:r>
+              <a:rPr>
+                <a:latin typeface="PingFang HK Regular"/>
+                <a:ea typeface="PingFang HK Regular"/>
+                <a:cs typeface="PingFang HK Regular"/>
+                <a:sym typeface="PingFang HK Regular"/>
+              </a:rPr>
+              <a:t>疫情分析与管理系统</a:t>
+            </a:r>
+          </a:p>
+          <a:p>
+            <a:pPr marL="0" indent="0">
+              <a:lnSpc>
+                <a:spcPts val="600"/>
+              </a:lnSpc>
+              <a:buSzTx/>
+              <a:buNone/>
+              <a:defRPr sz="900">
+                <a:solidFill>
+                  <a:srgbClr val="808080"/>
+                </a:solidFill>
+              </a:defRPr>
+            </a:pPr>
+            <a:r>
+              <a:t>Covid-19 Analysis &amp; Manage System</a:t>
+            </a:r>
+          </a:p>
+        </p:txBody>
+      </p:sp>
       <p:pic>
         <p:nvPicPr>
-          <p:cNvPr id="152" name="Graphic 5" descr="Graphic 5"/>
+          <p:cNvPr id="144" name="Graphic 4" descr="Graphic 4"/>
           <p:cNvPicPr>
             <a:picLocks noChangeAspect="1"/>
           </p:cNvPicPr>
@@ -6712,15 +11377,14 @@
         </p:nvPicPr>
         <p:blipFill>
           <a:blip r:embed="rId2"/>
-          <a:srcRect r="73397"/>
           <a:stretch>
             <a:fillRect/>
           </a:stretch>
         </p:blipFill>
         <p:spPr>
           <a:xfrm>
-            <a:off x="6917501" y="1548327"/>
-            <a:ext cx="5920676" cy="5948522"/>
+            <a:off x="345989" y="276027"/>
+            <a:ext cx="1889039" cy="504906"/>
           </a:xfrm>
           <a:prstGeom prst="rect">
             <a:avLst/>
@@ -6730,55 +11394,9 @@
           </a:ln>
         </p:spPr>
       </p:pic>
-      <p:sp>
-        <p:nvSpPr>
-          <p:cNvPr id="153" name="Subtitle 2"/>
-          <p:cNvSpPr txBox="1">
-            <a:spLocks noGrp="1"/>
-          </p:cNvSpPr>
-          <p:nvPr>
-            <p:ph type="subTitle" sz="quarter" idx="1"/>
-          </p:nvPr>
-        </p:nvSpPr>
-        <p:spPr>
-          <a:xfrm>
-            <a:off x="1524000" y="2994864"/>
-            <a:ext cx="9144000" cy="1655762"/>
-          </a:xfrm>
-          <a:prstGeom prst="rect">
-            <a:avLst/>
-          </a:prstGeom>
-        </p:spPr>
-        <p:txBody>
-          <a:bodyPr/>
-          <a:lstStyle/>
-          <a:p>
-            <a:pPr>
-              <a:defRPr sz="5400">
-                <a:solidFill>
-                  <a:srgbClr val="808080"/>
-                </a:solidFill>
-              </a:defRPr>
-            </a:pPr>
-            <a:r>
-              <a:rPr>
-                <a:latin typeface="PingFang HK Regular"/>
-                <a:ea typeface="PingFang HK Regular"/>
-                <a:cs typeface="PingFang HK Regular"/>
-                <a:sym typeface="PingFang HK Regular"/>
-              </a:rPr>
-              <a:t>谢谢</a:t>
-            </a:r>
-            <a:r>
-              <a:rPr sz="2000" i="1"/>
-              <a:t>.</a:t>
-            </a:r>
-          </a:p>
-        </p:txBody>
-      </p:sp>
       <p:pic>
         <p:nvPicPr>
-          <p:cNvPr id="154" name="Graphic 4" descr="Graphic 4"/>
+          <p:cNvPr id="145" name="Graphic 13" descr="Graphic 13"/>
           <p:cNvPicPr>
             <a:picLocks noChangeAspect="1"/>
           </p:cNvPicPr>
@@ -6786,14 +11404,15 @@
         </p:nvPicPr>
         <p:blipFill>
           <a:blip r:embed="rId3"/>
+          <a:srcRect r="71261"/>
           <a:stretch>
             <a:fillRect/>
           </a:stretch>
         </p:blipFill>
         <p:spPr>
           <a:xfrm>
-            <a:off x="4955847" y="1745197"/>
-            <a:ext cx="2280306" cy="609483"/>
+            <a:off x="6873523" y="1571478"/>
+            <a:ext cx="6396165" cy="5948522"/>
           </a:xfrm>
           <a:prstGeom prst="rect">
             <a:avLst/>
@@ -6805,14 +11424,14 @@
       </p:pic>
       <p:sp>
         <p:nvSpPr>
-          <p:cNvPr id="155" name="Subtitle 2"/>
+          <p:cNvPr id="146" name="Subtitle 2"/>
           <p:cNvSpPr txBox="1"/>
           <p:nvPr/>
         </p:nvSpPr>
         <p:spPr>
           <a:xfrm>
-            <a:off x="1569719" y="6097161"/>
-            <a:ext cx="9052562" cy="1655762"/>
+            <a:off x="715583" y="1046083"/>
+            <a:ext cx="6719318" cy="1043941"/>
           </a:xfrm>
           <a:prstGeom prst="rect">
             <a:avLst/>
@@ -6828,18 +11447,85 @@
         </p:spPr>
         <p:txBody>
           <a:bodyPr lIns="45719" rIns="45719">
-            <a:normAutofit/>
+            <a:spAutoFit/>
+          </a:bodyPr>
+          <a:lstStyle>
+            <a:lvl1pPr>
+              <a:spcBef>
+                <a:spcPts val="1000"/>
+              </a:spcBef>
+              <a:defRPr sz="5400">
+                <a:solidFill>
+                  <a:srgbClr val="C70000"/>
+                </a:solidFill>
+                <a:latin typeface="PingFang HK Semibold"/>
+                <a:ea typeface="PingFang HK Semibold"/>
+                <a:cs typeface="PingFang HK Semibold"/>
+                <a:sym typeface="PingFang HK Semibold"/>
+              </a:defRPr>
+            </a:lvl1pPr>
+          </a:lstStyle>
+          <a:p>
+            <a:pPr>
+              <a:defRPr b="1">
+                <a:latin typeface="Ubuntu"/>
+                <a:ea typeface="Ubuntu"/>
+                <a:cs typeface="Ubuntu"/>
+                <a:sym typeface="Ubuntu"/>
+              </a:defRPr>
+            </a:pPr>
+            <a:r>
+              <a:rPr b="0">
+                <a:latin typeface="PingFang HK Semibold"/>
+                <a:ea typeface="PingFang HK Semibold"/>
+                <a:cs typeface="PingFang HK Semibold"/>
+                <a:sym typeface="PingFang HK Semibold"/>
+              </a:rPr>
+              <a:t>全球疫情可视化概览</a:t>
+            </a:r>
+          </a:p>
+        </p:txBody>
+      </p:sp>
+      <p:sp>
+        <p:nvSpPr>
+          <p:cNvPr id="147" name="Subtitle 2"/>
+          <p:cNvSpPr txBox="1"/>
+          <p:nvPr/>
+        </p:nvSpPr>
+        <p:spPr>
+          <a:xfrm>
+            <a:off x="8914759" y="2179995"/>
+            <a:ext cx="3023177" cy="5209541"/>
+          </a:xfrm>
+          <a:prstGeom prst="rect">
+            <a:avLst/>
+          </a:prstGeom>
+          <a:ln w="12700">
+            <a:miter lim="400000"/>
+          </a:ln>
+          <a:extLst>
+            <a:ext uri="{C572A759-6A51-4108-AA02-DFA0A04FC94B}">
+              <ma14:wrappingTextBoxFlag xmlns:ma14="http://schemas.microsoft.com/office/mac/drawingml/2011/main" xmlns:a14="http://schemas.microsoft.com/office/drawing/2010/main" xmlns:m="http://schemas.openxmlformats.org/officeDocument/2006/math" xmlns="" val="1"/>
+            </a:ext>
+          </a:extLst>
+        </p:spPr>
+        <p:txBody>
+          <a:bodyPr lIns="45719" rIns="45719">
+            <a:spAutoFit/>
           </a:bodyPr>
           <a:lstStyle/>
           <a:p>
-            <a:pPr algn="ctr">
+            <a:pPr marL="285750" indent="-285750">
               <a:lnSpc>
-                <a:spcPct val="90000"/>
+                <a:spcPct val="150000"/>
               </a:lnSpc>
               <a:spcBef>
                 <a:spcPts val="1000"/>
               </a:spcBef>
-              <a:defRPr sz="1400">
+              <a:buSzPct val="100000"/>
+              <a:buFont typeface="Arial"/>
+              <a:buChar char="•"/>
+              <a:defRPr sz="1600">
                 <a:solidFill>
                   <a:srgbClr val="808080"/>
                 </a:solidFill>
@@ -6850,22 +11536,248 @@
               </a:defRPr>
             </a:pPr>
             <a:r>
-              <a:t>East China Normal University</a:t>
-            </a:r>
-            <a:endParaRPr sz="2400"/>
-          </a:p>
-          <a:p>
-            <a:pPr algn="ctr">
+              <a:rPr dirty="0" err="1">
+                <a:latin typeface="PingFang HK Regular"/>
+                <a:ea typeface="PingFang HK Regular"/>
+                <a:cs typeface="PingFang HK Regular"/>
+                <a:sym typeface="PingFang HK Regular"/>
+              </a:rPr>
+              <a:t>国际</a:t>
+            </a:r>
+            <a:r>
+              <a:rPr dirty="0"/>
+              <a:t>/</a:t>
+            </a:r>
+            <a:r>
+              <a:rPr dirty="0" err="1">
+                <a:latin typeface="PingFang HK Regular"/>
+                <a:ea typeface="PingFang HK Regular"/>
+                <a:cs typeface="PingFang HK Regular"/>
+                <a:sym typeface="PingFang HK Regular"/>
+              </a:rPr>
+              <a:t>国内疫情变化</a:t>
+            </a:r>
+            <a:endParaRPr dirty="0">
+              <a:latin typeface="PingFang HK Regular"/>
+              <a:ea typeface="PingFang HK Regular"/>
+              <a:cs typeface="PingFang HK Regular"/>
+              <a:sym typeface="PingFang HK Regular"/>
+            </a:endParaRPr>
+          </a:p>
+          <a:p>
+            <a:pPr marL="742950" lvl="1" indent="-285750">
               <a:lnSpc>
-                <a:spcPct val="90000"/>
+                <a:spcPct val="150000"/>
               </a:lnSpc>
+              <a:spcBef>
+                <a:spcPts val="500"/>
+              </a:spcBef>
+              <a:buSzPct val="100000"/>
+              <a:buFont typeface="Arial"/>
+              <a:buChar char="•"/>
+              <a:defRPr sz="1400">
+                <a:solidFill>
+                  <a:srgbClr val="808080"/>
+                </a:solidFill>
+                <a:latin typeface="Ubuntu"/>
+                <a:ea typeface="Ubuntu"/>
+                <a:cs typeface="Ubuntu"/>
+                <a:sym typeface="Ubuntu"/>
+              </a:defRPr>
+            </a:pPr>
+            <a:r>
+              <a:rPr dirty="0" err="1">
+                <a:latin typeface="PingFang HK Regular"/>
+                <a:ea typeface="PingFang HK Regular"/>
+                <a:cs typeface="PingFang HK Regular"/>
+                <a:sym typeface="PingFang HK Regular"/>
+              </a:rPr>
+              <a:t>可视化的比较疫情爆发几个月国际和国内的增长幅度变化</a:t>
+            </a:r>
+            <a:endParaRPr dirty="0">
+              <a:latin typeface="PingFang HK Regular"/>
+              <a:ea typeface="PingFang HK Regular"/>
+              <a:cs typeface="PingFang HK Regular"/>
+              <a:sym typeface="PingFang HK Regular"/>
+            </a:endParaRPr>
+          </a:p>
+          <a:p>
+            <a:pPr marL="742950" lvl="1" indent="-285750">
+              <a:lnSpc>
+                <a:spcPct val="150000"/>
+              </a:lnSpc>
+              <a:spcBef>
+                <a:spcPts val="500"/>
+              </a:spcBef>
+              <a:buSzPct val="100000"/>
+              <a:buFont typeface="Arial"/>
+              <a:buChar char="•"/>
+              <a:defRPr sz="1400">
+                <a:solidFill>
+                  <a:srgbClr val="808080"/>
+                </a:solidFill>
+                <a:latin typeface="Ubuntu"/>
+                <a:ea typeface="Ubuntu"/>
+                <a:cs typeface="Ubuntu"/>
+                <a:sym typeface="Ubuntu"/>
+              </a:defRPr>
+            </a:pPr>
+            <a:r>
+              <a:rPr dirty="0" err="1">
+                <a:latin typeface="PingFang HK Regular"/>
+                <a:ea typeface="PingFang HK Regular"/>
+                <a:cs typeface="PingFang HK Regular"/>
+                <a:sym typeface="PingFang HK Regular"/>
+              </a:rPr>
+              <a:t>增设隐藏对应选项数据的按钮，且会根据隐藏动态的调整纵坐标，已经根据比例动态缩放对应柱形图</a:t>
+            </a:r>
+            <a:endParaRPr dirty="0">
+              <a:latin typeface="PingFang HK Regular"/>
+              <a:ea typeface="PingFang HK Regular"/>
+              <a:cs typeface="PingFang HK Regular"/>
+              <a:sym typeface="PingFang HK Regular"/>
+            </a:endParaRPr>
+          </a:p>
+          <a:p>
+            <a:pPr marL="742950" lvl="1" indent="-285750">
+              <a:lnSpc>
+                <a:spcPct val="150000"/>
+              </a:lnSpc>
+              <a:spcBef>
+                <a:spcPts val="500"/>
+              </a:spcBef>
+              <a:buSzPct val="100000"/>
+              <a:buFont typeface="Arial"/>
+              <a:buChar char="•"/>
+              <a:defRPr sz="1400">
+                <a:solidFill>
+                  <a:srgbClr val="808080"/>
+                </a:solidFill>
+                <a:latin typeface="Ubuntu"/>
+                <a:ea typeface="Ubuntu"/>
+                <a:cs typeface="Ubuntu"/>
+                <a:sym typeface="Ubuntu"/>
+              </a:defRPr>
+            </a:pPr>
+            <a:r>
+              <a:rPr dirty="0" err="1">
+                <a:latin typeface="PingFang HK Regular"/>
+                <a:ea typeface="PingFang HK Regular"/>
+                <a:cs typeface="PingFang HK Regular"/>
+                <a:sym typeface="PingFang HK Regular"/>
+              </a:rPr>
+              <a:t>增长向上、降低向下，更加清晰</a:t>
+            </a:r>
+            <a:endParaRPr dirty="0">
+              <a:latin typeface="PingFang HK Regular"/>
+              <a:ea typeface="PingFang HK Regular"/>
+              <a:cs typeface="PingFang HK Regular"/>
+              <a:sym typeface="PingFang HK Regular"/>
+            </a:endParaRPr>
+          </a:p>
+          <a:p>
+            <a:pPr marL="742950" lvl="1" indent="-285750">
+              <a:lnSpc>
+                <a:spcPct val="150000"/>
+              </a:lnSpc>
+              <a:spcBef>
+                <a:spcPts val="500"/>
+              </a:spcBef>
+              <a:buSzPct val="100000"/>
+              <a:buFont typeface="Arial"/>
+              <a:buChar char="•"/>
+              <a:defRPr sz="1400">
+                <a:solidFill>
+                  <a:srgbClr val="808080"/>
+                </a:solidFill>
+                <a:latin typeface="Ubuntu"/>
+                <a:ea typeface="Ubuntu"/>
+                <a:cs typeface="Ubuntu"/>
+                <a:sym typeface="Ubuntu"/>
+              </a:defRPr>
+            </a:pPr>
+            <a:r>
+              <a:rPr dirty="0" err="1">
+                <a:latin typeface="PingFang HK Regular"/>
+                <a:ea typeface="PingFang HK Regular"/>
+                <a:cs typeface="PingFang HK Regular"/>
+                <a:sym typeface="PingFang HK Regular"/>
+              </a:rPr>
+              <a:t>数据真实可靠</a:t>
+            </a:r>
+            <a:endParaRPr sz="1200" dirty="0"/>
+          </a:p>
+          <a:p>
+            <a:pPr marL="742950" lvl="1" indent="-285750">
+              <a:lnSpc>
+                <a:spcPct val="150000"/>
+              </a:lnSpc>
+              <a:spcBef>
+                <a:spcPts val="500"/>
+              </a:spcBef>
+              <a:buSzPct val="100000"/>
+              <a:buFont typeface="Arial"/>
+              <a:buChar char="•"/>
+              <a:defRPr sz="1200">
+                <a:solidFill>
+                  <a:srgbClr val="808080"/>
+                </a:solidFill>
+                <a:latin typeface="Ubuntu"/>
+                <a:ea typeface="Ubuntu"/>
+                <a:cs typeface="Ubuntu"/>
+                <a:sym typeface="Ubuntu"/>
+              </a:defRPr>
+            </a:pPr>
+            <a:endParaRPr sz="1200" dirty="0"/>
+          </a:p>
+        </p:txBody>
+      </p:sp>
+      <p:sp>
+        <p:nvSpPr>
+          <p:cNvPr id="148" name="Subtitle 2"/>
+          <p:cNvSpPr txBox="1"/>
+          <p:nvPr/>
+        </p:nvSpPr>
+        <p:spPr>
+          <a:xfrm>
+            <a:off x="6919243" y="1860779"/>
+            <a:ext cx="6719318" cy="510541"/>
+          </a:xfrm>
+          <a:prstGeom prst="rect">
+            <a:avLst/>
+          </a:prstGeom>
+          <a:ln w="12700">
+            <a:miter lim="400000"/>
+          </a:ln>
+          <a:extLst>
+            <a:ext uri="{C572A759-6A51-4108-AA02-DFA0A04FC94B}">
+              <ma14:wrappingTextBoxFlag xmlns:ma14="http://schemas.microsoft.com/office/mac/drawingml/2011/main" xmlns:a14="http://schemas.microsoft.com/office/drawing/2010/main" xmlns:m="http://schemas.openxmlformats.org/officeDocument/2006/math" xmlns="" val="1"/>
+            </a:ext>
+          </a:extLst>
+        </p:spPr>
+        <p:txBody>
+          <a:bodyPr lIns="45719" rIns="45719">
+            <a:spAutoFit/>
+          </a:bodyPr>
+          <a:lstStyle>
+            <a:lvl1pPr>
               <a:spcBef>
                 <a:spcPts val="1000"/>
               </a:spcBef>
-              <a:defRPr sz="1400">
+              <a:defRPr sz="2400">
                 <a:solidFill>
                   <a:srgbClr val="808080"/>
                 </a:solidFill>
+                <a:latin typeface="PingFang HK Semibold"/>
+                <a:ea typeface="PingFang HK Semibold"/>
+                <a:cs typeface="PingFang HK Semibold"/>
+                <a:sym typeface="PingFang HK Semibold"/>
+              </a:defRPr>
+            </a:lvl1pPr>
+          </a:lstStyle>
+          <a:p>
+            <a:pPr>
+              <a:defRPr b="1">
                 <a:latin typeface="Ubuntu"/>
                 <a:ea typeface="Ubuntu"/>
                 <a:cs typeface="Ubuntu"/>
@@ -6873,11 +11785,85 @@
               </a:defRPr>
             </a:pPr>
             <a:r>
-              <a:t>2020.8</a:t>
-            </a:r>
+              <a:rPr b="0" dirty="0" err="1">
+                <a:latin typeface="PingFang HK Semibold"/>
+                <a:ea typeface="PingFang HK Semibold"/>
+                <a:cs typeface="PingFang HK Semibold"/>
+                <a:sym typeface="PingFang HK Semibold"/>
+              </a:rPr>
+              <a:t>多种类型图表结合</a:t>
+            </a:r>
+            <a:endParaRPr b="0" dirty="0">
+              <a:latin typeface="PingFang HK Semibold"/>
+              <a:ea typeface="PingFang HK Semibold"/>
+              <a:cs typeface="PingFang HK Semibold"/>
+              <a:sym typeface="PingFang HK Semibold"/>
+            </a:endParaRPr>
           </a:p>
         </p:txBody>
       </p:sp>
+      <p:sp>
+        <p:nvSpPr>
+          <p:cNvPr id="149" name="Slide Number Placeholder 21"/>
+          <p:cNvSpPr txBox="1">
+            <a:spLocks noGrp="1"/>
+          </p:cNvSpPr>
+          <p:nvPr>
+            <p:ph type="sldNum" sz="quarter" idx="2"/>
+          </p:nvPr>
+        </p:nvSpPr>
+        <p:spPr>
+          <a:xfrm>
+            <a:off x="11164902" y="6404292"/>
+            <a:ext cx="188898" cy="269241"/>
+          </a:xfrm>
+          <a:prstGeom prst="rect">
+            <a:avLst/>
+          </a:prstGeom>
+          <a:extLst>
+            <a:ext uri="{C572A759-6A51-4108-AA02-DFA0A04FC94B}">
+              <ma14:wrappingTextBoxFlag xmlns:ma14="http://schemas.microsoft.com/office/mac/drawingml/2011/main" xmlns:a14="http://schemas.microsoft.com/office/drawing/2010/main" xmlns:m="http://schemas.openxmlformats.org/officeDocument/2006/math" xmlns="" val="1"/>
+            </a:ext>
+          </a:extLst>
+        </p:spPr>
+        <p:txBody>
+          <a:bodyPr/>
+          <a:lstStyle/>
+          <a:p>
+            <a:fld id="{86CB4B4D-7CA3-9044-876B-883B54F8677D}" type="slidenum">
+              <a:t>8</a:t>
+            </a:fld>
+            <a:endParaRPr/>
+          </a:p>
+        </p:txBody>
+      </p:sp>
+      <p:pic>
+        <p:nvPicPr>
+          <p:cNvPr id="150" name="图片 3" descr="图片 3"/>
+          <p:cNvPicPr>
+            <a:picLocks noChangeAspect="1"/>
+          </p:cNvPicPr>
+          <p:nvPr/>
+        </p:nvPicPr>
+        <p:blipFill>
+          <a:blip r:embed="rId4"/>
+          <a:stretch>
+            <a:fillRect/>
+          </a:stretch>
+        </p:blipFill>
+        <p:spPr>
+          <a:xfrm>
+            <a:off x="208343" y="2539442"/>
+            <a:ext cx="8600972" cy="3838638"/>
+          </a:xfrm>
+          <a:prstGeom prst="rect">
+            <a:avLst/>
+          </a:prstGeom>
+          <a:ln w="12700">
+            <a:miter lim="400000"/>
+          </a:ln>
+        </p:spPr>
+      </p:pic>
     </p:spTree>
   </p:cSld>
   <p:clrMapOvr>
@@ -6906,7 +11892,7 @@
       </p:grpSpPr>
       <p:sp>
         <p:nvSpPr>
-          <p:cNvPr id="157" name="Subtitle 2"/>
+          <p:cNvPr id="143" name="Subtitle 2"/>
           <p:cNvSpPr txBox="1">
             <a:spLocks noGrp="1"/>
           </p:cNvSpPr>
@@ -6973,7 +11959,7 @@
       </p:sp>
       <p:pic>
         <p:nvPicPr>
-          <p:cNvPr id="158" name="Graphic 4" descr="Graphic 4"/>
+          <p:cNvPr id="144" name="Graphic 4" descr="Graphic 4"/>
           <p:cNvPicPr>
             <a:picLocks noChangeAspect="1"/>
           </p:cNvPicPr>
@@ -7000,7 +11986,7 @@
       </p:pic>
       <p:pic>
         <p:nvPicPr>
-          <p:cNvPr id="159" name="Graphic 13" descr="Graphic 13"/>
+          <p:cNvPr id="145" name="Graphic 13" descr="Graphic 13"/>
           <p:cNvPicPr>
             <a:picLocks noChangeAspect="1"/>
           </p:cNvPicPr>
@@ -7015,8 +12001,8 @@
         </p:blipFill>
         <p:spPr>
           <a:xfrm>
-            <a:off x="6917501" y="1548327"/>
-            <a:ext cx="6396164" cy="5948522"/>
+            <a:off x="6873523" y="1571478"/>
+            <a:ext cx="6396165" cy="5948522"/>
           </a:xfrm>
           <a:prstGeom prst="rect">
             <a:avLst/>
@@ -7028,14 +12014,14 @@
       </p:pic>
       <p:sp>
         <p:nvSpPr>
-          <p:cNvPr id="160" name="Subtitle 2"/>
+          <p:cNvPr id="146" name="Subtitle 2"/>
           <p:cNvSpPr txBox="1"/>
           <p:nvPr/>
         </p:nvSpPr>
         <p:spPr>
           <a:xfrm>
-            <a:off x="715583" y="981371"/>
-            <a:ext cx="6719318" cy="1043941"/>
+            <a:off x="715583" y="1046083"/>
+            <a:ext cx="6719318" cy="923330"/>
           </a:xfrm>
           <a:prstGeom prst="rect">
             <a:avLst/>
@@ -7053,47 +12039,59 @@
           <a:bodyPr lIns="45719" rIns="45719">
             <a:spAutoFit/>
           </a:bodyPr>
-          <a:lstStyle/>
-          <a:p>
-            <a:pPr>
+          <a:lstStyle>
+            <a:lvl1pPr>
               <a:spcBef>
                 <a:spcPts val="1000"/>
               </a:spcBef>
-              <a:defRPr sz="5400" b="1">
+              <a:defRPr sz="5400">
                 <a:solidFill>
                   <a:srgbClr val="C70000"/>
                 </a:solidFill>
-                <a:latin typeface="Ubuntu"/>
-                <a:ea typeface="Ubuntu"/>
-                <a:cs typeface="Ubuntu"/>
-                <a:sym typeface="Ubuntu"/>
-              </a:defRPr>
-            </a:pPr>
-            <a:r>
-              <a:rPr b="0">
                 <a:latin typeface="PingFang HK Semibold"/>
                 <a:ea typeface="PingFang HK Semibold"/>
                 <a:cs typeface="PingFang HK Semibold"/>
                 <a:sym typeface="PingFang HK Semibold"/>
-              </a:rPr>
-              <a:t>图标库 </a:t>
-            </a:r>
-            <a:r>
-              <a:t>icons</a:t>
-            </a:r>
+              </a:defRPr>
+            </a:lvl1pPr>
+          </a:lstStyle>
+          <a:p>
+            <a:pPr>
+              <a:defRPr b="1">
+                <a:latin typeface="Ubuntu"/>
+                <a:ea typeface="Ubuntu"/>
+                <a:cs typeface="Ubuntu"/>
+                <a:sym typeface="Ubuntu"/>
+              </a:defRPr>
+            </a:pPr>
+            <a:r>
+              <a:rPr lang="zh-CN" altLang="en-US" b="0" dirty="0">
+                <a:latin typeface="PingFang HK Semibold"/>
+                <a:ea typeface="PingFang HK Semibold"/>
+                <a:cs typeface="PingFang HK Semibold"/>
+                <a:sym typeface="PingFang HK Semibold"/>
+              </a:rPr>
+              <a:t>最新确诊病人情况</a:t>
+            </a:r>
+            <a:endParaRPr b="0" dirty="0">
+              <a:latin typeface="PingFang HK Semibold"/>
+              <a:ea typeface="PingFang HK Semibold"/>
+              <a:cs typeface="PingFang HK Semibold"/>
+              <a:sym typeface="PingFang HK Semibold"/>
+            </a:endParaRPr>
           </a:p>
         </p:txBody>
       </p:sp>
       <p:sp>
         <p:nvSpPr>
-          <p:cNvPr id="161" name="Subtitle 2"/>
+          <p:cNvPr id="147" name="Subtitle 2"/>
           <p:cNvSpPr txBox="1"/>
           <p:nvPr/>
         </p:nvSpPr>
         <p:spPr>
           <a:xfrm>
-            <a:off x="715583" y="2246829"/>
-            <a:ext cx="6719318" cy="1913891"/>
+            <a:off x="8914759" y="1867478"/>
+            <a:ext cx="3023177" cy="4585486"/>
           </a:xfrm>
           <a:prstGeom prst="rect">
             <a:avLst/>
@@ -7113,14 +12111,20 @@
           </a:bodyPr>
           <a:lstStyle/>
           <a:p>
-            <a:pPr>
+            <a:pPr marL="285750" indent="-285750">
               <a:lnSpc>
                 <a:spcPct val="150000"/>
               </a:lnSpc>
               <a:spcBef>
                 <a:spcPts val="1000"/>
               </a:spcBef>
+              <a:buSzPct val="100000"/>
+              <a:buFont typeface="Arial"/>
+              <a:buChar char="•"/>
               <a:defRPr sz="1600">
+                <a:solidFill>
+                  <a:srgbClr val="808080"/>
+                </a:solidFill>
                 <a:latin typeface="Ubuntu"/>
                 <a:ea typeface="Ubuntu"/>
                 <a:cs typeface="Ubuntu"/>
@@ -7128,34 +12132,27 @@
               </a:defRPr>
             </a:pPr>
             <a:r>
-              <a:rPr u="sng">
-                <a:solidFill>
-                  <a:srgbClr val="0563C1"/>
-                </a:solidFill>
-                <a:uFill>
-                  <a:solidFill>
-                    <a:srgbClr val="0563C1"/>
-                  </a:solidFill>
-                </a:uFill>
-                <a:hlinkClick r:id="rId4"/>
-              </a:rPr>
-              <a:t>https://materialdesignicons.com/</a:t>
-            </a:r>
-            <a:endParaRPr>
-              <a:solidFill>
-                <a:srgbClr val="808080"/>
-              </a:solidFill>
-            </a:endParaRPr>
-          </a:p>
-          <a:p>
-            <a:pPr>
+              <a:rPr lang="zh-CN" altLang="en-US" dirty="0">
+                <a:latin typeface="PingFang HK Regular"/>
+                <a:ea typeface="PingFang HK Regular"/>
+                <a:cs typeface="PingFang HK Regular"/>
+                <a:sym typeface="PingFang HK Regular"/>
+              </a:rPr>
+              <a:t>最新确诊病人情况</a:t>
+            </a:r>
+          </a:p>
+          <a:p>
+            <a:pPr marL="742950" lvl="1" indent="-285750">
               <a:lnSpc>
                 <a:spcPct val="150000"/>
               </a:lnSpc>
               <a:spcBef>
-                <a:spcPts val="1000"/>
+                <a:spcPts val="500"/>
               </a:spcBef>
-              <a:defRPr sz="1600">
+              <a:buSzPct val="100000"/>
+              <a:buFont typeface="Arial"/>
+              <a:buChar char="•"/>
+              <a:defRPr sz="1400">
                 <a:solidFill>
                   <a:srgbClr val="808080"/>
                 </a:solidFill>
@@ -7166,24 +12163,55 @@
               </a:defRPr>
             </a:pPr>
             <a:r>
-              <a:rPr>
+              <a:rPr dirty="0" err="1">
                 <a:latin typeface="PingFang HK Regular"/>
                 <a:ea typeface="PingFang HK Regular"/>
                 <a:cs typeface="PingFang HK Regular"/>
                 <a:sym typeface="PingFang HK Regular"/>
               </a:rPr>
-              <a:t>里面啥都有。</a:t>
-            </a:r>
-          </a:p>
-          <a:p>
-            <a:pPr>
+              <a:t>数据</a:t>
+            </a:r>
+            <a:r>
+              <a:rPr lang="zh-CN" altLang="en-US" dirty="0">
+                <a:latin typeface="PingFang HK Regular"/>
+                <a:ea typeface="PingFang HK Regular"/>
+                <a:cs typeface="PingFang HK Regular"/>
+                <a:sym typeface="PingFang HK Regular"/>
+              </a:rPr>
+              <a:t>与数据库匹配，动态</a:t>
+            </a:r>
+            <a:r>
+              <a:rPr lang="zh-CN" altLang="en-US" sz="1400" dirty="0">
+                <a:solidFill>
+                  <a:srgbClr val="808080"/>
+                </a:solidFill>
+                <a:latin typeface="PingFang HK Regular"/>
+                <a:ea typeface="PingFang HK Regular"/>
+                <a:sym typeface="PingFang HK Regular"/>
+              </a:rPr>
+              <a:t>展示</a:t>
+            </a:r>
+            <a:endParaRPr lang="en-US" altLang="zh-CN" sz="1400" dirty="0">
+              <a:solidFill>
+                <a:srgbClr val="808080"/>
+              </a:solidFill>
+              <a:latin typeface="PingFang HK Regular"/>
+              <a:ea typeface="PingFang HK Regular"/>
+              <a:sym typeface="PingFang HK Regular"/>
+            </a:endParaRPr>
+          </a:p>
+          <a:p>
+            <a:pPr marL="742950" lvl="1" indent="-285750">
               <a:lnSpc>
                 <a:spcPct val="150000"/>
               </a:lnSpc>
               <a:spcBef>
-                <a:spcPts val="1000"/>
+                <a:spcPts val="500"/>
               </a:spcBef>
-              <a:defRPr sz="1600">
+              <a:buSzPct val="100000"/>
+              <a:buFont typeface="Arial"/>
+              <a:buChar char="•"/>
+              <a:defRPr sz="1400">
                 <a:solidFill>
                   <a:srgbClr val="808080"/>
                 </a:solidFill>
@@ -7194,79 +12222,134 @@
               </a:defRPr>
             </a:pPr>
             <a:r>
-              <a:rPr>
+              <a:rPr lang="zh-CN" altLang="en-US" sz="1400" dirty="0">
+                <a:solidFill>
+                  <a:srgbClr val="808080"/>
+                </a:solidFill>
                 <a:latin typeface="PingFang HK Regular"/>
                 <a:ea typeface="PingFang HK Regular"/>
-                <a:cs typeface="PingFang HK Regular"/>
                 <a:sym typeface="PingFang HK Regular"/>
               </a:rPr>
-              <a:t>打开图标保存 </a:t>
-            </a:r>
-            <a:r>
-              <a:t>svg</a:t>
-            </a:r>
-            <a:r>
-              <a:rPr>
+              <a:t>在前端，对数据进行了一定的处理展示（例如隐去姓名，模糊出生日期）</a:t>
+            </a:r>
+            <a:endParaRPr lang="en-US" altLang="zh-CN" sz="1400" dirty="0">
+              <a:solidFill>
+                <a:srgbClr val="808080"/>
+              </a:solidFill>
+              <a:latin typeface="PingFang HK Regular"/>
+              <a:ea typeface="PingFang HK Regular"/>
+              <a:sym typeface="PingFang HK Regular"/>
+            </a:endParaRPr>
+          </a:p>
+          <a:p>
+            <a:pPr marL="742950" lvl="1" indent="-285750">
+              <a:lnSpc>
+                <a:spcPct val="150000"/>
+              </a:lnSpc>
+              <a:spcBef>
+                <a:spcPts val="500"/>
+              </a:spcBef>
+              <a:buSzPct val="100000"/>
+              <a:buFont typeface="Arial"/>
+              <a:buChar char="•"/>
+              <a:defRPr sz="1400">
+                <a:solidFill>
+                  <a:srgbClr val="808080"/>
+                </a:solidFill>
+                <a:latin typeface="Ubuntu"/>
+                <a:ea typeface="Ubuntu"/>
+                <a:cs typeface="Ubuntu"/>
+                <a:sym typeface="Ubuntu"/>
+              </a:defRPr>
+            </a:pPr>
+            <a:r>
+              <a:rPr lang="zh-CN" altLang="en-US" sz="1400" dirty="0">
+                <a:solidFill>
+                  <a:srgbClr val="808080"/>
+                </a:solidFill>
                 <a:latin typeface="PingFang HK Regular"/>
                 <a:ea typeface="PingFang HK Regular"/>
-                <a:cs typeface="PingFang HK Regular"/>
                 <a:sym typeface="PingFang HK Regular"/>
               </a:rPr>
-              <a:t> 即可。</a:t>
-            </a:r>
+              <a:t>在前端通过数据处理，显示当前新增病例以及较前一天的变化情况，同时通过数据处理展示累计情况</a:t>
+            </a:r>
+            <a:endParaRPr lang="en-US" altLang="zh-CN" sz="1400" dirty="0">
+              <a:solidFill>
+                <a:srgbClr val="808080"/>
+              </a:solidFill>
+              <a:latin typeface="PingFang HK Regular"/>
+              <a:ea typeface="PingFang HK Regular"/>
+              <a:sym typeface="PingFang HK Regular"/>
+            </a:endParaRPr>
+          </a:p>
+          <a:p>
+            <a:pPr marL="742950" lvl="1" indent="-285750">
+              <a:lnSpc>
+                <a:spcPct val="150000"/>
+              </a:lnSpc>
+              <a:spcBef>
+                <a:spcPts val="500"/>
+              </a:spcBef>
+              <a:buSzPct val="100000"/>
+              <a:buFont typeface="Arial"/>
+              <a:buChar char="•"/>
+              <a:defRPr sz="1400">
+                <a:solidFill>
+                  <a:srgbClr val="808080"/>
+                </a:solidFill>
+                <a:latin typeface="Ubuntu"/>
+                <a:ea typeface="Ubuntu"/>
+                <a:cs typeface="Ubuntu"/>
+                <a:sym typeface="Ubuntu"/>
+              </a:defRPr>
+            </a:pPr>
+            <a:r>
+              <a:rPr lang="zh-CN" altLang="en-US" sz="1400" dirty="0">
+                <a:solidFill>
+                  <a:srgbClr val="808080"/>
+                </a:solidFill>
+                <a:latin typeface="PingFang HK Regular"/>
+                <a:ea typeface="PingFang HK Regular"/>
+                <a:sym typeface="PingFang HK Regular"/>
+              </a:rPr>
+              <a:t>最新确诊患者信息可以对相应的列按照一定顺序排序</a:t>
+            </a:r>
+            <a:endParaRPr sz="1400" dirty="0">
+              <a:solidFill>
+                <a:srgbClr val="808080"/>
+              </a:solidFill>
+              <a:latin typeface="PingFang HK Regular"/>
+              <a:ea typeface="PingFang HK Regular"/>
+            </a:endParaRPr>
+          </a:p>
+          <a:p>
+            <a:pPr marL="742950" lvl="1" indent="-285750">
+              <a:lnSpc>
+                <a:spcPct val="150000"/>
+              </a:lnSpc>
+              <a:spcBef>
+                <a:spcPts val="500"/>
+              </a:spcBef>
+              <a:buSzPct val="100000"/>
+              <a:buFont typeface="Arial"/>
+              <a:buChar char="•"/>
+              <a:defRPr sz="1200">
+                <a:solidFill>
+                  <a:srgbClr val="808080"/>
+                </a:solidFill>
+                <a:latin typeface="Ubuntu"/>
+                <a:ea typeface="Ubuntu"/>
+                <a:cs typeface="Ubuntu"/>
+                <a:sym typeface="Ubuntu"/>
+              </a:defRPr>
+            </a:pPr>
+            <a:endParaRPr sz="1200" dirty="0"/>
           </a:p>
         </p:txBody>
       </p:sp>
       <p:sp>
         <p:nvSpPr>
-          <p:cNvPr id="162" name="Date Placeholder 19"/>
-          <p:cNvSpPr txBox="1"/>
-          <p:nvPr/>
-        </p:nvSpPr>
-        <p:spPr>
-          <a:xfrm>
-            <a:off x="883919" y="6404292"/>
-            <a:ext cx="2651762" cy="269241"/>
-          </a:xfrm>
-          <a:prstGeom prst="rect">
-            <a:avLst/>
-          </a:prstGeom>
-          <a:ln w="12700">
-            <a:miter lim="400000"/>
-          </a:ln>
-          <a:extLst>
-            <a:ext uri="{C572A759-6A51-4108-AA02-DFA0A04FC94B}">
-              <ma14:wrappingTextBoxFlag xmlns:ma14="http://schemas.microsoft.com/office/mac/drawingml/2011/main" xmlns:a14="http://schemas.microsoft.com/office/drawing/2010/main" xmlns:m="http://schemas.openxmlformats.org/officeDocument/2006/math" xmlns="" val="1"/>
-            </a:ext>
-          </a:extLst>
-        </p:spPr>
-        <p:txBody>
-          <a:bodyPr lIns="45719" rIns="45719" anchor="ctr">
-            <a:spAutoFit/>
-          </a:bodyPr>
-          <a:lstStyle>
-            <a:lvl1pPr>
-              <a:defRPr sz="1200">
-                <a:solidFill>
-                  <a:srgbClr val="888888"/>
-                </a:solidFill>
-                <a:latin typeface="Ubuntu"/>
-                <a:ea typeface="Ubuntu"/>
-                <a:cs typeface="Ubuntu"/>
-                <a:sym typeface="Ubuntu"/>
-              </a:defRPr>
-            </a:lvl1pPr>
-          </a:lstStyle>
-          <a:p>
-            <a:r>
-              <a:t>8/25/20</a:t>
-            </a:r>
-          </a:p>
-        </p:txBody>
-      </p:sp>
-      <p:sp>
-        <p:nvSpPr>
-          <p:cNvPr id="163" name="Slide Number Placeholder 21"/>
+          <p:cNvPr id="149" name="Slide Number Placeholder 21"/>
           <p:cNvSpPr txBox="1">
             <a:spLocks noGrp="1"/>
           </p:cNvSpPr>
@@ -7301,32 +12384,40 @@
       </p:sp>
       <p:pic>
         <p:nvPicPr>
-          <p:cNvPr id="164" name="Graphic 5" descr="Graphic 5"/>
+          <p:cNvPr id="2" name="图片 1">
+            <a:extLst>
+              <a:ext uri="{FF2B5EF4-FFF2-40B4-BE49-F238E27FC236}">
+                <a16:creationId xmlns:a16="http://schemas.microsoft.com/office/drawing/2014/main" id="{55837C6D-60DF-144C-B7DF-8DB7F0AFA537}"/>
+              </a:ext>
+            </a:extLst>
+          </p:cNvPr>
           <p:cNvPicPr>
             <a:picLocks noChangeAspect="1"/>
           </p:cNvPicPr>
           <p:nvPr/>
         </p:nvPicPr>
         <p:blipFill>
-          <a:blip r:embed="rId5"/>
+          <a:blip r:embed="rId4"/>
           <a:stretch>
             <a:fillRect/>
           </a:stretch>
         </p:blipFill>
         <p:spPr>
           <a:xfrm>
-            <a:off x="4969716" y="932167"/>
-            <a:ext cx="1016669" cy="1016669"/>
-          </a:xfrm>
-          <a:prstGeom prst="rect">
-            <a:avLst/>
-          </a:prstGeom>
-          <a:ln w="12700">
-            <a:miter lim="400000"/>
-          </a:ln>
+            <a:off x="254064" y="2494807"/>
+            <a:ext cx="8383112" cy="3454579"/>
+          </a:xfrm>
+          <a:prstGeom prst="rect">
+            <a:avLst/>
+          </a:prstGeom>
         </p:spPr>
       </p:pic>
     </p:spTree>
+    <p:extLst>
+      <p:ext uri="{BB962C8B-B14F-4D97-AF65-F5344CB8AC3E}">
+        <p14:creationId xmlns:p14="http://schemas.microsoft.com/office/powerpoint/2010/main" val="1836977618"/>
+      </p:ext>
+    </p:extLst>
   </p:cSld>
   <p:clrMapOvr>
     <a:masterClrMapping/>

--- a/docs/report.pptx
+++ b/docs/report.pptx
@@ -328,6 +328,11 @@
       </a:defRPr>
     </a:lvl9pPr>
   </p:defaultTextStyle>
+  <p:extLst>
+    <p:ext uri="{EFAFB233-063F-42B5-8137-9DF3F51BA10A}">
+      <p15:sldGuideLst xmlns:p15="http://schemas.microsoft.com/office/powerpoint/2012/main"/>
+    </p:ext>
+  </p:extLst>
 </p:presentation>
 </file>
 
@@ -2191,7 +2196,7 @@
           </a:ln>
           <a:extLst>
             <a:ext uri="{C572A759-6A51-4108-AA02-DFA0A04FC94B}">
-              <ma14:wrappingTextBoxFlag xmlns:ma14="http://schemas.microsoft.com/office/mac/drawingml/2011/main" xmlns:a14="http://schemas.microsoft.com/office/drawing/2010/main" xmlns:m="http://schemas.openxmlformats.org/officeDocument/2006/math" xmlns="" val="1"/>
+              <ma14:wrappingTextBoxFlag xmlns="" xmlns:m="http://schemas.openxmlformats.org/officeDocument/2006/math" xmlns:a14="http://schemas.microsoft.com/office/drawing/2010/main" xmlns:ma14="http://schemas.microsoft.com/office/mac/drawingml/2011/main" val="1"/>
             </a:ext>
           </a:extLst>
         </p:spPr>
@@ -2230,7 +2235,7 @@
           </a:ln>
           <a:extLst>
             <a:ext uri="{C572A759-6A51-4108-AA02-DFA0A04FC94B}">
-              <ma14:wrappingTextBoxFlag xmlns:ma14="http://schemas.microsoft.com/office/mac/drawingml/2011/main" xmlns:a14="http://schemas.microsoft.com/office/drawing/2010/main" xmlns:m="http://schemas.openxmlformats.org/officeDocument/2006/math" xmlns="" val="1"/>
+              <ma14:wrappingTextBoxFlag xmlns="" xmlns:m="http://schemas.openxmlformats.org/officeDocument/2006/math" xmlns:a14="http://schemas.microsoft.com/office/drawing/2010/main" xmlns:ma14="http://schemas.microsoft.com/office/mac/drawingml/2011/main" val="1"/>
             </a:ext>
           </a:extLst>
         </p:spPr>
@@ -3194,7 +3199,7 @@
           </a:ln>
           <a:extLst>
             <a:ext uri="{C572A759-6A51-4108-AA02-DFA0A04FC94B}">
-              <ma14:wrappingTextBoxFlag xmlns:ma14="http://schemas.microsoft.com/office/mac/drawingml/2011/main" xmlns:a14="http://schemas.microsoft.com/office/drawing/2010/main" xmlns:m="http://schemas.openxmlformats.org/officeDocument/2006/math" xmlns="" val="1"/>
+              <ma14:wrappingTextBoxFlag xmlns="" xmlns:m="http://schemas.openxmlformats.org/officeDocument/2006/math" xmlns:a14="http://schemas.microsoft.com/office/drawing/2010/main" xmlns:ma14="http://schemas.microsoft.com/office/mac/drawingml/2011/main" val="1"/>
             </a:ext>
           </a:extLst>
         </p:spPr>
@@ -3269,7 +3274,7 @@
           </a:ln>
           <a:extLst>
             <a:ext uri="{C572A759-6A51-4108-AA02-DFA0A04FC94B}">
-              <ma14:wrappingTextBoxFlag xmlns:ma14="http://schemas.microsoft.com/office/mac/drawingml/2011/main" xmlns:a14="http://schemas.microsoft.com/office/drawing/2010/main" xmlns:m="http://schemas.openxmlformats.org/officeDocument/2006/math" xmlns="" val="1"/>
+              <ma14:wrappingTextBoxFlag xmlns="" xmlns:m="http://schemas.openxmlformats.org/officeDocument/2006/math" xmlns:a14="http://schemas.microsoft.com/office/drawing/2010/main" xmlns:ma14="http://schemas.microsoft.com/office/mac/drawingml/2011/main" val="1"/>
             </a:ext>
           </a:extLst>
         </p:spPr>
@@ -3581,7 +3586,7 @@
           </a:ln>
           <a:extLst>
             <a:ext uri="{C572A759-6A51-4108-AA02-DFA0A04FC94B}">
-              <ma14:wrappingTextBoxFlag xmlns:ma14="http://schemas.microsoft.com/office/mac/drawingml/2011/main" xmlns:a14="http://schemas.microsoft.com/office/drawing/2010/main" xmlns:m="http://schemas.openxmlformats.org/officeDocument/2006/math" xmlns="" val="1"/>
+              <ma14:wrappingTextBoxFlag xmlns="" xmlns:m="http://schemas.openxmlformats.org/officeDocument/2006/math" xmlns:a14="http://schemas.microsoft.com/office/drawing/2010/main" xmlns:ma14="http://schemas.microsoft.com/office/mac/drawingml/2011/main" val="1"/>
             </a:ext>
           </a:extLst>
         </p:spPr>
@@ -3633,7 +3638,7 @@
           </a:ln>
           <a:extLst>
             <a:ext uri="{C572A759-6A51-4108-AA02-DFA0A04FC94B}">
-              <ma14:wrappingTextBoxFlag xmlns:ma14="http://schemas.microsoft.com/office/mac/drawingml/2011/main" xmlns:a14="http://schemas.microsoft.com/office/drawing/2010/main" xmlns:m="http://schemas.openxmlformats.org/officeDocument/2006/math" xmlns="" val="1"/>
+              <ma14:wrappingTextBoxFlag xmlns="" xmlns:m="http://schemas.openxmlformats.org/officeDocument/2006/math" xmlns:a14="http://schemas.microsoft.com/office/drawing/2010/main" xmlns:ma14="http://schemas.microsoft.com/office/mac/drawingml/2011/main" val="1"/>
             </a:ext>
           </a:extLst>
         </p:spPr>
@@ -3762,7 +3767,7 @@
           </a:prstGeom>
           <a:extLst>
             <a:ext uri="{C572A759-6A51-4108-AA02-DFA0A04FC94B}">
-              <ma14:wrappingTextBoxFlag xmlns:ma14="http://schemas.microsoft.com/office/mac/drawingml/2011/main" xmlns:a14="http://schemas.microsoft.com/office/drawing/2010/main" xmlns:m="http://schemas.openxmlformats.org/officeDocument/2006/math" xmlns="" val="1"/>
+              <ma14:wrappingTextBoxFlag xmlns="" xmlns:m="http://schemas.openxmlformats.org/officeDocument/2006/math" xmlns:a14="http://schemas.microsoft.com/office/drawing/2010/main" xmlns:ma14="http://schemas.microsoft.com/office/mac/drawingml/2011/main" val="1"/>
             </a:ext>
           </a:extLst>
         </p:spPr>
@@ -3985,7 +3990,7 @@
           </a:ln>
           <a:extLst>
             <a:ext uri="{C572A759-6A51-4108-AA02-DFA0A04FC94B}">
-              <ma14:wrappingTextBoxFlag xmlns:ma14="http://schemas.microsoft.com/office/mac/drawingml/2011/main" xmlns:a14="http://schemas.microsoft.com/office/drawing/2010/main" xmlns:m="http://schemas.openxmlformats.org/officeDocument/2006/math" xmlns="" val="1"/>
+              <ma14:wrappingTextBoxFlag xmlns="" xmlns:m="http://schemas.openxmlformats.org/officeDocument/2006/math" xmlns:a14="http://schemas.microsoft.com/office/drawing/2010/main" xmlns:ma14="http://schemas.microsoft.com/office/mac/drawingml/2011/main" val="1"/>
             </a:ext>
           </a:extLst>
         </p:spPr>
@@ -4037,7 +4042,7 @@
           </a:ln>
           <a:extLst>
             <a:ext uri="{C572A759-6A51-4108-AA02-DFA0A04FC94B}">
-              <ma14:wrappingTextBoxFlag xmlns:ma14="http://schemas.microsoft.com/office/mac/drawingml/2011/main" xmlns:a14="http://schemas.microsoft.com/office/drawing/2010/main" xmlns:m="http://schemas.openxmlformats.org/officeDocument/2006/math" xmlns="" val="1"/>
+              <ma14:wrappingTextBoxFlag xmlns="" xmlns:m="http://schemas.openxmlformats.org/officeDocument/2006/math" xmlns:a14="http://schemas.microsoft.com/office/drawing/2010/main" xmlns:ma14="http://schemas.microsoft.com/office/mac/drawingml/2011/main" val="1"/>
             </a:ext>
           </a:extLst>
         </p:spPr>
@@ -4199,7 +4204,7 @@
           </a:prstGeom>
           <a:extLst>
             <a:ext uri="{C572A759-6A51-4108-AA02-DFA0A04FC94B}">
-              <ma14:wrappingTextBoxFlag xmlns:ma14="http://schemas.microsoft.com/office/mac/drawingml/2011/main" xmlns:a14="http://schemas.microsoft.com/office/drawing/2010/main" xmlns:m="http://schemas.openxmlformats.org/officeDocument/2006/math" xmlns="" val="1"/>
+              <ma14:wrappingTextBoxFlag xmlns="" xmlns:m="http://schemas.openxmlformats.org/officeDocument/2006/math" xmlns:a14="http://schemas.microsoft.com/office/drawing/2010/main" xmlns:ma14="http://schemas.microsoft.com/office/mac/drawingml/2011/main" val="1"/>
             </a:ext>
           </a:extLst>
         </p:spPr>
@@ -4239,7 +4244,7 @@
           </a:ln>
           <a:extLst>
             <a:ext uri="{C572A759-6A51-4108-AA02-DFA0A04FC94B}">
-              <ma14:wrappingTextBoxFlag xmlns:ma14="http://schemas.microsoft.com/office/mac/drawingml/2011/main" xmlns:a14="http://schemas.microsoft.com/office/drawing/2010/main" xmlns:m="http://schemas.openxmlformats.org/officeDocument/2006/math" xmlns="" val="1"/>
+              <ma14:wrappingTextBoxFlag xmlns="" xmlns:m="http://schemas.openxmlformats.org/officeDocument/2006/math" xmlns:a14="http://schemas.microsoft.com/office/drawing/2010/main" xmlns:ma14="http://schemas.microsoft.com/office/mac/drawingml/2011/main" val="1"/>
             </a:ext>
           </a:extLst>
         </p:spPr>
@@ -4534,7 +4539,7 @@
           </a:ln>
           <a:extLst>
             <a:ext uri="{C572A759-6A51-4108-AA02-DFA0A04FC94B}">
-              <ma14:wrappingTextBoxFlag xmlns:ma14="http://schemas.microsoft.com/office/mac/drawingml/2011/main" xmlns:a14="http://schemas.microsoft.com/office/drawing/2010/main" xmlns:m="http://schemas.openxmlformats.org/officeDocument/2006/math" xmlns="" val="1"/>
+              <ma14:wrappingTextBoxFlag xmlns="" xmlns:m="http://schemas.openxmlformats.org/officeDocument/2006/math" xmlns:a14="http://schemas.microsoft.com/office/drawing/2010/main" xmlns:ma14="http://schemas.microsoft.com/office/mac/drawingml/2011/main" val="1"/>
             </a:ext>
           </a:extLst>
         </p:spPr>
@@ -4586,7 +4591,7 @@
           </a:ln>
           <a:extLst>
             <a:ext uri="{C572A759-6A51-4108-AA02-DFA0A04FC94B}">
-              <ma14:wrappingTextBoxFlag xmlns:ma14="http://schemas.microsoft.com/office/mac/drawingml/2011/main" xmlns:a14="http://schemas.microsoft.com/office/drawing/2010/main" xmlns:m="http://schemas.openxmlformats.org/officeDocument/2006/math" xmlns="" val="1"/>
+              <ma14:wrappingTextBoxFlag xmlns="" xmlns:m="http://schemas.openxmlformats.org/officeDocument/2006/math" xmlns:a14="http://schemas.microsoft.com/office/drawing/2010/main" xmlns:ma14="http://schemas.microsoft.com/office/mac/drawingml/2011/main" val="1"/>
             </a:ext>
           </a:extLst>
         </p:spPr>
@@ -4725,7 +4730,7 @@
           </a:prstGeom>
           <a:extLst>
             <a:ext uri="{C572A759-6A51-4108-AA02-DFA0A04FC94B}">
-              <ma14:wrappingTextBoxFlag xmlns:ma14="http://schemas.microsoft.com/office/mac/drawingml/2011/main" xmlns:a14="http://schemas.microsoft.com/office/drawing/2010/main" xmlns:m="http://schemas.openxmlformats.org/officeDocument/2006/math" xmlns="" val="1"/>
+              <ma14:wrappingTextBoxFlag xmlns="" xmlns:m="http://schemas.openxmlformats.org/officeDocument/2006/math" xmlns:a14="http://schemas.microsoft.com/office/drawing/2010/main" xmlns:ma14="http://schemas.microsoft.com/office/mac/drawingml/2011/main" val="1"/>
             </a:ext>
           </a:extLst>
         </p:spPr>
@@ -4984,7 +4989,7 @@
           </a:ln>
           <a:extLst>
             <a:ext uri="{C572A759-6A51-4108-AA02-DFA0A04FC94B}">
-              <ma14:wrappingTextBoxFlag xmlns:ma14="http://schemas.microsoft.com/office/mac/drawingml/2011/main" xmlns:a14="http://schemas.microsoft.com/office/drawing/2010/main" xmlns:m="http://schemas.openxmlformats.org/officeDocument/2006/math" xmlns="" val="1"/>
+              <ma14:wrappingTextBoxFlag xmlns="" xmlns:m="http://schemas.openxmlformats.org/officeDocument/2006/math" xmlns:a14="http://schemas.microsoft.com/office/drawing/2010/main" xmlns:ma14="http://schemas.microsoft.com/office/mac/drawingml/2011/main" val="1"/>
             </a:ext>
           </a:extLst>
         </p:spPr>
@@ -5036,7 +5041,7 @@
           </a:ln>
           <a:extLst>
             <a:ext uri="{C572A759-6A51-4108-AA02-DFA0A04FC94B}">
-              <ma14:wrappingTextBoxFlag xmlns:ma14="http://schemas.microsoft.com/office/mac/drawingml/2011/main" xmlns:a14="http://schemas.microsoft.com/office/drawing/2010/main" xmlns:m="http://schemas.openxmlformats.org/officeDocument/2006/math" xmlns="" val="1"/>
+              <ma14:wrappingTextBoxFlag xmlns="" xmlns:m="http://schemas.openxmlformats.org/officeDocument/2006/math" xmlns:a14="http://schemas.microsoft.com/office/drawing/2010/main" xmlns:ma14="http://schemas.microsoft.com/office/mac/drawingml/2011/main" val="1"/>
             </a:ext>
           </a:extLst>
         </p:spPr>
@@ -5247,7 +5252,7 @@
           </a:prstGeom>
           <a:extLst>
             <a:ext uri="{C572A759-6A51-4108-AA02-DFA0A04FC94B}">
-              <ma14:wrappingTextBoxFlag xmlns:ma14="http://schemas.microsoft.com/office/mac/drawingml/2011/main" xmlns:a14="http://schemas.microsoft.com/office/drawing/2010/main" xmlns:m="http://schemas.openxmlformats.org/officeDocument/2006/math" xmlns="" val="1"/>
+              <ma14:wrappingTextBoxFlag xmlns="" xmlns:m="http://schemas.openxmlformats.org/officeDocument/2006/math" xmlns:a14="http://schemas.microsoft.com/office/drawing/2010/main" xmlns:ma14="http://schemas.microsoft.com/office/mac/drawingml/2011/main" val="1"/>
             </a:ext>
           </a:extLst>
         </p:spPr>
@@ -5470,7 +5475,7 @@
           </a:ln>
           <a:extLst>
             <a:ext uri="{C572A759-6A51-4108-AA02-DFA0A04FC94B}">
-              <ma14:wrappingTextBoxFlag xmlns:ma14="http://schemas.microsoft.com/office/mac/drawingml/2011/main" xmlns:a14="http://schemas.microsoft.com/office/drawing/2010/main" xmlns:m="http://schemas.openxmlformats.org/officeDocument/2006/math" xmlns="" val="1"/>
+              <ma14:wrappingTextBoxFlag xmlns="" xmlns:m="http://schemas.openxmlformats.org/officeDocument/2006/math" xmlns:a14="http://schemas.microsoft.com/office/drawing/2010/main" xmlns:ma14="http://schemas.microsoft.com/office/mac/drawingml/2011/main" val="1"/>
             </a:ext>
           </a:extLst>
         </p:spPr>
@@ -5523,7 +5528,7 @@
           </a:prstGeom>
           <a:extLst>
             <a:ext uri="{C572A759-6A51-4108-AA02-DFA0A04FC94B}">
-              <ma14:wrappingTextBoxFlag xmlns:ma14="http://schemas.microsoft.com/office/mac/drawingml/2011/main" xmlns:a14="http://schemas.microsoft.com/office/drawing/2010/main" xmlns:m="http://schemas.openxmlformats.org/officeDocument/2006/math" xmlns="" val="1"/>
+              <ma14:wrappingTextBoxFlag xmlns="" xmlns:m="http://schemas.openxmlformats.org/officeDocument/2006/math" xmlns:a14="http://schemas.microsoft.com/office/drawing/2010/main" xmlns:ma14="http://schemas.microsoft.com/office/mac/drawingml/2011/main" val="1"/>
             </a:ext>
           </a:extLst>
         </p:spPr>
@@ -5563,7 +5568,7 @@
           </a:ln>
           <a:extLst>
             <a:ext uri="{C572A759-6A51-4108-AA02-DFA0A04FC94B}">
-              <ma14:wrappingTextBoxFlag xmlns:ma14="http://schemas.microsoft.com/office/mac/drawingml/2011/main" xmlns:a14="http://schemas.microsoft.com/office/drawing/2010/main" xmlns:m="http://schemas.openxmlformats.org/officeDocument/2006/math" xmlns="" val="1"/>
+              <ma14:wrappingTextBoxFlag xmlns="" xmlns:m="http://schemas.openxmlformats.org/officeDocument/2006/math" xmlns:a14="http://schemas.microsoft.com/office/drawing/2010/main" xmlns:ma14="http://schemas.microsoft.com/office/mac/drawingml/2011/main" val="1"/>
             </a:ext>
           </a:extLst>
         </p:spPr>
@@ -5829,7 +5834,7 @@
           </a:ln>
           <a:extLst>
             <a:ext uri="{C572A759-6A51-4108-AA02-DFA0A04FC94B}">
-              <ma14:wrappingTextBoxFlag xmlns:ma14="http://schemas.microsoft.com/office/mac/drawingml/2011/main" xmlns:a14="http://schemas.microsoft.com/office/drawing/2010/main" xmlns:m="http://schemas.openxmlformats.org/officeDocument/2006/math" xmlns="" val="1"/>
+              <ma14:wrappingTextBoxFlag xmlns="" xmlns:m="http://schemas.openxmlformats.org/officeDocument/2006/math" xmlns:a14="http://schemas.microsoft.com/office/drawing/2010/main" xmlns:ma14="http://schemas.microsoft.com/office/mac/drawingml/2011/main" val="1"/>
             </a:ext>
           </a:extLst>
         </p:spPr>
@@ -5882,7 +5887,7 @@
           </a:prstGeom>
           <a:extLst>
             <a:ext uri="{C572A759-6A51-4108-AA02-DFA0A04FC94B}">
-              <ma14:wrappingTextBoxFlag xmlns:ma14="http://schemas.microsoft.com/office/mac/drawingml/2011/main" xmlns:a14="http://schemas.microsoft.com/office/drawing/2010/main" xmlns:m="http://schemas.openxmlformats.org/officeDocument/2006/math" xmlns="" val="1"/>
+              <ma14:wrappingTextBoxFlag xmlns="" xmlns:m="http://schemas.openxmlformats.org/officeDocument/2006/math" xmlns:a14="http://schemas.microsoft.com/office/drawing/2010/main" xmlns:ma14="http://schemas.microsoft.com/office/mac/drawingml/2011/main" val="1"/>
             </a:ext>
           </a:extLst>
         </p:spPr>
@@ -5922,7 +5927,7 @@
           </a:ln>
           <a:extLst>
             <a:ext uri="{C572A759-6A51-4108-AA02-DFA0A04FC94B}">
-              <ma14:wrappingTextBoxFlag xmlns:ma14="http://schemas.microsoft.com/office/mac/drawingml/2011/main" xmlns:a14="http://schemas.microsoft.com/office/drawing/2010/main" xmlns:m="http://schemas.openxmlformats.org/officeDocument/2006/math" xmlns="" val="1"/>
+              <ma14:wrappingTextBoxFlag xmlns="" xmlns:m="http://schemas.openxmlformats.org/officeDocument/2006/math" xmlns:a14="http://schemas.microsoft.com/office/drawing/2010/main" xmlns:ma14="http://schemas.microsoft.com/office/mac/drawingml/2011/main" val="1"/>
             </a:ext>
           </a:extLst>
         </p:spPr>
@@ -6188,7 +6193,7 @@
           </a:ln>
           <a:extLst>
             <a:ext uri="{C572A759-6A51-4108-AA02-DFA0A04FC94B}">
-              <ma14:wrappingTextBoxFlag xmlns:ma14="http://schemas.microsoft.com/office/mac/drawingml/2011/main" xmlns:a14="http://schemas.microsoft.com/office/drawing/2010/main" xmlns:m="http://schemas.openxmlformats.org/officeDocument/2006/math" xmlns="" val="1"/>
+              <ma14:wrappingTextBoxFlag xmlns="" xmlns:m="http://schemas.openxmlformats.org/officeDocument/2006/math" xmlns:a14="http://schemas.microsoft.com/office/drawing/2010/main" xmlns:ma14="http://schemas.microsoft.com/office/mac/drawingml/2011/main" val="1"/>
             </a:ext>
           </a:extLst>
         </p:spPr>
@@ -6253,7 +6258,7 @@
           </a:ln>
           <a:extLst>
             <a:ext uri="{C572A759-6A51-4108-AA02-DFA0A04FC94B}">
-              <ma14:wrappingTextBoxFlag xmlns:ma14="http://schemas.microsoft.com/office/mac/drawingml/2011/main" xmlns:a14="http://schemas.microsoft.com/office/drawing/2010/main" xmlns:m="http://schemas.openxmlformats.org/officeDocument/2006/math" xmlns="" val="1"/>
+              <ma14:wrappingTextBoxFlag xmlns="" xmlns:m="http://schemas.openxmlformats.org/officeDocument/2006/math" xmlns:a14="http://schemas.microsoft.com/office/drawing/2010/main" xmlns:ma14="http://schemas.microsoft.com/office/mac/drawingml/2011/main" val="1"/>
             </a:ext>
           </a:extLst>
         </p:spPr>
@@ -6385,7 +6390,7 @@
           </a:prstGeom>
           <a:extLst>
             <a:ext uri="{C572A759-6A51-4108-AA02-DFA0A04FC94B}">
-              <ma14:wrappingTextBoxFlag xmlns:ma14="http://schemas.microsoft.com/office/mac/drawingml/2011/main" xmlns:a14="http://schemas.microsoft.com/office/drawing/2010/main" xmlns:m="http://schemas.openxmlformats.org/officeDocument/2006/math" xmlns="" val="1"/>
+              <ma14:wrappingTextBoxFlag xmlns="" xmlns:m="http://schemas.openxmlformats.org/officeDocument/2006/math" xmlns:a14="http://schemas.microsoft.com/office/drawing/2010/main" xmlns:ma14="http://schemas.microsoft.com/office/mac/drawingml/2011/main" val="1"/>
             </a:ext>
           </a:extLst>
         </p:spPr>
@@ -6572,7 +6577,7 @@
           </a:ln>
           <a:extLst>
             <a:ext uri="{C572A759-6A51-4108-AA02-DFA0A04FC94B}">
-              <ma14:wrappingTextBoxFlag xmlns:ma14="http://schemas.microsoft.com/office/mac/drawingml/2011/main" xmlns:a14="http://schemas.microsoft.com/office/drawing/2010/main" xmlns:m="http://schemas.openxmlformats.org/officeDocument/2006/math" xmlns="" val="1"/>
+              <ma14:wrappingTextBoxFlag xmlns="" xmlns:m="http://schemas.openxmlformats.org/officeDocument/2006/math" xmlns:a14="http://schemas.microsoft.com/office/drawing/2010/main" xmlns:ma14="http://schemas.microsoft.com/office/mac/drawingml/2011/main" val="1"/>
             </a:ext>
           </a:extLst>
         </p:spPr>
@@ -6642,7 +6647,7 @@
           </a:ln>
           <a:extLst>
             <a:ext uri="{C572A759-6A51-4108-AA02-DFA0A04FC94B}">
-              <ma14:wrappingTextBoxFlag xmlns:ma14="http://schemas.microsoft.com/office/mac/drawingml/2011/main" xmlns:a14="http://schemas.microsoft.com/office/drawing/2010/main" xmlns:m="http://schemas.openxmlformats.org/officeDocument/2006/math" xmlns="" val="1"/>
+              <ma14:wrappingTextBoxFlag xmlns="" xmlns:m="http://schemas.openxmlformats.org/officeDocument/2006/math" xmlns:a14="http://schemas.microsoft.com/office/drawing/2010/main" xmlns:ma14="http://schemas.microsoft.com/office/mac/drawingml/2011/main" val="1"/>
             </a:ext>
           </a:extLst>
         </p:spPr>
@@ -6841,7 +6846,7 @@
           </a:prstGeom>
           <a:extLst>
             <a:ext uri="{C572A759-6A51-4108-AA02-DFA0A04FC94B}">
-              <ma14:wrappingTextBoxFlag xmlns:ma14="http://schemas.microsoft.com/office/mac/drawingml/2011/main" xmlns:a14="http://schemas.microsoft.com/office/drawing/2010/main" xmlns:m="http://schemas.openxmlformats.org/officeDocument/2006/math" xmlns="" val="1"/>
+              <ma14:wrappingTextBoxFlag xmlns="" xmlns:m="http://schemas.openxmlformats.org/officeDocument/2006/math" xmlns:a14="http://schemas.microsoft.com/office/drawing/2010/main" xmlns:ma14="http://schemas.microsoft.com/office/mac/drawingml/2011/main" val="1"/>
             </a:ext>
           </a:extLst>
         </p:spPr>
@@ -7118,7 +7123,7 @@
           </a:ln>
           <a:extLst>
             <a:ext uri="{C572A759-6A51-4108-AA02-DFA0A04FC94B}">
-              <ma14:wrappingTextBoxFlag xmlns:ma14="http://schemas.microsoft.com/office/mac/drawingml/2011/main" xmlns:a14="http://schemas.microsoft.com/office/drawing/2010/main" xmlns:m="http://schemas.openxmlformats.org/officeDocument/2006/math" xmlns="" val="1"/>
+              <ma14:wrappingTextBoxFlag xmlns="" xmlns:m="http://schemas.openxmlformats.org/officeDocument/2006/math" xmlns:a14="http://schemas.microsoft.com/office/drawing/2010/main" xmlns:ma14="http://schemas.microsoft.com/office/mac/drawingml/2011/main" val="1"/>
             </a:ext>
           </a:extLst>
         </p:spPr>
@@ -7184,7 +7189,7 @@
           </a:prstGeom>
           <a:extLst>
             <a:ext uri="{C572A759-6A51-4108-AA02-DFA0A04FC94B}">
-              <ma14:wrappingTextBoxFlag xmlns:ma14="http://schemas.microsoft.com/office/mac/drawingml/2011/main" xmlns:a14="http://schemas.microsoft.com/office/drawing/2010/main" xmlns:m="http://schemas.openxmlformats.org/officeDocument/2006/math" xmlns="" val="1"/>
+              <ma14:wrappingTextBoxFlag xmlns="" xmlns:m="http://schemas.openxmlformats.org/officeDocument/2006/math" xmlns:a14="http://schemas.microsoft.com/office/drawing/2010/main" xmlns:ma14="http://schemas.microsoft.com/office/mac/drawingml/2011/main" val="1"/>
             </a:ext>
           </a:extLst>
         </p:spPr>
@@ -7308,7 +7313,9 @@
           </a:prstGeom>
         </p:spPr>
         <p:txBody>
-          <a:bodyPr/>
+          <a:bodyPr>
+            <a:normAutofit/>
+          </a:bodyPr>
           <a:lstStyle/>
           <a:p>
             <a:pPr>
@@ -7319,7 +7326,7 @@
               </a:defRPr>
             </a:pPr>
             <a:r>
-              <a:rPr>
+              <a:rPr sz="4000" dirty="0" err="1">
                 <a:latin typeface="PingFang HK Regular"/>
                 <a:ea typeface="PingFang HK Regular"/>
                 <a:cs typeface="PingFang HK Regular"/>
@@ -7328,7 +7335,7 @@
               <a:t>谢谢</a:t>
             </a:r>
             <a:r>
-              <a:rPr sz="2000" i="1"/>
+              <a:rPr sz="1400" i="1" dirty="0"/>
               <a:t>.</a:t>
             </a:r>
           </a:p>
@@ -7380,7 +7387,7 @@
           </a:ln>
           <a:extLst>
             <a:ext uri="{C572A759-6A51-4108-AA02-DFA0A04FC94B}">
-              <ma14:wrappingTextBoxFlag xmlns:ma14="http://schemas.microsoft.com/office/mac/drawingml/2011/main" xmlns:a14="http://schemas.microsoft.com/office/drawing/2010/main" xmlns:m="http://schemas.openxmlformats.org/officeDocument/2006/math" xmlns="" val="1"/>
+              <ma14:wrappingTextBoxFlag xmlns="" xmlns:m="http://schemas.openxmlformats.org/officeDocument/2006/math" xmlns:a14="http://schemas.microsoft.com/office/drawing/2010/main" xmlns:ma14="http://schemas.microsoft.com/office/mac/drawingml/2011/main" val="1"/>
             </a:ext>
           </a:extLst>
         </p:spPr>
@@ -7603,7 +7610,7 @@
           </a:ln>
           <a:extLst>
             <a:ext uri="{C572A759-6A51-4108-AA02-DFA0A04FC94B}">
-              <ma14:wrappingTextBoxFlag xmlns:ma14="http://schemas.microsoft.com/office/mac/drawingml/2011/main" xmlns:a14="http://schemas.microsoft.com/office/drawing/2010/main" xmlns:m="http://schemas.openxmlformats.org/officeDocument/2006/math" xmlns="" val="1"/>
+              <ma14:wrappingTextBoxFlag xmlns="" xmlns:m="http://schemas.openxmlformats.org/officeDocument/2006/math" xmlns:a14="http://schemas.microsoft.com/office/drawing/2010/main" xmlns:ma14="http://schemas.microsoft.com/office/mac/drawingml/2011/main" val="1"/>
             </a:ext>
           </a:extLst>
         </p:spPr>
@@ -7657,7 +7664,7 @@
         <p:spPr>
           <a:xfrm>
             <a:off x="715583" y="2246829"/>
-            <a:ext cx="6719318" cy="4460241"/>
+            <a:ext cx="6719318" cy="4073744"/>
           </a:xfrm>
           <a:prstGeom prst="rect">
             <a:avLst/>
@@ -7667,7 +7674,7 @@
           </a:ln>
           <a:extLst>
             <a:ext uri="{C572A759-6A51-4108-AA02-DFA0A04FC94B}">
-              <ma14:wrappingTextBoxFlag xmlns:ma14="http://schemas.microsoft.com/office/mac/drawingml/2011/main" xmlns:a14="http://schemas.microsoft.com/office/drawing/2010/main" xmlns:m="http://schemas.openxmlformats.org/officeDocument/2006/math" xmlns="" val="1"/>
+              <ma14:wrappingTextBoxFlag xmlns="" xmlns:m="http://schemas.openxmlformats.org/officeDocument/2006/math" xmlns:a14="http://schemas.microsoft.com/office/drawing/2010/main" xmlns:ma14="http://schemas.microsoft.com/office/mac/drawingml/2011/main" val="1"/>
             </a:ext>
           </a:extLst>
         </p:spPr>
@@ -8188,7 +8195,7 @@
                 <a:cs typeface="PingFang HK Semibold"/>
                 <a:sym typeface="PingFang HK Semibold"/>
               </a:rPr>
-              <a:t>四十百万</a:t>
+              <a:t>四百万</a:t>
             </a:r>
             <a:r>
               <a:rPr dirty="0" err="1">
@@ -8231,7 +8238,7 @@
           </a:prstGeom>
           <a:extLst>
             <a:ext uri="{C572A759-6A51-4108-AA02-DFA0A04FC94B}">
-              <ma14:wrappingTextBoxFlag xmlns:ma14="http://schemas.microsoft.com/office/mac/drawingml/2011/main" xmlns:a14="http://schemas.microsoft.com/office/drawing/2010/main" xmlns:m="http://schemas.openxmlformats.org/officeDocument/2006/math" xmlns="" val="1"/>
+              <ma14:wrappingTextBoxFlag xmlns="" xmlns:m="http://schemas.openxmlformats.org/officeDocument/2006/math" xmlns:a14="http://schemas.microsoft.com/office/drawing/2010/main" xmlns:ma14="http://schemas.microsoft.com/office/mac/drawingml/2011/main" val="1"/>
             </a:ext>
           </a:extLst>
         </p:spPr>
@@ -8443,7 +8450,7 @@
           </a:ln>
           <a:extLst>
             <a:ext uri="{C572A759-6A51-4108-AA02-DFA0A04FC94B}">
-              <ma14:wrappingTextBoxFlag xmlns:ma14="http://schemas.microsoft.com/office/mac/drawingml/2011/main" xmlns:a14="http://schemas.microsoft.com/office/drawing/2010/main" xmlns:m="http://schemas.openxmlformats.org/officeDocument/2006/math" xmlns="" val="1"/>
+              <ma14:wrappingTextBoxFlag xmlns="" xmlns:m="http://schemas.openxmlformats.org/officeDocument/2006/math" xmlns:a14="http://schemas.microsoft.com/office/drawing/2010/main" xmlns:ma14="http://schemas.microsoft.com/office/mac/drawingml/2011/main" val="1"/>
             </a:ext>
           </a:extLst>
         </p:spPr>
@@ -8507,7 +8514,7 @@
           </a:ln>
           <a:extLst>
             <a:ext uri="{C572A759-6A51-4108-AA02-DFA0A04FC94B}">
-              <ma14:wrappingTextBoxFlag xmlns:ma14="http://schemas.microsoft.com/office/mac/drawingml/2011/main" xmlns:a14="http://schemas.microsoft.com/office/drawing/2010/main" xmlns:m="http://schemas.openxmlformats.org/officeDocument/2006/math" xmlns="" val="1"/>
+              <ma14:wrappingTextBoxFlag xmlns="" xmlns:m="http://schemas.openxmlformats.org/officeDocument/2006/math" xmlns:a14="http://schemas.microsoft.com/office/drawing/2010/main" xmlns:ma14="http://schemas.microsoft.com/office/mac/drawingml/2011/main" val="1"/>
             </a:ext>
           </a:extLst>
         </p:spPr>
@@ -8721,7 +8728,7 @@
           </a:ln>
           <a:extLst>
             <a:ext uri="{C572A759-6A51-4108-AA02-DFA0A04FC94B}">
-              <ma14:wrappingTextBoxFlag xmlns:ma14="http://schemas.microsoft.com/office/mac/drawingml/2011/main" xmlns:a14="http://schemas.microsoft.com/office/drawing/2010/main" xmlns:m="http://schemas.openxmlformats.org/officeDocument/2006/math" xmlns="" val="1"/>
+              <ma14:wrappingTextBoxFlag xmlns="" xmlns:m="http://schemas.openxmlformats.org/officeDocument/2006/math" xmlns:a14="http://schemas.microsoft.com/office/drawing/2010/main" xmlns:ma14="http://schemas.microsoft.com/office/mac/drawingml/2011/main" val="1"/>
             </a:ext>
           </a:extLst>
         </p:spPr>
@@ -8780,7 +8787,7 @@
           </a:prstGeom>
           <a:extLst>
             <a:ext uri="{C572A759-6A51-4108-AA02-DFA0A04FC94B}">
-              <ma14:wrappingTextBoxFlag xmlns:ma14="http://schemas.microsoft.com/office/mac/drawingml/2011/main" xmlns:a14="http://schemas.microsoft.com/office/drawing/2010/main" xmlns:m="http://schemas.openxmlformats.org/officeDocument/2006/math" xmlns="" val="1"/>
+              <ma14:wrappingTextBoxFlag xmlns="" xmlns:m="http://schemas.openxmlformats.org/officeDocument/2006/math" xmlns:a14="http://schemas.microsoft.com/office/drawing/2010/main" xmlns:ma14="http://schemas.microsoft.com/office/mac/drawingml/2011/main" val="1"/>
             </a:ext>
           </a:extLst>
         </p:spPr>
@@ -8989,7 +8996,7 @@
           </a:ln>
           <a:extLst>
             <a:ext uri="{C572A759-6A51-4108-AA02-DFA0A04FC94B}">
-              <ma14:wrappingTextBoxFlag xmlns:ma14="http://schemas.microsoft.com/office/mac/drawingml/2011/main" xmlns:a14="http://schemas.microsoft.com/office/drawing/2010/main" xmlns:m="http://schemas.openxmlformats.org/officeDocument/2006/math" xmlns="" val="1"/>
+              <ma14:wrappingTextBoxFlag xmlns="" xmlns:m="http://schemas.openxmlformats.org/officeDocument/2006/math" xmlns:a14="http://schemas.microsoft.com/office/drawing/2010/main" xmlns:ma14="http://schemas.microsoft.com/office/mac/drawingml/2011/main" val="1"/>
             </a:ext>
           </a:extLst>
         </p:spPr>
@@ -9059,7 +9066,7 @@
           </a:ln>
           <a:extLst>
             <a:ext uri="{C572A759-6A51-4108-AA02-DFA0A04FC94B}">
-              <ma14:wrappingTextBoxFlag xmlns:ma14="http://schemas.microsoft.com/office/mac/drawingml/2011/main" xmlns:a14="http://schemas.microsoft.com/office/drawing/2010/main" xmlns:m="http://schemas.openxmlformats.org/officeDocument/2006/math" xmlns="" val="1"/>
+              <ma14:wrappingTextBoxFlag xmlns="" xmlns:m="http://schemas.openxmlformats.org/officeDocument/2006/math" xmlns:a14="http://schemas.microsoft.com/office/drawing/2010/main" xmlns:ma14="http://schemas.microsoft.com/office/mac/drawingml/2011/main" val="1"/>
             </a:ext>
           </a:extLst>
         </p:spPr>
@@ -9287,7 +9294,7 @@
           </a:ln>
           <a:extLst>
             <a:ext uri="{C572A759-6A51-4108-AA02-DFA0A04FC94B}">
-              <ma14:wrappingTextBoxFlag xmlns:ma14="http://schemas.microsoft.com/office/mac/drawingml/2011/main" xmlns:a14="http://schemas.microsoft.com/office/drawing/2010/main" xmlns:m="http://schemas.openxmlformats.org/officeDocument/2006/math" xmlns="" val="1"/>
+              <ma14:wrappingTextBoxFlag xmlns="" xmlns:m="http://schemas.openxmlformats.org/officeDocument/2006/math" xmlns:a14="http://schemas.microsoft.com/office/drawing/2010/main" xmlns:ma14="http://schemas.microsoft.com/office/mac/drawingml/2011/main" val="1"/>
             </a:ext>
           </a:extLst>
         </p:spPr>
@@ -9339,7 +9346,7 @@
           </a:prstGeom>
           <a:extLst>
             <a:ext uri="{C572A759-6A51-4108-AA02-DFA0A04FC94B}">
-              <ma14:wrappingTextBoxFlag xmlns:ma14="http://schemas.microsoft.com/office/mac/drawingml/2011/main" xmlns:a14="http://schemas.microsoft.com/office/drawing/2010/main" xmlns:m="http://schemas.openxmlformats.org/officeDocument/2006/math" xmlns="" val="1"/>
+              <ma14:wrappingTextBoxFlag xmlns="" xmlns:m="http://schemas.openxmlformats.org/officeDocument/2006/math" xmlns:a14="http://schemas.microsoft.com/office/drawing/2010/main" xmlns:ma14="http://schemas.microsoft.com/office/mac/drawingml/2011/main" val="1"/>
             </a:ext>
           </a:extLst>
         </p:spPr>
@@ -9556,7 +9563,7 @@
           </a:ln>
           <a:extLst>
             <a:ext uri="{C572A759-6A51-4108-AA02-DFA0A04FC94B}">
-              <ma14:wrappingTextBoxFlag xmlns:ma14="http://schemas.microsoft.com/office/mac/drawingml/2011/main" xmlns:a14="http://schemas.microsoft.com/office/drawing/2010/main" xmlns:m="http://schemas.openxmlformats.org/officeDocument/2006/math" xmlns="" val="1"/>
+              <ma14:wrappingTextBoxFlag xmlns="" xmlns:m="http://schemas.openxmlformats.org/officeDocument/2006/math" xmlns:a14="http://schemas.microsoft.com/office/drawing/2010/main" xmlns:ma14="http://schemas.microsoft.com/office/mac/drawingml/2011/main" val="1"/>
             </a:ext>
           </a:extLst>
         </p:spPr>
@@ -9620,7 +9627,7 @@
           </a:ln>
           <a:extLst>
             <a:ext uri="{C572A759-6A51-4108-AA02-DFA0A04FC94B}">
-              <ma14:wrappingTextBoxFlag xmlns:ma14="http://schemas.microsoft.com/office/mac/drawingml/2011/main" xmlns:a14="http://schemas.microsoft.com/office/drawing/2010/main" xmlns:m="http://schemas.openxmlformats.org/officeDocument/2006/math" xmlns="" val="1"/>
+              <ma14:wrappingTextBoxFlag xmlns="" xmlns:m="http://schemas.openxmlformats.org/officeDocument/2006/math" xmlns:a14="http://schemas.microsoft.com/office/drawing/2010/main" xmlns:ma14="http://schemas.microsoft.com/office/mac/drawingml/2011/main" val="1"/>
             </a:ext>
           </a:extLst>
         </p:spPr>
@@ -9889,7 +9896,7 @@
           </a:ln>
           <a:extLst>
             <a:ext uri="{C572A759-6A51-4108-AA02-DFA0A04FC94B}">
-              <ma14:wrappingTextBoxFlag xmlns:ma14="http://schemas.microsoft.com/office/mac/drawingml/2011/main" xmlns:a14="http://schemas.microsoft.com/office/drawing/2010/main" xmlns:m="http://schemas.openxmlformats.org/officeDocument/2006/math" xmlns="" val="1"/>
+              <ma14:wrappingTextBoxFlag xmlns="" xmlns:m="http://schemas.openxmlformats.org/officeDocument/2006/math" xmlns:a14="http://schemas.microsoft.com/office/drawing/2010/main" xmlns:ma14="http://schemas.microsoft.com/office/mac/drawingml/2011/main" val="1"/>
             </a:ext>
           </a:extLst>
         </p:spPr>
@@ -9954,7 +9961,7 @@
           </a:prstGeom>
           <a:extLst>
             <a:ext uri="{C572A759-6A51-4108-AA02-DFA0A04FC94B}">
-              <ma14:wrappingTextBoxFlag xmlns:ma14="http://schemas.microsoft.com/office/mac/drawingml/2011/main" xmlns:a14="http://schemas.microsoft.com/office/drawing/2010/main" xmlns:m="http://schemas.openxmlformats.org/officeDocument/2006/math" xmlns="" val="1"/>
+              <ma14:wrappingTextBoxFlag xmlns="" xmlns:m="http://schemas.openxmlformats.org/officeDocument/2006/math" xmlns:a14="http://schemas.microsoft.com/office/drawing/2010/main" xmlns:ma14="http://schemas.microsoft.com/office/mac/drawingml/2011/main" val="1"/>
             </a:ext>
           </a:extLst>
         </p:spPr>
@@ -10163,7 +10170,7 @@
           </a:ln>
           <a:extLst>
             <a:ext uri="{C572A759-6A51-4108-AA02-DFA0A04FC94B}">
-              <ma14:wrappingTextBoxFlag xmlns:ma14="http://schemas.microsoft.com/office/mac/drawingml/2011/main" xmlns:a14="http://schemas.microsoft.com/office/drawing/2010/main" xmlns:m="http://schemas.openxmlformats.org/officeDocument/2006/math" xmlns="" val="1"/>
+              <ma14:wrappingTextBoxFlag xmlns="" xmlns:m="http://schemas.openxmlformats.org/officeDocument/2006/math" xmlns:a14="http://schemas.microsoft.com/office/drawing/2010/main" xmlns:ma14="http://schemas.microsoft.com/office/mac/drawingml/2011/main" val="1"/>
             </a:ext>
           </a:extLst>
         </p:spPr>
@@ -10233,7 +10240,7 @@
           </a:ln>
           <a:extLst>
             <a:ext uri="{C572A759-6A51-4108-AA02-DFA0A04FC94B}">
-              <ma14:wrappingTextBoxFlag xmlns:ma14="http://schemas.microsoft.com/office/mac/drawingml/2011/main" xmlns:a14="http://schemas.microsoft.com/office/drawing/2010/main" xmlns:m="http://schemas.openxmlformats.org/officeDocument/2006/math" xmlns="" val="1"/>
+              <ma14:wrappingTextBoxFlag xmlns="" xmlns:m="http://schemas.openxmlformats.org/officeDocument/2006/math" xmlns:a14="http://schemas.microsoft.com/office/drawing/2010/main" xmlns:ma14="http://schemas.microsoft.com/office/mac/drawingml/2011/main" val="1"/>
             </a:ext>
           </a:extLst>
         </p:spPr>
@@ -10526,7 +10533,7 @@
           </a:ln>
           <a:extLst>
             <a:ext uri="{C572A759-6A51-4108-AA02-DFA0A04FC94B}">
-              <ma14:wrappingTextBoxFlag xmlns:ma14="http://schemas.microsoft.com/office/mac/drawingml/2011/main" xmlns:a14="http://schemas.microsoft.com/office/drawing/2010/main" xmlns:m="http://schemas.openxmlformats.org/officeDocument/2006/math" xmlns="" val="1"/>
+              <ma14:wrappingTextBoxFlag xmlns="" xmlns:m="http://schemas.openxmlformats.org/officeDocument/2006/math" xmlns:a14="http://schemas.microsoft.com/office/drawing/2010/main" xmlns:ma14="http://schemas.microsoft.com/office/mac/drawingml/2011/main" val="1"/>
             </a:ext>
           </a:extLst>
         </p:spPr>
@@ -10597,7 +10604,7 @@
           </a:prstGeom>
           <a:extLst>
             <a:ext uri="{C572A759-6A51-4108-AA02-DFA0A04FC94B}">
-              <ma14:wrappingTextBoxFlag xmlns:ma14="http://schemas.microsoft.com/office/mac/drawingml/2011/main" xmlns:a14="http://schemas.microsoft.com/office/drawing/2010/main" xmlns:m="http://schemas.openxmlformats.org/officeDocument/2006/math" xmlns="" val="1"/>
+              <ma14:wrappingTextBoxFlag xmlns="" xmlns:m="http://schemas.openxmlformats.org/officeDocument/2006/math" xmlns:a14="http://schemas.microsoft.com/office/drawing/2010/main" xmlns:ma14="http://schemas.microsoft.com/office/mac/drawingml/2011/main" val="1"/>
             </a:ext>
           </a:extLst>
         </p:spPr>
@@ -10628,8 +10635,8 @@
         </p:blipFill>
         <p:spPr>
           <a:xfrm>
-            <a:off x="345987" y="1976505"/>
-            <a:ext cx="5244584" cy="4830290"/>
+            <a:off x="931921" y="2090024"/>
+            <a:ext cx="4840925" cy="4458518"/>
           </a:xfrm>
           <a:prstGeom prst="rect">
             <a:avLst/>
@@ -10806,7 +10813,7 @@
           </a:ln>
           <a:extLst>
             <a:ext uri="{C572A759-6A51-4108-AA02-DFA0A04FC94B}">
-              <ma14:wrappingTextBoxFlag xmlns:ma14="http://schemas.microsoft.com/office/mac/drawingml/2011/main" xmlns:a14="http://schemas.microsoft.com/office/drawing/2010/main" xmlns:m="http://schemas.openxmlformats.org/officeDocument/2006/math" xmlns="" val="1"/>
+              <ma14:wrappingTextBoxFlag xmlns="" xmlns:m="http://schemas.openxmlformats.org/officeDocument/2006/math" xmlns:a14="http://schemas.microsoft.com/office/drawing/2010/main" xmlns:ma14="http://schemas.microsoft.com/office/mac/drawingml/2011/main" val="1"/>
             </a:ext>
           </a:extLst>
         </p:spPr>
@@ -10870,7 +10877,7 @@
           </a:ln>
           <a:extLst>
             <a:ext uri="{C572A759-6A51-4108-AA02-DFA0A04FC94B}">
-              <ma14:wrappingTextBoxFlag xmlns:ma14="http://schemas.microsoft.com/office/mac/drawingml/2011/main" xmlns:a14="http://schemas.microsoft.com/office/drawing/2010/main" xmlns:m="http://schemas.openxmlformats.org/officeDocument/2006/math" xmlns="" val="1"/>
+              <ma14:wrappingTextBoxFlag xmlns="" xmlns:m="http://schemas.openxmlformats.org/officeDocument/2006/math" xmlns:a14="http://schemas.microsoft.com/office/drawing/2010/main" xmlns:ma14="http://schemas.microsoft.com/office/mac/drawingml/2011/main" val="1"/>
             </a:ext>
           </a:extLst>
         </p:spPr>
@@ -11167,7 +11174,7 @@
           </a:ln>
           <a:extLst>
             <a:ext uri="{C572A759-6A51-4108-AA02-DFA0A04FC94B}">
-              <ma14:wrappingTextBoxFlag xmlns:ma14="http://schemas.microsoft.com/office/mac/drawingml/2011/main" xmlns:a14="http://schemas.microsoft.com/office/drawing/2010/main" xmlns:m="http://schemas.openxmlformats.org/officeDocument/2006/math" xmlns="" val="1"/>
+              <ma14:wrappingTextBoxFlag xmlns="" xmlns:m="http://schemas.openxmlformats.org/officeDocument/2006/math" xmlns:a14="http://schemas.microsoft.com/office/drawing/2010/main" xmlns:ma14="http://schemas.microsoft.com/office/mac/drawingml/2011/main" val="1"/>
             </a:ext>
           </a:extLst>
         </p:spPr>
@@ -11232,7 +11239,7 @@
           </a:prstGeom>
           <a:extLst>
             <a:ext uri="{C572A759-6A51-4108-AA02-DFA0A04FC94B}">
-              <ma14:wrappingTextBoxFlag xmlns:ma14="http://schemas.microsoft.com/office/mac/drawingml/2011/main" xmlns:a14="http://schemas.microsoft.com/office/drawing/2010/main" xmlns:m="http://schemas.openxmlformats.org/officeDocument/2006/math" xmlns="" val="1"/>
+              <ma14:wrappingTextBoxFlag xmlns="" xmlns:m="http://schemas.openxmlformats.org/officeDocument/2006/math" xmlns:a14="http://schemas.microsoft.com/office/drawing/2010/main" xmlns:ma14="http://schemas.microsoft.com/office/mac/drawingml/2011/main" val="1"/>
             </a:ext>
           </a:extLst>
         </p:spPr>
@@ -11441,7 +11448,7 @@
           </a:ln>
           <a:extLst>
             <a:ext uri="{C572A759-6A51-4108-AA02-DFA0A04FC94B}">
-              <ma14:wrappingTextBoxFlag xmlns:ma14="http://schemas.microsoft.com/office/mac/drawingml/2011/main" xmlns:a14="http://schemas.microsoft.com/office/drawing/2010/main" xmlns:m="http://schemas.openxmlformats.org/officeDocument/2006/math" xmlns="" val="1"/>
+              <ma14:wrappingTextBoxFlag xmlns="" xmlns:m="http://schemas.openxmlformats.org/officeDocument/2006/math" xmlns:a14="http://schemas.microsoft.com/office/drawing/2010/main" xmlns:ma14="http://schemas.microsoft.com/office/mac/drawingml/2011/main" val="1"/>
             </a:ext>
           </a:extLst>
         </p:spPr>
@@ -11505,7 +11512,7 @@
           </a:ln>
           <a:extLst>
             <a:ext uri="{C572A759-6A51-4108-AA02-DFA0A04FC94B}">
-              <ma14:wrappingTextBoxFlag xmlns:ma14="http://schemas.microsoft.com/office/mac/drawingml/2011/main" xmlns:a14="http://schemas.microsoft.com/office/drawing/2010/main" xmlns:m="http://schemas.openxmlformats.org/officeDocument/2006/math" xmlns="" val="1"/>
+              <ma14:wrappingTextBoxFlag xmlns="" xmlns:m="http://schemas.openxmlformats.org/officeDocument/2006/math" xmlns:a14="http://schemas.microsoft.com/office/drawing/2010/main" xmlns:ma14="http://schemas.microsoft.com/office/mac/drawingml/2011/main" val="1"/>
             </a:ext>
           </a:extLst>
         </p:spPr>
@@ -11751,7 +11758,7 @@
           </a:ln>
           <a:extLst>
             <a:ext uri="{C572A759-6A51-4108-AA02-DFA0A04FC94B}">
-              <ma14:wrappingTextBoxFlag xmlns:ma14="http://schemas.microsoft.com/office/mac/drawingml/2011/main" xmlns:a14="http://schemas.microsoft.com/office/drawing/2010/main" xmlns:m="http://schemas.openxmlformats.org/officeDocument/2006/math" xmlns="" val="1"/>
+              <ma14:wrappingTextBoxFlag xmlns="" xmlns:m="http://schemas.openxmlformats.org/officeDocument/2006/math" xmlns:a14="http://schemas.microsoft.com/office/drawing/2010/main" xmlns:ma14="http://schemas.microsoft.com/office/mac/drawingml/2011/main" val="1"/>
             </a:ext>
           </a:extLst>
         </p:spPr>
@@ -11822,7 +11829,7 @@
           </a:prstGeom>
           <a:extLst>
             <a:ext uri="{C572A759-6A51-4108-AA02-DFA0A04FC94B}">
-              <ma14:wrappingTextBoxFlag xmlns:ma14="http://schemas.microsoft.com/office/mac/drawingml/2011/main" xmlns:a14="http://schemas.microsoft.com/office/drawing/2010/main" xmlns:m="http://schemas.openxmlformats.org/officeDocument/2006/math" xmlns="" val="1"/>
+              <ma14:wrappingTextBoxFlag xmlns="" xmlns:m="http://schemas.openxmlformats.org/officeDocument/2006/math" xmlns:a14="http://schemas.microsoft.com/office/drawing/2010/main" xmlns:ma14="http://schemas.microsoft.com/office/mac/drawingml/2011/main" val="1"/>
             </a:ext>
           </a:extLst>
         </p:spPr>
@@ -11853,8 +11860,8 @@
         </p:blipFill>
         <p:spPr>
           <a:xfrm>
-            <a:off x="208343" y="2539442"/>
-            <a:ext cx="8600972" cy="3838638"/>
+            <a:off x="715583" y="2492555"/>
+            <a:ext cx="8093732" cy="3612255"/>
           </a:xfrm>
           <a:prstGeom prst="rect">
             <a:avLst/>
@@ -12031,7 +12038,7 @@
           </a:ln>
           <a:extLst>
             <a:ext uri="{C572A759-6A51-4108-AA02-DFA0A04FC94B}">
-              <ma14:wrappingTextBoxFlag xmlns:ma14="http://schemas.microsoft.com/office/mac/drawingml/2011/main" xmlns:a14="http://schemas.microsoft.com/office/drawing/2010/main" xmlns:m="http://schemas.openxmlformats.org/officeDocument/2006/math" xmlns="" val="1"/>
+              <ma14:wrappingTextBoxFlag xmlns="" xmlns:m="http://schemas.openxmlformats.org/officeDocument/2006/math" xmlns:a14="http://schemas.microsoft.com/office/drawing/2010/main" xmlns:ma14="http://schemas.microsoft.com/office/mac/drawingml/2011/main" val="1"/>
             </a:ext>
           </a:extLst>
         </p:spPr>
@@ -12101,7 +12108,7 @@
           </a:ln>
           <a:extLst>
             <a:ext uri="{C572A759-6A51-4108-AA02-DFA0A04FC94B}">
-              <ma14:wrappingTextBoxFlag xmlns:ma14="http://schemas.microsoft.com/office/mac/drawingml/2011/main" xmlns:a14="http://schemas.microsoft.com/office/drawing/2010/main" xmlns:m="http://schemas.openxmlformats.org/officeDocument/2006/math" xmlns="" val="1"/>
+              <ma14:wrappingTextBoxFlag xmlns="" xmlns:m="http://schemas.openxmlformats.org/officeDocument/2006/math" xmlns:a14="http://schemas.microsoft.com/office/drawing/2010/main" xmlns:ma14="http://schemas.microsoft.com/office/mac/drawingml/2011/main" val="1"/>
             </a:ext>
           </a:extLst>
         </p:spPr>
@@ -12367,7 +12374,7 @@
           </a:prstGeom>
           <a:extLst>
             <a:ext uri="{C572A759-6A51-4108-AA02-DFA0A04FC94B}">
-              <ma14:wrappingTextBoxFlag xmlns:ma14="http://schemas.microsoft.com/office/mac/drawingml/2011/main" xmlns:a14="http://schemas.microsoft.com/office/drawing/2010/main" xmlns:m="http://schemas.openxmlformats.org/officeDocument/2006/math" xmlns="" val="1"/>
+              <ma14:wrappingTextBoxFlag xmlns="" xmlns:m="http://schemas.openxmlformats.org/officeDocument/2006/math" xmlns:a14="http://schemas.microsoft.com/office/drawing/2010/main" xmlns:ma14="http://schemas.microsoft.com/office/mac/drawingml/2011/main" val="1"/>
             </a:ext>
           </a:extLst>
         </p:spPr>
@@ -12404,8 +12411,8 @@
         </p:blipFill>
         <p:spPr>
           <a:xfrm>
-            <a:off x="254064" y="2494807"/>
-            <a:ext cx="8383112" cy="3454579"/>
+            <a:off x="715583" y="2477062"/>
+            <a:ext cx="7921593" cy="3264393"/>
           </a:xfrm>
           <a:prstGeom prst="rect">
             <a:avLst/>
